--- a/lending-club-case-study.pptx
+++ b/lending-club-case-study.pptx
@@ -6,9 +6,17 @@
   </p:sldMasterIdLst>
   <p:sldIdLst>
     <p:sldId id="256" r:id="rId2"/>
-    <p:sldId id="257" r:id="rId3"/>
-    <p:sldId id="259" r:id="rId4"/>
-    <p:sldId id="258" r:id="rId5"/>
+    <p:sldId id="263" r:id="rId3"/>
+    <p:sldId id="257" r:id="rId4"/>
+    <p:sldId id="259" r:id="rId5"/>
+    <p:sldId id="258" r:id="rId6"/>
+    <p:sldId id="261" r:id="rId7"/>
+    <p:sldId id="262" r:id="rId8"/>
+    <p:sldId id="260" r:id="rId9"/>
+    <p:sldId id="264" r:id="rId10"/>
+    <p:sldId id="265" r:id="rId11"/>
+    <p:sldId id="266" r:id="rId12"/>
+    <p:sldId id="267" r:id="rId13"/>
   </p:sldIdLst>
   <p:sldSz cx="12192000" cy="6858000"/>
   <p:notesSz cx="6858000" cy="9144000"/>
@@ -107,6 +115,11 @@
       </a:defRPr>
     </a:lvl9pPr>
   </p:defaultTextStyle>
+  <p:extLst>
+    <p:ext uri="{EFAFB233-063F-42B5-8137-9DF3F51BA10A}">
+      <p15:sldGuideLst xmlns:p15="http://schemas.microsoft.com/office/powerpoint/2012/main"/>
+    </p:ext>
+  </p:extLst>
 </p:presentation>
 </file>
 
@@ -11542,7 +11555,2930 @@
 </p:sld>
 </file>
 
+<file path=ppt/slides/slide10.xml><?xml version="1.0" encoding="utf-8"?>
+<p:sld xmlns:a="http://schemas.openxmlformats.org/drawingml/2006/main" xmlns:r="http://schemas.openxmlformats.org/officeDocument/2006/relationships" xmlns:p="http://schemas.openxmlformats.org/presentationml/2006/main">
+  <p:cSld>
+    <p:bg>
+      <p:bgPr>
+        <a:solidFill>
+          <a:schemeClr val="bg1"/>
+        </a:solidFill>
+        <a:effectLst/>
+      </p:bgPr>
+    </p:bg>
+    <p:spTree>
+      <p:nvGrpSpPr>
+        <p:cNvPr id="1" name=""/>
+        <p:cNvGrpSpPr/>
+        <p:nvPr/>
+      </p:nvGrpSpPr>
+      <p:grpSpPr>
+        <a:xfrm>
+          <a:off x="0" y="0"/>
+          <a:ext cx="0" cy="0"/>
+          <a:chOff x="0" y="0"/>
+          <a:chExt cx="0" cy="0"/>
+        </a:xfrm>
+      </p:grpSpPr>
+      <p:sp useBgFill="1">
+        <p:nvSpPr>
+          <p:cNvPr id="8" name="Rectangle 7">
+            <a:extLst>
+              <a:ext uri="{FF2B5EF4-FFF2-40B4-BE49-F238E27FC236}">
+                <a16:creationId xmlns:a16="http://schemas.microsoft.com/office/drawing/2014/main" id="{100EDD19-6802-4EC3-95CE-CFFAB042CFD6}"/>
+              </a:ext>
+              <a:ext uri="{C183D7F6-B498-43B3-948B-1728B52AA6E4}">
+                <adec:decorative xmlns:adec="http://schemas.microsoft.com/office/drawing/2017/decorative" val="1"/>
+              </a:ext>
+            </a:extLst>
+          </p:cNvPr>
+          <p:cNvSpPr>
+            <a:spLocks noGrp="1" noRot="1" noChangeAspect="1" noMove="1" noResize="1" noEditPoints="1" noAdjustHandles="1" noChangeArrowheads="1" noChangeShapeType="1" noTextEdit="1"/>
+          </p:cNvSpPr>
+          <p:nvPr>
+            <p:extLst>
+              <p:ext uri="{386F3935-93C4-4BCD-93E2-E3B085C9AB24}">
+                <p16:designElem xmlns:p16="http://schemas.microsoft.com/office/powerpoint/2015/main" val="1"/>
+              </p:ext>
+            </p:extLst>
+          </p:nvPr>
+        </p:nvSpPr>
+        <p:spPr>
+          <a:xfrm>
+            <a:off x="0" y="0"/>
+            <a:ext cx="12188952" cy="6858000"/>
+          </a:xfrm>
+          <a:prstGeom prst="rect">
+            <a:avLst/>
+          </a:prstGeom>
+          <a:ln>
+            <a:noFill/>
+          </a:ln>
+        </p:spPr>
+        <p:style>
+          <a:lnRef idx="2">
+            <a:schemeClr val="accent1">
+              <a:shade val="50000"/>
+            </a:schemeClr>
+          </a:lnRef>
+          <a:fillRef idx="1">
+            <a:schemeClr val="accent1"/>
+          </a:fillRef>
+          <a:effectRef idx="0">
+            <a:schemeClr val="accent1"/>
+          </a:effectRef>
+          <a:fontRef idx="minor">
+            <a:schemeClr val="lt1"/>
+          </a:fontRef>
+        </p:style>
+        <p:txBody>
+          <a:bodyPr rtlCol="0" anchor="ctr"/>
+          <a:lstStyle/>
+          <a:p>
+            <a:pPr algn="ctr"/>
+            <a:endParaRPr lang="en-US"/>
+          </a:p>
+        </p:txBody>
+      </p:sp>
+      <p:sp>
+        <p:nvSpPr>
+          <p:cNvPr id="2" name="Title 1">
+            <a:extLst>
+              <a:ext uri="{FF2B5EF4-FFF2-40B4-BE49-F238E27FC236}">
+                <a16:creationId xmlns:a16="http://schemas.microsoft.com/office/drawing/2014/main" id="{23578DAF-6FD9-F840-34AF-E8FABAA89291}"/>
+              </a:ext>
+            </a:extLst>
+          </p:cNvPr>
+          <p:cNvSpPr>
+            <a:spLocks noGrp="1"/>
+          </p:cNvSpPr>
+          <p:nvPr>
+            <p:ph type="title"/>
+          </p:nvPr>
+        </p:nvSpPr>
+        <p:spPr>
+          <a:xfrm>
+            <a:off x="838200" y="365125"/>
+            <a:ext cx="10515600" cy="1325563"/>
+          </a:xfrm>
+        </p:spPr>
+        <p:txBody>
+          <a:bodyPr>
+            <a:normAutofit/>
+          </a:bodyPr>
+          <a:lstStyle/>
+          <a:p>
+            <a:r>
+              <a:rPr lang="en-US" sz="5400" dirty="0"/>
+              <a:t>Summary of Bivariate analysis</a:t>
+            </a:r>
+          </a:p>
+        </p:txBody>
+      </p:sp>
+      <p:sp>
+        <p:nvSpPr>
+          <p:cNvPr id="10" name="sketch line">
+            <a:extLst>
+              <a:ext uri="{FF2B5EF4-FFF2-40B4-BE49-F238E27FC236}">
+                <a16:creationId xmlns:a16="http://schemas.microsoft.com/office/drawing/2014/main" id="{DB17E863-922E-4C26-BD64-E8FD41D28661}"/>
+              </a:ext>
+              <a:ext uri="{C183D7F6-B498-43B3-948B-1728B52AA6E4}">
+                <adec:decorative xmlns:adec="http://schemas.microsoft.com/office/drawing/2017/decorative" val="1"/>
+              </a:ext>
+            </a:extLst>
+          </p:cNvPr>
+          <p:cNvSpPr>
+            <a:spLocks noGrp="1" noRot="1" noChangeAspect="1" noMove="1" noResize="1" noEditPoints="1" noAdjustHandles="1" noChangeArrowheads="1" noChangeShapeType="1" noTextEdit="1"/>
+          </p:cNvSpPr>
+          <p:nvPr>
+            <p:extLst>
+              <p:ext uri="{386F3935-93C4-4BCD-93E2-E3B085C9AB24}">
+                <p16:designElem xmlns:p16="http://schemas.microsoft.com/office/powerpoint/2015/main" val="1"/>
+              </p:ext>
+            </p:extLst>
+          </p:nvPr>
+        </p:nvSpPr>
+        <p:spPr>
+          <a:xfrm>
+            <a:off x="669036" y="1677373"/>
+            <a:ext cx="10853928" cy="18288"/>
+          </a:xfrm>
+          <a:custGeom>
+            <a:avLst/>
+            <a:gdLst>
+              <a:gd name="connsiteX0" fmla="*/ 0 w 10853928"/>
+              <a:gd name="connsiteY0" fmla="*/ 0 h 18288"/>
+              <a:gd name="connsiteX1" fmla="*/ 461292 w 10853928"/>
+              <a:gd name="connsiteY1" fmla="*/ 0 h 18288"/>
+              <a:gd name="connsiteX2" fmla="*/ 1139662 w 10853928"/>
+              <a:gd name="connsiteY2" fmla="*/ 0 h 18288"/>
+              <a:gd name="connsiteX3" fmla="*/ 1926572 w 10853928"/>
+              <a:gd name="connsiteY3" fmla="*/ 0 h 18288"/>
+              <a:gd name="connsiteX4" fmla="*/ 2279325 w 10853928"/>
+              <a:gd name="connsiteY4" fmla="*/ 0 h 18288"/>
+              <a:gd name="connsiteX5" fmla="*/ 2632078 w 10853928"/>
+              <a:gd name="connsiteY5" fmla="*/ 0 h 18288"/>
+              <a:gd name="connsiteX6" fmla="*/ 3527527 w 10853928"/>
+              <a:gd name="connsiteY6" fmla="*/ 0 h 18288"/>
+              <a:gd name="connsiteX7" fmla="*/ 4205897 w 10853928"/>
+              <a:gd name="connsiteY7" fmla="*/ 0 h 18288"/>
+              <a:gd name="connsiteX8" fmla="*/ 4558650 w 10853928"/>
+              <a:gd name="connsiteY8" fmla="*/ 0 h 18288"/>
+              <a:gd name="connsiteX9" fmla="*/ 5237020 w 10853928"/>
+              <a:gd name="connsiteY9" fmla="*/ 0 h 18288"/>
+              <a:gd name="connsiteX10" fmla="*/ 6132469 w 10853928"/>
+              <a:gd name="connsiteY10" fmla="*/ 0 h 18288"/>
+              <a:gd name="connsiteX11" fmla="*/ 6702301 w 10853928"/>
+              <a:gd name="connsiteY11" fmla="*/ 0 h 18288"/>
+              <a:gd name="connsiteX12" fmla="*/ 7272132 w 10853928"/>
+              <a:gd name="connsiteY12" fmla="*/ 0 h 18288"/>
+              <a:gd name="connsiteX13" fmla="*/ 7950502 w 10853928"/>
+              <a:gd name="connsiteY13" fmla="*/ 0 h 18288"/>
+              <a:gd name="connsiteX14" fmla="*/ 8737412 w 10853928"/>
+              <a:gd name="connsiteY14" fmla="*/ 0 h 18288"/>
+              <a:gd name="connsiteX15" fmla="*/ 9524322 w 10853928"/>
+              <a:gd name="connsiteY15" fmla="*/ 0 h 18288"/>
+              <a:gd name="connsiteX16" fmla="*/ 10853928 w 10853928"/>
+              <a:gd name="connsiteY16" fmla="*/ 0 h 18288"/>
+              <a:gd name="connsiteX17" fmla="*/ 10853928 w 10853928"/>
+              <a:gd name="connsiteY17" fmla="*/ 18288 h 18288"/>
+              <a:gd name="connsiteX18" fmla="*/ 10392636 w 10853928"/>
+              <a:gd name="connsiteY18" fmla="*/ 18288 h 18288"/>
+              <a:gd name="connsiteX19" fmla="*/ 9497187 w 10853928"/>
+              <a:gd name="connsiteY19" fmla="*/ 18288 h 18288"/>
+              <a:gd name="connsiteX20" fmla="*/ 8818817 w 10853928"/>
+              <a:gd name="connsiteY20" fmla="*/ 18288 h 18288"/>
+              <a:gd name="connsiteX21" fmla="*/ 8466064 w 10853928"/>
+              <a:gd name="connsiteY21" fmla="*/ 18288 h 18288"/>
+              <a:gd name="connsiteX22" fmla="*/ 7787693 w 10853928"/>
+              <a:gd name="connsiteY22" fmla="*/ 18288 h 18288"/>
+              <a:gd name="connsiteX23" fmla="*/ 7217862 w 10853928"/>
+              <a:gd name="connsiteY23" fmla="*/ 18288 h 18288"/>
+              <a:gd name="connsiteX24" fmla="*/ 6648031 w 10853928"/>
+              <a:gd name="connsiteY24" fmla="*/ 18288 h 18288"/>
+              <a:gd name="connsiteX25" fmla="*/ 6078200 w 10853928"/>
+              <a:gd name="connsiteY25" fmla="*/ 18288 h 18288"/>
+              <a:gd name="connsiteX26" fmla="*/ 5508368 w 10853928"/>
+              <a:gd name="connsiteY26" fmla="*/ 18288 h 18288"/>
+              <a:gd name="connsiteX27" fmla="*/ 4721459 w 10853928"/>
+              <a:gd name="connsiteY27" fmla="*/ 18288 h 18288"/>
+              <a:gd name="connsiteX28" fmla="*/ 4043088 w 10853928"/>
+              <a:gd name="connsiteY28" fmla="*/ 18288 h 18288"/>
+              <a:gd name="connsiteX29" fmla="*/ 3690336 w 10853928"/>
+              <a:gd name="connsiteY29" fmla="*/ 18288 h 18288"/>
+              <a:gd name="connsiteX30" fmla="*/ 3120504 w 10853928"/>
+              <a:gd name="connsiteY30" fmla="*/ 18288 h 18288"/>
+              <a:gd name="connsiteX31" fmla="*/ 2333595 w 10853928"/>
+              <a:gd name="connsiteY31" fmla="*/ 18288 h 18288"/>
+              <a:gd name="connsiteX32" fmla="*/ 1872303 w 10853928"/>
+              <a:gd name="connsiteY32" fmla="*/ 18288 h 18288"/>
+              <a:gd name="connsiteX33" fmla="*/ 976854 w 10853928"/>
+              <a:gd name="connsiteY33" fmla="*/ 18288 h 18288"/>
+              <a:gd name="connsiteX34" fmla="*/ 0 w 10853928"/>
+              <a:gd name="connsiteY34" fmla="*/ 18288 h 18288"/>
+              <a:gd name="connsiteX35" fmla="*/ 0 w 10853928"/>
+              <a:gd name="connsiteY35" fmla="*/ 0 h 18288"/>
+            </a:gdLst>
+            <a:ahLst/>
+            <a:cxnLst>
+              <a:cxn ang="0">
+                <a:pos x="connsiteX0" y="connsiteY0"/>
+              </a:cxn>
+              <a:cxn ang="0">
+                <a:pos x="connsiteX1" y="connsiteY1"/>
+              </a:cxn>
+              <a:cxn ang="0">
+                <a:pos x="connsiteX2" y="connsiteY2"/>
+              </a:cxn>
+              <a:cxn ang="0">
+                <a:pos x="connsiteX3" y="connsiteY3"/>
+              </a:cxn>
+              <a:cxn ang="0">
+                <a:pos x="connsiteX4" y="connsiteY4"/>
+              </a:cxn>
+              <a:cxn ang="0">
+                <a:pos x="connsiteX5" y="connsiteY5"/>
+              </a:cxn>
+              <a:cxn ang="0">
+                <a:pos x="connsiteX6" y="connsiteY6"/>
+              </a:cxn>
+              <a:cxn ang="0">
+                <a:pos x="connsiteX7" y="connsiteY7"/>
+              </a:cxn>
+              <a:cxn ang="0">
+                <a:pos x="connsiteX8" y="connsiteY8"/>
+              </a:cxn>
+              <a:cxn ang="0">
+                <a:pos x="connsiteX9" y="connsiteY9"/>
+              </a:cxn>
+              <a:cxn ang="0">
+                <a:pos x="connsiteX10" y="connsiteY10"/>
+              </a:cxn>
+              <a:cxn ang="0">
+                <a:pos x="connsiteX11" y="connsiteY11"/>
+              </a:cxn>
+              <a:cxn ang="0">
+                <a:pos x="connsiteX12" y="connsiteY12"/>
+              </a:cxn>
+              <a:cxn ang="0">
+                <a:pos x="connsiteX13" y="connsiteY13"/>
+              </a:cxn>
+              <a:cxn ang="0">
+                <a:pos x="connsiteX14" y="connsiteY14"/>
+              </a:cxn>
+              <a:cxn ang="0">
+                <a:pos x="connsiteX15" y="connsiteY15"/>
+              </a:cxn>
+              <a:cxn ang="0">
+                <a:pos x="connsiteX16" y="connsiteY16"/>
+              </a:cxn>
+              <a:cxn ang="0">
+                <a:pos x="connsiteX17" y="connsiteY17"/>
+              </a:cxn>
+              <a:cxn ang="0">
+                <a:pos x="connsiteX18" y="connsiteY18"/>
+              </a:cxn>
+              <a:cxn ang="0">
+                <a:pos x="connsiteX19" y="connsiteY19"/>
+              </a:cxn>
+              <a:cxn ang="0">
+                <a:pos x="connsiteX20" y="connsiteY20"/>
+              </a:cxn>
+              <a:cxn ang="0">
+                <a:pos x="connsiteX21" y="connsiteY21"/>
+              </a:cxn>
+              <a:cxn ang="0">
+                <a:pos x="connsiteX22" y="connsiteY22"/>
+              </a:cxn>
+              <a:cxn ang="0">
+                <a:pos x="connsiteX23" y="connsiteY23"/>
+              </a:cxn>
+              <a:cxn ang="0">
+                <a:pos x="connsiteX24" y="connsiteY24"/>
+              </a:cxn>
+              <a:cxn ang="0">
+                <a:pos x="connsiteX25" y="connsiteY25"/>
+              </a:cxn>
+              <a:cxn ang="0">
+                <a:pos x="connsiteX26" y="connsiteY26"/>
+              </a:cxn>
+              <a:cxn ang="0">
+                <a:pos x="connsiteX27" y="connsiteY27"/>
+              </a:cxn>
+              <a:cxn ang="0">
+                <a:pos x="connsiteX28" y="connsiteY28"/>
+              </a:cxn>
+              <a:cxn ang="0">
+                <a:pos x="connsiteX29" y="connsiteY29"/>
+              </a:cxn>
+              <a:cxn ang="0">
+                <a:pos x="connsiteX30" y="connsiteY30"/>
+              </a:cxn>
+              <a:cxn ang="0">
+                <a:pos x="connsiteX31" y="connsiteY31"/>
+              </a:cxn>
+              <a:cxn ang="0">
+                <a:pos x="connsiteX32" y="connsiteY32"/>
+              </a:cxn>
+              <a:cxn ang="0">
+                <a:pos x="connsiteX33" y="connsiteY33"/>
+              </a:cxn>
+              <a:cxn ang="0">
+                <a:pos x="connsiteX34" y="connsiteY34"/>
+              </a:cxn>
+              <a:cxn ang="0">
+                <a:pos x="connsiteX35" y="connsiteY35"/>
+              </a:cxn>
+            </a:cxnLst>
+            <a:rect l="l" t="t" r="r" b="b"/>
+            <a:pathLst>
+              <a:path w="10853928" h="18288" fill="none" extrusionOk="0">
+                <a:moveTo>
+                  <a:pt x="0" y="0"/>
+                </a:moveTo>
+                <a:cubicBezTo>
+                  <a:pt x="146993" y="-19076"/>
+                  <a:pt x="347684" y="-4790"/>
+                  <a:pt x="461292" y="0"/>
+                </a:cubicBezTo>
+                <a:cubicBezTo>
+                  <a:pt x="574900" y="4790"/>
+                  <a:pt x="808367" y="19821"/>
+                  <a:pt x="1139662" y="0"/>
+                </a:cubicBezTo>
+                <a:cubicBezTo>
+                  <a:pt x="1470957" y="-19821"/>
+                  <a:pt x="1627405" y="5721"/>
+                  <a:pt x="1926572" y="0"/>
+                </a:cubicBezTo>
+                <a:cubicBezTo>
+                  <a:pt x="2225739" y="-5721"/>
+                  <a:pt x="2137730" y="-3235"/>
+                  <a:pt x="2279325" y="0"/>
+                </a:cubicBezTo>
+                <a:cubicBezTo>
+                  <a:pt x="2420920" y="3235"/>
+                  <a:pt x="2456518" y="9685"/>
+                  <a:pt x="2632078" y="0"/>
+                </a:cubicBezTo>
+                <a:cubicBezTo>
+                  <a:pt x="2807638" y="-9685"/>
+                  <a:pt x="3211516" y="-43007"/>
+                  <a:pt x="3527527" y="0"/>
+                </a:cubicBezTo>
+                <a:cubicBezTo>
+                  <a:pt x="3843538" y="43007"/>
+                  <a:pt x="4058833" y="22042"/>
+                  <a:pt x="4205897" y="0"/>
+                </a:cubicBezTo>
+                <a:cubicBezTo>
+                  <a:pt x="4352961" y="-22042"/>
+                  <a:pt x="4474805" y="-11846"/>
+                  <a:pt x="4558650" y="0"/>
+                </a:cubicBezTo>
+                <a:cubicBezTo>
+                  <a:pt x="4642495" y="11846"/>
+                  <a:pt x="5041928" y="-6069"/>
+                  <a:pt x="5237020" y="0"/>
+                </a:cubicBezTo>
+                <a:cubicBezTo>
+                  <a:pt x="5432112" y="6069"/>
+                  <a:pt x="5943266" y="-17479"/>
+                  <a:pt x="6132469" y="0"/>
+                </a:cubicBezTo>
+                <a:cubicBezTo>
+                  <a:pt x="6321672" y="17479"/>
+                  <a:pt x="6483872" y="26234"/>
+                  <a:pt x="6702301" y="0"/>
+                </a:cubicBezTo>
+                <a:cubicBezTo>
+                  <a:pt x="6920730" y="-26234"/>
+                  <a:pt x="6991194" y="-15156"/>
+                  <a:pt x="7272132" y="0"/>
+                </a:cubicBezTo>
+                <a:cubicBezTo>
+                  <a:pt x="7553070" y="15156"/>
+                  <a:pt x="7684444" y="-32961"/>
+                  <a:pt x="7950502" y="0"/>
+                </a:cubicBezTo>
+                <a:cubicBezTo>
+                  <a:pt x="8216560" y="32961"/>
+                  <a:pt x="8493290" y="-10491"/>
+                  <a:pt x="8737412" y="0"/>
+                </a:cubicBezTo>
+                <a:cubicBezTo>
+                  <a:pt x="8981534" y="10491"/>
+                  <a:pt x="9191586" y="-13899"/>
+                  <a:pt x="9524322" y="0"/>
+                </a:cubicBezTo>
+                <a:cubicBezTo>
+                  <a:pt x="9857058" y="13899"/>
+                  <a:pt x="10297509" y="7485"/>
+                  <a:pt x="10853928" y="0"/>
+                </a:cubicBezTo>
+                <a:cubicBezTo>
+                  <a:pt x="10854574" y="4451"/>
+                  <a:pt x="10854418" y="9226"/>
+                  <a:pt x="10853928" y="18288"/>
+                </a:cubicBezTo>
+                <a:cubicBezTo>
+                  <a:pt x="10691638" y="28522"/>
+                  <a:pt x="10574319" y="29578"/>
+                  <a:pt x="10392636" y="18288"/>
+                </a:cubicBezTo>
+                <a:cubicBezTo>
+                  <a:pt x="10210953" y="6998"/>
+                  <a:pt x="9836277" y="-16742"/>
+                  <a:pt x="9497187" y="18288"/>
+                </a:cubicBezTo>
+                <a:cubicBezTo>
+                  <a:pt x="9158097" y="53318"/>
+                  <a:pt x="9119479" y="30714"/>
+                  <a:pt x="8818817" y="18288"/>
+                </a:cubicBezTo>
+                <a:cubicBezTo>
+                  <a:pt x="8518155" y="5863"/>
+                  <a:pt x="8640037" y="6483"/>
+                  <a:pt x="8466064" y="18288"/>
+                </a:cubicBezTo>
+                <a:cubicBezTo>
+                  <a:pt x="8292091" y="30093"/>
+                  <a:pt x="7997656" y="18914"/>
+                  <a:pt x="7787693" y="18288"/>
+                </a:cubicBezTo>
+                <a:cubicBezTo>
+                  <a:pt x="7577730" y="17662"/>
+                  <a:pt x="7412468" y="21416"/>
+                  <a:pt x="7217862" y="18288"/>
+                </a:cubicBezTo>
+                <a:cubicBezTo>
+                  <a:pt x="7023256" y="15160"/>
+                  <a:pt x="6898018" y="14824"/>
+                  <a:pt x="6648031" y="18288"/>
+                </a:cubicBezTo>
+                <a:cubicBezTo>
+                  <a:pt x="6398044" y="21752"/>
+                  <a:pt x="6254402" y="38625"/>
+                  <a:pt x="6078200" y="18288"/>
+                </a:cubicBezTo>
+                <a:cubicBezTo>
+                  <a:pt x="5901998" y="-2049"/>
+                  <a:pt x="5622886" y="3213"/>
+                  <a:pt x="5508368" y="18288"/>
+                </a:cubicBezTo>
+                <a:cubicBezTo>
+                  <a:pt x="5393850" y="33363"/>
+                  <a:pt x="5036260" y="26830"/>
+                  <a:pt x="4721459" y="18288"/>
+                </a:cubicBezTo>
+                <a:cubicBezTo>
+                  <a:pt x="4406658" y="9746"/>
+                  <a:pt x="4239221" y="41551"/>
+                  <a:pt x="4043088" y="18288"/>
+                </a:cubicBezTo>
+                <a:cubicBezTo>
+                  <a:pt x="3846955" y="-4975"/>
+                  <a:pt x="3818802" y="34658"/>
+                  <a:pt x="3690336" y="18288"/>
+                </a:cubicBezTo>
+                <a:cubicBezTo>
+                  <a:pt x="3561870" y="1918"/>
+                  <a:pt x="3265491" y="42194"/>
+                  <a:pt x="3120504" y="18288"/>
+                </a:cubicBezTo>
+                <a:cubicBezTo>
+                  <a:pt x="2975517" y="-5618"/>
+                  <a:pt x="2720254" y="36673"/>
+                  <a:pt x="2333595" y="18288"/>
+                </a:cubicBezTo>
+                <a:cubicBezTo>
+                  <a:pt x="1946936" y="-97"/>
+                  <a:pt x="2097241" y="5776"/>
+                  <a:pt x="1872303" y="18288"/>
+                </a:cubicBezTo>
+                <a:cubicBezTo>
+                  <a:pt x="1647365" y="30800"/>
+                  <a:pt x="1282708" y="45380"/>
+                  <a:pt x="976854" y="18288"/>
+                </a:cubicBezTo>
+                <a:cubicBezTo>
+                  <a:pt x="671000" y="-8804"/>
+                  <a:pt x="408401" y="-12775"/>
+                  <a:pt x="0" y="18288"/>
+                </a:cubicBezTo>
+                <a:cubicBezTo>
+                  <a:pt x="-213" y="9468"/>
+                  <a:pt x="187" y="4459"/>
+                  <a:pt x="0" y="0"/>
+                </a:cubicBezTo>
+                <a:close/>
+              </a:path>
+              <a:path w="10853928" h="18288" stroke="0" extrusionOk="0">
+                <a:moveTo>
+                  <a:pt x="0" y="0"/>
+                </a:moveTo>
+                <a:cubicBezTo>
+                  <a:pt x="267322" y="15284"/>
+                  <a:pt x="415388" y="-21048"/>
+                  <a:pt x="569831" y="0"/>
+                </a:cubicBezTo>
+                <a:cubicBezTo>
+                  <a:pt x="724274" y="21048"/>
+                  <a:pt x="769333" y="-2353"/>
+                  <a:pt x="922584" y="0"/>
+                </a:cubicBezTo>
+                <a:cubicBezTo>
+                  <a:pt x="1075835" y="2353"/>
+                  <a:pt x="1399490" y="-145"/>
+                  <a:pt x="1818033" y="0"/>
+                </a:cubicBezTo>
+                <a:cubicBezTo>
+                  <a:pt x="2236576" y="145"/>
+                  <a:pt x="2145330" y="5482"/>
+                  <a:pt x="2387864" y="0"/>
+                </a:cubicBezTo>
+                <a:cubicBezTo>
+                  <a:pt x="2630398" y="-5482"/>
+                  <a:pt x="2793207" y="18487"/>
+                  <a:pt x="2957695" y="0"/>
+                </a:cubicBezTo>
+                <a:cubicBezTo>
+                  <a:pt x="3122183" y="-18487"/>
+                  <a:pt x="3579141" y="19003"/>
+                  <a:pt x="3853144" y="0"/>
+                </a:cubicBezTo>
+                <a:cubicBezTo>
+                  <a:pt x="4127147" y="-19003"/>
+                  <a:pt x="4209857" y="12211"/>
+                  <a:pt x="4314436" y="0"/>
+                </a:cubicBezTo>
+                <a:cubicBezTo>
+                  <a:pt x="4419015" y="-12211"/>
+                  <a:pt x="4762459" y="-17220"/>
+                  <a:pt x="5209885" y="0"/>
+                </a:cubicBezTo>
+                <a:cubicBezTo>
+                  <a:pt x="5657311" y="17220"/>
+                  <a:pt x="5692663" y="-3290"/>
+                  <a:pt x="6105335" y="0"/>
+                </a:cubicBezTo>
+                <a:cubicBezTo>
+                  <a:pt x="6518007" y="3290"/>
+                  <a:pt x="6455516" y="-5124"/>
+                  <a:pt x="6783705" y="0"/>
+                </a:cubicBezTo>
+                <a:cubicBezTo>
+                  <a:pt x="7111894" y="5124"/>
+                  <a:pt x="7441941" y="-17829"/>
+                  <a:pt x="7679154" y="0"/>
+                </a:cubicBezTo>
+                <a:cubicBezTo>
+                  <a:pt x="7916367" y="17829"/>
+                  <a:pt x="8102967" y="-24363"/>
+                  <a:pt x="8248985" y="0"/>
+                </a:cubicBezTo>
+                <a:cubicBezTo>
+                  <a:pt x="8395003" y="24363"/>
+                  <a:pt x="8552393" y="25505"/>
+                  <a:pt x="8818817" y="0"/>
+                </a:cubicBezTo>
+                <a:cubicBezTo>
+                  <a:pt x="9085241" y="-25505"/>
+                  <a:pt x="9411308" y="38000"/>
+                  <a:pt x="9605726" y="0"/>
+                </a:cubicBezTo>
+                <a:cubicBezTo>
+                  <a:pt x="9800144" y="-38000"/>
+                  <a:pt x="10006468" y="-25741"/>
+                  <a:pt x="10175558" y="0"/>
+                </a:cubicBezTo>
+                <a:cubicBezTo>
+                  <a:pt x="10344648" y="25741"/>
+                  <a:pt x="10696282" y="695"/>
+                  <a:pt x="10853928" y="0"/>
+                </a:cubicBezTo>
+                <a:cubicBezTo>
+                  <a:pt x="10853521" y="8690"/>
+                  <a:pt x="10853774" y="14141"/>
+                  <a:pt x="10853928" y="18288"/>
+                </a:cubicBezTo>
+                <a:cubicBezTo>
+                  <a:pt x="10608124" y="24255"/>
+                  <a:pt x="10343415" y="22307"/>
+                  <a:pt x="10067018" y="18288"/>
+                </a:cubicBezTo>
+                <a:cubicBezTo>
+                  <a:pt x="9790621" y="14270"/>
+                  <a:pt x="9843266" y="3564"/>
+                  <a:pt x="9714266" y="18288"/>
+                </a:cubicBezTo>
+                <a:cubicBezTo>
+                  <a:pt x="9585266" y="33012"/>
+                  <a:pt x="9379484" y="1875"/>
+                  <a:pt x="9252974" y="18288"/>
+                </a:cubicBezTo>
+                <a:cubicBezTo>
+                  <a:pt x="9126464" y="34701"/>
+                  <a:pt x="8580678" y="-4904"/>
+                  <a:pt x="8357525" y="18288"/>
+                </a:cubicBezTo>
+                <a:cubicBezTo>
+                  <a:pt x="8134372" y="41480"/>
+                  <a:pt x="7903199" y="26458"/>
+                  <a:pt x="7679154" y="18288"/>
+                </a:cubicBezTo>
+                <a:cubicBezTo>
+                  <a:pt x="7455109" y="10118"/>
+                  <a:pt x="7435944" y="27109"/>
+                  <a:pt x="7217862" y="18288"/>
+                </a:cubicBezTo>
+                <a:cubicBezTo>
+                  <a:pt x="6999780" y="9467"/>
+                  <a:pt x="6680409" y="18985"/>
+                  <a:pt x="6539492" y="18288"/>
+                </a:cubicBezTo>
+                <a:cubicBezTo>
+                  <a:pt x="6398575" y="17592"/>
+                  <a:pt x="6312077" y="33018"/>
+                  <a:pt x="6186739" y="18288"/>
+                </a:cubicBezTo>
+                <a:cubicBezTo>
+                  <a:pt x="6061401" y="3558"/>
+                  <a:pt x="5947033" y="12075"/>
+                  <a:pt x="5833986" y="18288"/>
+                </a:cubicBezTo>
+                <a:cubicBezTo>
+                  <a:pt x="5720939" y="24501"/>
+                  <a:pt x="5482226" y="8586"/>
+                  <a:pt x="5155616" y="18288"/>
+                </a:cubicBezTo>
+                <a:cubicBezTo>
+                  <a:pt x="4829006" y="27991"/>
+                  <a:pt x="4841274" y="29316"/>
+                  <a:pt x="4694324" y="18288"/>
+                </a:cubicBezTo>
+                <a:cubicBezTo>
+                  <a:pt x="4547374" y="7260"/>
+                  <a:pt x="4077675" y="7013"/>
+                  <a:pt x="3907414" y="18288"/>
+                </a:cubicBezTo>
+                <a:cubicBezTo>
+                  <a:pt x="3737153" y="29564"/>
+                  <a:pt x="3538393" y="21630"/>
+                  <a:pt x="3446122" y="18288"/>
+                </a:cubicBezTo>
+                <a:cubicBezTo>
+                  <a:pt x="3353851" y="14946"/>
+                  <a:pt x="2990320" y="-8091"/>
+                  <a:pt x="2659212" y="18288"/>
+                </a:cubicBezTo>
+                <a:cubicBezTo>
+                  <a:pt x="2328104" y="44667"/>
+                  <a:pt x="2427653" y="9607"/>
+                  <a:pt x="2306460" y="18288"/>
+                </a:cubicBezTo>
+                <a:cubicBezTo>
+                  <a:pt x="2185267" y="26969"/>
+                  <a:pt x="1719763" y="3717"/>
+                  <a:pt x="1519550" y="18288"/>
+                </a:cubicBezTo>
+                <a:cubicBezTo>
+                  <a:pt x="1319337" y="32860"/>
+                  <a:pt x="1167371" y="17040"/>
+                  <a:pt x="1058258" y="18288"/>
+                </a:cubicBezTo>
+                <a:cubicBezTo>
+                  <a:pt x="949145" y="19536"/>
+                  <a:pt x="780234" y="31447"/>
+                  <a:pt x="705505" y="18288"/>
+                </a:cubicBezTo>
+                <a:cubicBezTo>
+                  <a:pt x="630776" y="5129"/>
+                  <a:pt x="215796" y="30056"/>
+                  <a:pt x="0" y="18288"/>
+                </a:cubicBezTo>
+                <a:cubicBezTo>
+                  <a:pt x="-53" y="11301"/>
+                  <a:pt x="-649" y="7756"/>
+                  <a:pt x="0" y="0"/>
+                </a:cubicBezTo>
+                <a:close/>
+              </a:path>
+            </a:pathLst>
+          </a:custGeom>
+          <a:solidFill>
+            <a:schemeClr val="accent2"/>
+          </a:solidFill>
+          <a:ln w="41275" cap="rnd">
+            <a:solidFill>
+              <a:schemeClr val="accent2"/>
+            </a:solidFill>
+            <a:round/>
+            <a:extLst>
+              <a:ext uri="{C807C97D-BFC1-408E-A445-0C87EB9F89A2}">
+                <ask:lineSketchStyleProps xmlns:ask="http://schemas.microsoft.com/office/drawing/2018/sketchyshapes" sd="1219033472">
+                  <a:prstGeom prst="rect">
+                    <a:avLst/>
+                  </a:prstGeom>
+                  <ask:type>
+                    <ask:lineSketchFreehand/>
+                  </ask:type>
+                </ask:lineSketchStyleProps>
+              </a:ext>
+            </a:extLst>
+          </a:ln>
+        </p:spPr>
+        <p:style>
+          <a:lnRef idx="2">
+            <a:schemeClr val="accent1">
+              <a:shade val="50000"/>
+            </a:schemeClr>
+          </a:lnRef>
+          <a:fillRef idx="1">
+            <a:schemeClr val="accent1"/>
+          </a:fillRef>
+          <a:effectRef idx="0">
+            <a:schemeClr val="accent1"/>
+          </a:effectRef>
+          <a:fontRef idx="minor">
+            <a:schemeClr val="lt1"/>
+          </a:fontRef>
+        </p:style>
+        <p:txBody>
+          <a:bodyPr rtlCol="0" anchor="ctr"/>
+          <a:lstStyle/>
+          <a:p>
+            <a:pPr algn="ctr"/>
+            <a:endParaRPr lang="en-US"/>
+          </a:p>
+        </p:txBody>
+      </p:sp>
+      <p:sp>
+        <p:nvSpPr>
+          <p:cNvPr id="3" name="Content Placeholder 2">
+            <a:extLst>
+              <a:ext uri="{FF2B5EF4-FFF2-40B4-BE49-F238E27FC236}">
+                <a16:creationId xmlns:a16="http://schemas.microsoft.com/office/drawing/2014/main" id="{B76ADCEB-C37F-29F0-53FC-D034FA4F9702}"/>
+              </a:ext>
+            </a:extLst>
+          </p:cNvPr>
+          <p:cNvSpPr>
+            <a:spLocks noGrp="1"/>
+          </p:cNvSpPr>
+          <p:nvPr>
+            <p:ph idx="1"/>
+          </p:nvPr>
+        </p:nvSpPr>
+        <p:spPr>
+          <a:xfrm>
+            <a:off x="838200" y="1929384"/>
+            <a:ext cx="10515600" cy="4251960"/>
+          </a:xfrm>
+        </p:spPr>
+        <p:txBody>
+          <a:bodyPr>
+            <a:normAutofit/>
+          </a:bodyPr>
+          <a:lstStyle/>
+          <a:p>
+            <a:pPr marL="0" indent="0">
+              <a:buNone/>
+            </a:pPr>
+            <a:r>
+              <a:rPr lang="en-IN" sz="1000" b="1" i="0" dirty="0">
+                <a:effectLst/>
+                <a:latin typeface="Helvetica Neue" panose="02000503000000020004" pitchFamily="2" charset="0"/>
+              </a:rPr>
+              <a:t>Below are the probable defaulters' reasons</a:t>
+            </a:r>
+          </a:p>
+          <a:p>
+            <a:pPr>
+              <a:buFont typeface="Arial" panose="020B0604020202020204" pitchFamily="34" charset="0"/>
+              <a:buChar char="•"/>
+            </a:pPr>
+            <a:r>
+              <a:rPr lang="en-IN" sz="1000" b="0" i="0" dirty="0">
+                <a:effectLst/>
+                <a:latin typeface="Helvetica Neue" panose="02000503000000020004" pitchFamily="2" charset="0"/>
+              </a:rPr>
+              <a:t>Higher the interest rate as higher (13-17%) interest range has high defaulters</a:t>
+            </a:r>
+          </a:p>
+          <a:p>
+            <a:pPr>
+              <a:buFont typeface="Arial" panose="020B0604020202020204" pitchFamily="34" charset="0"/>
+              <a:buChar char="•"/>
+            </a:pPr>
+            <a:r>
+              <a:rPr lang="en-IN" sz="1000" b="0" i="0" dirty="0">
+                <a:effectLst/>
+                <a:latin typeface="Helvetica Neue" panose="02000503000000020004" pitchFamily="2" charset="0"/>
+              </a:rPr>
+              <a:t>Debt consolidation stands out in the defaulter's loan where it could be borrowers took a loan to close existing loan but failed again</a:t>
+            </a:r>
+          </a:p>
+          <a:p>
+            <a:pPr>
+              <a:buFont typeface="Arial" panose="020B0604020202020204" pitchFamily="34" charset="0"/>
+              <a:buChar char="•"/>
+            </a:pPr>
+            <a:r>
+              <a:rPr lang="en-IN" sz="1000" b="0" i="0" dirty="0">
+                <a:effectLst/>
+                <a:latin typeface="Helvetica Neue" panose="02000503000000020004" pitchFamily="2" charset="0"/>
+              </a:rPr>
+              <a:t>We can clearly see during the year 2011 end there are more defaulters which is directly correlating to recession in U.S hence market situation-based loan approvals would solve most of these.</a:t>
+            </a:r>
+          </a:p>
+          <a:p>
+            <a:pPr>
+              <a:buFont typeface="Arial" panose="020B0604020202020204" pitchFamily="34" charset="0"/>
+              <a:buChar char="•"/>
+            </a:pPr>
+            <a:r>
+              <a:rPr lang="en-IN" sz="1000" b="0" i="0" dirty="0">
+                <a:effectLst/>
+                <a:latin typeface="Helvetica Neue" panose="02000503000000020004" pitchFamily="2" charset="0"/>
+              </a:rPr>
+              <a:t>Employees with 10+ years has more probability of being a defaulter</a:t>
+            </a:r>
+          </a:p>
+          <a:p>
+            <a:pPr>
+              <a:buFont typeface="Arial" panose="020B0604020202020204" pitchFamily="34" charset="0"/>
+              <a:buChar char="•"/>
+            </a:pPr>
+            <a:r>
+              <a:rPr lang="en-IN" sz="1000" b="0" i="0" dirty="0">
+                <a:effectLst/>
+                <a:latin typeface="Helvetica Neue" panose="02000503000000020004" pitchFamily="2" charset="0"/>
+              </a:rPr>
+              <a:t>Employees with annual income range 31k-58k has more probability of being a defaulter</a:t>
+            </a:r>
+          </a:p>
+          <a:p>
+            <a:pPr>
+              <a:buFont typeface="Arial" panose="020B0604020202020204" pitchFamily="34" charset="0"/>
+              <a:buChar char="•"/>
+            </a:pPr>
+            <a:r>
+              <a:rPr lang="en-IN" sz="1000" b="0" i="0" dirty="0">
+                <a:effectLst/>
+                <a:latin typeface="Helvetica Neue" panose="02000503000000020004" pitchFamily="2" charset="0"/>
+              </a:rPr>
+              <a:t>The people who are marked as grade G has higher chance of getting charged off</a:t>
+            </a:r>
+          </a:p>
+          <a:p>
+            <a:pPr>
+              <a:buFont typeface="Arial" panose="020B0604020202020204" pitchFamily="34" charset="0"/>
+              <a:buChar char="•"/>
+            </a:pPr>
+            <a:r>
+              <a:rPr lang="en-IN" sz="1000" b="0" i="0" dirty="0">
+                <a:effectLst/>
+                <a:latin typeface="Helvetica Neue" panose="02000503000000020004" pitchFamily="2" charset="0"/>
+              </a:rPr>
+              <a:t>The Sub Grade F5 has the highest percentage of Charged off</a:t>
+            </a:r>
+          </a:p>
+          <a:p>
+            <a:pPr marL="0" indent="0">
+              <a:buNone/>
+            </a:pPr>
+            <a:r>
+              <a:rPr lang="en-IN" sz="1000" b="1" i="0" dirty="0">
+                <a:effectLst/>
+                <a:latin typeface="Helvetica Neue" panose="02000503000000020004" pitchFamily="2" charset="0"/>
+              </a:rPr>
+              <a:t>Good candidates for providing loan which is inversely proportional to defaulters</a:t>
+            </a:r>
+          </a:p>
+          <a:p>
+            <a:pPr>
+              <a:buFont typeface="Arial" panose="020B0604020202020204" pitchFamily="34" charset="0"/>
+              <a:buChar char="•"/>
+            </a:pPr>
+            <a:r>
+              <a:rPr lang="en-IN" sz="1000" b="0" i="0" dirty="0">
+                <a:effectLst/>
+                <a:latin typeface="Helvetica Neue" panose="02000503000000020004" pitchFamily="2" charset="0"/>
+              </a:rPr>
+              <a:t>Obviously, lesser interest rate helps borrowers repay the loan without fail</a:t>
+            </a:r>
+          </a:p>
+          <a:p>
+            <a:pPr>
+              <a:buFont typeface="Arial" panose="020B0604020202020204" pitchFamily="34" charset="0"/>
+              <a:buChar char="•"/>
+            </a:pPr>
+            <a:r>
+              <a:rPr lang="en-IN" sz="1000" b="0" i="0" dirty="0">
+                <a:effectLst/>
+                <a:latin typeface="Helvetica Neue" panose="02000503000000020004" pitchFamily="2" charset="0"/>
+              </a:rPr>
+              <a:t>People who owns a house have good records of closing the committed loan amount</a:t>
+            </a:r>
+          </a:p>
+          <a:p>
+            <a:pPr>
+              <a:buFont typeface="Arial" panose="020B0604020202020204" pitchFamily="34" charset="0"/>
+              <a:buChar char="•"/>
+            </a:pPr>
+            <a:r>
+              <a:rPr lang="en-IN" sz="1000" b="0" i="0" dirty="0">
+                <a:effectLst/>
+                <a:latin typeface="Helvetica Neue" panose="02000503000000020004" pitchFamily="2" charset="0"/>
+              </a:rPr>
+              <a:t>The grade B has higher chance of getting fully paid</a:t>
+            </a:r>
+          </a:p>
+          <a:p>
+            <a:pPr>
+              <a:buFont typeface="Arial" panose="020B0604020202020204" pitchFamily="34" charset="0"/>
+              <a:buChar char="•"/>
+            </a:pPr>
+            <a:r>
+              <a:rPr lang="en-IN" sz="1000" b="0" i="0" dirty="0">
+                <a:effectLst/>
+                <a:latin typeface="Helvetica Neue" panose="02000503000000020004" pitchFamily="2" charset="0"/>
+              </a:rPr>
+              <a:t>The interest rate 9-13% has a higher chance of getting paid.</a:t>
+            </a:r>
+          </a:p>
+          <a:p>
+            <a:pPr>
+              <a:buFont typeface="Arial" panose="020B0604020202020204" pitchFamily="34" charset="0"/>
+              <a:buChar char="•"/>
+            </a:pPr>
+            <a:r>
+              <a:rPr lang="en-IN" sz="1000" b="0" i="0" dirty="0">
+                <a:effectLst/>
+                <a:latin typeface="Helvetica Neue" panose="02000503000000020004" pitchFamily="2" charset="0"/>
+              </a:rPr>
+              <a:t>The Sub Grade A1 has the highest percentage of fully paid</a:t>
+            </a:r>
+          </a:p>
+          <a:p>
+            <a:pPr>
+              <a:buFont typeface="Arial" panose="020B0604020202020204" pitchFamily="34" charset="0"/>
+              <a:buChar char="•"/>
+            </a:pPr>
+            <a:r>
+              <a:rPr lang="en-IN" sz="1000" b="0" i="0" dirty="0">
+                <a:effectLst/>
+                <a:latin typeface="Helvetica Neue" panose="02000503000000020004" pitchFamily="2" charset="0"/>
+              </a:rPr>
+              <a:t>The income group 112k - 140k has less charged off count. Could be due to their high income.</a:t>
+            </a:r>
+          </a:p>
+          <a:p>
+            <a:endParaRPr lang="en-US" sz="1000" dirty="0"/>
+          </a:p>
+        </p:txBody>
+      </p:sp>
+    </p:spTree>
+    <p:extLst>
+      <p:ext uri="{BB962C8B-B14F-4D97-AF65-F5344CB8AC3E}">
+        <p14:creationId xmlns:p14="http://schemas.microsoft.com/office/powerpoint/2010/main" val="356716676"/>
+      </p:ext>
+    </p:extLst>
+  </p:cSld>
+  <p:clrMapOvr>
+    <a:masterClrMapping/>
+  </p:clrMapOvr>
+</p:sld>
+</file>
+
+<file path=ppt/slides/slide11.xml><?xml version="1.0" encoding="utf-8"?>
+<p:sld xmlns:a="http://schemas.openxmlformats.org/drawingml/2006/main" xmlns:r="http://schemas.openxmlformats.org/officeDocument/2006/relationships" xmlns:p="http://schemas.openxmlformats.org/presentationml/2006/main">
+  <p:cSld>
+    <p:bg>
+      <p:bgPr>
+        <a:solidFill>
+          <a:schemeClr val="bg1"/>
+        </a:solidFill>
+        <a:effectLst/>
+      </p:bgPr>
+    </p:bg>
+    <p:spTree>
+      <p:nvGrpSpPr>
+        <p:cNvPr id="1" name=""/>
+        <p:cNvGrpSpPr/>
+        <p:nvPr/>
+      </p:nvGrpSpPr>
+      <p:grpSpPr>
+        <a:xfrm>
+          <a:off x="0" y="0"/>
+          <a:ext cx="0" cy="0"/>
+          <a:chOff x="0" y="0"/>
+          <a:chExt cx="0" cy="0"/>
+        </a:xfrm>
+      </p:grpSpPr>
+      <p:sp useBgFill="1">
+        <p:nvSpPr>
+          <p:cNvPr id="9" name="Rectangle 8">
+            <a:extLst>
+              <a:ext uri="{FF2B5EF4-FFF2-40B4-BE49-F238E27FC236}">
+                <a16:creationId xmlns:a16="http://schemas.microsoft.com/office/drawing/2014/main" id="{743AA782-23D1-4521-8CAD-47662984AA08}"/>
+              </a:ext>
+              <a:ext uri="{C183D7F6-B498-43B3-948B-1728B52AA6E4}">
+                <adec:decorative xmlns:adec="http://schemas.microsoft.com/office/drawing/2017/decorative" val="1"/>
+              </a:ext>
+            </a:extLst>
+          </p:cNvPr>
+          <p:cNvSpPr>
+            <a:spLocks noGrp="1" noRot="1" noChangeAspect="1" noMove="1" noResize="1" noEditPoints="1" noAdjustHandles="1" noChangeArrowheads="1" noChangeShapeType="1" noTextEdit="1"/>
+          </p:cNvSpPr>
+          <p:nvPr>
+            <p:extLst>
+              <p:ext uri="{386F3935-93C4-4BCD-93E2-E3B085C9AB24}">
+                <p16:designElem xmlns:p16="http://schemas.microsoft.com/office/powerpoint/2015/main" val="1"/>
+              </p:ext>
+            </p:extLst>
+          </p:nvPr>
+        </p:nvSpPr>
+        <p:spPr>
+          <a:xfrm>
+            <a:off x="0" y="0"/>
+            <a:ext cx="12192000" cy="6858000"/>
+          </a:xfrm>
+          <a:prstGeom prst="rect">
+            <a:avLst/>
+          </a:prstGeom>
+          <a:ln>
+            <a:noFill/>
+          </a:ln>
+        </p:spPr>
+        <p:style>
+          <a:lnRef idx="2">
+            <a:schemeClr val="accent1">
+              <a:shade val="50000"/>
+            </a:schemeClr>
+          </a:lnRef>
+          <a:fillRef idx="1">
+            <a:schemeClr val="accent1"/>
+          </a:fillRef>
+          <a:effectRef idx="0">
+            <a:schemeClr val="accent1"/>
+          </a:effectRef>
+          <a:fontRef idx="minor">
+            <a:schemeClr val="lt1"/>
+          </a:fontRef>
+        </p:style>
+        <p:txBody>
+          <a:bodyPr rtlCol="0" anchor="ctr"/>
+          <a:lstStyle/>
+          <a:p>
+            <a:pPr algn="ctr"/>
+            <a:endParaRPr lang="en-US"/>
+          </a:p>
+        </p:txBody>
+      </p:sp>
+      <p:sp>
+        <p:nvSpPr>
+          <p:cNvPr id="2" name="Title 1">
+            <a:extLst>
+              <a:ext uri="{FF2B5EF4-FFF2-40B4-BE49-F238E27FC236}">
+                <a16:creationId xmlns:a16="http://schemas.microsoft.com/office/drawing/2014/main" id="{A1298EA3-189E-38EC-47FA-870141AA6E89}"/>
+              </a:ext>
+            </a:extLst>
+          </p:cNvPr>
+          <p:cNvSpPr>
+            <a:spLocks noGrp="1"/>
+          </p:cNvSpPr>
+          <p:nvPr>
+            <p:ph type="title"/>
+          </p:nvPr>
+        </p:nvSpPr>
+        <p:spPr>
+          <a:xfrm>
+            <a:off x="630936" y="640080"/>
+            <a:ext cx="4818888" cy="1481328"/>
+          </a:xfrm>
+        </p:spPr>
+        <p:txBody>
+          <a:bodyPr anchor="b">
+            <a:normAutofit/>
+          </a:bodyPr>
+          <a:lstStyle/>
+          <a:p>
+            <a:r>
+              <a:rPr lang="en-US" sz="5000"/>
+              <a:t>Multi variate analysis </a:t>
+            </a:r>
+          </a:p>
+        </p:txBody>
+      </p:sp>
+      <p:sp>
+        <p:nvSpPr>
+          <p:cNvPr id="11" name="sketch line">
+            <a:extLst>
+              <a:ext uri="{FF2B5EF4-FFF2-40B4-BE49-F238E27FC236}">
+                <a16:creationId xmlns:a16="http://schemas.microsoft.com/office/drawing/2014/main" id="{71877DBC-BB60-40F0-AC93-2ACDBAAE60CE}"/>
+              </a:ext>
+              <a:ext uri="{C183D7F6-B498-43B3-948B-1728B52AA6E4}">
+                <adec:decorative xmlns:adec="http://schemas.microsoft.com/office/drawing/2017/decorative" val="1"/>
+              </a:ext>
+            </a:extLst>
+          </p:cNvPr>
+          <p:cNvSpPr>
+            <a:spLocks noGrp="1" noRot="1" noChangeAspect="1" noMove="1" noResize="1" noEditPoints="1" noAdjustHandles="1" noChangeArrowheads="1" noChangeShapeType="1" noTextEdit="1"/>
+          </p:cNvSpPr>
+          <p:nvPr>
+            <p:extLst>
+              <p:ext uri="{386F3935-93C4-4BCD-93E2-E3B085C9AB24}">
+                <p16:designElem xmlns:p16="http://schemas.microsoft.com/office/powerpoint/2015/main" val="1"/>
+              </p:ext>
+            </p:extLst>
+          </p:nvPr>
+        </p:nvSpPr>
+        <p:spPr>
+          <a:xfrm>
+            <a:off x="643278" y="2372868"/>
+            <a:ext cx="3255095" cy="18288"/>
+          </a:xfrm>
+          <a:custGeom>
+            <a:avLst/>
+            <a:gdLst>
+              <a:gd name="connsiteX0" fmla="*/ 0 w 3255095"/>
+              <a:gd name="connsiteY0" fmla="*/ 0 h 18288"/>
+              <a:gd name="connsiteX1" fmla="*/ 618468 w 3255095"/>
+              <a:gd name="connsiteY1" fmla="*/ 0 h 18288"/>
+              <a:gd name="connsiteX2" fmla="*/ 1269487 w 3255095"/>
+              <a:gd name="connsiteY2" fmla="*/ 0 h 18288"/>
+              <a:gd name="connsiteX3" fmla="*/ 1953057 w 3255095"/>
+              <a:gd name="connsiteY3" fmla="*/ 0 h 18288"/>
+              <a:gd name="connsiteX4" fmla="*/ 2636627 w 3255095"/>
+              <a:gd name="connsiteY4" fmla="*/ 0 h 18288"/>
+              <a:gd name="connsiteX5" fmla="*/ 3255095 w 3255095"/>
+              <a:gd name="connsiteY5" fmla="*/ 0 h 18288"/>
+              <a:gd name="connsiteX6" fmla="*/ 3255095 w 3255095"/>
+              <a:gd name="connsiteY6" fmla="*/ 18288 h 18288"/>
+              <a:gd name="connsiteX7" fmla="*/ 2538974 w 3255095"/>
+              <a:gd name="connsiteY7" fmla="*/ 18288 h 18288"/>
+              <a:gd name="connsiteX8" fmla="*/ 1822853 w 3255095"/>
+              <a:gd name="connsiteY8" fmla="*/ 18288 h 18288"/>
+              <a:gd name="connsiteX9" fmla="*/ 1171834 w 3255095"/>
+              <a:gd name="connsiteY9" fmla="*/ 18288 h 18288"/>
+              <a:gd name="connsiteX10" fmla="*/ 0 w 3255095"/>
+              <a:gd name="connsiteY10" fmla="*/ 18288 h 18288"/>
+              <a:gd name="connsiteX11" fmla="*/ 0 w 3255095"/>
+              <a:gd name="connsiteY11" fmla="*/ 0 h 18288"/>
+            </a:gdLst>
+            <a:ahLst/>
+            <a:cxnLst>
+              <a:cxn ang="0">
+                <a:pos x="connsiteX0" y="connsiteY0"/>
+              </a:cxn>
+              <a:cxn ang="0">
+                <a:pos x="connsiteX1" y="connsiteY1"/>
+              </a:cxn>
+              <a:cxn ang="0">
+                <a:pos x="connsiteX2" y="connsiteY2"/>
+              </a:cxn>
+              <a:cxn ang="0">
+                <a:pos x="connsiteX3" y="connsiteY3"/>
+              </a:cxn>
+              <a:cxn ang="0">
+                <a:pos x="connsiteX4" y="connsiteY4"/>
+              </a:cxn>
+              <a:cxn ang="0">
+                <a:pos x="connsiteX5" y="connsiteY5"/>
+              </a:cxn>
+              <a:cxn ang="0">
+                <a:pos x="connsiteX6" y="connsiteY6"/>
+              </a:cxn>
+              <a:cxn ang="0">
+                <a:pos x="connsiteX7" y="connsiteY7"/>
+              </a:cxn>
+              <a:cxn ang="0">
+                <a:pos x="connsiteX8" y="connsiteY8"/>
+              </a:cxn>
+              <a:cxn ang="0">
+                <a:pos x="connsiteX9" y="connsiteY9"/>
+              </a:cxn>
+              <a:cxn ang="0">
+                <a:pos x="connsiteX10" y="connsiteY10"/>
+              </a:cxn>
+              <a:cxn ang="0">
+                <a:pos x="connsiteX11" y="connsiteY11"/>
+              </a:cxn>
+            </a:cxnLst>
+            <a:rect l="l" t="t" r="r" b="b"/>
+            <a:pathLst>
+              <a:path w="3255095" h="18288" fill="none" extrusionOk="0">
+                <a:moveTo>
+                  <a:pt x="0" y="0"/>
+                </a:moveTo>
+                <a:cubicBezTo>
+                  <a:pt x="240201" y="-22123"/>
+                  <a:pt x="462021" y="-19623"/>
+                  <a:pt x="618468" y="0"/>
+                </a:cubicBezTo>
+                <a:cubicBezTo>
+                  <a:pt x="774915" y="19623"/>
+                  <a:pt x="974734" y="2035"/>
+                  <a:pt x="1269487" y="0"/>
+                </a:cubicBezTo>
+                <a:cubicBezTo>
+                  <a:pt x="1564240" y="-2035"/>
+                  <a:pt x="1733579" y="10639"/>
+                  <a:pt x="1953057" y="0"/>
+                </a:cubicBezTo>
+                <a:cubicBezTo>
+                  <a:pt x="2172535" y="-10639"/>
+                  <a:pt x="2453962" y="14018"/>
+                  <a:pt x="2636627" y="0"/>
+                </a:cubicBezTo>
+                <a:cubicBezTo>
+                  <a:pt x="2819292" y="-14018"/>
+                  <a:pt x="3121375" y="5399"/>
+                  <a:pt x="3255095" y="0"/>
+                </a:cubicBezTo>
+                <a:cubicBezTo>
+                  <a:pt x="3254386" y="8157"/>
+                  <a:pt x="3254682" y="12125"/>
+                  <a:pt x="3255095" y="18288"/>
+                </a:cubicBezTo>
+                <a:cubicBezTo>
+                  <a:pt x="3088545" y="23203"/>
+                  <a:pt x="2687475" y="7419"/>
+                  <a:pt x="2538974" y="18288"/>
+                </a:cubicBezTo>
+                <a:cubicBezTo>
+                  <a:pt x="2390473" y="29157"/>
+                  <a:pt x="2137381" y="-8959"/>
+                  <a:pt x="1822853" y="18288"/>
+                </a:cubicBezTo>
+                <a:cubicBezTo>
+                  <a:pt x="1508325" y="45535"/>
+                  <a:pt x="1466437" y="20385"/>
+                  <a:pt x="1171834" y="18288"/>
+                </a:cubicBezTo>
+                <a:cubicBezTo>
+                  <a:pt x="877231" y="16191"/>
+                  <a:pt x="561097" y="37643"/>
+                  <a:pt x="0" y="18288"/>
+                </a:cubicBezTo>
+                <a:cubicBezTo>
+                  <a:pt x="-46" y="12483"/>
+                  <a:pt x="-203" y="6491"/>
+                  <a:pt x="0" y="0"/>
+                </a:cubicBezTo>
+                <a:close/>
+              </a:path>
+              <a:path w="3255095" h="18288" stroke="0" extrusionOk="0">
+                <a:moveTo>
+                  <a:pt x="0" y="0"/>
+                </a:moveTo>
+                <a:cubicBezTo>
+                  <a:pt x="291965" y="19429"/>
+                  <a:pt x="363155" y="8568"/>
+                  <a:pt x="618468" y="0"/>
+                </a:cubicBezTo>
+                <a:cubicBezTo>
+                  <a:pt x="873781" y="-8568"/>
+                  <a:pt x="904459" y="-19505"/>
+                  <a:pt x="1171834" y="0"/>
+                </a:cubicBezTo>
+                <a:cubicBezTo>
+                  <a:pt x="1439209" y="19505"/>
+                  <a:pt x="1744369" y="9790"/>
+                  <a:pt x="1887955" y="0"/>
+                </a:cubicBezTo>
+                <a:cubicBezTo>
+                  <a:pt x="2031541" y="-9790"/>
+                  <a:pt x="2346378" y="21240"/>
+                  <a:pt x="2506423" y="0"/>
+                </a:cubicBezTo>
+                <a:cubicBezTo>
+                  <a:pt x="2666468" y="-21240"/>
+                  <a:pt x="2990257" y="30414"/>
+                  <a:pt x="3255095" y="0"/>
+                </a:cubicBezTo>
+                <a:cubicBezTo>
+                  <a:pt x="3254831" y="4493"/>
+                  <a:pt x="3255479" y="9472"/>
+                  <a:pt x="3255095" y="18288"/>
+                </a:cubicBezTo>
+                <a:cubicBezTo>
+                  <a:pt x="3120743" y="16690"/>
+                  <a:pt x="2759628" y="42462"/>
+                  <a:pt x="2604076" y="18288"/>
+                </a:cubicBezTo>
+                <a:cubicBezTo>
+                  <a:pt x="2448524" y="-5886"/>
+                  <a:pt x="2184336" y="19599"/>
+                  <a:pt x="1887955" y="18288"/>
+                </a:cubicBezTo>
+                <a:cubicBezTo>
+                  <a:pt x="1591574" y="16977"/>
+                  <a:pt x="1548845" y="6870"/>
+                  <a:pt x="1334589" y="18288"/>
+                </a:cubicBezTo>
+                <a:cubicBezTo>
+                  <a:pt x="1120333" y="29706"/>
+                  <a:pt x="996014" y="9662"/>
+                  <a:pt x="683570" y="18288"/>
+                </a:cubicBezTo>
+                <a:cubicBezTo>
+                  <a:pt x="371126" y="26914"/>
+                  <a:pt x="198687" y="16167"/>
+                  <a:pt x="0" y="18288"/>
+                </a:cubicBezTo>
+                <a:cubicBezTo>
+                  <a:pt x="843" y="9577"/>
+                  <a:pt x="371" y="6900"/>
+                  <a:pt x="0" y="0"/>
+                </a:cubicBezTo>
+                <a:close/>
+              </a:path>
+            </a:pathLst>
+          </a:custGeom>
+          <a:solidFill>
+            <a:schemeClr val="accent2"/>
+          </a:solidFill>
+          <a:ln w="38100" cap="rnd">
+            <a:solidFill>
+              <a:schemeClr val="accent2"/>
+            </a:solidFill>
+            <a:round/>
+            <a:extLst>
+              <a:ext uri="{C807C97D-BFC1-408E-A445-0C87EB9F89A2}">
+                <ask:lineSketchStyleProps xmlns:ask="http://schemas.microsoft.com/office/drawing/2018/sketchyshapes" sd="1219033472">
+                  <a:prstGeom prst="rect">
+                    <a:avLst/>
+                  </a:prstGeom>
+                  <ask:type>
+                    <ask:lineSketchFreehand/>
+                  </ask:type>
+                </ask:lineSketchStyleProps>
+              </a:ext>
+            </a:extLst>
+          </a:ln>
+        </p:spPr>
+        <p:style>
+          <a:lnRef idx="2">
+            <a:schemeClr val="accent1">
+              <a:shade val="50000"/>
+            </a:schemeClr>
+          </a:lnRef>
+          <a:fillRef idx="1">
+            <a:schemeClr val="accent1"/>
+          </a:fillRef>
+          <a:effectRef idx="0">
+            <a:schemeClr val="accent1"/>
+          </a:effectRef>
+          <a:fontRef idx="minor">
+            <a:schemeClr val="lt1"/>
+          </a:fontRef>
+        </p:style>
+        <p:txBody>
+          <a:bodyPr rtlCol="0" anchor="ctr"/>
+          <a:lstStyle/>
+          <a:p>
+            <a:pPr algn="ctr"/>
+            <a:endParaRPr lang="en-US"/>
+          </a:p>
+        </p:txBody>
+      </p:sp>
+      <p:sp>
+        <p:nvSpPr>
+          <p:cNvPr id="3" name="Content Placeholder 2">
+            <a:extLst>
+              <a:ext uri="{FF2B5EF4-FFF2-40B4-BE49-F238E27FC236}">
+                <a16:creationId xmlns:a16="http://schemas.microsoft.com/office/drawing/2014/main" id="{02BE9312-88BE-1D09-2772-D753D5EA93AC}"/>
+              </a:ext>
+            </a:extLst>
+          </p:cNvPr>
+          <p:cNvSpPr>
+            <a:spLocks noGrp="1"/>
+          </p:cNvSpPr>
+          <p:nvPr>
+            <p:ph idx="1"/>
+          </p:nvPr>
+        </p:nvSpPr>
+        <p:spPr>
+          <a:xfrm>
+            <a:off x="630936" y="2660904"/>
+            <a:ext cx="4818888" cy="3547872"/>
+          </a:xfrm>
+        </p:spPr>
+        <p:txBody>
+          <a:bodyPr anchor="t">
+            <a:normAutofit/>
+          </a:bodyPr>
+          <a:lstStyle/>
+          <a:p>
+            <a:pPr marL="457200" lvl="1" indent="0">
+              <a:buNone/>
+            </a:pPr>
+            <a:r>
+              <a:rPr lang="en-US" sz="1500" dirty="0"/>
+              <a:t>We did multi variate analysis on top of our bi variate attributes to understand the impact of a third variable on the target</a:t>
+            </a:r>
+          </a:p>
+          <a:p>
+            <a:pPr marL="457200" lvl="1" indent="0">
+              <a:buNone/>
+            </a:pPr>
+            <a:endParaRPr lang="en-US" sz="1500" dirty="0"/>
+          </a:p>
+          <a:p>
+            <a:pPr marL="457200" lvl="1" indent="0">
+              <a:buNone/>
+            </a:pPr>
+            <a:r>
+              <a:rPr lang="en-US" sz="1500" dirty="0"/>
+              <a:t>For example, when we validated purpose column </a:t>
+            </a:r>
+            <a:r>
+              <a:rPr lang="en-US" sz="1500" dirty="0" err="1"/>
+              <a:t>debt_consolidation</a:t>
+            </a:r>
+            <a:r>
+              <a:rPr lang="en-US" sz="1500" dirty="0"/>
+              <a:t> appears to be on higher level on defaulters, however when purpose is imposed as third column we could see the percentage </a:t>
+            </a:r>
+            <a:r>
+              <a:rPr lang="en-US" sz="1500" dirty="0" err="1"/>
+              <a:t>small_business</a:t>
+            </a:r>
+            <a:r>
+              <a:rPr lang="en-US" sz="1500" dirty="0"/>
+              <a:t> has higher defaulters in real</a:t>
+            </a:r>
+          </a:p>
+          <a:p>
+            <a:pPr marL="457200" lvl="1" indent="0">
+              <a:buNone/>
+            </a:pPr>
+            <a:endParaRPr lang="en-US" sz="1500" dirty="0"/>
+          </a:p>
+          <a:p>
+            <a:pPr marL="457200" lvl="1" indent="0">
+              <a:buNone/>
+            </a:pPr>
+            <a:r>
+              <a:rPr lang="en-US" sz="1500" dirty="0"/>
+              <a:t>By doing above step we were able to derive some depth insights on the influence of one variable over other </a:t>
+            </a:r>
+          </a:p>
+          <a:p>
+            <a:pPr marL="457200" lvl="1" indent="0">
+              <a:buNone/>
+            </a:pPr>
+            <a:endParaRPr lang="en-US" sz="1500" dirty="0"/>
+          </a:p>
+        </p:txBody>
+      </p:sp>
+      <p:pic>
+        <p:nvPicPr>
+          <p:cNvPr id="4" name="Picture 3" descr="Chart, bar chart&#10;&#10;Description automatically generated">
+            <a:extLst>
+              <a:ext uri="{FF2B5EF4-FFF2-40B4-BE49-F238E27FC236}">
+                <a16:creationId xmlns:a16="http://schemas.microsoft.com/office/drawing/2014/main" id="{5089A4C3-03A5-54FC-831B-C4CBC95A052C}"/>
+              </a:ext>
+            </a:extLst>
+          </p:cNvPr>
+          <p:cNvPicPr>
+            <a:picLocks noChangeAspect="1"/>
+          </p:cNvPicPr>
+          <p:nvPr/>
+        </p:nvPicPr>
+        <p:blipFill>
+          <a:blip r:embed="rId2"/>
+          <a:stretch>
+            <a:fillRect/>
+          </a:stretch>
+        </p:blipFill>
+        <p:spPr>
+          <a:xfrm>
+            <a:off x="6099048" y="1129410"/>
+            <a:ext cx="5458968" cy="4599179"/>
+          </a:xfrm>
+          <a:prstGeom prst="rect">
+            <a:avLst/>
+          </a:prstGeom>
+        </p:spPr>
+      </p:pic>
+    </p:spTree>
+    <p:extLst>
+      <p:ext uri="{BB962C8B-B14F-4D97-AF65-F5344CB8AC3E}">
+        <p14:creationId xmlns:p14="http://schemas.microsoft.com/office/powerpoint/2010/main" val="380448059"/>
+      </p:ext>
+    </p:extLst>
+  </p:cSld>
+  <p:clrMapOvr>
+    <a:masterClrMapping/>
+  </p:clrMapOvr>
+</p:sld>
+</file>
+
+<file path=ppt/slides/slide12.xml><?xml version="1.0" encoding="utf-8"?>
+<p:sld xmlns:a="http://schemas.openxmlformats.org/drawingml/2006/main" xmlns:r="http://schemas.openxmlformats.org/officeDocument/2006/relationships" xmlns:p="http://schemas.openxmlformats.org/presentationml/2006/main">
+  <p:cSld>
+    <p:bg>
+      <p:bgPr>
+        <a:solidFill>
+          <a:schemeClr val="bg1"/>
+        </a:solidFill>
+        <a:effectLst/>
+      </p:bgPr>
+    </p:bg>
+    <p:spTree>
+      <p:nvGrpSpPr>
+        <p:cNvPr id="1" name=""/>
+        <p:cNvGrpSpPr/>
+        <p:nvPr/>
+      </p:nvGrpSpPr>
+      <p:grpSpPr>
+        <a:xfrm>
+          <a:off x="0" y="0"/>
+          <a:ext cx="0" cy="0"/>
+          <a:chOff x="0" y="0"/>
+          <a:chExt cx="0" cy="0"/>
+        </a:xfrm>
+      </p:grpSpPr>
+      <p:sp useBgFill="1">
+        <p:nvSpPr>
+          <p:cNvPr id="8" name="Rectangle 7">
+            <a:extLst>
+              <a:ext uri="{FF2B5EF4-FFF2-40B4-BE49-F238E27FC236}">
+                <a16:creationId xmlns:a16="http://schemas.microsoft.com/office/drawing/2014/main" id="{AC17DE74-01C9-4859-B65A-85CF999E8580}"/>
+              </a:ext>
+              <a:ext uri="{C183D7F6-B498-43B3-948B-1728B52AA6E4}">
+                <adec:decorative xmlns:adec="http://schemas.microsoft.com/office/drawing/2017/decorative" val="1"/>
+              </a:ext>
+            </a:extLst>
+          </p:cNvPr>
+          <p:cNvSpPr>
+            <a:spLocks noGrp="1" noRot="1" noChangeAspect="1" noMove="1" noResize="1" noEditPoints="1" noAdjustHandles="1" noChangeArrowheads="1" noChangeShapeType="1" noTextEdit="1"/>
+          </p:cNvSpPr>
+          <p:nvPr>
+            <p:extLst>
+              <p:ext uri="{386F3935-93C4-4BCD-93E2-E3B085C9AB24}">
+                <p16:designElem xmlns:p16="http://schemas.microsoft.com/office/powerpoint/2015/main" val="1"/>
+              </p:ext>
+            </p:extLst>
+          </p:nvPr>
+        </p:nvSpPr>
+        <p:spPr>
+          <a:xfrm>
+            <a:off x="0" y="0"/>
+            <a:ext cx="12188952" cy="6858000"/>
+          </a:xfrm>
+          <a:prstGeom prst="rect">
+            <a:avLst/>
+          </a:prstGeom>
+          <a:ln>
+            <a:noFill/>
+          </a:ln>
+        </p:spPr>
+        <p:style>
+          <a:lnRef idx="2">
+            <a:schemeClr val="accent1">
+              <a:shade val="50000"/>
+            </a:schemeClr>
+          </a:lnRef>
+          <a:fillRef idx="1">
+            <a:schemeClr val="accent1"/>
+          </a:fillRef>
+          <a:effectRef idx="0">
+            <a:schemeClr val="accent1"/>
+          </a:effectRef>
+          <a:fontRef idx="minor">
+            <a:schemeClr val="lt1"/>
+          </a:fontRef>
+        </p:style>
+        <p:txBody>
+          <a:bodyPr rtlCol="0" anchor="ctr"/>
+          <a:lstStyle/>
+          <a:p>
+            <a:pPr algn="ctr"/>
+            <a:endParaRPr lang="en-US"/>
+          </a:p>
+        </p:txBody>
+      </p:sp>
+      <p:sp>
+        <p:nvSpPr>
+          <p:cNvPr id="10" name="Freeform: Shape 9">
+            <a:extLst>
+              <a:ext uri="{FF2B5EF4-FFF2-40B4-BE49-F238E27FC236}">
+                <a16:creationId xmlns:a16="http://schemas.microsoft.com/office/drawing/2014/main" id="{068C0432-0E90-4CC1-8CD3-D44A90DF07EF}"/>
+              </a:ext>
+              <a:ext uri="{C183D7F6-B498-43B3-948B-1728B52AA6E4}">
+                <adec:decorative xmlns:adec="http://schemas.microsoft.com/office/drawing/2017/decorative" val="1"/>
+              </a:ext>
+            </a:extLst>
+          </p:cNvPr>
+          <p:cNvSpPr>
+            <a:spLocks noGrp="1" noRot="1" noChangeAspect="1" noMove="1" noResize="1" noEditPoints="1" noAdjustHandles="1" noChangeArrowheads="1" noChangeShapeType="1" noTextEdit="1"/>
+          </p:cNvSpPr>
+          <p:nvPr>
+            <p:extLst>
+              <p:ext uri="{386F3935-93C4-4BCD-93E2-E3B085C9AB24}">
+                <p16:designElem xmlns:p16="http://schemas.microsoft.com/office/powerpoint/2015/main" val="1"/>
+              </p:ext>
+            </p:extLst>
+          </p:nvPr>
+        </p:nvSpPr>
+        <p:spPr>
+          <a:xfrm>
+            <a:off x="0" y="0"/>
+            <a:ext cx="12192000" cy="2347414"/>
+          </a:xfrm>
+          <a:custGeom>
+            <a:avLst/>
+            <a:gdLst>
+              <a:gd name="connsiteX0" fmla="*/ 0 w 12192000"/>
+              <a:gd name="connsiteY0" fmla="*/ 0 h 2347414"/>
+              <a:gd name="connsiteX1" fmla="*/ 12192000 w 12192000"/>
+              <a:gd name="connsiteY1" fmla="*/ 0 h 2347414"/>
+              <a:gd name="connsiteX2" fmla="*/ 12192000 w 12192000"/>
+              <a:gd name="connsiteY2" fmla="*/ 1736458 h 2347414"/>
+              <a:gd name="connsiteX3" fmla="*/ 11967601 w 12192000"/>
+              <a:gd name="connsiteY3" fmla="*/ 1784034 h 2347414"/>
+              <a:gd name="connsiteX4" fmla="*/ 10829000 w 12192000"/>
+              <a:gd name="connsiteY4" fmla="*/ 1983294 h 2347414"/>
+              <a:gd name="connsiteX5" fmla="*/ 10743779 w 12192000"/>
+              <a:gd name="connsiteY5" fmla="*/ 1996027 h 2347414"/>
+              <a:gd name="connsiteX6" fmla="*/ 10829254 w 12192000"/>
+              <a:gd name="connsiteY6" fmla="*/ 1987751 h 2347414"/>
+              <a:gd name="connsiteX7" fmla="*/ 10847162 w 12192000"/>
+              <a:gd name="connsiteY7" fmla="*/ 1988388 h 2347414"/>
+              <a:gd name="connsiteX8" fmla="*/ 11575155 w 12192000"/>
+              <a:gd name="connsiteY8" fmla="*/ 1921415 h 2347414"/>
+              <a:gd name="connsiteX9" fmla="*/ 12192000 w 12192000"/>
+              <a:gd name="connsiteY9" fmla="*/ 1851213 h 2347414"/>
+              <a:gd name="connsiteX10" fmla="*/ 12192000 w 12192000"/>
+              <a:gd name="connsiteY10" fmla="*/ 1907356 h 2347414"/>
+              <a:gd name="connsiteX11" fmla="*/ 12035532 w 12192000"/>
+              <a:gd name="connsiteY11" fmla="*/ 1927033 h 2347414"/>
+              <a:gd name="connsiteX12" fmla="*/ 11576932 w 12192000"/>
+              <a:gd name="connsiteY12" fmla="*/ 1976291 h 2347414"/>
+              <a:gd name="connsiteX13" fmla="*/ 10627316 w 12192000"/>
+              <a:gd name="connsiteY13" fmla="*/ 2061470 h 2347414"/>
+              <a:gd name="connsiteX14" fmla="*/ 9804196 w 12192000"/>
+              <a:gd name="connsiteY14" fmla="*/ 2123478 h 2347414"/>
+              <a:gd name="connsiteX15" fmla="*/ 9243851 w 12192000"/>
+              <a:gd name="connsiteY15" fmla="*/ 2180008 h 2347414"/>
+              <a:gd name="connsiteX16" fmla="*/ 8731259 w 12192000"/>
+              <a:gd name="connsiteY16" fmla="*/ 2225081 h 2347414"/>
+              <a:gd name="connsiteX17" fmla="*/ 8065752 w 12192000"/>
+              <a:gd name="connsiteY17" fmla="*/ 2271681 h 2347414"/>
+              <a:gd name="connsiteX18" fmla="*/ 7658065 w 12192000"/>
+              <a:gd name="connsiteY18" fmla="*/ 2292562 h 2347414"/>
+              <a:gd name="connsiteX19" fmla="*/ 6531024 w 12192000"/>
+              <a:gd name="connsiteY19" fmla="*/ 2324138 h 2347414"/>
+              <a:gd name="connsiteX20" fmla="*/ 6178331 w 12192000"/>
+              <a:gd name="connsiteY20" fmla="*/ 2345655 h 2347414"/>
+              <a:gd name="connsiteX21" fmla="*/ 5977282 w 12192000"/>
+              <a:gd name="connsiteY21" fmla="*/ 2344127 h 2347414"/>
+              <a:gd name="connsiteX22" fmla="*/ 5367658 w 12192000"/>
+              <a:gd name="connsiteY22" fmla="*/ 2329230 h 2347414"/>
+              <a:gd name="connsiteX23" fmla="*/ 4387306 w 12192000"/>
+              <a:gd name="connsiteY23" fmla="*/ 2288614 h 2347414"/>
+              <a:gd name="connsiteX24" fmla="*/ 4180287 w 12192000"/>
+              <a:gd name="connsiteY24" fmla="*/ 2280211 h 2347414"/>
+              <a:gd name="connsiteX25" fmla="*/ 3842199 w 12192000"/>
+              <a:gd name="connsiteY25" fmla="*/ 2257039 h 2347414"/>
+              <a:gd name="connsiteX26" fmla="*/ 3730309 w 12192000"/>
+              <a:gd name="connsiteY26" fmla="*/ 2251182 h 2347414"/>
+              <a:gd name="connsiteX27" fmla="*/ 3425496 w 12192000"/>
+              <a:gd name="connsiteY27" fmla="*/ 2231320 h 2347414"/>
+              <a:gd name="connsiteX28" fmla="*/ 3076106 w 12192000"/>
+              <a:gd name="connsiteY28" fmla="*/ 2201781 h 2347414"/>
+              <a:gd name="connsiteX29" fmla="*/ 2819682 w 12192000"/>
+              <a:gd name="connsiteY29" fmla="*/ 2182427 h 2347414"/>
+              <a:gd name="connsiteX30" fmla="*/ 2525539 w 12192000"/>
+              <a:gd name="connsiteY30" fmla="*/ 2152888 h 2347414"/>
+              <a:gd name="connsiteX31" fmla="*/ 2311915 w 12192000"/>
+              <a:gd name="connsiteY31" fmla="*/ 2133536 h 2347414"/>
+              <a:gd name="connsiteX32" fmla="*/ 2054223 w 12192000"/>
+              <a:gd name="connsiteY32" fmla="*/ 2104760 h 2347414"/>
+              <a:gd name="connsiteX33" fmla="*/ 1865367 w 12192000"/>
+              <a:gd name="connsiteY33" fmla="*/ 2084770 h 2347414"/>
+              <a:gd name="connsiteX34" fmla="*/ 1629263 w 12192000"/>
+              <a:gd name="connsiteY34" fmla="*/ 2055996 h 2347414"/>
+              <a:gd name="connsiteX35" fmla="*/ 1458823 w 12192000"/>
+              <a:gd name="connsiteY35" fmla="*/ 2035751 h 2347414"/>
+              <a:gd name="connsiteX36" fmla="*/ 1241390 w 12192000"/>
+              <a:gd name="connsiteY36" fmla="*/ 2007103 h 2347414"/>
+              <a:gd name="connsiteX37" fmla="*/ 1047453 w 12192000"/>
+              <a:gd name="connsiteY37" fmla="*/ 1980748 h 2347414"/>
+              <a:gd name="connsiteX38" fmla="*/ 814907 w 12192000"/>
+              <a:gd name="connsiteY38" fmla="*/ 1949045 h 2347414"/>
+              <a:gd name="connsiteX39" fmla="*/ 592649 w 12192000"/>
+              <a:gd name="connsiteY39" fmla="*/ 1913776 h 2347414"/>
+              <a:gd name="connsiteX40" fmla="*/ 343591 w 12192000"/>
+              <a:gd name="connsiteY40" fmla="*/ 1872650 h 2347414"/>
+              <a:gd name="connsiteX41" fmla="*/ 35731 w 12192000"/>
+              <a:gd name="connsiteY41" fmla="*/ 1821722 h 2347414"/>
+              <a:gd name="connsiteX42" fmla="*/ 0 w 12192000"/>
+              <a:gd name="connsiteY42" fmla="*/ 1814848 h 2347414"/>
+              <a:gd name="connsiteX43" fmla="*/ 0 w 12192000"/>
+              <a:gd name="connsiteY43" fmla="*/ 1758489 h 2347414"/>
+              <a:gd name="connsiteX44" fmla="*/ 274248 w 12192000"/>
+              <a:gd name="connsiteY44" fmla="*/ 1808735 h 2347414"/>
+              <a:gd name="connsiteX45" fmla="*/ 498157 w 12192000"/>
+              <a:gd name="connsiteY45" fmla="*/ 1846167 h 2347414"/>
+              <a:gd name="connsiteX46" fmla="*/ 722828 w 12192000"/>
+              <a:gd name="connsiteY46" fmla="*/ 1878635 h 2347414"/>
+              <a:gd name="connsiteX47" fmla="*/ 949913 w 12192000"/>
+              <a:gd name="connsiteY47" fmla="*/ 1912375 h 2347414"/>
+              <a:gd name="connsiteX48" fmla="*/ 1195414 w 12192000"/>
+              <a:gd name="connsiteY48" fmla="*/ 1947516 h 2347414"/>
+              <a:gd name="connsiteX49" fmla="*/ 1342867 w 12192000"/>
+              <a:gd name="connsiteY49" fmla="*/ 1968397 h 2347414"/>
+              <a:gd name="connsiteX50" fmla="*/ 1518007 w 12192000"/>
+              <a:gd name="connsiteY50" fmla="*/ 1988006 h 2347414"/>
+              <a:gd name="connsiteX51" fmla="*/ 1701403 w 12192000"/>
+              <a:gd name="connsiteY51" fmla="*/ 2010669 h 2347414"/>
+              <a:gd name="connsiteX52" fmla="*/ 1879210 w 12192000"/>
+              <a:gd name="connsiteY52" fmla="*/ 2031167 h 2347414"/>
+              <a:gd name="connsiteX53" fmla="*/ 2068702 w 12192000"/>
+              <a:gd name="connsiteY53" fmla="*/ 2052940 h 2347414"/>
+              <a:gd name="connsiteX54" fmla="*/ 2212090 w 12192000"/>
+              <a:gd name="connsiteY54" fmla="*/ 2067583 h 2347414"/>
+              <a:gd name="connsiteX55" fmla="*/ 2416949 w 12192000"/>
+              <a:gd name="connsiteY55" fmla="*/ 2089609 h 2347414"/>
+              <a:gd name="connsiteX56" fmla="*/ 2582055 w 12192000"/>
+              <a:gd name="connsiteY56" fmla="*/ 2105397 h 2347414"/>
+              <a:gd name="connsiteX57" fmla="*/ 2802282 w 12192000"/>
+              <a:gd name="connsiteY57" fmla="*/ 2126405 h 2347414"/>
+              <a:gd name="connsiteX58" fmla="*/ 2984916 w 12192000"/>
+              <a:gd name="connsiteY58" fmla="*/ 2141684 h 2347414"/>
+              <a:gd name="connsiteX59" fmla="*/ 3241847 w 12192000"/>
+              <a:gd name="connsiteY59" fmla="*/ 2164094 h 2347414"/>
+              <a:gd name="connsiteX60" fmla="*/ 3439848 w 12192000"/>
+              <a:gd name="connsiteY60" fmla="*/ 2176826 h 2347414"/>
+              <a:gd name="connsiteX61" fmla="*/ 3658678 w 12192000"/>
+              <a:gd name="connsiteY61" fmla="*/ 2194523 h 2347414"/>
+              <a:gd name="connsiteX62" fmla="*/ 3881317 w 12192000"/>
+              <a:gd name="connsiteY62" fmla="*/ 2206491 h 2347414"/>
+              <a:gd name="connsiteX63" fmla="*/ 4148916 w 12192000"/>
+              <a:gd name="connsiteY63" fmla="*/ 2225081 h 2347414"/>
+              <a:gd name="connsiteX64" fmla="*/ 4468337 w 12192000"/>
+              <a:gd name="connsiteY64" fmla="*/ 2237813 h 2347414"/>
+              <a:gd name="connsiteX65" fmla="*/ 4605375 w 12192000"/>
+              <a:gd name="connsiteY65" fmla="*/ 2240232 h 2347414"/>
+              <a:gd name="connsiteX66" fmla="*/ 4527647 w 12192000"/>
+              <a:gd name="connsiteY66" fmla="*/ 2236412 h 2347414"/>
+              <a:gd name="connsiteX67" fmla="*/ 4175589 w 12192000"/>
+              <a:gd name="connsiteY67" fmla="*/ 2212985 h 2347414"/>
+              <a:gd name="connsiteX68" fmla="*/ 3988255 w 12192000"/>
+              <a:gd name="connsiteY68" fmla="*/ 2200253 h 2347414"/>
+              <a:gd name="connsiteX69" fmla="*/ 3686492 w 12192000"/>
+              <a:gd name="connsiteY69" fmla="*/ 2176062 h 2347414"/>
+              <a:gd name="connsiteX70" fmla="*/ 3517320 w 12192000"/>
+              <a:gd name="connsiteY70" fmla="*/ 2163330 h 2347414"/>
+              <a:gd name="connsiteX71" fmla="*/ 3258357 w 12192000"/>
+              <a:gd name="connsiteY71" fmla="*/ 2139519 h 2347414"/>
+              <a:gd name="connsiteX72" fmla="*/ 3101506 w 12192000"/>
+              <a:gd name="connsiteY72" fmla="*/ 2126787 h 2347414"/>
+              <a:gd name="connsiteX73" fmla="*/ 2809395 w 12192000"/>
+              <a:gd name="connsiteY73" fmla="*/ 2097502 h 2347414"/>
+              <a:gd name="connsiteX74" fmla="*/ 2598566 w 12192000"/>
+              <a:gd name="connsiteY74" fmla="*/ 2078532 h 2347414"/>
+              <a:gd name="connsiteX75" fmla="*/ 2337444 w 12192000"/>
+              <a:gd name="connsiteY75" fmla="*/ 2048611 h 2347414"/>
+              <a:gd name="connsiteX76" fmla="*/ 2091054 w 12192000"/>
+              <a:gd name="connsiteY76" fmla="*/ 2023146 h 2347414"/>
+              <a:gd name="connsiteX77" fmla="*/ 1755761 w 12192000"/>
+              <a:gd name="connsiteY77" fmla="*/ 1981384 h 2347414"/>
+              <a:gd name="connsiteX78" fmla="*/ 1441169 w 12192000"/>
+              <a:gd name="connsiteY78" fmla="*/ 1943824 h 2347414"/>
+              <a:gd name="connsiteX79" fmla="*/ 1017607 w 12192000"/>
+              <a:gd name="connsiteY79" fmla="*/ 1883345 h 2347414"/>
+              <a:gd name="connsiteX80" fmla="*/ 594427 w 12192000"/>
+              <a:gd name="connsiteY80" fmla="*/ 1821849 h 2347414"/>
+              <a:gd name="connsiteX81" fmla="*/ 200711 w 12192000"/>
+              <a:gd name="connsiteY81" fmla="*/ 1755132 h 2347414"/>
+              <a:gd name="connsiteX82" fmla="*/ 0 w 12192000"/>
+              <a:gd name="connsiteY82" fmla="*/ 1718743 h 2347414"/>
+            </a:gdLst>
+            <a:ahLst/>
+            <a:cxnLst>
+              <a:cxn ang="0">
+                <a:pos x="connsiteX0" y="connsiteY0"/>
+              </a:cxn>
+              <a:cxn ang="0">
+                <a:pos x="connsiteX1" y="connsiteY1"/>
+              </a:cxn>
+              <a:cxn ang="0">
+                <a:pos x="connsiteX2" y="connsiteY2"/>
+              </a:cxn>
+              <a:cxn ang="0">
+                <a:pos x="connsiteX3" y="connsiteY3"/>
+              </a:cxn>
+              <a:cxn ang="0">
+                <a:pos x="connsiteX4" y="connsiteY4"/>
+              </a:cxn>
+              <a:cxn ang="0">
+                <a:pos x="connsiteX5" y="connsiteY5"/>
+              </a:cxn>
+              <a:cxn ang="0">
+                <a:pos x="connsiteX6" y="connsiteY6"/>
+              </a:cxn>
+              <a:cxn ang="0">
+                <a:pos x="connsiteX7" y="connsiteY7"/>
+              </a:cxn>
+              <a:cxn ang="0">
+                <a:pos x="connsiteX8" y="connsiteY8"/>
+              </a:cxn>
+              <a:cxn ang="0">
+                <a:pos x="connsiteX9" y="connsiteY9"/>
+              </a:cxn>
+              <a:cxn ang="0">
+                <a:pos x="connsiteX10" y="connsiteY10"/>
+              </a:cxn>
+              <a:cxn ang="0">
+                <a:pos x="connsiteX11" y="connsiteY11"/>
+              </a:cxn>
+              <a:cxn ang="0">
+                <a:pos x="connsiteX12" y="connsiteY12"/>
+              </a:cxn>
+              <a:cxn ang="0">
+                <a:pos x="connsiteX13" y="connsiteY13"/>
+              </a:cxn>
+              <a:cxn ang="0">
+                <a:pos x="connsiteX14" y="connsiteY14"/>
+              </a:cxn>
+              <a:cxn ang="0">
+                <a:pos x="connsiteX15" y="connsiteY15"/>
+              </a:cxn>
+              <a:cxn ang="0">
+                <a:pos x="connsiteX16" y="connsiteY16"/>
+              </a:cxn>
+              <a:cxn ang="0">
+                <a:pos x="connsiteX17" y="connsiteY17"/>
+              </a:cxn>
+              <a:cxn ang="0">
+                <a:pos x="connsiteX18" y="connsiteY18"/>
+              </a:cxn>
+              <a:cxn ang="0">
+                <a:pos x="connsiteX19" y="connsiteY19"/>
+              </a:cxn>
+              <a:cxn ang="0">
+                <a:pos x="connsiteX20" y="connsiteY20"/>
+              </a:cxn>
+              <a:cxn ang="0">
+                <a:pos x="connsiteX21" y="connsiteY21"/>
+              </a:cxn>
+              <a:cxn ang="0">
+                <a:pos x="connsiteX22" y="connsiteY22"/>
+              </a:cxn>
+              <a:cxn ang="0">
+                <a:pos x="connsiteX23" y="connsiteY23"/>
+              </a:cxn>
+              <a:cxn ang="0">
+                <a:pos x="connsiteX24" y="connsiteY24"/>
+              </a:cxn>
+              <a:cxn ang="0">
+                <a:pos x="connsiteX25" y="connsiteY25"/>
+              </a:cxn>
+              <a:cxn ang="0">
+                <a:pos x="connsiteX26" y="connsiteY26"/>
+              </a:cxn>
+              <a:cxn ang="0">
+                <a:pos x="connsiteX27" y="connsiteY27"/>
+              </a:cxn>
+              <a:cxn ang="0">
+                <a:pos x="connsiteX28" y="connsiteY28"/>
+              </a:cxn>
+              <a:cxn ang="0">
+                <a:pos x="connsiteX29" y="connsiteY29"/>
+              </a:cxn>
+              <a:cxn ang="0">
+                <a:pos x="connsiteX30" y="connsiteY30"/>
+              </a:cxn>
+              <a:cxn ang="0">
+                <a:pos x="connsiteX31" y="connsiteY31"/>
+              </a:cxn>
+              <a:cxn ang="0">
+                <a:pos x="connsiteX32" y="connsiteY32"/>
+              </a:cxn>
+              <a:cxn ang="0">
+                <a:pos x="connsiteX33" y="connsiteY33"/>
+              </a:cxn>
+              <a:cxn ang="0">
+                <a:pos x="connsiteX34" y="connsiteY34"/>
+              </a:cxn>
+              <a:cxn ang="0">
+                <a:pos x="connsiteX35" y="connsiteY35"/>
+              </a:cxn>
+              <a:cxn ang="0">
+                <a:pos x="connsiteX36" y="connsiteY36"/>
+              </a:cxn>
+              <a:cxn ang="0">
+                <a:pos x="connsiteX37" y="connsiteY37"/>
+              </a:cxn>
+              <a:cxn ang="0">
+                <a:pos x="connsiteX38" y="connsiteY38"/>
+              </a:cxn>
+              <a:cxn ang="0">
+                <a:pos x="connsiteX39" y="connsiteY39"/>
+              </a:cxn>
+              <a:cxn ang="0">
+                <a:pos x="connsiteX40" y="connsiteY40"/>
+              </a:cxn>
+              <a:cxn ang="0">
+                <a:pos x="connsiteX41" y="connsiteY41"/>
+              </a:cxn>
+              <a:cxn ang="0">
+                <a:pos x="connsiteX42" y="connsiteY42"/>
+              </a:cxn>
+              <a:cxn ang="0">
+                <a:pos x="connsiteX43" y="connsiteY43"/>
+              </a:cxn>
+              <a:cxn ang="0">
+                <a:pos x="connsiteX44" y="connsiteY44"/>
+              </a:cxn>
+              <a:cxn ang="0">
+                <a:pos x="connsiteX45" y="connsiteY45"/>
+              </a:cxn>
+              <a:cxn ang="0">
+                <a:pos x="connsiteX46" y="connsiteY46"/>
+              </a:cxn>
+              <a:cxn ang="0">
+                <a:pos x="connsiteX47" y="connsiteY47"/>
+              </a:cxn>
+              <a:cxn ang="0">
+                <a:pos x="connsiteX48" y="connsiteY48"/>
+              </a:cxn>
+              <a:cxn ang="0">
+                <a:pos x="connsiteX49" y="connsiteY49"/>
+              </a:cxn>
+              <a:cxn ang="0">
+                <a:pos x="connsiteX50" y="connsiteY50"/>
+              </a:cxn>
+              <a:cxn ang="0">
+                <a:pos x="connsiteX51" y="connsiteY51"/>
+              </a:cxn>
+              <a:cxn ang="0">
+                <a:pos x="connsiteX52" y="connsiteY52"/>
+              </a:cxn>
+              <a:cxn ang="0">
+                <a:pos x="connsiteX53" y="connsiteY53"/>
+              </a:cxn>
+              <a:cxn ang="0">
+                <a:pos x="connsiteX54" y="connsiteY54"/>
+              </a:cxn>
+              <a:cxn ang="0">
+                <a:pos x="connsiteX55" y="connsiteY55"/>
+              </a:cxn>
+              <a:cxn ang="0">
+                <a:pos x="connsiteX56" y="connsiteY56"/>
+              </a:cxn>
+              <a:cxn ang="0">
+                <a:pos x="connsiteX57" y="connsiteY57"/>
+              </a:cxn>
+              <a:cxn ang="0">
+                <a:pos x="connsiteX58" y="connsiteY58"/>
+              </a:cxn>
+              <a:cxn ang="0">
+                <a:pos x="connsiteX59" y="connsiteY59"/>
+              </a:cxn>
+              <a:cxn ang="0">
+                <a:pos x="connsiteX60" y="connsiteY60"/>
+              </a:cxn>
+              <a:cxn ang="0">
+                <a:pos x="connsiteX61" y="connsiteY61"/>
+              </a:cxn>
+              <a:cxn ang="0">
+                <a:pos x="connsiteX62" y="connsiteY62"/>
+              </a:cxn>
+              <a:cxn ang="0">
+                <a:pos x="connsiteX63" y="connsiteY63"/>
+              </a:cxn>
+              <a:cxn ang="0">
+                <a:pos x="connsiteX64" y="connsiteY64"/>
+              </a:cxn>
+              <a:cxn ang="0">
+                <a:pos x="connsiteX65" y="connsiteY65"/>
+              </a:cxn>
+              <a:cxn ang="0">
+                <a:pos x="connsiteX66" y="connsiteY66"/>
+              </a:cxn>
+              <a:cxn ang="0">
+                <a:pos x="connsiteX67" y="connsiteY67"/>
+              </a:cxn>
+              <a:cxn ang="0">
+                <a:pos x="connsiteX68" y="connsiteY68"/>
+              </a:cxn>
+              <a:cxn ang="0">
+                <a:pos x="connsiteX69" y="connsiteY69"/>
+              </a:cxn>
+              <a:cxn ang="0">
+                <a:pos x="connsiteX70" y="connsiteY70"/>
+              </a:cxn>
+              <a:cxn ang="0">
+                <a:pos x="connsiteX71" y="connsiteY71"/>
+              </a:cxn>
+              <a:cxn ang="0">
+                <a:pos x="connsiteX72" y="connsiteY72"/>
+              </a:cxn>
+              <a:cxn ang="0">
+                <a:pos x="connsiteX73" y="connsiteY73"/>
+              </a:cxn>
+              <a:cxn ang="0">
+                <a:pos x="connsiteX74" y="connsiteY74"/>
+              </a:cxn>
+              <a:cxn ang="0">
+                <a:pos x="connsiteX75" y="connsiteY75"/>
+              </a:cxn>
+              <a:cxn ang="0">
+                <a:pos x="connsiteX76" y="connsiteY76"/>
+              </a:cxn>
+              <a:cxn ang="0">
+                <a:pos x="connsiteX77" y="connsiteY77"/>
+              </a:cxn>
+              <a:cxn ang="0">
+                <a:pos x="connsiteX78" y="connsiteY78"/>
+              </a:cxn>
+              <a:cxn ang="0">
+                <a:pos x="connsiteX79" y="connsiteY79"/>
+              </a:cxn>
+              <a:cxn ang="0">
+                <a:pos x="connsiteX80" y="connsiteY80"/>
+              </a:cxn>
+              <a:cxn ang="0">
+                <a:pos x="connsiteX81" y="connsiteY81"/>
+              </a:cxn>
+              <a:cxn ang="0">
+                <a:pos x="connsiteX82" y="connsiteY82"/>
+              </a:cxn>
+            </a:cxnLst>
+            <a:rect l="l" t="t" r="r" b="b"/>
+            <a:pathLst>
+              <a:path w="12192000" h="2347414">
+                <a:moveTo>
+                  <a:pt x="0" y="0"/>
+                </a:moveTo>
+                <a:lnTo>
+                  <a:pt x="12192000" y="0"/>
+                </a:lnTo>
+                <a:lnTo>
+                  <a:pt x="12192000" y="1736458"/>
+                </a:lnTo>
+                <a:lnTo>
+                  <a:pt x="11967601" y="1784034"/>
+                </a:lnTo>
+                <a:cubicBezTo>
+                  <a:pt x="11589888" y="1859409"/>
+                  <a:pt x="11209762" y="1923961"/>
+                  <a:pt x="10829000" y="1983294"/>
+                </a:cubicBezTo>
+                <a:lnTo>
+                  <a:pt x="10743779" y="1996027"/>
+                </a:lnTo>
+                <a:cubicBezTo>
+                  <a:pt x="10772495" y="1996778"/>
+                  <a:pt x="10801211" y="1993989"/>
+                  <a:pt x="10829254" y="1987751"/>
+                </a:cubicBezTo>
+                <a:cubicBezTo>
+                  <a:pt x="10835198" y="1988337"/>
+                  <a:pt x="10841180" y="1988553"/>
+                  <a:pt x="10847162" y="1988388"/>
+                </a:cubicBezTo>
+                <a:cubicBezTo>
+                  <a:pt x="11090123" y="1968907"/>
+                  <a:pt x="11332703" y="1945734"/>
+                  <a:pt x="11575155" y="1921415"/>
+                </a:cubicBezTo>
+                <a:lnTo>
+                  <a:pt x="12192000" y="1851213"/>
+                </a:lnTo>
+                <a:lnTo>
+                  <a:pt x="12192000" y="1907356"/>
+                </a:lnTo>
+                <a:lnTo>
+                  <a:pt x="12035532" y="1927033"/>
+                </a:lnTo>
+                <a:cubicBezTo>
+                  <a:pt x="11882793" y="1944747"/>
+                  <a:pt x="11729910" y="1961077"/>
+                  <a:pt x="11576932" y="1976291"/>
+                </a:cubicBezTo>
+                <a:cubicBezTo>
+                  <a:pt x="11260690" y="2008122"/>
+                  <a:pt x="10944193" y="2037279"/>
+                  <a:pt x="10627316" y="2061470"/>
+                </a:cubicBezTo>
+                <a:cubicBezTo>
+                  <a:pt x="10352985" y="2082351"/>
+                  <a:pt x="10078401" y="2100431"/>
+                  <a:pt x="9804196" y="2123478"/>
+                </a:cubicBezTo>
+                <a:cubicBezTo>
+                  <a:pt x="9617118" y="2139137"/>
+                  <a:pt x="9430675" y="2161674"/>
+                  <a:pt x="9243851" y="2180008"/>
+                </a:cubicBezTo>
+                <a:cubicBezTo>
+                  <a:pt x="9073157" y="2196433"/>
+                  <a:pt x="8902207" y="2211966"/>
+                  <a:pt x="8731259" y="2225081"/>
+                </a:cubicBezTo>
+                <a:cubicBezTo>
+                  <a:pt x="8509507" y="2242054"/>
+                  <a:pt x="8287667" y="2257586"/>
+                  <a:pt x="8065752" y="2271681"/>
+                </a:cubicBezTo>
+                <a:cubicBezTo>
+                  <a:pt x="7929984" y="2280466"/>
+                  <a:pt x="7793961" y="2285814"/>
+                  <a:pt x="7658065" y="2292562"/>
+                </a:cubicBezTo>
+                <a:cubicBezTo>
+                  <a:pt x="7282640" y="2311661"/>
+                  <a:pt x="6906704" y="2314208"/>
+                  <a:pt x="6531024" y="2324138"/>
+                </a:cubicBezTo>
+                <a:cubicBezTo>
+                  <a:pt x="6413417" y="2327322"/>
+                  <a:pt x="6295937" y="2338399"/>
+                  <a:pt x="6178331" y="2345655"/>
+                </a:cubicBezTo>
+                <a:cubicBezTo>
+                  <a:pt x="6111271" y="2349730"/>
+                  <a:pt x="6044342" y="2345655"/>
+                  <a:pt x="5977282" y="2344127"/>
+                </a:cubicBezTo>
+                <a:cubicBezTo>
+                  <a:pt x="5774073" y="2338908"/>
+                  <a:pt x="5570866" y="2334960"/>
+                  <a:pt x="5367658" y="2329230"/>
+                </a:cubicBezTo>
+                <a:cubicBezTo>
+                  <a:pt x="5040746" y="2319809"/>
+                  <a:pt x="4713963" y="2306274"/>
+                  <a:pt x="4387306" y="2288614"/>
+                </a:cubicBezTo>
+                <a:cubicBezTo>
+                  <a:pt x="4318342" y="2284796"/>
+                  <a:pt x="4249253" y="2284286"/>
+                  <a:pt x="4180287" y="2280211"/>
+                </a:cubicBezTo>
+                <a:cubicBezTo>
+                  <a:pt x="4067634" y="2273463"/>
+                  <a:pt x="3954980" y="2265060"/>
+                  <a:pt x="3842199" y="2257039"/>
+                </a:cubicBezTo>
+                <a:cubicBezTo>
+                  <a:pt x="3804988" y="2254492"/>
+                  <a:pt x="3767648" y="2254620"/>
+                  <a:pt x="3730309" y="2251182"/>
+                </a:cubicBezTo>
+                <a:cubicBezTo>
+                  <a:pt x="3628704" y="2242142"/>
+                  <a:pt x="3527101" y="2238449"/>
+                  <a:pt x="3425496" y="2231320"/>
+                </a:cubicBezTo>
+                <a:cubicBezTo>
+                  <a:pt x="3308906" y="2222534"/>
+                  <a:pt x="3192569" y="2211330"/>
+                  <a:pt x="3076106" y="2201781"/>
+                </a:cubicBezTo>
+                <a:cubicBezTo>
+                  <a:pt x="2990757" y="2194905"/>
+                  <a:pt x="2905157" y="2190067"/>
+                  <a:pt x="2819682" y="2182427"/>
+                </a:cubicBezTo>
+                <a:cubicBezTo>
+                  <a:pt x="2721507" y="2173515"/>
+                  <a:pt x="2623586" y="2162311"/>
+                  <a:pt x="2525539" y="2152888"/>
+                </a:cubicBezTo>
+                <a:cubicBezTo>
+                  <a:pt x="2454289" y="2145886"/>
+                  <a:pt x="2383038" y="2140920"/>
+                  <a:pt x="2311915" y="2133536"/>
+                </a:cubicBezTo>
+                <a:cubicBezTo>
+                  <a:pt x="2225933" y="2124749"/>
+                  <a:pt x="2140204" y="2114182"/>
+                  <a:pt x="2054223" y="2104760"/>
+                </a:cubicBezTo>
+                <a:cubicBezTo>
+                  <a:pt x="1990719" y="2097758"/>
+                  <a:pt x="1928233" y="2092028"/>
+                  <a:pt x="1865367" y="2084770"/>
+                </a:cubicBezTo>
+                <a:cubicBezTo>
+                  <a:pt x="1786622" y="2075603"/>
+                  <a:pt x="1708006" y="2065545"/>
+                  <a:pt x="1629263" y="2055996"/>
+                </a:cubicBezTo>
+                <a:cubicBezTo>
+                  <a:pt x="1572492" y="2049120"/>
+                  <a:pt x="1515595" y="2043264"/>
+                  <a:pt x="1458823" y="2035751"/>
+                </a:cubicBezTo>
+                <a:cubicBezTo>
+                  <a:pt x="1386303" y="2026585"/>
+                  <a:pt x="1313784" y="2016780"/>
+                  <a:pt x="1241390" y="2007103"/>
+                </a:cubicBezTo>
+                <a:lnTo>
+                  <a:pt x="1047453" y="1980748"/>
+                </a:lnTo>
+                <a:cubicBezTo>
+                  <a:pt x="969980" y="1970180"/>
+                  <a:pt x="892254" y="1960377"/>
+                  <a:pt x="814907" y="1949045"/>
+                </a:cubicBezTo>
+                <a:cubicBezTo>
+                  <a:pt x="740609" y="1938094"/>
+                  <a:pt x="666692" y="1925744"/>
+                  <a:pt x="592649" y="1913776"/>
+                </a:cubicBezTo>
+                <a:cubicBezTo>
+                  <a:pt x="509587" y="1900280"/>
+                  <a:pt x="426653" y="1886274"/>
+                  <a:pt x="343591" y="1872650"/>
+                </a:cubicBezTo>
+                <a:cubicBezTo>
+                  <a:pt x="240972" y="1855716"/>
+                  <a:pt x="138225" y="1839673"/>
+                  <a:pt x="35731" y="1821722"/>
+                </a:cubicBezTo>
+                <a:lnTo>
+                  <a:pt x="0" y="1814848"/>
+                </a:lnTo>
+                <a:lnTo>
+                  <a:pt x="0" y="1758489"/>
+                </a:lnTo>
+                <a:lnTo>
+                  <a:pt x="274248" y="1808735"/>
+                </a:lnTo>
+                <a:cubicBezTo>
+                  <a:pt x="348926" y="1821467"/>
+                  <a:pt x="423604" y="1832798"/>
+                  <a:pt x="498157" y="1846167"/>
+                </a:cubicBezTo>
+                <a:cubicBezTo>
+                  <a:pt x="572708" y="1859536"/>
+                  <a:pt x="647896" y="1867813"/>
+                  <a:pt x="722828" y="1878635"/>
+                </a:cubicBezTo>
+                <a:cubicBezTo>
+                  <a:pt x="797762" y="1889457"/>
+                  <a:pt x="874219" y="1901426"/>
+                  <a:pt x="949913" y="1912375"/>
+                </a:cubicBezTo>
+                <a:cubicBezTo>
+                  <a:pt x="1031704" y="1924343"/>
+                  <a:pt x="1113496" y="1935802"/>
+                  <a:pt x="1195414" y="1947516"/>
+                </a:cubicBezTo>
+                <a:cubicBezTo>
+                  <a:pt x="1244566" y="1954519"/>
+                  <a:pt x="1293589" y="1962285"/>
+                  <a:pt x="1342867" y="1968397"/>
+                </a:cubicBezTo>
+                <a:cubicBezTo>
+                  <a:pt x="1401162" y="1975656"/>
+                  <a:pt x="1459712" y="1981130"/>
+                  <a:pt x="1518007" y="1988006"/>
+                </a:cubicBezTo>
+                <a:cubicBezTo>
+                  <a:pt x="1579224" y="1995263"/>
+                  <a:pt x="1640186" y="2003411"/>
+                  <a:pt x="1701403" y="2010669"/>
+                </a:cubicBezTo>
+                <a:cubicBezTo>
+                  <a:pt x="1762618" y="2017926"/>
+                  <a:pt x="1820279" y="2024292"/>
+                  <a:pt x="1879210" y="2031167"/>
+                </a:cubicBezTo>
+                <a:cubicBezTo>
+                  <a:pt x="1942712" y="2038425"/>
+                  <a:pt x="2006214" y="2046064"/>
+                  <a:pt x="2068702" y="2052940"/>
+                </a:cubicBezTo>
+                <a:cubicBezTo>
+                  <a:pt x="2116455" y="2058160"/>
+                  <a:pt x="2164335" y="2062362"/>
+                  <a:pt x="2212090" y="2067583"/>
+                </a:cubicBezTo>
+                <a:cubicBezTo>
+                  <a:pt x="2280419" y="2074967"/>
+                  <a:pt x="2348493" y="2085152"/>
+                  <a:pt x="2416949" y="2089609"/>
+                </a:cubicBezTo>
+                <a:cubicBezTo>
+                  <a:pt x="2472070" y="2093302"/>
+                  <a:pt x="2526936" y="2099540"/>
+                  <a:pt x="2582055" y="2105397"/>
+                </a:cubicBezTo>
+                <a:cubicBezTo>
+                  <a:pt x="2655337" y="2113291"/>
+                  <a:pt x="2729001" y="2119785"/>
+                  <a:pt x="2802282" y="2126405"/>
+                </a:cubicBezTo>
+                <a:cubicBezTo>
+                  <a:pt x="2862991" y="2131753"/>
+                  <a:pt x="2924207" y="2136337"/>
+                  <a:pt x="2984916" y="2141684"/>
+                </a:cubicBezTo>
+                <a:cubicBezTo>
+                  <a:pt x="3070516" y="2149324"/>
+                  <a:pt x="3156373" y="2152888"/>
+                  <a:pt x="3241847" y="2164094"/>
+                </a:cubicBezTo>
+                <a:cubicBezTo>
+                  <a:pt x="3307255" y="2172624"/>
+                  <a:pt x="3374060" y="2169822"/>
+                  <a:pt x="3439848" y="2176826"/>
+                </a:cubicBezTo>
+                <a:cubicBezTo>
+                  <a:pt x="3512622" y="2184592"/>
+                  <a:pt x="3585777" y="2186247"/>
+                  <a:pt x="3658678" y="2194523"/>
+                </a:cubicBezTo>
+                <a:cubicBezTo>
+                  <a:pt x="3731578" y="2202800"/>
+                  <a:pt x="3807019" y="2201781"/>
+                  <a:pt x="3881317" y="2206491"/>
+                </a:cubicBezTo>
+                <a:cubicBezTo>
+                  <a:pt x="3970222" y="2212094"/>
+                  <a:pt x="4059124" y="2223552"/>
+                  <a:pt x="4148916" y="2225081"/>
+                </a:cubicBezTo>
+                <a:cubicBezTo>
+                  <a:pt x="4255600" y="2226736"/>
+                  <a:pt x="4361779" y="2236539"/>
+                  <a:pt x="4468337" y="2237813"/>
+                </a:cubicBezTo>
+                <a:cubicBezTo>
+                  <a:pt x="4511390" y="2238577"/>
+                  <a:pt x="4554190" y="2246852"/>
+                  <a:pt x="4605375" y="2240232"/>
+                </a:cubicBezTo>
+                <a:cubicBezTo>
+                  <a:pt x="4574131" y="2238704"/>
+                  <a:pt x="4550762" y="2237940"/>
+                  <a:pt x="4527647" y="2236412"/>
+                </a:cubicBezTo>
+                <a:cubicBezTo>
+                  <a:pt x="4410293" y="2228773"/>
+                  <a:pt x="4292942" y="2220751"/>
+                  <a:pt x="4175589" y="2212985"/>
+                </a:cubicBezTo>
+                <a:cubicBezTo>
+                  <a:pt x="4113101" y="2208783"/>
+                  <a:pt x="4050615" y="2205219"/>
+                  <a:pt x="3988255" y="2200253"/>
+                </a:cubicBezTo>
+                <a:cubicBezTo>
+                  <a:pt x="3887668" y="2192487"/>
+                  <a:pt x="3787079" y="2184082"/>
+                  <a:pt x="3686492" y="2176062"/>
+                </a:cubicBezTo>
+                <a:cubicBezTo>
+                  <a:pt x="3630102" y="2171605"/>
+                  <a:pt x="3573711" y="2168040"/>
+                  <a:pt x="3517320" y="2163330"/>
+                </a:cubicBezTo>
+                <a:cubicBezTo>
+                  <a:pt x="3430958" y="2155689"/>
+                  <a:pt x="3344721" y="2147159"/>
+                  <a:pt x="3258357" y="2139519"/>
+                </a:cubicBezTo>
+                <a:cubicBezTo>
+                  <a:pt x="3206031" y="2134809"/>
+                  <a:pt x="3153705" y="2131371"/>
+                  <a:pt x="3101506" y="2126787"/>
+                </a:cubicBezTo>
+                <a:cubicBezTo>
+                  <a:pt x="3004220" y="2117365"/>
+                  <a:pt x="2907061" y="2106798"/>
+                  <a:pt x="2809395" y="2097502"/>
+                </a:cubicBezTo>
+                <a:cubicBezTo>
+                  <a:pt x="2739161" y="2090628"/>
+                  <a:pt x="2668673" y="2085916"/>
+                  <a:pt x="2598566" y="2078532"/>
+                </a:cubicBezTo>
+                <a:cubicBezTo>
+                  <a:pt x="2511441" y="2069365"/>
+                  <a:pt x="2424569" y="2058160"/>
+                  <a:pt x="2337444" y="2048611"/>
+                </a:cubicBezTo>
+                <a:cubicBezTo>
+                  <a:pt x="2255399" y="2039699"/>
+                  <a:pt x="2173099" y="2032950"/>
+                  <a:pt x="2091054" y="2023146"/>
+                </a:cubicBezTo>
+                <a:cubicBezTo>
+                  <a:pt x="1979162" y="2010414"/>
+                  <a:pt x="1867524" y="1995008"/>
+                  <a:pt x="1755761" y="1981384"/>
+                </a:cubicBezTo>
+                <a:cubicBezTo>
+                  <a:pt x="1650982" y="1968652"/>
+                  <a:pt x="1545821" y="1957830"/>
+                  <a:pt x="1441169" y="1943824"/>
+                </a:cubicBezTo>
+                <a:cubicBezTo>
+                  <a:pt x="1299813" y="1924980"/>
+                  <a:pt x="1158837" y="1903718"/>
+                  <a:pt x="1017607" y="1883345"/>
+                </a:cubicBezTo>
+                <a:cubicBezTo>
+                  <a:pt x="876378" y="1862974"/>
+                  <a:pt x="735402" y="1844003"/>
+                  <a:pt x="594427" y="1821849"/>
+                </a:cubicBezTo>
+                <a:cubicBezTo>
+                  <a:pt x="462850" y="1801222"/>
+                  <a:pt x="331526" y="1778304"/>
+                  <a:pt x="200711" y="1755132"/>
+                </a:cubicBezTo>
+                <a:lnTo>
+                  <a:pt x="0" y="1718743"/>
+                </a:lnTo>
+                <a:close/>
+              </a:path>
+            </a:pathLst>
+          </a:custGeom>
+          <a:solidFill>
+            <a:schemeClr val="accent2"/>
+          </a:solidFill>
+          <a:ln w="8199" cap="flat">
+            <a:noFill/>
+            <a:prstDash val="solid"/>
+            <a:miter/>
+          </a:ln>
+        </p:spPr>
+        <p:txBody>
+          <a:bodyPr rtlCol="0" anchor="ctr"/>
+          <a:lstStyle/>
+          <a:p>
+            <a:endParaRPr lang="en-US"/>
+          </a:p>
+        </p:txBody>
+      </p:sp>
+      <p:sp>
+        <p:nvSpPr>
+          <p:cNvPr id="2" name="Title 1">
+            <a:extLst>
+              <a:ext uri="{FF2B5EF4-FFF2-40B4-BE49-F238E27FC236}">
+                <a16:creationId xmlns:a16="http://schemas.microsoft.com/office/drawing/2014/main" id="{DB448700-351C-B782-4D00-98B947952E2A}"/>
+              </a:ext>
+            </a:extLst>
+          </p:cNvPr>
+          <p:cNvSpPr>
+            <a:spLocks noGrp="1"/>
+          </p:cNvSpPr>
+          <p:nvPr>
+            <p:ph type="title"/>
+          </p:nvPr>
+        </p:nvSpPr>
+        <p:spPr>
+          <a:xfrm>
+            <a:off x="838200" y="401221"/>
+            <a:ext cx="10515600" cy="1348065"/>
+          </a:xfrm>
+        </p:spPr>
+        <p:txBody>
+          <a:bodyPr>
+            <a:normAutofit/>
+          </a:bodyPr>
+          <a:lstStyle/>
+          <a:p>
+            <a:r>
+              <a:rPr lang="en-US" sz="5400">
+                <a:solidFill>
+                  <a:srgbClr val="FFFFFF"/>
+                </a:solidFill>
+              </a:rPr>
+              <a:t>Recommendations</a:t>
+            </a:r>
+          </a:p>
+        </p:txBody>
+      </p:sp>
+      <p:sp>
+        <p:nvSpPr>
+          <p:cNvPr id="3" name="Content Placeholder 2">
+            <a:extLst>
+              <a:ext uri="{FF2B5EF4-FFF2-40B4-BE49-F238E27FC236}">
+                <a16:creationId xmlns:a16="http://schemas.microsoft.com/office/drawing/2014/main" id="{306EBBEE-80D6-E9D7-F667-751DB54D5849}"/>
+              </a:ext>
+            </a:extLst>
+          </p:cNvPr>
+          <p:cNvSpPr>
+            <a:spLocks noGrp="1"/>
+          </p:cNvSpPr>
+          <p:nvPr>
+            <p:ph idx="1"/>
+          </p:nvPr>
+        </p:nvSpPr>
+        <p:spPr>
+          <a:xfrm>
+            <a:off x="838200" y="2586789"/>
+            <a:ext cx="10515600" cy="3590174"/>
+          </a:xfrm>
+        </p:spPr>
+        <p:txBody>
+          <a:bodyPr>
+            <a:normAutofit/>
+          </a:bodyPr>
+          <a:lstStyle/>
+          <a:p>
+            <a:pPr marL="0" indent="0">
+              <a:buNone/>
+            </a:pPr>
+            <a:r>
+              <a:rPr lang="en-IN" sz="700" b="1" i="0" dirty="0">
+                <a:effectLst/>
+                <a:latin typeface="Helvetica Neue" panose="02000503000000020004" pitchFamily="2" charset="0"/>
+              </a:rPr>
+              <a:t>Probability of defaulters</a:t>
+            </a:r>
+          </a:p>
+          <a:p>
+            <a:pPr>
+              <a:buFont typeface="Arial" panose="020B0604020202020204" pitchFamily="34" charset="0"/>
+              <a:buChar char="•"/>
+            </a:pPr>
+            <a:r>
+              <a:rPr lang="en-IN" sz="700" b="0" i="0" dirty="0">
+                <a:effectLst/>
+                <a:latin typeface="Helvetica Neue" panose="02000503000000020004" pitchFamily="2" charset="0"/>
+              </a:rPr>
+              <a:t>Loan </a:t>
+            </a:r>
+            <a:r>
+              <a:rPr lang="en-IN" sz="700" b="0" i="0" dirty="0" err="1">
+                <a:effectLst/>
+                <a:latin typeface="Helvetica Neue" panose="02000503000000020004" pitchFamily="2" charset="0"/>
+              </a:rPr>
+              <a:t>amnt</a:t>
+            </a:r>
+            <a:r>
+              <a:rPr lang="en-IN" sz="700" b="0" i="0" dirty="0">
+                <a:effectLst/>
+                <a:latin typeface="Helvetica Neue" panose="02000503000000020004" pitchFamily="2" charset="0"/>
+              </a:rPr>
+              <a:t> higher than 12000 dollars for small </a:t>
+            </a:r>
+            <a:r>
+              <a:rPr lang="en-IN" sz="700" b="0" i="0" dirty="0" err="1">
+                <a:effectLst/>
+                <a:latin typeface="Helvetica Neue" panose="02000503000000020004" pitchFamily="2" charset="0"/>
+              </a:rPr>
+              <a:t>buisiness</a:t>
+            </a:r>
+            <a:r>
+              <a:rPr lang="en-IN" sz="700" b="0" i="0" dirty="0">
+                <a:effectLst/>
+                <a:latin typeface="Helvetica Neue" panose="02000503000000020004" pitchFamily="2" charset="0"/>
+              </a:rPr>
+              <a:t> has slightly high chance of </a:t>
+            </a:r>
+            <a:r>
+              <a:rPr lang="en-IN" sz="700" b="0" i="0" dirty="0" err="1">
+                <a:effectLst/>
+                <a:latin typeface="Helvetica Neue" panose="02000503000000020004" pitchFamily="2" charset="0"/>
+              </a:rPr>
+              <a:t>geting</a:t>
+            </a:r>
+            <a:r>
+              <a:rPr lang="en-IN" sz="700" b="0" i="0" dirty="0">
+                <a:effectLst/>
+                <a:latin typeface="Helvetica Neue" panose="02000503000000020004" pitchFamily="2" charset="0"/>
+              </a:rPr>
+              <a:t> Charged off.</a:t>
+            </a:r>
+          </a:p>
+          <a:p>
+            <a:pPr>
+              <a:buFont typeface="Arial" panose="020B0604020202020204" pitchFamily="34" charset="0"/>
+              <a:buChar char="•"/>
+            </a:pPr>
+            <a:r>
+              <a:rPr lang="en-IN" sz="700" b="0" i="0" dirty="0">
+                <a:effectLst/>
+                <a:latin typeface="Helvetica Neue" panose="02000503000000020004" pitchFamily="2" charset="0"/>
+              </a:rPr>
+              <a:t>The employees with 10+ years of experience and a annual income of 31k - 58k are more likely to get charged off</a:t>
+            </a:r>
+          </a:p>
+          <a:p>
+            <a:pPr>
+              <a:buFont typeface="Arial" panose="020B0604020202020204" pitchFamily="34" charset="0"/>
+              <a:buChar char="•"/>
+            </a:pPr>
+            <a:r>
+              <a:rPr lang="en-IN" sz="700" b="0" i="0" dirty="0">
+                <a:effectLst/>
+                <a:latin typeface="Helvetica Neue" panose="02000503000000020004" pitchFamily="2" charset="0"/>
+              </a:rPr>
+              <a:t>People who are buying loan for their house between interest rate 12.5 - 17.5 are more likely to get charged off</a:t>
+            </a:r>
+          </a:p>
+          <a:p>
+            <a:pPr>
+              <a:buFont typeface="Arial" panose="020B0604020202020204" pitchFamily="34" charset="0"/>
+              <a:buChar char="•"/>
+            </a:pPr>
+            <a:r>
+              <a:rPr lang="en-IN" sz="700" b="0" i="0" dirty="0">
+                <a:effectLst/>
+                <a:latin typeface="Helvetica Neue" panose="02000503000000020004" pitchFamily="2" charset="0"/>
+              </a:rPr>
+              <a:t>Car loan with interest rates above 15 are more likely to get charged off</a:t>
+            </a:r>
+          </a:p>
+          <a:p>
+            <a:pPr>
+              <a:buFont typeface="Arial" panose="020B0604020202020204" pitchFamily="34" charset="0"/>
+              <a:buChar char="•"/>
+            </a:pPr>
+            <a:r>
+              <a:rPr lang="en-IN" sz="700" b="0" i="0" dirty="0" err="1">
+                <a:effectLst/>
+                <a:latin typeface="Helvetica Neue" panose="02000503000000020004" pitchFamily="2" charset="0"/>
+              </a:rPr>
+              <a:t>Small_buisness</a:t>
+            </a:r>
+            <a:r>
+              <a:rPr lang="en-IN" sz="700" b="0" i="0" dirty="0">
+                <a:effectLst/>
+                <a:latin typeface="Helvetica Neue" panose="02000503000000020004" pitchFamily="2" charset="0"/>
+              </a:rPr>
+              <a:t> loans with higher interest (above 11%) are more likely to be charged off</a:t>
+            </a:r>
+          </a:p>
+          <a:p>
+            <a:pPr>
+              <a:buFont typeface="Arial" panose="020B0604020202020204" pitchFamily="34" charset="0"/>
+              <a:buChar char="•"/>
+            </a:pPr>
+            <a:r>
+              <a:rPr lang="en-IN" sz="700" b="0" i="0" dirty="0">
+                <a:effectLst/>
+                <a:latin typeface="Helvetica Neue" panose="02000503000000020004" pitchFamily="2" charset="0"/>
+              </a:rPr>
+              <a:t>The People in 31k - 58 k income group with house in mortgage or living in a rented house has higher chance of defaulting the loan</a:t>
+            </a:r>
+          </a:p>
+          <a:p>
+            <a:pPr>
+              <a:buFont typeface="Arial" panose="020B0604020202020204" pitchFamily="34" charset="0"/>
+              <a:buChar char="•"/>
+            </a:pPr>
+            <a:r>
+              <a:rPr lang="en-IN" sz="700" b="0" i="0" dirty="0">
+                <a:effectLst/>
+                <a:latin typeface="Helvetica Neue" panose="02000503000000020004" pitchFamily="2" charset="0"/>
+              </a:rPr>
+              <a:t>The people who are buying loan for debt consolidation with home ownership has rent or mortgage has higher chance of getting charged off</a:t>
+            </a:r>
+          </a:p>
+          <a:p>
+            <a:pPr marL="0" indent="0">
+              <a:buNone/>
+            </a:pPr>
+            <a:r>
+              <a:rPr lang="en-IN" sz="700" b="1" i="0" dirty="0">
+                <a:effectLst/>
+                <a:latin typeface="Helvetica Neue" panose="02000503000000020004" pitchFamily="2" charset="0"/>
+              </a:rPr>
+              <a:t>Probability of eligible candidates</a:t>
+            </a:r>
+          </a:p>
+          <a:p>
+            <a:pPr>
+              <a:buFont typeface="Arial" panose="020B0604020202020204" pitchFamily="34" charset="0"/>
+              <a:buChar char="•"/>
+            </a:pPr>
+            <a:r>
+              <a:rPr lang="en-IN" sz="700" b="0" i="0" dirty="0">
+                <a:effectLst/>
+                <a:latin typeface="Helvetica Neue" panose="02000503000000020004" pitchFamily="2" charset="0"/>
+              </a:rPr>
+              <a:t>The employees with 10+ years of experience and a annual income of 51k - 85k are more likely to fully pay the loan</a:t>
+            </a:r>
+          </a:p>
+          <a:p>
+            <a:pPr>
+              <a:buFont typeface="Arial" panose="020B0604020202020204" pitchFamily="34" charset="0"/>
+              <a:buChar char="•"/>
+            </a:pPr>
+            <a:r>
+              <a:rPr lang="en-IN" sz="700" b="0" i="0" dirty="0">
+                <a:effectLst/>
+                <a:latin typeface="Helvetica Neue" panose="02000503000000020004" pitchFamily="2" charset="0"/>
+              </a:rPr>
+              <a:t>People who are buying loan for their house less than 13% interest are more likely to fully pay the loan</a:t>
+            </a:r>
+          </a:p>
+          <a:p>
+            <a:pPr>
+              <a:buFont typeface="Arial" panose="020B0604020202020204" pitchFamily="34" charset="0"/>
+              <a:buChar char="•"/>
+            </a:pPr>
+            <a:r>
+              <a:rPr lang="en-IN" sz="700" b="0" i="0" dirty="0">
+                <a:effectLst/>
+                <a:latin typeface="Helvetica Neue" panose="02000503000000020004" pitchFamily="2" charset="0"/>
+              </a:rPr>
+              <a:t>Car loan within interest rates 7.5 to 10 are more likely to get Fully Paid</a:t>
+            </a:r>
+          </a:p>
+          <a:p>
+            <a:pPr>
+              <a:buFont typeface="Arial" panose="020B0604020202020204" pitchFamily="34" charset="0"/>
+              <a:buChar char="•"/>
+            </a:pPr>
+            <a:r>
+              <a:rPr lang="en-IN" sz="700" b="0" i="0" dirty="0" err="1">
+                <a:effectLst/>
+                <a:latin typeface="Helvetica Neue" panose="02000503000000020004" pitchFamily="2" charset="0"/>
+              </a:rPr>
+              <a:t>Small_buisness</a:t>
+            </a:r>
+            <a:r>
+              <a:rPr lang="en-IN" sz="700" b="0" i="0" dirty="0">
+                <a:effectLst/>
+                <a:latin typeface="Helvetica Neue" panose="02000503000000020004" pitchFamily="2" charset="0"/>
+              </a:rPr>
+              <a:t> loans with less interest (11%) are more likely to be fully paid</a:t>
+            </a:r>
+          </a:p>
+          <a:p>
+            <a:pPr>
+              <a:buFont typeface="Arial" panose="020B0604020202020204" pitchFamily="34" charset="0"/>
+              <a:buChar char="•"/>
+            </a:pPr>
+            <a:r>
+              <a:rPr lang="en-IN" sz="700" b="0" i="0" dirty="0">
+                <a:effectLst/>
+                <a:latin typeface="Helvetica Neue" panose="02000503000000020004" pitchFamily="2" charset="0"/>
+              </a:rPr>
+              <a:t>Loan amount lesser than 12000 dollars for small </a:t>
+            </a:r>
+            <a:r>
+              <a:rPr lang="en-IN" sz="700" b="0" i="0" dirty="0" err="1">
+                <a:effectLst/>
+                <a:latin typeface="Helvetica Neue" panose="02000503000000020004" pitchFamily="2" charset="0"/>
+              </a:rPr>
+              <a:t>buisiness</a:t>
+            </a:r>
+            <a:r>
+              <a:rPr lang="en-IN" sz="700" b="0" i="0" dirty="0">
+                <a:effectLst/>
+                <a:latin typeface="Helvetica Neue" panose="02000503000000020004" pitchFamily="2" charset="0"/>
+              </a:rPr>
+              <a:t> has high chance of </a:t>
+            </a:r>
+            <a:r>
+              <a:rPr lang="en-IN" sz="700" b="0" i="0" dirty="0" err="1">
+                <a:effectLst/>
+                <a:latin typeface="Helvetica Neue" panose="02000503000000020004" pitchFamily="2" charset="0"/>
+              </a:rPr>
+              <a:t>geting</a:t>
+            </a:r>
+            <a:r>
+              <a:rPr lang="en-IN" sz="700" b="0" i="0" dirty="0">
+                <a:effectLst/>
+                <a:latin typeface="Helvetica Neue" panose="02000503000000020004" pitchFamily="2" charset="0"/>
+              </a:rPr>
+              <a:t> fully paid.</a:t>
+            </a:r>
+          </a:p>
+          <a:p>
+            <a:pPr>
+              <a:buFont typeface="Arial" panose="020B0604020202020204" pitchFamily="34" charset="0"/>
+              <a:buChar char="•"/>
+            </a:pPr>
+            <a:r>
+              <a:rPr lang="en-IN" sz="700" b="0" i="0" dirty="0">
+                <a:effectLst/>
+                <a:latin typeface="Helvetica Neue" panose="02000503000000020004" pitchFamily="2" charset="0"/>
+              </a:rPr>
+              <a:t>The People in 31k - 58 k income group with a own house has higher chance of paying the loan</a:t>
+            </a:r>
+          </a:p>
+          <a:p>
+            <a:pPr>
+              <a:buFont typeface="Arial" panose="020B0604020202020204" pitchFamily="34" charset="0"/>
+              <a:buChar char="•"/>
+            </a:pPr>
+            <a:r>
+              <a:rPr lang="en-IN" sz="700" b="0" i="0" dirty="0" err="1">
+                <a:effectLst/>
+                <a:latin typeface="Helvetica Neue" panose="02000503000000020004" pitchFamily="2" charset="0"/>
+              </a:rPr>
+              <a:t>Intrest</a:t>
+            </a:r>
+            <a:r>
+              <a:rPr lang="en-IN" sz="700" b="0" i="0" dirty="0">
+                <a:effectLst/>
+                <a:latin typeface="Helvetica Neue" panose="02000503000000020004" pitchFamily="2" charset="0"/>
+              </a:rPr>
+              <a:t> rate group in 21 - 24% having annual income 70k+ has the good </a:t>
+            </a:r>
+            <a:r>
+              <a:rPr lang="en-IN" sz="700" b="0" i="0" dirty="0" err="1">
+                <a:effectLst/>
+                <a:latin typeface="Helvetica Neue" panose="02000503000000020004" pitchFamily="2" charset="0"/>
+              </a:rPr>
+              <a:t>candidated</a:t>
+            </a:r>
+            <a:r>
+              <a:rPr lang="en-IN" sz="700" b="0" i="0" dirty="0">
+                <a:effectLst/>
+                <a:latin typeface="Helvetica Neue" panose="02000503000000020004" pitchFamily="2" charset="0"/>
+              </a:rPr>
+              <a:t> for offering the loan</a:t>
+            </a:r>
+          </a:p>
+          <a:p>
+            <a:endParaRPr lang="en-US" sz="700" dirty="0"/>
+          </a:p>
+        </p:txBody>
+      </p:sp>
+    </p:spTree>
+    <p:extLst>
+      <p:ext uri="{BB962C8B-B14F-4D97-AF65-F5344CB8AC3E}">
+        <p14:creationId xmlns:p14="http://schemas.microsoft.com/office/powerpoint/2010/main" val="3416535358"/>
+      </p:ext>
+    </p:extLst>
+  </p:cSld>
+  <p:clrMapOvr>
+    <a:masterClrMapping/>
+  </p:clrMapOvr>
+</p:sld>
+</file>
+
 <file path=ppt/slides/slide2.xml><?xml version="1.0" encoding="utf-8"?>
+<p:sld xmlns:a="http://schemas.openxmlformats.org/drawingml/2006/main" xmlns:r="http://schemas.openxmlformats.org/officeDocument/2006/relationships" xmlns:p="http://schemas.openxmlformats.org/presentationml/2006/main">
+  <p:cSld>
+    <p:spTree>
+      <p:nvGrpSpPr>
+        <p:cNvPr id="1" name=""/>
+        <p:cNvGrpSpPr/>
+        <p:nvPr/>
+      </p:nvGrpSpPr>
+      <p:grpSpPr>
+        <a:xfrm>
+          <a:off x="0" y="0"/>
+          <a:ext cx="0" cy="0"/>
+          <a:chOff x="0" y="0"/>
+          <a:chExt cx="0" cy="0"/>
+        </a:xfrm>
+      </p:grpSpPr>
+      <p:sp>
+        <p:nvSpPr>
+          <p:cNvPr id="2" name="Title 1">
+            <a:extLst>
+              <a:ext uri="{FF2B5EF4-FFF2-40B4-BE49-F238E27FC236}">
+                <a16:creationId xmlns:a16="http://schemas.microsoft.com/office/drawing/2014/main" id="{FD6ADFC5-FAB9-3809-FDE9-CB8DC0458126}"/>
+              </a:ext>
+            </a:extLst>
+          </p:cNvPr>
+          <p:cNvSpPr>
+            <a:spLocks noGrp="1"/>
+          </p:cNvSpPr>
+          <p:nvPr>
+            <p:ph type="title"/>
+          </p:nvPr>
+        </p:nvSpPr>
+        <p:spPr/>
+        <p:txBody>
+          <a:bodyPr/>
+          <a:lstStyle/>
+          <a:p>
+            <a:r>
+              <a:rPr lang="en-US" dirty="0"/>
+              <a:t>Business problem</a:t>
+            </a:r>
+          </a:p>
+        </p:txBody>
+      </p:sp>
+    </p:spTree>
+    <p:extLst>
+      <p:ext uri="{BB962C8B-B14F-4D97-AF65-F5344CB8AC3E}">
+        <p14:creationId xmlns:p14="http://schemas.microsoft.com/office/powerpoint/2010/main" val="1385288761"/>
+      </p:ext>
+    </p:extLst>
+  </p:cSld>
+  <p:clrMapOvr>
+    <a:masterClrMapping/>
+  </p:clrMapOvr>
+</p:sld>
+</file>
+
+<file path=ppt/slides/slide3.xml><?xml version="1.0" encoding="utf-8"?>
 <p:sld xmlns:a="http://schemas.openxmlformats.org/drawingml/2006/main" xmlns:r="http://schemas.openxmlformats.org/officeDocument/2006/relationships" xmlns:p="http://schemas.openxmlformats.org/presentationml/2006/main">
   <p:cSld>
     <p:bg>
@@ -11659,9 +14595,14 @@
           <a:lstStyle/>
           <a:p>
             <a:r>
-              <a:rPr lang="en-US" sz="3600"/>
-              <a:t>Objective</a:t>
+              <a:rPr lang="en-US" sz="3600" dirty="0"/>
+              <a:t>Structured </a:t>
             </a:r>
+            <a:r>
+              <a:rPr lang="en-US" sz="3600" dirty="0" err="1"/>
+              <a:t>apporach</a:t>
+            </a:r>
+            <a:endParaRPr lang="en-US" sz="3600" dirty="0"/>
           </a:p>
         </p:txBody>
       </p:sp>
@@ -11973,7 +14914,7 @@
 </p:sld>
 </file>
 
-<file path=ppt/slides/slide3.xml><?xml version="1.0" encoding="utf-8"?>
+<file path=ppt/slides/slide4.xml><?xml version="1.0" encoding="utf-8"?>
 <p:sld xmlns:a="http://schemas.openxmlformats.org/drawingml/2006/main" xmlns:r="http://schemas.openxmlformats.org/officeDocument/2006/relationships" xmlns:p="http://schemas.openxmlformats.org/presentationml/2006/main">
   <p:cSld>
     <p:bg>
@@ -12212,7 +15153,7 @@
 </p:sld>
 </file>
 
-<file path=ppt/slides/slide4.xml><?xml version="1.0" encoding="utf-8"?>
+<file path=ppt/slides/slide5.xml><?xml version="1.0" encoding="utf-8"?>
 <p:sld xmlns:a="http://schemas.openxmlformats.org/drawingml/2006/main" xmlns:r="http://schemas.openxmlformats.org/officeDocument/2006/relationships" xmlns:p="http://schemas.openxmlformats.org/presentationml/2006/main">
   <p:cSld>
     <p:bg>
@@ -12654,7 +15595,7 @@
             </a:pPr>
             <a:r>
               <a:rPr lang="en-US" sz="2000" dirty="0"/>
-              <a:t>Remove all columns that has only null values</a:t>
+              <a:t>We removed all columns that has only null values</a:t>
             </a:r>
           </a:p>
           <a:p>
@@ -12686,7 +15627,7 @@
             </a:pPr>
             <a:r>
               <a:rPr lang="en-US" sz="2000" dirty="0"/>
-              <a:t>Standardize number columns by removing unwanted characters and convert them to numeric </a:t>
+              <a:t>We standardized number columns by removing unwanted characters and convert them to numeric </a:t>
             </a:r>
           </a:p>
           <a:p>
@@ -12852,6 +15793,1443 @@
     <p:extLst>
       <p:ext uri="{BB962C8B-B14F-4D97-AF65-F5344CB8AC3E}">
         <p14:creationId xmlns:p14="http://schemas.microsoft.com/office/powerpoint/2010/main" val="1345376931"/>
+      </p:ext>
+    </p:extLst>
+  </p:cSld>
+  <p:clrMapOvr>
+    <a:masterClrMapping/>
+  </p:clrMapOvr>
+</p:sld>
+</file>
+
+<file path=ppt/slides/slide6.xml><?xml version="1.0" encoding="utf-8"?>
+<p:sld xmlns:a="http://schemas.openxmlformats.org/drawingml/2006/main" xmlns:r="http://schemas.openxmlformats.org/officeDocument/2006/relationships" xmlns:p="http://schemas.openxmlformats.org/presentationml/2006/main">
+  <p:cSld>
+    <p:spTree>
+      <p:nvGrpSpPr>
+        <p:cNvPr id="1" name=""/>
+        <p:cNvGrpSpPr/>
+        <p:nvPr/>
+      </p:nvGrpSpPr>
+      <p:grpSpPr>
+        <a:xfrm>
+          <a:off x="0" y="0"/>
+          <a:ext cx="0" cy="0"/>
+          <a:chOff x="0" y="0"/>
+          <a:chExt cx="0" cy="0"/>
+        </a:xfrm>
+      </p:grpSpPr>
+      <p:sp>
+        <p:nvSpPr>
+          <p:cNvPr id="2" name="Title 1">
+            <a:extLst>
+              <a:ext uri="{FF2B5EF4-FFF2-40B4-BE49-F238E27FC236}">
+                <a16:creationId xmlns:a16="http://schemas.microsoft.com/office/drawing/2014/main" id="{19FE940E-E20C-0C4F-21F1-4904171C371F}"/>
+              </a:ext>
+            </a:extLst>
+          </p:cNvPr>
+          <p:cNvSpPr>
+            <a:spLocks noGrp="1"/>
+          </p:cNvSpPr>
+          <p:nvPr>
+            <p:ph type="title"/>
+          </p:nvPr>
+        </p:nvSpPr>
+        <p:spPr/>
+        <p:txBody>
+          <a:bodyPr/>
+          <a:lstStyle/>
+          <a:p>
+            <a:r>
+              <a:rPr lang="en-US" dirty="0"/>
+              <a:t>Insights on data cleanup/correction</a:t>
+            </a:r>
+          </a:p>
+        </p:txBody>
+      </p:sp>
+      <p:sp>
+        <p:nvSpPr>
+          <p:cNvPr id="3" name="Content Placeholder 2">
+            <a:extLst>
+              <a:ext uri="{FF2B5EF4-FFF2-40B4-BE49-F238E27FC236}">
+                <a16:creationId xmlns:a16="http://schemas.microsoft.com/office/drawing/2014/main" id="{E38DAA81-EA88-FFF1-C698-E011397FFBC9}"/>
+              </a:ext>
+            </a:extLst>
+          </p:cNvPr>
+          <p:cNvSpPr>
+            <a:spLocks noGrp="1"/>
+          </p:cNvSpPr>
+          <p:nvPr>
+            <p:ph idx="1"/>
+          </p:nvPr>
+        </p:nvSpPr>
+        <p:spPr/>
+        <p:txBody>
+          <a:bodyPr/>
+          <a:lstStyle/>
+          <a:p>
+            <a:endParaRPr lang="en-US" dirty="0"/>
+          </a:p>
+        </p:txBody>
+      </p:sp>
+    </p:spTree>
+    <p:extLst>
+      <p:ext uri="{BB962C8B-B14F-4D97-AF65-F5344CB8AC3E}">
+        <p14:creationId xmlns:p14="http://schemas.microsoft.com/office/powerpoint/2010/main" val="2869891510"/>
+      </p:ext>
+    </p:extLst>
+  </p:cSld>
+  <p:clrMapOvr>
+    <a:masterClrMapping/>
+  </p:clrMapOvr>
+</p:sld>
+</file>
+
+<file path=ppt/slides/slide7.xml><?xml version="1.0" encoding="utf-8"?>
+<p:sld xmlns:a="http://schemas.openxmlformats.org/drawingml/2006/main" xmlns:r="http://schemas.openxmlformats.org/officeDocument/2006/relationships" xmlns:p="http://schemas.openxmlformats.org/presentationml/2006/main">
+  <p:cSld>
+    <p:bg>
+      <p:bgPr>
+        <a:solidFill>
+          <a:schemeClr val="bg1"/>
+        </a:solidFill>
+        <a:effectLst/>
+      </p:bgPr>
+    </p:bg>
+    <p:spTree>
+      <p:nvGrpSpPr>
+        <p:cNvPr id="1" name=""/>
+        <p:cNvGrpSpPr/>
+        <p:nvPr/>
+      </p:nvGrpSpPr>
+      <p:grpSpPr>
+        <a:xfrm>
+          <a:off x="0" y="0"/>
+          <a:ext cx="0" cy="0"/>
+          <a:chOff x="0" y="0"/>
+          <a:chExt cx="0" cy="0"/>
+        </a:xfrm>
+      </p:grpSpPr>
+      <p:sp useBgFill="1">
+        <p:nvSpPr>
+          <p:cNvPr id="48" name="Rectangle 47">
+            <a:extLst>
+              <a:ext uri="{FF2B5EF4-FFF2-40B4-BE49-F238E27FC236}">
+                <a16:creationId xmlns:a16="http://schemas.microsoft.com/office/drawing/2014/main" id="{743AA782-23D1-4521-8CAD-47662984AA08}"/>
+              </a:ext>
+              <a:ext uri="{C183D7F6-B498-43B3-948B-1728B52AA6E4}">
+                <adec:decorative xmlns:adec="http://schemas.microsoft.com/office/drawing/2017/decorative" val="1"/>
+              </a:ext>
+            </a:extLst>
+          </p:cNvPr>
+          <p:cNvSpPr>
+            <a:spLocks noGrp="1" noRot="1" noChangeAspect="1" noMove="1" noResize="1" noEditPoints="1" noAdjustHandles="1" noChangeArrowheads="1" noChangeShapeType="1" noTextEdit="1"/>
+          </p:cNvSpPr>
+          <p:nvPr>
+            <p:extLst>
+              <p:ext uri="{386F3935-93C4-4BCD-93E2-E3B085C9AB24}">
+                <p16:designElem xmlns:p16="http://schemas.microsoft.com/office/powerpoint/2015/main" val="1"/>
+              </p:ext>
+            </p:extLst>
+          </p:nvPr>
+        </p:nvSpPr>
+        <p:spPr>
+          <a:xfrm>
+            <a:off x="0" y="0"/>
+            <a:ext cx="12192000" cy="6858000"/>
+          </a:xfrm>
+          <a:prstGeom prst="rect">
+            <a:avLst/>
+          </a:prstGeom>
+          <a:ln>
+            <a:noFill/>
+          </a:ln>
+        </p:spPr>
+        <p:style>
+          <a:lnRef idx="2">
+            <a:schemeClr val="accent1">
+              <a:shade val="50000"/>
+            </a:schemeClr>
+          </a:lnRef>
+          <a:fillRef idx="1">
+            <a:schemeClr val="accent1"/>
+          </a:fillRef>
+          <a:effectRef idx="0">
+            <a:schemeClr val="accent1"/>
+          </a:effectRef>
+          <a:fontRef idx="minor">
+            <a:schemeClr val="lt1"/>
+          </a:fontRef>
+        </p:style>
+        <p:txBody>
+          <a:bodyPr rtlCol="0" anchor="ctr"/>
+          <a:lstStyle/>
+          <a:p>
+            <a:pPr algn="ctr"/>
+            <a:endParaRPr lang="en-US"/>
+          </a:p>
+        </p:txBody>
+      </p:sp>
+      <p:sp>
+        <p:nvSpPr>
+          <p:cNvPr id="2" name="Title 1">
+            <a:extLst>
+              <a:ext uri="{FF2B5EF4-FFF2-40B4-BE49-F238E27FC236}">
+                <a16:creationId xmlns:a16="http://schemas.microsoft.com/office/drawing/2014/main" id="{6A6C08C3-9E90-505E-D1BE-EB2AA384DE4F}"/>
+              </a:ext>
+            </a:extLst>
+          </p:cNvPr>
+          <p:cNvSpPr>
+            <a:spLocks noGrp="1"/>
+          </p:cNvSpPr>
+          <p:nvPr>
+            <p:ph type="title"/>
+          </p:nvPr>
+        </p:nvSpPr>
+        <p:spPr>
+          <a:xfrm>
+            <a:off x="630936" y="640080"/>
+            <a:ext cx="4818888" cy="1481328"/>
+          </a:xfrm>
+        </p:spPr>
+        <p:txBody>
+          <a:bodyPr anchor="b">
+            <a:normAutofit/>
+          </a:bodyPr>
+          <a:lstStyle/>
+          <a:p>
+            <a:r>
+              <a:rPr lang="en-US" sz="5000"/>
+              <a:t>Univariate analysis</a:t>
+            </a:r>
+          </a:p>
+        </p:txBody>
+      </p:sp>
+      <p:sp>
+        <p:nvSpPr>
+          <p:cNvPr id="50" name="sketch line">
+            <a:extLst>
+              <a:ext uri="{FF2B5EF4-FFF2-40B4-BE49-F238E27FC236}">
+                <a16:creationId xmlns:a16="http://schemas.microsoft.com/office/drawing/2014/main" id="{650D18FE-0824-4A46-B22C-A86B52E5780A}"/>
+              </a:ext>
+              <a:ext uri="{C183D7F6-B498-43B3-948B-1728B52AA6E4}">
+                <adec:decorative xmlns:adec="http://schemas.microsoft.com/office/drawing/2017/decorative" val="1"/>
+              </a:ext>
+            </a:extLst>
+          </p:cNvPr>
+          <p:cNvSpPr>
+            <a:spLocks noGrp="1" noRot="1" noChangeAspect="1" noMove="1" noResize="1" noEditPoints="1" noAdjustHandles="1" noChangeArrowheads="1" noChangeShapeType="1" noTextEdit="1"/>
+          </p:cNvSpPr>
+          <p:nvPr>
+            <p:extLst>
+              <p:ext uri="{386F3935-93C4-4BCD-93E2-E3B085C9AB24}">
+                <p16:designElem xmlns:p16="http://schemas.microsoft.com/office/powerpoint/2015/main" val="1"/>
+              </p:ext>
+            </p:extLst>
+          </p:nvPr>
+        </p:nvSpPr>
+        <p:spPr>
+          <a:xfrm>
+            <a:off x="643278" y="2372868"/>
+            <a:ext cx="3255095" cy="18288"/>
+          </a:xfrm>
+          <a:custGeom>
+            <a:avLst/>
+            <a:gdLst>
+              <a:gd name="connsiteX0" fmla="*/ 0 w 3255095"/>
+              <a:gd name="connsiteY0" fmla="*/ 0 h 18288"/>
+              <a:gd name="connsiteX1" fmla="*/ 618468 w 3255095"/>
+              <a:gd name="connsiteY1" fmla="*/ 0 h 18288"/>
+              <a:gd name="connsiteX2" fmla="*/ 1269487 w 3255095"/>
+              <a:gd name="connsiteY2" fmla="*/ 0 h 18288"/>
+              <a:gd name="connsiteX3" fmla="*/ 1953057 w 3255095"/>
+              <a:gd name="connsiteY3" fmla="*/ 0 h 18288"/>
+              <a:gd name="connsiteX4" fmla="*/ 2636627 w 3255095"/>
+              <a:gd name="connsiteY4" fmla="*/ 0 h 18288"/>
+              <a:gd name="connsiteX5" fmla="*/ 3255095 w 3255095"/>
+              <a:gd name="connsiteY5" fmla="*/ 0 h 18288"/>
+              <a:gd name="connsiteX6" fmla="*/ 3255095 w 3255095"/>
+              <a:gd name="connsiteY6" fmla="*/ 18288 h 18288"/>
+              <a:gd name="connsiteX7" fmla="*/ 2538974 w 3255095"/>
+              <a:gd name="connsiteY7" fmla="*/ 18288 h 18288"/>
+              <a:gd name="connsiteX8" fmla="*/ 1822853 w 3255095"/>
+              <a:gd name="connsiteY8" fmla="*/ 18288 h 18288"/>
+              <a:gd name="connsiteX9" fmla="*/ 1171834 w 3255095"/>
+              <a:gd name="connsiteY9" fmla="*/ 18288 h 18288"/>
+              <a:gd name="connsiteX10" fmla="*/ 0 w 3255095"/>
+              <a:gd name="connsiteY10" fmla="*/ 18288 h 18288"/>
+              <a:gd name="connsiteX11" fmla="*/ 0 w 3255095"/>
+              <a:gd name="connsiteY11" fmla="*/ 0 h 18288"/>
+            </a:gdLst>
+            <a:ahLst/>
+            <a:cxnLst>
+              <a:cxn ang="0">
+                <a:pos x="connsiteX0" y="connsiteY0"/>
+              </a:cxn>
+              <a:cxn ang="0">
+                <a:pos x="connsiteX1" y="connsiteY1"/>
+              </a:cxn>
+              <a:cxn ang="0">
+                <a:pos x="connsiteX2" y="connsiteY2"/>
+              </a:cxn>
+              <a:cxn ang="0">
+                <a:pos x="connsiteX3" y="connsiteY3"/>
+              </a:cxn>
+              <a:cxn ang="0">
+                <a:pos x="connsiteX4" y="connsiteY4"/>
+              </a:cxn>
+              <a:cxn ang="0">
+                <a:pos x="connsiteX5" y="connsiteY5"/>
+              </a:cxn>
+              <a:cxn ang="0">
+                <a:pos x="connsiteX6" y="connsiteY6"/>
+              </a:cxn>
+              <a:cxn ang="0">
+                <a:pos x="connsiteX7" y="connsiteY7"/>
+              </a:cxn>
+              <a:cxn ang="0">
+                <a:pos x="connsiteX8" y="connsiteY8"/>
+              </a:cxn>
+              <a:cxn ang="0">
+                <a:pos x="connsiteX9" y="connsiteY9"/>
+              </a:cxn>
+              <a:cxn ang="0">
+                <a:pos x="connsiteX10" y="connsiteY10"/>
+              </a:cxn>
+              <a:cxn ang="0">
+                <a:pos x="connsiteX11" y="connsiteY11"/>
+              </a:cxn>
+            </a:cxnLst>
+            <a:rect l="l" t="t" r="r" b="b"/>
+            <a:pathLst>
+              <a:path w="3255095" h="18288" fill="none" extrusionOk="0">
+                <a:moveTo>
+                  <a:pt x="0" y="0"/>
+                </a:moveTo>
+                <a:cubicBezTo>
+                  <a:pt x="240201" y="-22123"/>
+                  <a:pt x="462021" y="-19623"/>
+                  <a:pt x="618468" y="0"/>
+                </a:cubicBezTo>
+                <a:cubicBezTo>
+                  <a:pt x="774915" y="19623"/>
+                  <a:pt x="974734" y="2035"/>
+                  <a:pt x="1269487" y="0"/>
+                </a:cubicBezTo>
+                <a:cubicBezTo>
+                  <a:pt x="1564240" y="-2035"/>
+                  <a:pt x="1733579" y="10639"/>
+                  <a:pt x="1953057" y="0"/>
+                </a:cubicBezTo>
+                <a:cubicBezTo>
+                  <a:pt x="2172535" y="-10639"/>
+                  <a:pt x="2453962" y="14018"/>
+                  <a:pt x="2636627" y="0"/>
+                </a:cubicBezTo>
+                <a:cubicBezTo>
+                  <a:pt x="2819292" y="-14018"/>
+                  <a:pt x="3121375" y="5399"/>
+                  <a:pt x="3255095" y="0"/>
+                </a:cubicBezTo>
+                <a:cubicBezTo>
+                  <a:pt x="3254386" y="8157"/>
+                  <a:pt x="3254682" y="12125"/>
+                  <a:pt x="3255095" y="18288"/>
+                </a:cubicBezTo>
+                <a:cubicBezTo>
+                  <a:pt x="3088545" y="23203"/>
+                  <a:pt x="2687475" y="7419"/>
+                  <a:pt x="2538974" y="18288"/>
+                </a:cubicBezTo>
+                <a:cubicBezTo>
+                  <a:pt x="2390473" y="29157"/>
+                  <a:pt x="2137381" y="-8959"/>
+                  <a:pt x="1822853" y="18288"/>
+                </a:cubicBezTo>
+                <a:cubicBezTo>
+                  <a:pt x="1508325" y="45535"/>
+                  <a:pt x="1466437" y="20385"/>
+                  <a:pt x="1171834" y="18288"/>
+                </a:cubicBezTo>
+                <a:cubicBezTo>
+                  <a:pt x="877231" y="16191"/>
+                  <a:pt x="561097" y="37643"/>
+                  <a:pt x="0" y="18288"/>
+                </a:cubicBezTo>
+                <a:cubicBezTo>
+                  <a:pt x="-46" y="12483"/>
+                  <a:pt x="-203" y="6491"/>
+                  <a:pt x="0" y="0"/>
+                </a:cubicBezTo>
+                <a:close/>
+              </a:path>
+              <a:path w="3255095" h="18288" stroke="0" extrusionOk="0">
+                <a:moveTo>
+                  <a:pt x="0" y="0"/>
+                </a:moveTo>
+                <a:cubicBezTo>
+                  <a:pt x="291965" y="19429"/>
+                  <a:pt x="363155" y="8568"/>
+                  <a:pt x="618468" y="0"/>
+                </a:cubicBezTo>
+                <a:cubicBezTo>
+                  <a:pt x="873781" y="-8568"/>
+                  <a:pt x="904459" y="-19505"/>
+                  <a:pt x="1171834" y="0"/>
+                </a:cubicBezTo>
+                <a:cubicBezTo>
+                  <a:pt x="1439209" y="19505"/>
+                  <a:pt x="1744369" y="9790"/>
+                  <a:pt x="1887955" y="0"/>
+                </a:cubicBezTo>
+                <a:cubicBezTo>
+                  <a:pt x="2031541" y="-9790"/>
+                  <a:pt x="2346378" y="21240"/>
+                  <a:pt x="2506423" y="0"/>
+                </a:cubicBezTo>
+                <a:cubicBezTo>
+                  <a:pt x="2666468" y="-21240"/>
+                  <a:pt x="2990257" y="30414"/>
+                  <a:pt x="3255095" y="0"/>
+                </a:cubicBezTo>
+                <a:cubicBezTo>
+                  <a:pt x="3254831" y="4493"/>
+                  <a:pt x="3255479" y="9472"/>
+                  <a:pt x="3255095" y="18288"/>
+                </a:cubicBezTo>
+                <a:cubicBezTo>
+                  <a:pt x="3120743" y="16690"/>
+                  <a:pt x="2759628" y="42462"/>
+                  <a:pt x="2604076" y="18288"/>
+                </a:cubicBezTo>
+                <a:cubicBezTo>
+                  <a:pt x="2448524" y="-5886"/>
+                  <a:pt x="2184336" y="19599"/>
+                  <a:pt x="1887955" y="18288"/>
+                </a:cubicBezTo>
+                <a:cubicBezTo>
+                  <a:pt x="1591574" y="16977"/>
+                  <a:pt x="1548845" y="6870"/>
+                  <a:pt x="1334589" y="18288"/>
+                </a:cubicBezTo>
+                <a:cubicBezTo>
+                  <a:pt x="1120333" y="29706"/>
+                  <a:pt x="996014" y="9662"/>
+                  <a:pt x="683570" y="18288"/>
+                </a:cubicBezTo>
+                <a:cubicBezTo>
+                  <a:pt x="371126" y="26914"/>
+                  <a:pt x="198687" y="16167"/>
+                  <a:pt x="0" y="18288"/>
+                </a:cubicBezTo>
+                <a:cubicBezTo>
+                  <a:pt x="843" y="9577"/>
+                  <a:pt x="371" y="6900"/>
+                  <a:pt x="0" y="0"/>
+                </a:cubicBezTo>
+                <a:close/>
+              </a:path>
+            </a:pathLst>
+          </a:custGeom>
+          <a:solidFill>
+            <a:schemeClr val="accent2"/>
+          </a:solidFill>
+          <a:ln w="38100" cap="rnd">
+            <a:solidFill>
+              <a:schemeClr val="accent2"/>
+            </a:solidFill>
+            <a:round/>
+            <a:extLst>
+              <a:ext uri="{C807C97D-BFC1-408E-A445-0C87EB9F89A2}">
+                <ask:lineSketchStyleProps xmlns:ask="http://schemas.microsoft.com/office/drawing/2018/sketchyshapes" sd="1219033472">
+                  <a:prstGeom prst="rect">
+                    <a:avLst/>
+                  </a:prstGeom>
+                  <ask:type>
+                    <ask:lineSketchFreehand/>
+                  </ask:type>
+                </ask:lineSketchStyleProps>
+              </a:ext>
+            </a:extLst>
+          </a:ln>
+        </p:spPr>
+        <p:style>
+          <a:lnRef idx="2">
+            <a:schemeClr val="accent1">
+              <a:shade val="50000"/>
+            </a:schemeClr>
+          </a:lnRef>
+          <a:fillRef idx="1">
+            <a:schemeClr val="accent1"/>
+          </a:fillRef>
+          <a:effectRef idx="0">
+            <a:schemeClr val="accent1"/>
+          </a:effectRef>
+          <a:fontRef idx="minor">
+            <a:schemeClr val="lt1"/>
+          </a:fontRef>
+        </p:style>
+        <p:txBody>
+          <a:bodyPr rtlCol="0" anchor="ctr"/>
+          <a:lstStyle/>
+          <a:p>
+            <a:pPr algn="ctr"/>
+            <a:endParaRPr lang="en-US"/>
+          </a:p>
+        </p:txBody>
+      </p:sp>
+      <p:sp>
+        <p:nvSpPr>
+          <p:cNvPr id="43" name="Content Placeholder 2">
+            <a:extLst>
+              <a:ext uri="{FF2B5EF4-FFF2-40B4-BE49-F238E27FC236}">
+                <a16:creationId xmlns:a16="http://schemas.microsoft.com/office/drawing/2014/main" id="{46B452F0-6990-B99D-86D3-67B3CFB80948}"/>
+              </a:ext>
+            </a:extLst>
+          </p:cNvPr>
+          <p:cNvSpPr>
+            <a:spLocks noGrp="1"/>
+          </p:cNvSpPr>
+          <p:nvPr>
+            <p:ph idx="1"/>
+          </p:nvPr>
+        </p:nvSpPr>
+        <p:spPr>
+          <a:xfrm>
+            <a:off x="630936" y="2660904"/>
+            <a:ext cx="4818888" cy="3547872"/>
+          </a:xfrm>
+        </p:spPr>
+        <p:txBody>
+          <a:bodyPr anchor="t">
+            <a:normAutofit/>
+          </a:bodyPr>
+          <a:lstStyle/>
+          <a:p>
+            <a:pPr marL="0" indent="0">
+              <a:buNone/>
+            </a:pPr>
+            <a:r>
+              <a:rPr lang="en-US" sz="2000" dirty="0"/>
+              <a:t>Broadly done on three types of columns</a:t>
+            </a:r>
+          </a:p>
+          <a:p>
+            <a:r>
+              <a:rPr lang="en-US" sz="2000" dirty="0"/>
+              <a:t>Segmented categorical </a:t>
+            </a:r>
+          </a:p>
+          <a:p>
+            <a:r>
+              <a:rPr lang="en-US" sz="2000" dirty="0"/>
+              <a:t>Ordered categorical</a:t>
+            </a:r>
+          </a:p>
+          <a:p>
+            <a:r>
+              <a:rPr lang="en-US" sz="2000" dirty="0"/>
+              <a:t>Quantitative </a:t>
+            </a:r>
+          </a:p>
+          <a:p>
+            <a:pPr marL="0" indent="0">
+              <a:buNone/>
+            </a:pPr>
+            <a:r>
+              <a:rPr lang="en-US" sz="2000" dirty="0"/>
+              <a:t>What strategies used </a:t>
+            </a:r>
+          </a:p>
+          <a:p>
+            <a:r>
+              <a:rPr lang="en-US" sz="2000" dirty="0"/>
+              <a:t>Single frequency tables</a:t>
+            </a:r>
+          </a:p>
+          <a:p>
+            <a:r>
+              <a:rPr lang="en-US" sz="2000" dirty="0"/>
+              <a:t>Derive new columns wherever possible</a:t>
+            </a:r>
+          </a:p>
+          <a:p>
+            <a:r>
+              <a:rPr lang="en-US" sz="2000" dirty="0"/>
+              <a:t>Curate columns that could correlate target variable</a:t>
+            </a:r>
+          </a:p>
+          <a:p>
+            <a:pPr marL="0" indent="0">
+              <a:buNone/>
+            </a:pPr>
+            <a:endParaRPr lang="en-US" sz="2000" dirty="0"/>
+          </a:p>
+          <a:p>
+            <a:endParaRPr lang="en-US" sz="2000" dirty="0"/>
+          </a:p>
+        </p:txBody>
+      </p:sp>
+      <p:pic>
+        <p:nvPicPr>
+          <p:cNvPr id="5" name="Picture 4" descr="Chart, bar chart, histogram&#10;&#10;Description automatically generated">
+            <a:extLst>
+              <a:ext uri="{FF2B5EF4-FFF2-40B4-BE49-F238E27FC236}">
+                <a16:creationId xmlns:a16="http://schemas.microsoft.com/office/drawing/2014/main" id="{DC80F900-00E4-59C6-E67D-9B80B11FB967}"/>
+              </a:ext>
+            </a:extLst>
+          </p:cNvPr>
+          <p:cNvPicPr>
+            <a:picLocks noChangeAspect="1"/>
+          </p:cNvPicPr>
+          <p:nvPr/>
+        </p:nvPicPr>
+        <p:blipFill>
+          <a:blip r:embed="rId2"/>
+          <a:stretch>
+            <a:fillRect/>
+          </a:stretch>
+        </p:blipFill>
+        <p:spPr>
+          <a:xfrm>
+            <a:off x="6102096" y="2121408"/>
+            <a:ext cx="5458968" cy="3575624"/>
+          </a:xfrm>
+          <a:prstGeom prst="rect">
+            <a:avLst/>
+          </a:prstGeom>
+        </p:spPr>
+      </p:pic>
+    </p:spTree>
+    <p:extLst>
+      <p:ext uri="{BB962C8B-B14F-4D97-AF65-F5344CB8AC3E}">
+        <p14:creationId xmlns:p14="http://schemas.microsoft.com/office/powerpoint/2010/main" val="191552834"/>
+      </p:ext>
+    </p:extLst>
+  </p:cSld>
+  <p:clrMapOvr>
+    <a:masterClrMapping/>
+  </p:clrMapOvr>
+</p:sld>
+</file>
+
+<file path=ppt/slides/slide8.xml><?xml version="1.0" encoding="utf-8"?>
+<p:sld xmlns:a="http://schemas.openxmlformats.org/drawingml/2006/main" xmlns:r="http://schemas.openxmlformats.org/officeDocument/2006/relationships" xmlns:p="http://schemas.openxmlformats.org/presentationml/2006/main">
+  <p:cSld>
+    <p:bg>
+      <p:bgPr>
+        <a:solidFill>
+          <a:schemeClr val="bg1"/>
+        </a:solidFill>
+        <a:effectLst/>
+      </p:bgPr>
+    </p:bg>
+    <p:spTree>
+      <p:nvGrpSpPr>
+        <p:cNvPr id="1" name=""/>
+        <p:cNvGrpSpPr/>
+        <p:nvPr/>
+      </p:nvGrpSpPr>
+      <p:grpSpPr>
+        <a:xfrm>
+          <a:off x="0" y="0"/>
+          <a:ext cx="0" cy="0"/>
+          <a:chOff x="0" y="0"/>
+          <a:chExt cx="0" cy="0"/>
+        </a:xfrm>
+      </p:grpSpPr>
+      <p:sp>
+        <p:nvSpPr>
+          <p:cNvPr id="2" name="Title 1">
+            <a:extLst>
+              <a:ext uri="{FF2B5EF4-FFF2-40B4-BE49-F238E27FC236}">
+                <a16:creationId xmlns:a16="http://schemas.microsoft.com/office/drawing/2014/main" id="{937BBD6E-D60F-3CF2-28FB-A51D8DEABC5E}"/>
+              </a:ext>
+            </a:extLst>
+          </p:cNvPr>
+          <p:cNvSpPr>
+            <a:spLocks noGrp="1"/>
+          </p:cNvSpPr>
+          <p:nvPr>
+            <p:ph type="title"/>
+          </p:nvPr>
+        </p:nvSpPr>
+        <p:spPr>
+          <a:xfrm>
+            <a:off x="1913468" y="365125"/>
+            <a:ext cx="9440332" cy="1325563"/>
+          </a:xfrm>
+        </p:spPr>
+        <p:txBody>
+          <a:bodyPr>
+            <a:normAutofit/>
+          </a:bodyPr>
+          <a:lstStyle/>
+          <a:p>
+            <a:r>
+              <a:rPr lang="en-US" sz="5400"/>
+              <a:t>Summary on Univariate analysis </a:t>
+            </a:r>
+          </a:p>
+        </p:txBody>
+      </p:sp>
+      <p:pic>
+        <p:nvPicPr>
+          <p:cNvPr id="7" name="Graphic 6" descr="House">
+            <a:extLst>
+              <a:ext uri="{FF2B5EF4-FFF2-40B4-BE49-F238E27FC236}">
+                <a16:creationId xmlns:a16="http://schemas.microsoft.com/office/drawing/2014/main" id="{0DB8FA03-AB0B-8732-F9E2-151712D99967}"/>
+              </a:ext>
+            </a:extLst>
+          </p:cNvPr>
+          <p:cNvPicPr>
+            <a:picLocks noChangeAspect="1"/>
+          </p:cNvPicPr>
+          <p:nvPr/>
+        </p:nvPicPr>
+        <p:blipFill>
+          <a:blip r:embed="rId2">
+            <a:extLst>
+              <a:ext uri="{28A0092B-C50C-407E-A947-70E740481C1C}">
+                <a14:useLocalDpi xmlns:a14="http://schemas.microsoft.com/office/drawing/2010/main" val="0"/>
+              </a:ext>
+              <a:ext uri="{96DAC541-7B7A-43D3-8B79-37D633B846F1}">
+                <asvg:svgBlip xmlns:asvg="http://schemas.microsoft.com/office/drawing/2016/SVG/main" r:embed="rId3"/>
+              </a:ext>
+            </a:extLst>
+          </a:blip>
+          <a:stretch>
+            <a:fillRect/>
+          </a:stretch>
+        </p:blipFill>
+        <p:spPr>
+          <a:xfrm>
+            <a:off x="838200" y="570706"/>
+            <a:ext cx="914400" cy="914400"/>
+          </a:xfrm>
+          <a:prstGeom prst="rect">
+            <a:avLst/>
+          </a:prstGeom>
+        </p:spPr>
+      </p:pic>
+      <p:sp>
+        <p:nvSpPr>
+          <p:cNvPr id="3" name="Content Placeholder 2">
+            <a:extLst>
+              <a:ext uri="{FF2B5EF4-FFF2-40B4-BE49-F238E27FC236}">
+                <a16:creationId xmlns:a16="http://schemas.microsoft.com/office/drawing/2014/main" id="{03466E07-E925-5AA3-1269-40F9917FC867}"/>
+              </a:ext>
+            </a:extLst>
+          </p:cNvPr>
+          <p:cNvSpPr>
+            <a:spLocks noGrp="1"/>
+          </p:cNvSpPr>
+          <p:nvPr>
+            <p:ph idx="1"/>
+          </p:nvPr>
+        </p:nvSpPr>
+        <p:spPr>
+          <a:xfrm>
+            <a:off x="838200" y="1825625"/>
+            <a:ext cx="10515600" cy="4351338"/>
+          </a:xfrm>
+        </p:spPr>
+        <p:txBody>
+          <a:bodyPr>
+            <a:normAutofit/>
+          </a:bodyPr>
+          <a:lstStyle/>
+          <a:p>
+            <a:pPr>
+              <a:buFont typeface="Arial" panose="020B0604020202020204" pitchFamily="34" charset="0"/>
+              <a:buChar char="•"/>
+            </a:pPr>
+            <a:r>
+              <a:rPr lang="en-IN" sz="1100" b="0" i="0" dirty="0">
+                <a:effectLst/>
+                <a:latin typeface="-apple-system"/>
+              </a:rPr>
+              <a:t>Year end has more applicants for loan than year start</a:t>
+            </a:r>
+          </a:p>
+          <a:p>
+            <a:pPr>
+              <a:buFont typeface="Arial" panose="020B0604020202020204" pitchFamily="34" charset="0"/>
+              <a:buChar char="•"/>
+            </a:pPr>
+            <a:r>
+              <a:rPr lang="en-IN" sz="1100" b="0" i="0" dirty="0">
+                <a:effectLst/>
+                <a:latin typeface="-apple-system"/>
+              </a:rPr>
+              <a:t>Rent and Mortgage house holders are seeking for loan more than own house people</a:t>
+            </a:r>
+          </a:p>
+          <a:p>
+            <a:pPr>
+              <a:buFont typeface="Arial" panose="020B0604020202020204" pitchFamily="34" charset="0"/>
+              <a:buChar char="•"/>
+            </a:pPr>
+            <a:r>
+              <a:rPr lang="en-IN" sz="1100" b="0" i="0" dirty="0">
+                <a:effectLst/>
+                <a:latin typeface="-apple-system"/>
+              </a:rPr>
+              <a:t>People above 10+years seeks loan more than lower experienced</a:t>
+            </a:r>
+          </a:p>
+          <a:p>
+            <a:pPr>
+              <a:buFont typeface="Arial" panose="020B0604020202020204" pitchFamily="34" charset="0"/>
+              <a:buChar char="•"/>
+            </a:pPr>
+            <a:r>
+              <a:rPr lang="en-IN" sz="1100" b="0" i="0" dirty="0">
+                <a:effectLst/>
+                <a:latin typeface="-apple-system"/>
+              </a:rPr>
+              <a:t>Removed outliers in Annual income field to get proper distribution of data.</a:t>
+            </a:r>
+          </a:p>
+          <a:p>
+            <a:pPr>
+              <a:buFont typeface="Arial" panose="020B0604020202020204" pitchFamily="34" charset="0"/>
+              <a:buChar char="•"/>
+            </a:pPr>
+            <a:r>
+              <a:rPr lang="en-IN" sz="1100" b="0" i="0" dirty="0">
+                <a:effectLst/>
+                <a:latin typeface="-apple-system"/>
+              </a:rPr>
+              <a:t>Annual income of 50K is the median of people who needs loan</a:t>
+            </a:r>
+          </a:p>
+          <a:p>
+            <a:pPr>
+              <a:buFont typeface="Arial" panose="020B0604020202020204" pitchFamily="34" charset="0"/>
+              <a:buChar char="•"/>
+            </a:pPr>
+            <a:r>
+              <a:rPr lang="en-IN" sz="1100" b="0" i="0" dirty="0">
+                <a:effectLst/>
+                <a:latin typeface="-apple-system"/>
+              </a:rPr>
+              <a:t>In </a:t>
+            </a:r>
+            <a:r>
+              <a:rPr lang="en-IN" sz="1100" b="0" i="0" dirty="0" err="1">
+                <a:effectLst/>
+                <a:latin typeface="-apple-system"/>
+              </a:rPr>
+              <a:t>int_rate</a:t>
+            </a:r>
+            <a:r>
+              <a:rPr lang="en-IN" sz="1100" b="0" i="0" dirty="0">
+                <a:effectLst/>
+                <a:latin typeface="-apple-system"/>
+              </a:rPr>
+              <a:t> charging off is less in case of interest rate 21-24% but the total people taken 21-24% is less</a:t>
+            </a:r>
+          </a:p>
+          <a:p>
+            <a:pPr>
+              <a:buFont typeface="Arial" panose="020B0604020202020204" pitchFamily="34" charset="0"/>
+              <a:buChar char="•"/>
+            </a:pPr>
+            <a:r>
+              <a:rPr lang="en-IN" sz="1100" b="0" i="0" dirty="0">
+                <a:effectLst/>
+                <a:latin typeface="-apple-system"/>
+              </a:rPr>
+              <a:t>If we see the total proportion in interest rate 9-13% interest rate has increased chance of being fully paid.</a:t>
+            </a:r>
+          </a:p>
+          <a:p>
+            <a:pPr>
+              <a:buFont typeface="Arial" panose="020B0604020202020204" pitchFamily="34" charset="0"/>
+              <a:buChar char="•"/>
+            </a:pPr>
+            <a:r>
+              <a:rPr lang="en-IN" sz="1100" b="0" i="0" dirty="0">
+                <a:effectLst/>
+                <a:latin typeface="-apple-system"/>
+              </a:rPr>
+              <a:t>The interest rate 13-17% high percentage of getting charged off.</a:t>
+            </a:r>
+          </a:p>
+          <a:p>
+            <a:pPr>
+              <a:buFont typeface="Arial" panose="020B0604020202020204" pitchFamily="34" charset="0"/>
+              <a:buChar char="•"/>
+            </a:pPr>
+            <a:r>
+              <a:rPr lang="en-IN" sz="1100" b="0" i="0" dirty="0">
+                <a:effectLst/>
+                <a:latin typeface="-apple-system"/>
+              </a:rPr>
+              <a:t>In </a:t>
+            </a:r>
+            <a:r>
+              <a:rPr lang="en-IN" sz="1100" b="0" i="0" dirty="0" err="1">
+                <a:effectLst/>
+                <a:latin typeface="-apple-system"/>
+              </a:rPr>
+              <a:t>annual_inc</a:t>
+            </a:r>
+            <a:r>
+              <a:rPr lang="en-IN" sz="1100" b="0" i="0" dirty="0">
+                <a:effectLst/>
+                <a:latin typeface="-apple-system"/>
+              </a:rPr>
+              <a:t> groups people with 112k - 140k has less percentage of getting charged off.</a:t>
+            </a:r>
+          </a:p>
+          <a:p>
+            <a:pPr>
+              <a:buFont typeface="Arial" panose="020B0604020202020204" pitchFamily="34" charset="0"/>
+              <a:buChar char="•"/>
+            </a:pPr>
+            <a:r>
+              <a:rPr lang="en-IN" sz="1100" b="0" i="0" dirty="0">
+                <a:effectLst/>
+                <a:latin typeface="-apple-system"/>
+              </a:rPr>
+              <a:t>The </a:t>
+            </a:r>
+            <a:r>
+              <a:rPr lang="en-IN" sz="1100" b="0" i="0" dirty="0" err="1">
+                <a:effectLst/>
+                <a:latin typeface="-apple-system"/>
+              </a:rPr>
+              <a:t>annual_inc</a:t>
+            </a:r>
+            <a:r>
+              <a:rPr lang="en-IN" sz="1100" b="0" i="0" dirty="0">
+                <a:effectLst/>
+                <a:latin typeface="-apple-system"/>
+              </a:rPr>
+              <a:t> group with 31k-58k has higher percentage of getting charged off.</a:t>
+            </a:r>
+          </a:p>
+          <a:p>
+            <a:pPr lvl="1"/>
+            <a:endParaRPr lang="en-US" sz="1100" dirty="0"/>
+          </a:p>
+          <a:p>
+            <a:endParaRPr lang="en-US" sz="1100" dirty="0"/>
+          </a:p>
+        </p:txBody>
+      </p:sp>
+    </p:spTree>
+    <p:extLst>
+      <p:ext uri="{BB962C8B-B14F-4D97-AF65-F5344CB8AC3E}">
+        <p14:creationId xmlns:p14="http://schemas.microsoft.com/office/powerpoint/2010/main" val="4078191171"/>
+      </p:ext>
+    </p:extLst>
+  </p:cSld>
+  <p:clrMapOvr>
+    <a:masterClrMapping/>
+  </p:clrMapOvr>
+</p:sld>
+</file>
+
+<file path=ppt/slides/slide9.xml><?xml version="1.0" encoding="utf-8"?>
+<p:sld xmlns:a="http://schemas.openxmlformats.org/drawingml/2006/main" xmlns:r="http://schemas.openxmlformats.org/officeDocument/2006/relationships" xmlns:p="http://schemas.openxmlformats.org/presentationml/2006/main">
+  <p:cSld>
+    <p:bg>
+      <p:bgPr>
+        <a:solidFill>
+          <a:schemeClr val="bg1"/>
+        </a:solidFill>
+        <a:effectLst/>
+      </p:bgPr>
+    </p:bg>
+    <p:spTree>
+      <p:nvGrpSpPr>
+        <p:cNvPr id="1" name=""/>
+        <p:cNvGrpSpPr/>
+        <p:nvPr/>
+      </p:nvGrpSpPr>
+      <p:grpSpPr>
+        <a:xfrm>
+          <a:off x="0" y="0"/>
+          <a:ext cx="0" cy="0"/>
+          <a:chOff x="0" y="0"/>
+          <a:chExt cx="0" cy="0"/>
+        </a:xfrm>
+      </p:grpSpPr>
+      <p:sp useBgFill="1">
+        <p:nvSpPr>
+          <p:cNvPr id="9" name="Rectangle 8">
+            <a:extLst>
+              <a:ext uri="{FF2B5EF4-FFF2-40B4-BE49-F238E27FC236}">
+                <a16:creationId xmlns:a16="http://schemas.microsoft.com/office/drawing/2014/main" id="{743AA782-23D1-4521-8CAD-47662984AA08}"/>
+              </a:ext>
+              <a:ext uri="{C183D7F6-B498-43B3-948B-1728B52AA6E4}">
+                <adec:decorative xmlns:adec="http://schemas.microsoft.com/office/drawing/2017/decorative" val="1"/>
+              </a:ext>
+            </a:extLst>
+          </p:cNvPr>
+          <p:cNvSpPr>
+            <a:spLocks noGrp="1" noRot="1" noChangeAspect="1" noMove="1" noResize="1" noEditPoints="1" noAdjustHandles="1" noChangeArrowheads="1" noChangeShapeType="1" noTextEdit="1"/>
+          </p:cNvSpPr>
+          <p:nvPr>
+            <p:extLst>
+              <p:ext uri="{386F3935-93C4-4BCD-93E2-E3B085C9AB24}">
+                <p16:designElem xmlns:p16="http://schemas.microsoft.com/office/powerpoint/2015/main" val="1"/>
+              </p:ext>
+            </p:extLst>
+          </p:nvPr>
+        </p:nvSpPr>
+        <p:spPr>
+          <a:xfrm>
+            <a:off x="0" y="0"/>
+            <a:ext cx="12192000" cy="6858000"/>
+          </a:xfrm>
+          <a:prstGeom prst="rect">
+            <a:avLst/>
+          </a:prstGeom>
+          <a:ln>
+            <a:noFill/>
+          </a:ln>
+        </p:spPr>
+        <p:style>
+          <a:lnRef idx="2">
+            <a:schemeClr val="accent1">
+              <a:shade val="50000"/>
+            </a:schemeClr>
+          </a:lnRef>
+          <a:fillRef idx="1">
+            <a:schemeClr val="accent1"/>
+          </a:fillRef>
+          <a:effectRef idx="0">
+            <a:schemeClr val="accent1"/>
+          </a:effectRef>
+          <a:fontRef idx="minor">
+            <a:schemeClr val="lt1"/>
+          </a:fontRef>
+        </p:style>
+        <p:txBody>
+          <a:bodyPr rtlCol="0" anchor="ctr"/>
+          <a:lstStyle/>
+          <a:p>
+            <a:pPr algn="ctr"/>
+            <a:endParaRPr lang="en-US"/>
+          </a:p>
+        </p:txBody>
+      </p:sp>
+      <p:sp>
+        <p:nvSpPr>
+          <p:cNvPr id="2" name="Title 1">
+            <a:extLst>
+              <a:ext uri="{FF2B5EF4-FFF2-40B4-BE49-F238E27FC236}">
+                <a16:creationId xmlns:a16="http://schemas.microsoft.com/office/drawing/2014/main" id="{7064CF24-DBA0-1393-2995-3C2860E52DA8}"/>
+              </a:ext>
+            </a:extLst>
+          </p:cNvPr>
+          <p:cNvSpPr>
+            <a:spLocks noGrp="1"/>
+          </p:cNvSpPr>
+          <p:nvPr>
+            <p:ph type="title"/>
+          </p:nvPr>
+        </p:nvSpPr>
+        <p:spPr>
+          <a:xfrm>
+            <a:off x="630936" y="640080"/>
+            <a:ext cx="4818888" cy="1481328"/>
+          </a:xfrm>
+        </p:spPr>
+        <p:txBody>
+          <a:bodyPr anchor="b">
+            <a:normAutofit/>
+          </a:bodyPr>
+          <a:lstStyle/>
+          <a:p>
+            <a:r>
+              <a:rPr lang="en-US" sz="5000"/>
+              <a:t>Bi variate analysis</a:t>
+            </a:r>
+          </a:p>
+        </p:txBody>
+      </p:sp>
+      <p:sp>
+        <p:nvSpPr>
+          <p:cNvPr id="11" name="sketch line">
+            <a:extLst>
+              <a:ext uri="{FF2B5EF4-FFF2-40B4-BE49-F238E27FC236}">
+                <a16:creationId xmlns:a16="http://schemas.microsoft.com/office/drawing/2014/main" id="{71877DBC-BB60-40F0-AC93-2ACDBAAE60CE}"/>
+              </a:ext>
+              <a:ext uri="{C183D7F6-B498-43B3-948B-1728B52AA6E4}">
+                <adec:decorative xmlns:adec="http://schemas.microsoft.com/office/drawing/2017/decorative" val="1"/>
+              </a:ext>
+            </a:extLst>
+          </p:cNvPr>
+          <p:cNvSpPr>
+            <a:spLocks noGrp="1" noRot="1" noChangeAspect="1" noMove="1" noResize="1" noEditPoints="1" noAdjustHandles="1" noChangeArrowheads="1" noChangeShapeType="1" noTextEdit="1"/>
+          </p:cNvSpPr>
+          <p:nvPr>
+            <p:extLst>
+              <p:ext uri="{386F3935-93C4-4BCD-93E2-E3B085C9AB24}">
+                <p16:designElem xmlns:p16="http://schemas.microsoft.com/office/powerpoint/2015/main" val="1"/>
+              </p:ext>
+            </p:extLst>
+          </p:nvPr>
+        </p:nvSpPr>
+        <p:spPr>
+          <a:xfrm>
+            <a:off x="643278" y="2372868"/>
+            <a:ext cx="3255095" cy="18288"/>
+          </a:xfrm>
+          <a:custGeom>
+            <a:avLst/>
+            <a:gdLst>
+              <a:gd name="connsiteX0" fmla="*/ 0 w 3255095"/>
+              <a:gd name="connsiteY0" fmla="*/ 0 h 18288"/>
+              <a:gd name="connsiteX1" fmla="*/ 618468 w 3255095"/>
+              <a:gd name="connsiteY1" fmla="*/ 0 h 18288"/>
+              <a:gd name="connsiteX2" fmla="*/ 1269487 w 3255095"/>
+              <a:gd name="connsiteY2" fmla="*/ 0 h 18288"/>
+              <a:gd name="connsiteX3" fmla="*/ 1953057 w 3255095"/>
+              <a:gd name="connsiteY3" fmla="*/ 0 h 18288"/>
+              <a:gd name="connsiteX4" fmla="*/ 2636627 w 3255095"/>
+              <a:gd name="connsiteY4" fmla="*/ 0 h 18288"/>
+              <a:gd name="connsiteX5" fmla="*/ 3255095 w 3255095"/>
+              <a:gd name="connsiteY5" fmla="*/ 0 h 18288"/>
+              <a:gd name="connsiteX6" fmla="*/ 3255095 w 3255095"/>
+              <a:gd name="connsiteY6" fmla="*/ 18288 h 18288"/>
+              <a:gd name="connsiteX7" fmla="*/ 2538974 w 3255095"/>
+              <a:gd name="connsiteY7" fmla="*/ 18288 h 18288"/>
+              <a:gd name="connsiteX8" fmla="*/ 1822853 w 3255095"/>
+              <a:gd name="connsiteY8" fmla="*/ 18288 h 18288"/>
+              <a:gd name="connsiteX9" fmla="*/ 1171834 w 3255095"/>
+              <a:gd name="connsiteY9" fmla="*/ 18288 h 18288"/>
+              <a:gd name="connsiteX10" fmla="*/ 0 w 3255095"/>
+              <a:gd name="connsiteY10" fmla="*/ 18288 h 18288"/>
+              <a:gd name="connsiteX11" fmla="*/ 0 w 3255095"/>
+              <a:gd name="connsiteY11" fmla="*/ 0 h 18288"/>
+            </a:gdLst>
+            <a:ahLst/>
+            <a:cxnLst>
+              <a:cxn ang="0">
+                <a:pos x="connsiteX0" y="connsiteY0"/>
+              </a:cxn>
+              <a:cxn ang="0">
+                <a:pos x="connsiteX1" y="connsiteY1"/>
+              </a:cxn>
+              <a:cxn ang="0">
+                <a:pos x="connsiteX2" y="connsiteY2"/>
+              </a:cxn>
+              <a:cxn ang="0">
+                <a:pos x="connsiteX3" y="connsiteY3"/>
+              </a:cxn>
+              <a:cxn ang="0">
+                <a:pos x="connsiteX4" y="connsiteY4"/>
+              </a:cxn>
+              <a:cxn ang="0">
+                <a:pos x="connsiteX5" y="connsiteY5"/>
+              </a:cxn>
+              <a:cxn ang="0">
+                <a:pos x="connsiteX6" y="connsiteY6"/>
+              </a:cxn>
+              <a:cxn ang="0">
+                <a:pos x="connsiteX7" y="connsiteY7"/>
+              </a:cxn>
+              <a:cxn ang="0">
+                <a:pos x="connsiteX8" y="connsiteY8"/>
+              </a:cxn>
+              <a:cxn ang="0">
+                <a:pos x="connsiteX9" y="connsiteY9"/>
+              </a:cxn>
+              <a:cxn ang="0">
+                <a:pos x="connsiteX10" y="connsiteY10"/>
+              </a:cxn>
+              <a:cxn ang="0">
+                <a:pos x="connsiteX11" y="connsiteY11"/>
+              </a:cxn>
+            </a:cxnLst>
+            <a:rect l="l" t="t" r="r" b="b"/>
+            <a:pathLst>
+              <a:path w="3255095" h="18288" fill="none" extrusionOk="0">
+                <a:moveTo>
+                  <a:pt x="0" y="0"/>
+                </a:moveTo>
+                <a:cubicBezTo>
+                  <a:pt x="240201" y="-22123"/>
+                  <a:pt x="462021" y="-19623"/>
+                  <a:pt x="618468" y="0"/>
+                </a:cubicBezTo>
+                <a:cubicBezTo>
+                  <a:pt x="774915" y="19623"/>
+                  <a:pt x="974734" y="2035"/>
+                  <a:pt x="1269487" y="0"/>
+                </a:cubicBezTo>
+                <a:cubicBezTo>
+                  <a:pt x="1564240" y="-2035"/>
+                  <a:pt x="1733579" y="10639"/>
+                  <a:pt x="1953057" y="0"/>
+                </a:cubicBezTo>
+                <a:cubicBezTo>
+                  <a:pt x="2172535" y="-10639"/>
+                  <a:pt x="2453962" y="14018"/>
+                  <a:pt x="2636627" y="0"/>
+                </a:cubicBezTo>
+                <a:cubicBezTo>
+                  <a:pt x="2819292" y="-14018"/>
+                  <a:pt x="3121375" y="5399"/>
+                  <a:pt x="3255095" y="0"/>
+                </a:cubicBezTo>
+                <a:cubicBezTo>
+                  <a:pt x="3254386" y="8157"/>
+                  <a:pt x="3254682" y="12125"/>
+                  <a:pt x="3255095" y="18288"/>
+                </a:cubicBezTo>
+                <a:cubicBezTo>
+                  <a:pt x="3088545" y="23203"/>
+                  <a:pt x="2687475" y="7419"/>
+                  <a:pt x="2538974" y="18288"/>
+                </a:cubicBezTo>
+                <a:cubicBezTo>
+                  <a:pt x="2390473" y="29157"/>
+                  <a:pt x="2137381" y="-8959"/>
+                  <a:pt x="1822853" y="18288"/>
+                </a:cubicBezTo>
+                <a:cubicBezTo>
+                  <a:pt x="1508325" y="45535"/>
+                  <a:pt x="1466437" y="20385"/>
+                  <a:pt x="1171834" y="18288"/>
+                </a:cubicBezTo>
+                <a:cubicBezTo>
+                  <a:pt x="877231" y="16191"/>
+                  <a:pt x="561097" y="37643"/>
+                  <a:pt x="0" y="18288"/>
+                </a:cubicBezTo>
+                <a:cubicBezTo>
+                  <a:pt x="-46" y="12483"/>
+                  <a:pt x="-203" y="6491"/>
+                  <a:pt x="0" y="0"/>
+                </a:cubicBezTo>
+                <a:close/>
+              </a:path>
+              <a:path w="3255095" h="18288" stroke="0" extrusionOk="0">
+                <a:moveTo>
+                  <a:pt x="0" y="0"/>
+                </a:moveTo>
+                <a:cubicBezTo>
+                  <a:pt x="291965" y="19429"/>
+                  <a:pt x="363155" y="8568"/>
+                  <a:pt x="618468" y="0"/>
+                </a:cubicBezTo>
+                <a:cubicBezTo>
+                  <a:pt x="873781" y="-8568"/>
+                  <a:pt x="904459" y="-19505"/>
+                  <a:pt x="1171834" y="0"/>
+                </a:cubicBezTo>
+                <a:cubicBezTo>
+                  <a:pt x="1439209" y="19505"/>
+                  <a:pt x="1744369" y="9790"/>
+                  <a:pt x="1887955" y="0"/>
+                </a:cubicBezTo>
+                <a:cubicBezTo>
+                  <a:pt x="2031541" y="-9790"/>
+                  <a:pt x="2346378" y="21240"/>
+                  <a:pt x="2506423" y="0"/>
+                </a:cubicBezTo>
+                <a:cubicBezTo>
+                  <a:pt x="2666468" y="-21240"/>
+                  <a:pt x="2990257" y="30414"/>
+                  <a:pt x="3255095" y="0"/>
+                </a:cubicBezTo>
+                <a:cubicBezTo>
+                  <a:pt x="3254831" y="4493"/>
+                  <a:pt x="3255479" y="9472"/>
+                  <a:pt x="3255095" y="18288"/>
+                </a:cubicBezTo>
+                <a:cubicBezTo>
+                  <a:pt x="3120743" y="16690"/>
+                  <a:pt x="2759628" y="42462"/>
+                  <a:pt x="2604076" y="18288"/>
+                </a:cubicBezTo>
+                <a:cubicBezTo>
+                  <a:pt x="2448524" y="-5886"/>
+                  <a:pt x="2184336" y="19599"/>
+                  <a:pt x="1887955" y="18288"/>
+                </a:cubicBezTo>
+                <a:cubicBezTo>
+                  <a:pt x="1591574" y="16977"/>
+                  <a:pt x="1548845" y="6870"/>
+                  <a:pt x="1334589" y="18288"/>
+                </a:cubicBezTo>
+                <a:cubicBezTo>
+                  <a:pt x="1120333" y="29706"/>
+                  <a:pt x="996014" y="9662"/>
+                  <a:pt x="683570" y="18288"/>
+                </a:cubicBezTo>
+                <a:cubicBezTo>
+                  <a:pt x="371126" y="26914"/>
+                  <a:pt x="198687" y="16167"/>
+                  <a:pt x="0" y="18288"/>
+                </a:cubicBezTo>
+                <a:cubicBezTo>
+                  <a:pt x="843" y="9577"/>
+                  <a:pt x="371" y="6900"/>
+                  <a:pt x="0" y="0"/>
+                </a:cubicBezTo>
+                <a:close/>
+              </a:path>
+            </a:pathLst>
+          </a:custGeom>
+          <a:solidFill>
+            <a:schemeClr val="accent2"/>
+          </a:solidFill>
+          <a:ln w="38100" cap="rnd">
+            <a:solidFill>
+              <a:schemeClr val="accent2"/>
+            </a:solidFill>
+            <a:round/>
+            <a:extLst>
+              <a:ext uri="{C807C97D-BFC1-408E-A445-0C87EB9F89A2}">
+                <ask:lineSketchStyleProps xmlns:ask="http://schemas.microsoft.com/office/drawing/2018/sketchyshapes" sd="1219033472">
+                  <a:prstGeom prst="rect">
+                    <a:avLst/>
+                  </a:prstGeom>
+                  <ask:type>
+                    <ask:lineSketchFreehand/>
+                  </ask:type>
+                </ask:lineSketchStyleProps>
+              </a:ext>
+            </a:extLst>
+          </a:ln>
+        </p:spPr>
+        <p:style>
+          <a:lnRef idx="2">
+            <a:schemeClr val="accent1">
+              <a:shade val="50000"/>
+            </a:schemeClr>
+          </a:lnRef>
+          <a:fillRef idx="1">
+            <a:schemeClr val="accent1"/>
+          </a:fillRef>
+          <a:effectRef idx="0">
+            <a:schemeClr val="accent1"/>
+          </a:effectRef>
+          <a:fontRef idx="minor">
+            <a:schemeClr val="lt1"/>
+          </a:fontRef>
+        </p:style>
+        <p:txBody>
+          <a:bodyPr rtlCol="0" anchor="ctr"/>
+          <a:lstStyle/>
+          <a:p>
+            <a:pPr algn="ctr"/>
+            <a:endParaRPr lang="en-US"/>
+          </a:p>
+        </p:txBody>
+      </p:sp>
+      <p:sp>
+        <p:nvSpPr>
+          <p:cNvPr id="3" name="Content Placeholder 2">
+            <a:extLst>
+              <a:ext uri="{FF2B5EF4-FFF2-40B4-BE49-F238E27FC236}">
+                <a16:creationId xmlns:a16="http://schemas.microsoft.com/office/drawing/2014/main" id="{B725C7AC-A509-D7DD-96C3-78B0F84E52CA}"/>
+              </a:ext>
+            </a:extLst>
+          </p:cNvPr>
+          <p:cNvSpPr>
+            <a:spLocks noGrp="1"/>
+          </p:cNvSpPr>
+          <p:nvPr>
+            <p:ph idx="1"/>
+          </p:nvPr>
+        </p:nvSpPr>
+        <p:spPr>
+          <a:xfrm>
+            <a:off x="630936" y="2660904"/>
+            <a:ext cx="4818888" cy="3547872"/>
+          </a:xfrm>
+        </p:spPr>
+        <p:txBody>
+          <a:bodyPr anchor="t">
+            <a:normAutofit/>
+          </a:bodyPr>
+          <a:lstStyle/>
+          <a:p>
+            <a:pPr marL="0" indent="0">
+              <a:buNone/>
+            </a:pPr>
+            <a:r>
+              <a:rPr lang="en-US" sz="2200" dirty="0"/>
+              <a:t>Plotting ideas used to understand the defaulters are mentioned below</a:t>
+            </a:r>
+          </a:p>
+          <a:p>
+            <a:r>
+              <a:rPr lang="en-US" sz="2200" dirty="0"/>
+              <a:t>Heatmap to find correlation matrix </a:t>
+            </a:r>
+          </a:p>
+          <a:p>
+            <a:r>
+              <a:rPr lang="en-US" sz="2200" dirty="0"/>
+              <a:t>Scatter plot to understand correlation between </a:t>
+            </a:r>
+            <a:r>
+              <a:rPr lang="en-US" sz="2200" dirty="0" err="1"/>
+              <a:t>loan_amnt</a:t>
+            </a:r>
+            <a:endParaRPr lang="en-US" sz="2200" dirty="0"/>
+          </a:p>
+          <a:p>
+            <a:r>
+              <a:rPr lang="en-US" sz="2200" dirty="0"/>
+              <a:t>Cross tabs to correlate categorical vs categorical </a:t>
+            </a:r>
+          </a:p>
+          <a:p>
+            <a:r>
+              <a:rPr lang="en-US" sz="2200" dirty="0"/>
+              <a:t>Count plots to visualize the grades again target variable</a:t>
+            </a:r>
+          </a:p>
+          <a:p>
+            <a:endParaRPr lang="en-US" sz="2200" dirty="0"/>
+          </a:p>
+        </p:txBody>
+      </p:sp>
+      <p:pic>
+        <p:nvPicPr>
+          <p:cNvPr id="4" name="Picture 3" descr="Chart&#10;&#10;Description automatically generated">
+            <a:extLst>
+              <a:ext uri="{FF2B5EF4-FFF2-40B4-BE49-F238E27FC236}">
+                <a16:creationId xmlns:a16="http://schemas.microsoft.com/office/drawing/2014/main" id="{64460008-BCA2-59D0-A277-673DF98999A3}"/>
+              </a:ext>
+            </a:extLst>
+          </p:cNvPr>
+          <p:cNvPicPr>
+            <a:picLocks noChangeAspect="1"/>
+          </p:cNvPicPr>
+          <p:nvPr/>
+        </p:nvPicPr>
+        <p:blipFill>
+          <a:blip r:embed="rId2"/>
+          <a:stretch>
+            <a:fillRect/>
+          </a:stretch>
+        </p:blipFill>
+        <p:spPr>
+          <a:xfrm>
+            <a:off x="6099048" y="685800"/>
+            <a:ext cx="5458968" cy="5486400"/>
+          </a:xfrm>
+          <a:prstGeom prst="rect">
+            <a:avLst/>
+          </a:prstGeom>
+        </p:spPr>
+      </p:pic>
+    </p:spTree>
+    <p:extLst>
+      <p:ext uri="{BB962C8B-B14F-4D97-AF65-F5344CB8AC3E}">
+        <p14:creationId xmlns:p14="http://schemas.microsoft.com/office/powerpoint/2010/main" val="3895832712"/>
       </p:ext>
     </p:extLst>
   </p:cSld>

--- a/lending-club-case-study.pptx
+++ b/lending-club-case-study.pptx
@@ -873,6 +873,788 @@
 </file>
 
 <file path=ppt/diagrams/colors2.xml><?xml version="1.0" encoding="utf-8"?>
+<dgm:colorsDef xmlns:dgm="http://schemas.openxmlformats.org/drawingml/2006/diagram" xmlns:a="http://schemas.openxmlformats.org/drawingml/2006/main" uniqueId="urn:microsoft.com/office/officeart/2005/8/colors/colorful2">
+  <dgm:title val=""/>
+  <dgm:desc val=""/>
+  <dgm:catLst>
+    <dgm:cat type="colorful" pri="10200"/>
+  </dgm:catLst>
+  <dgm:styleLbl name="node0">
+    <dgm:fillClrLst meth="repeat">
+      <a:schemeClr val="accent1"/>
+    </dgm:fillClrLst>
+    <dgm:linClrLst meth="repeat">
+      <a:schemeClr val="lt1"/>
+    </dgm:linClrLst>
+    <dgm:effectClrLst/>
+    <dgm:txLinClrLst/>
+    <dgm:txFillClrLst/>
+    <dgm:txEffectClrLst/>
+  </dgm:styleLbl>
+  <dgm:styleLbl name="node1">
+    <dgm:fillClrLst>
+      <a:schemeClr val="accent2"/>
+      <a:schemeClr val="accent3"/>
+    </dgm:fillClrLst>
+    <dgm:linClrLst meth="repeat">
+      <a:schemeClr val="lt1"/>
+    </dgm:linClrLst>
+    <dgm:effectClrLst/>
+    <dgm:txLinClrLst/>
+    <dgm:txFillClrLst/>
+    <dgm:txEffectClrLst/>
+  </dgm:styleLbl>
+  <dgm:styleLbl name="alignNode1">
+    <dgm:fillClrLst>
+      <a:schemeClr val="accent2"/>
+      <a:schemeClr val="accent3"/>
+    </dgm:fillClrLst>
+    <dgm:linClrLst>
+      <a:schemeClr val="accent2"/>
+      <a:schemeClr val="accent3"/>
+    </dgm:linClrLst>
+    <dgm:effectClrLst/>
+    <dgm:txLinClrLst/>
+    <dgm:txFillClrLst/>
+    <dgm:txEffectClrLst/>
+  </dgm:styleLbl>
+  <dgm:styleLbl name="lnNode1">
+    <dgm:fillClrLst>
+      <a:schemeClr val="accent2"/>
+      <a:schemeClr val="accent3"/>
+    </dgm:fillClrLst>
+    <dgm:linClrLst meth="repeat">
+      <a:schemeClr val="lt1"/>
+    </dgm:linClrLst>
+    <dgm:effectClrLst/>
+    <dgm:txLinClrLst/>
+    <dgm:txFillClrLst/>
+    <dgm:txEffectClrLst/>
+  </dgm:styleLbl>
+  <dgm:styleLbl name="vennNode1">
+    <dgm:fillClrLst>
+      <a:schemeClr val="accent2">
+        <a:alpha val="50000"/>
+      </a:schemeClr>
+      <a:schemeClr val="accent3">
+        <a:alpha val="50000"/>
+      </a:schemeClr>
+    </dgm:fillClrLst>
+    <dgm:linClrLst meth="repeat">
+      <a:schemeClr val="lt1"/>
+    </dgm:linClrLst>
+    <dgm:effectClrLst/>
+    <dgm:txLinClrLst/>
+    <dgm:txFillClrLst/>
+    <dgm:txEffectClrLst/>
+  </dgm:styleLbl>
+  <dgm:styleLbl name="node2">
+    <dgm:fillClrLst>
+      <a:schemeClr val="accent3"/>
+    </dgm:fillClrLst>
+    <dgm:linClrLst meth="repeat">
+      <a:schemeClr val="lt1"/>
+    </dgm:linClrLst>
+    <dgm:effectClrLst/>
+    <dgm:txLinClrLst/>
+    <dgm:txFillClrLst/>
+    <dgm:txEffectClrLst/>
+  </dgm:styleLbl>
+  <dgm:styleLbl name="node3">
+    <dgm:fillClrLst>
+      <a:schemeClr val="accent4"/>
+    </dgm:fillClrLst>
+    <dgm:linClrLst meth="repeat">
+      <a:schemeClr val="lt1"/>
+    </dgm:linClrLst>
+    <dgm:effectClrLst/>
+    <dgm:txLinClrLst/>
+    <dgm:txFillClrLst/>
+    <dgm:txEffectClrLst/>
+  </dgm:styleLbl>
+  <dgm:styleLbl name="node4">
+    <dgm:fillClrLst>
+      <a:schemeClr val="accent5"/>
+    </dgm:fillClrLst>
+    <dgm:linClrLst meth="repeat">
+      <a:schemeClr val="lt1"/>
+    </dgm:linClrLst>
+    <dgm:effectClrLst/>
+    <dgm:txLinClrLst/>
+    <dgm:txFillClrLst/>
+    <dgm:txEffectClrLst/>
+  </dgm:styleLbl>
+  <dgm:styleLbl name="fgImgPlace1">
+    <dgm:fillClrLst>
+      <a:schemeClr val="accent2">
+        <a:tint val="50000"/>
+      </a:schemeClr>
+      <a:schemeClr val="accent3">
+        <a:tint val="50000"/>
+      </a:schemeClr>
+    </dgm:fillClrLst>
+    <dgm:linClrLst meth="repeat">
+      <a:schemeClr val="lt1"/>
+    </dgm:linClrLst>
+    <dgm:effectClrLst/>
+    <dgm:txLinClrLst/>
+    <dgm:txFillClrLst meth="repeat">
+      <a:schemeClr val="lt1"/>
+    </dgm:txFillClrLst>
+    <dgm:txEffectClrLst/>
+  </dgm:styleLbl>
+  <dgm:styleLbl name="alignImgPlace1">
+    <dgm:fillClrLst>
+      <a:schemeClr val="accent2">
+        <a:tint val="50000"/>
+      </a:schemeClr>
+      <a:schemeClr val="accent3">
+        <a:tint val="20000"/>
+      </a:schemeClr>
+    </dgm:fillClrLst>
+    <dgm:linClrLst meth="repeat">
+      <a:schemeClr val="lt1"/>
+    </dgm:linClrLst>
+    <dgm:effectClrLst/>
+    <dgm:txLinClrLst/>
+    <dgm:txFillClrLst meth="repeat">
+      <a:schemeClr val="lt1"/>
+    </dgm:txFillClrLst>
+    <dgm:txEffectClrLst/>
+  </dgm:styleLbl>
+  <dgm:styleLbl name="bgImgPlace1">
+    <dgm:fillClrLst>
+      <a:schemeClr val="accent2">
+        <a:tint val="50000"/>
+      </a:schemeClr>
+      <a:schemeClr val="accent3">
+        <a:tint val="20000"/>
+      </a:schemeClr>
+    </dgm:fillClrLst>
+    <dgm:linClrLst meth="repeat">
+      <a:schemeClr val="lt1"/>
+    </dgm:linClrLst>
+    <dgm:effectClrLst/>
+    <dgm:txLinClrLst/>
+    <dgm:txFillClrLst meth="repeat">
+      <a:schemeClr val="lt1"/>
+    </dgm:txFillClrLst>
+    <dgm:txEffectClrLst/>
+  </dgm:styleLbl>
+  <dgm:styleLbl name="sibTrans2D1">
+    <dgm:fillClrLst>
+      <a:schemeClr val="accent2"/>
+      <a:schemeClr val="accent3"/>
+    </dgm:fillClrLst>
+    <dgm:linClrLst meth="repeat">
+      <a:schemeClr val="lt1"/>
+    </dgm:linClrLst>
+    <dgm:effectClrLst/>
+    <dgm:txLinClrLst/>
+    <dgm:txFillClrLst/>
+    <dgm:txEffectClrLst/>
+  </dgm:styleLbl>
+  <dgm:styleLbl name="fgSibTrans2D1">
+    <dgm:fillClrLst>
+      <a:schemeClr val="accent2"/>
+      <a:schemeClr val="accent3"/>
+    </dgm:fillClrLst>
+    <dgm:linClrLst meth="repeat">
+      <a:schemeClr val="lt1"/>
+    </dgm:linClrLst>
+    <dgm:effectClrLst/>
+    <dgm:txLinClrLst/>
+    <dgm:txFillClrLst meth="repeat">
+      <a:schemeClr val="lt1"/>
+    </dgm:txFillClrLst>
+    <dgm:txEffectClrLst/>
+  </dgm:styleLbl>
+  <dgm:styleLbl name="bgSibTrans2D1">
+    <dgm:fillClrLst>
+      <a:schemeClr val="accent2"/>
+      <a:schemeClr val="accent3"/>
+    </dgm:fillClrLst>
+    <dgm:linClrLst meth="repeat">
+      <a:schemeClr val="lt1"/>
+    </dgm:linClrLst>
+    <dgm:effectClrLst/>
+    <dgm:txLinClrLst/>
+    <dgm:txFillClrLst meth="repeat">
+      <a:schemeClr val="lt1"/>
+    </dgm:txFillClrLst>
+    <dgm:txEffectClrLst/>
+  </dgm:styleLbl>
+  <dgm:styleLbl name="sibTrans1D1">
+    <dgm:fillClrLst/>
+    <dgm:linClrLst>
+      <a:schemeClr val="accent2"/>
+      <a:schemeClr val="accent3"/>
+    </dgm:linClrLst>
+    <dgm:effectClrLst/>
+    <dgm:txLinClrLst/>
+    <dgm:txFillClrLst meth="repeat">
+      <a:schemeClr val="tx1"/>
+    </dgm:txFillClrLst>
+    <dgm:txEffectClrLst/>
+  </dgm:styleLbl>
+  <dgm:styleLbl name="callout">
+    <dgm:fillClrLst meth="repeat">
+      <a:schemeClr val="accent2"/>
+    </dgm:fillClrLst>
+    <dgm:linClrLst meth="repeat">
+      <a:schemeClr val="accent2">
+        <a:tint val="50000"/>
+      </a:schemeClr>
+    </dgm:linClrLst>
+    <dgm:effectClrLst/>
+    <dgm:txLinClrLst/>
+    <dgm:txFillClrLst meth="repeat">
+      <a:schemeClr val="tx1"/>
+    </dgm:txFillClrLst>
+    <dgm:txEffectClrLst/>
+  </dgm:styleLbl>
+  <dgm:styleLbl name="asst0">
+    <dgm:fillClrLst meth="repeat">
+      <a:schemeClr val="accent2"/>
+    </dgm:fillClrLst>
+    <dgm:linClrLst meth="repeat">
+      <a:schemeClr val="lt1">
+        <a:shade val="80000"/>
+      </a:schemeClr>
+    </dgm:linClrLst>
+    <dgm:effectClrLst/>
+    <dgm:txLinClrLst/>
+    <dgm:txFillClrLst/>
+    <dgm:txEffectClrLst/>
+  </dgm:styleLbl>
+  <dgm:styleLbl name="asst1">
+    <dgm:fillClrLst meth="repeat">
+      <a:schemeClr val="accent3"/>
+    </dgm:fillClrLst>
+    <dgm:linClrLst meth="repeat">
+      <a:schemeClr val="lt1">
+        <a:shade val="80000"/>
+      </a:schemeClr>
+    </dgm:linClrLst>
+    <dgm:effectClrLst/>
+    <dgm:txLinClrLst/>
+    <dgm:txFillClrLst/>
+    <dgm:txEffectClrLst/>
+  </dgm:styleLbl>
+  <dgm:styleLbl name="asst2">
+    <dgm:fillClrLst>
+      <a:schemeClr val="accent4"/>
+    </dgm:fillClrLst>
+    <dgm:linClrLst meth="repeat">
+      <a:schemeClr val="lt1"/>
+    </dgm:linClrLst>
+    <dgm:effectClrLst/>
+    <dgm:txLinClrLst/>
+    <dgm:txFillClrLst/>
+    <dgm:txEffectClrLst/>
+  </dgm:styleLbl>
+  <dgm:styleLbl name="asst3">
+    <dgm:fillClrLst>
+      <a:schemeClr val="accent5"/>
+    </dgm:fillClrLst>
+    <dgm:linClrLst meth="repeat">
+      <a:schemeClr val="lt1"/>
+    </dgm:linClrLst>
+    <dgm:effectClrLst/>
+    <dgm:txLinClrLst/>
+    <dgm:txFillClrLst/>
+    <dgm:txEffectClrLst/>
+  </dgm:styleLbl>
+  <dgm:styleLbl name="asst4">
+    <dgm:fillClrLst>
+      <a:schemeClr val="accent6"/>
+    </dgm:fillClrLst>
+    <dgm:linClrLst meth="repeat">
+      <a:schemeClr val="lt1"/>
+    </dgm:linClrLst>
+    <dgm:effectClrLst/>
+    <dgm:txLinClrLst/>
+    <dgm:txFillClrLst/>
+    <dgm:txEffectClrLst/>
+  </dgm:styleLbl>
+  <dgm:styleLbl name="parChTrans2D1">
+    <dgm:fillClrLst meth="repeat">
+      <a:schemeClr val="accent2"/>
+    </dgm:fillClrLst>
+    <dgm:linClrLst meth="repeat">
+      <a:schemeClr val="lt1"/>
+    </dgm:linClrLst>
+    <dgm:effectClrLst/>
+    <dgm:txLinClrLst/>
+    <dgm:txFillClrLst meth="repeat">
+      <a:schemeClr val="lt1"/>
+    </dgm:txFillClrLst>
+    <dgm:txEffectClrLst/>
+  </dgm:styleLbl>
+  <dgm:styleLbl name="parChTrans2D2">
+    <dgm:fillClrLst meth="repeat">
+      <a:schemeClr val="accent3"/>
+    </dgm:fillClrLst>
+    <dgm:linClrLst meth="repeat">
+      <a:schemeClr val="lt1"/>
+    </dgm:linClrLst>
+    <dgm:effectClrLst/>
+    <dgm:txLinClrLst/>
+    <dgm:txFillClrLst/>
+    <dgm:txEffectClrLst/>
+  </dgm:styleLbl>
+  <dgm:styleLbl name="parChTrans2D3">
+    <dgm:fillClrLst meth="repeat">
+      <a:schemeClr val="accent4"/>
+    </dgm:fillClrLst>
+    <dgm:linClrLst meth="repeat">
+      <a:schemeClr val="lt1"/>
+    </dgm:linClrLst>
+    <dgm:effectClrLst/>
+    <dgm:txLinClrLst/>
+    <dgm:txFillClrLst/>
+    <dgm:txEffectClrLst/>
+  </dgm:styleLbl>
+  <dgm:styleLbl name="parChTrans2D4">
+    <dgm:fillClrLst meth="repeat">
+      <a:schemeClr val="accent5"/>
+    </dgm:fillClrLst>
+    <dgm:linClrLst meth="repeat">
+      <a:schemeClr val="lt1"/>
+    </dgm:linClrLst>
+    <dgm:effectClrLst/>
+    <dgm:txLinClrLst/>
+    <dgm:txFillClrLst meth="repeat">
+      <a:schemeClr val="lt1"/>
+    </dgm:txFillClrLst>
+    <dgm:txEffectClrLst/>
+  </dgm:styleLbl>
+  <dgm:styleLbl name="parChTrans1D1">
+    <dgm:fillClrLst meth="repeat">
+      <a:schemeClr val="accent2"/>
+    </dgm:fillClrLst>
+    <dgm:linClrLst meth="repeat">
+      <a:schemeClr val="accent2"/>
+    </dgm:linClrLst>
+    <dgm:effectClrLst/>
+    <dgm:txLinClrLst/>
+    <dgm:txFillClrLst meth="repeat">
+      <a:schemeClr val="tx1"/>
+    </dgm:txFillClrLst>
+    <dgm:txEffectClrLst/>
+  </dgm:styleLbl>
+  <dgm:styleLbl name="parChTrans1D2">
+    <dgm:fillClrLst meth="repeat">
+      <a:schemeClr val="accent2">
+        <a:tint val="90000"/>
+      </a:schemeClr>
+    </dgm:fillClrLst>
+    <dgm:linClrLst meth="repeat">
+      <a:schemeClr val="accent3"/>
+    </dgm:linClrLst>
+    <dgm:effectClrLst/>
+    <dgm:txLinClrLst/>
+    <dgm:txFillClrLst meth="repeat">
+      <a:schemeClr val="tx1"/>
+    </dgm:txFillClrLst>
+    <dgm:txEffectClrLst/>
+  </dgm:styleLbl>
+  <dgm:styleLbl name="parChTrans1D3">
+    <dgm:fillClrLst meth="repeat">
+      <a:schemeClr val="accent2">
+        <a:tint val="70000"/>
+      </a:schemeClr>
+    </dgm:fillClrLst>
+    <dgm:linClrLst meth="repeat">
+      <a:schemeClr val="accent4"/>
+    </dgm:linClrLst>
+    <dgm:effectClrLst/>
+    <dgm:txLinClrLst/>
+    <dgm:txFillClrLst meth="repeat">
+      <a:schemeClr val="tx1"/>
+    </dgm:txFillClrLst>
+    <dgm:txEffectClrLst/>
+  </dgm:styleLbl>
+  <dgm:styleLbl name="parChTrans1D4">
+    <dgm:fillClrLst meth="repeat">
+      <a:schemeClr val="accent2">
+        <a:tint val="50000"/>
+      </a:schemeClr>
+    </dgm:fillClrLst>
+    <dgm:linClrLst meth="repeat">
+      <a:schemeClr val="accent5"/>
+    </dgm:linClrLst>
+    <dgm:effectClrLst/>
+    <dgm:txLinClrLst/>
+    <dgm:txFillClrLst meth="repeat">
+      <a:schemeClr val="tx1"/>
+    </dgm:txFillClrLst>
+    <dgm:txEffectClrLst/>
+  </dgm:styleLbl>
+  <dgm:styleLbl name="fgAcc1">
+    <dgm:fillClrLst meth="repeat">
+      <a:schemeClr val="lt1">
+        <a:alpha val="90000"/>
+      </a:schemeClr>
+    </dgm:fillClrLst>
+    <dgm:linClrLst>
+      <a:schemeClr val="accent2"/>
+      <a:schemeClr val="accent3"/>
+    </dgm:linClrLst>
+    <dgm:effectClrLst/>
+    <dgm:txLinClrLst/>
+    <dgm:txFillClrLst meth="repeat">
+      <a:schemeClr val="dk1"/>
+    </dgm:txFillClrLst>
+    <dgm:txEffectClrLst/>
+  </dgm:styleLbl>
+  <dgm:styleLbl name="conFgAcc1">
+    <dgm:fillClrLst meth="repeat">
+      <a:schemeClr val="lt1">
+        <a:alpha val="90000"/>
+      </a:schemeClr>
+    </dgm:fillClrLst>
+    <dgm:linClrLst>
+      <a:schemeClr val="accent2"/>
+      <a:schemeClr val="accent3"/>
+    </dgm:linClrLst>
+    <dgm:effectClrLst/>
+    <dgm:txLinClrLst/>
+    <dgm:txFillClrLst meth="repeat">
+      <a:schemeClr val="dk1"/>
+    </dgm:txFillClrLst>
+    <dgm:txEffectClrLst/>
+  </dgm:styleLbl>
+  <dgm:styleLbl name="alignAcc1">
+    <dgm:fillClrLst meth="repeat">
+      <a:schemeClr val="lt1">
+        <a:alpha val="90000"/>
+      </a:schemeClr>
+    </dgm:fillClrLst>
+    <dgm:linClrLst>
+      <a:schemeClr val="accent2"/>
+      <a:schemeClr val="accent3"/>
+    </dgm:linClrLst>
+    <dgm:effectClrLst/>
+    <dgm:txLinClrLst/>
+    <dgm:txFillClrLst meth="repeat">
+      <a:schemeClr val="dk1"/>
+    </dgm:txFillClrLst>
+    <dgm:txEffectClrLst/>
+  </dgm:styleLbl>
+  <dgm:styleLbl name="trAlignAcc1">
+    <dgm:fillClrLst meth="repeat">
+      <a:schemeClr val="lt1">
+        <a:alpha val="40000"/>
+      </a:schemeClr>
+    </dgm:fillClrLst>
+    <dgm:linClrLst meth="repeat">
+      <a:schemeClr val="accent2"/>
+    </dgm:linClrLst>
+    <dgm:effectClrLst/>
+    <dgm:txLinClrLst/>
+    <dgm:txFillClrLst meth="repeat">
+      <a:schemeClr val="dk1"/>
+    </dgm:txFillClrLst>
+    <dgm:txEffectClrLst/>
+  </dgm:styleLbl>
+  <dgm:styleLbl name="bgAcc1">
+    <dgm:fillClrLst meth="repeat">
+      <a:schemeClr val="lt1">
+        <a:alpha val="90000"/>
+      </a:schemeClr>
+    </dgm:fillClrLst>
+    <dgm:linClrLst>
+      <a:schemeClr val="accent2"/>
+      <a:schemeClr val="accent3"/>
+    </dgm:linClrLst>
+    <dgm:effectClrLst/>
+    <dgm:txLinClrLst/>
+    <dgm:txFillClrLst meth="repeat">
+      <a:schemeClr val="dk1"/>
+    </dgm:txFillClrLst>
+    <dgm:txEffectClrLst/>
+  </dgm:styleLbl>
+  <dgm:styleLbl name="solidFgAcc1">
+    <dgm:fillClrLst meth="repeat">
+      <a:schemeClr val="lt1"/>
+    </dgm:fillClrLst>
+    <dgm:linClrLst>
+      <a:schemeClr val="accent2"/>
+      <a:schemeClr val="accent3"/>
+    </dgm:linClrLst>
+    <dgm:effectClrLst/>
+    <dgm:txLinClrLst/>
+    <dgm:txFillClrLst meth="repeat">
+      <a:schemeClr val="dk1"/>
+    </dgm:txFillClrLst>
+    <dgm:txEffectClrLst/>
+  </dgm:styleLbl>
+  <dgm:styleLbl name="solidAlignAcc1">
+    <dgm:fillClrLst meth="repeat">
+      <a:schemeClr val="lt1"/>
+    </dgm:fillClrLst>
+    <dgm:linClrLst>
+      <a:schemeClr val="accent2"/>
+      <a:schemeClr val="accent3"/>
+    </dgm:linClrLst>
+    <dgm:effectClrLst/>
+    <dgm:txLinClrLst/>
+    <dgm:txFillClrLst meth="repeat">
+      <a:schemeClr val="dk1"/>
+    </dgm:txFillClrLst>
+    <dgm:txEffectClrLst/>
+  </dgm:styleLbl>
+  <dgm:styleLbl name="solidBgAcc1">
+    <dgm:fillClrLst meth="repeat">
+      <a:schemeClr val="lt1"/>
+    </dgm:fillClrLst>
+    <dgm:linClrLst>
+      <a:schemeClr val="accent2"/>
+      <a:schemeClr val="accent3"/>
+    </dgm:linClrLst>
+    <dgm:effectClrLst/>
+    <dgm:txLinClrLst/>
+    <dgm:txFillClrLst meth="repeat">
+      <a:schemeClr val="dk1"/>
+    </dgm:txFillClrLst>
+    <dgm:txEffectClrLst/>
+  </dgm:styleLbl>
+  <dgm:styleLbl name="fgAccFollowNode1">
+    <dgm:fillClrLst>
+      <a:schemeClr val="accent2">
+        <a:tint val="40000"/>
+        <a:alpha val="90000"/>
+      </a:schemeClr>
+      <a:schemeClr val="accent3">
+        <a:tint val="40000"/>
+        <a:alpha val="90000"/>
+      </a:schemeClr>
+    </dgm:fillClrLst>
+    <dgm:linClrLst>
+      <a:schemeClr val="accent2">
+        <a:tint val="40000"/>
+        <a:alpha val="90000"/>
+      </a:schemeClr>
+      <a:schemeClr val="accent3">
+        <a:tint val="40000"/>
+        <a:alpha val="90000"/>
+      </a:schemeClr>
+    </dgm:linClrLst>
+    <dgm:effectClrLst/>
+    <dgm:txLinClrLst/>
+    <dgm:txFillClrLst meth="repeat">
+      <a:schemeClr val="dk1"/>
+    </dgm:txFillClrLst>
+    <dgm:txEffectClrLst/>
+  </dgm:styleLbl>
+  <dgm:styleLbl name="alignAccFollowNode1">
+    <dgm:fillClrLst>
+      <a:schemeClr val="accent2">
+        <a:tint val="40000"/>
+        <a:alpha val="90000"/>
+      </a:schemeClr>
+      <a:schemeClr val="accent3">
+        <a:tint val="40000"/>
+        <a:alpha val="90000"/>
+      </a:schemeClr>
+    </dgm:fillClrLst>
+    <dgm:linClrLst>
+      <a:schemeClr val="accent2">
+        <a:tint val="40000"/>
+        <a:alpha val="90000"/>
+      </a:schemeClr>
+      <a:schemeClr val="accent3">
+        <a:tint val="40000"/>
+        <a:alpha val="90000"/>
+      </a:schemeClr>
+    </dgm:linClrLst>
+    <dgm:effectClrLst/>
+    <dgm:txLinClrLst/>
+    <dgm:txFillClrLst meth="repeat">
+      <a:schemeClr val="dk1"/>
+    </dgm:txFillClrLst>
+    <dgm:txEffectClrLst/>
+  </dgm:styleLbl>
+  <dgm:styleLbl name="bgAccFollowNode1">
+    <dgm:fillClrLst>
+      <a:schemeClr val="accent2">
+        <a:tint val="40000"/>
+        <a:alpha val="90000"/>
+      </a:schemeClr>
+      <a:schemeClr val="accent3">
+        <a:tint val="40000"/>
+        <a:alpha val="90000"/>
+      </a:schemeClr>
+    </dgm:fillClrLst>
+    <dgm:linClrLst>
+      <a:schemeClr val="accent2">
+        <a:tint val="40000"/>
+        <a:alpha val="90000"/>
+      </a:schemeClr>
+      <a:schemeClr val="accent3">
+        <a:tint val="40000"/>
+        <a:alpha val="90000"/>
+      </a:schemeClr>
+    </dgm:linClrLst>
+    <dgm:effectClrLst/>
+    <dgm:txLinClrLst/>
+    <dgm:txFillClrLst meth="repeat">
+      <a:schemeClr val="dk1"/>
+    </dgm:txFillClrLst>
+    <dgm:txEffectClrLst/>
+  </dgm:styleLbl>
+  <dgm:styleLbl name="fgAcc0">
+    <dgm:fillClrLst meth="repeat">
+      <a:schemeClr val="lt1">
+        <a:alpha val="90000"/>
+      </a:schemeClr>
+    </dgm:fillClrLst>
+    <dgm:linClrLst>
+      <a:schemeClr val="accent1"/>
+    </dgm:linClrLst>
+    <dgm:effectClrLst/>
+    <dgm:txLinClrLst/>
+    <dgm:txFillClrLst meth="repeat">
+      <a:schemeClr val="dk1"/>
+    </dgm:txFillClrLst>
+    <dgm:txEffectClrLst/>
+  </dgm:styleLbl>
+  <dgm:styleLbl name="fgAcc2">
+    <dgm:fillClrLst meth="repeat">
+      <a:schemeClr val="lt1">
+        <a:alpha val="90000"/>
+      </a:schemeClr>
+    </dgm:fillClrLst>
+    <dgm:linClrLst>
+      <a:schemeClr val="accent3"/>
+    </dgm:linClrLst>
+    <dgm:effectClrLst/>
+    <dgm:txLinClrLst/>
+    <dgm:txFillClrLst meth="repeat">
+      <a:schemeClr val="dk1"/>
+    </dgm:txFillClrLst>
+    <dgm:txEffectClrLst/>
+  </dgm:styleLbl>
+  <dgm:styleLbl name="fgAcc3">
+    <dgm:fillClrLst meth="repeat">
+      <a:schemeClr val="lt1">
+        <a:alpha val="90000"/>
+      </a:schemeClr>
+    </dgm:fillClrLst>
+    <dgm:linClrLst>
+      <a:schemeClr val="accent4"/>
+    </dgm:linClrLst>
+    <dgm:effectClrLst/>
+    <dgm:txLinClrLst/>
+    <dgm:txFillClrLst meth="repeat">
+      <a:schemeClr val="dk1"/>
+    </dgm:txFillClrLst>
+    <dgm:txEffectClrLst/>
+  </dgm:styleLbl>
+  <dgm:styleLbl name="fgAcc4">
+    <dgm:fillClrLst meth="repeat">
+      <a:schemeClr val="lt1">
+        <a:alpha val="90000"/>
+      </a:schemeClr>
+    </dgm:fillClrLst>
+    <dgm:linClrLst>
+      <a:schemeClr val="accent5"/>
+    </dgm:linClrLst>
+    <dgm:effectClrLst/>
+    <dgm:txLinClrLst/>
+    <dgm:txFillClrLst meth="repeat">
+      <a:schemeClr val="dk1"/>
+    </dgm:txFillClrLst>
+    <dgm:txEffectClrLst/>
+  </dgm:styleLbl>
+  <dgm:styleLbl name="bgShp">
+    <dgm:fillClrLst meth="repeat">
+      <a:schemeClr val="accent2">
+        <a:tint val="40000"/>
+      </a:schemeClr>
+    </dgm:fillClrLst>
+    <dgm:linClrLst meth="repeat">
+      <a:schemeClr val="dk1"/>
+    </dgm:linClrLst>
+    <dgm:effectClrLst/>
+    <dgm:txLinClrLst/>
+    <dgm:txFillClrLst meth="repeat">
+      <a:schemeClr val="dk1"/>
+    </dgm:txFillClrLst>
+    <dgm:txEffectClrLst/>
+  </dgm:styleLbl>
+  <dgm:styleLbl name="dkBgShp">
+    <dgm:fillClrLst meth="repeat">
+      <a:schemeClr val="accent2">
+        <a:shade val="90000"/>
+      </a:schemeClr>
+    </dgm:fillClrLst>
+    <dgm:linClrLst meth="repeat">
+      <a:schemeClr val="dk1"/>
+    </dgm:linClrLst>
+    <dgm:effectClrLst/>
+    <dgm:txLinClrLst/>
+    <dgm:txFillClrLst meth="repeat">
+      <a:schemeClr val="lt1"/>
+    </dgm:txFillClrLst>
+    <dgm:txEffectClrLst/>
+  </dgm:styleLbl>
+  <dgm:styleLbl name="trBgShp">
+    <dgm:fillClrLst meth="repeat">
+      <a:schemeClr val="accent2">
+        <a:tint val="50000"/>
+        <a:alpha val="40000"/>
+      </a:schemeClr>
+    </dgm:fillClrLst>
+    <dgm:linClrLst meth="repeat">
+      <a:schemeClr val="accent2"/>
+    </dgm:linClrLst>
+    <dgm:effectClrLst/>
+    <dgm:txLinClrLst/>
+    <dgm:txFillClrLst meth="repeat">
+      <a:schemeClr val="lt1"/>
+    </dgm:txFillClrLst>
+    <dgm:txEffectClrLst/>
+  </dgm:styleLbl>
+  <dgm:styleLbl name="fgShp">
+    <dgm:fillClrLst meth="repeat">
+      <a:schemeClr val="accent2">
+        <a:tint val="40000"/>
+      </a:schemeClr>
+    </dgm:fillClrLst>
+    <dgm:linClrLst meth="repeat">
+      <a:schemeClr val="lt1"/>
+    </dgm:linClrLst>
+    <dgm:effectClrLst/>
+    <dgm:txLinClrLst/>
+    <dgm:txFillClrLst meth="repeat">
+      <a:schemeClr val="dk1"/>
+    </dgm:txFillClrLst>
+    <dgm:txEffectClrLst/>
+  </dgm:styleLbl>
+  <dgm:styleLbl name="revTx">
+    <dgm:fillClrLst meth="repeat">
+      <a:schemeClr val="lt1">
+        <a:alpha val="0"/>
+      </a:schemeClr>
+    </dgm:fillClrLst>
+    <dgm:linClrLst meth="repeat">
+      <a:schemeClr val="dk1">
+        <a:alpha val="0"/>
+      </a:schemeClr>
+    </dgm:linClrLst>
+    <dgm:effectClrLst/>
+    <dgm:txLinClrLst/>
+    <dgm:txFillClrLst meth="repeat">
+      <a:schemeClr val="tx1"/>
+    </dgm:txFillClrLst>
+    <dgm:txEffectClrLst/>
+  </dgm:styleLbl>
+</dgm:colorsDef>
+</file>
+
+<file path=ppt/diagrams/colors3.xml><?xml version="1.0" encoding="utf-8"?>
 <dgm:colorsDef xmlns:dgm="http://schemas.openxmlformats.org/drawingml/2006/diagram" xmlns:a="http://schemas.openxmlformats.org/drawingml/2006/main" uniqueId="urn:microsoft.com/office/officeart/2005/8/colors/colorful2">
   <dgm:title val=""/>
   <dgm:desc val=""/>
@@ -2870,6 +3652,334 @@
     <dgm:cxn modelId="{02F351F0-A611-4C46-973C-6FAFABE4F21C}" type="presParOf" srcId="{527FC2C9-2F6D-BC47-B84F-AABE96455A24}" destId="{73FDBF72-617C-5346-886F-AEBA39CF5CBB}" srcOrd="2" destOrd="0" presId="urn:microsoft.com/office/officeart/2016/7/layout/LinearArrowProcessNumbered"/>
     <dgm:cxn modelId="{C3D49AFD-59AC-B741-9FD7-9B6CCB319508}" type="presParOf" srcId="{527FC2C9-2F6D-BC47-B84F-AABE96455A24}" destId="{27E64D6A-6215-1E4B-973B-7FDD82B30413}" srcOrd="3" destOrd="0" presId="urn:microsoft.com/office/officeart/2016/7/layout/LinearArrowProcessNumbered"/>
     <dgm:cxn modelId="{4CC44171-9CA9-6649-8278-8AE54BA9F0BB}" type="presParOf" srcId="{5829A02E-BF20-1B4C-BA6E-021F33B2C401}" destId="{7077C9B2-158B-474F-8E78-3AA5C9905CDE}" srcOrd="2" destOrd="0" presId="urn:microsoft.com/office/officeart/2016/7/layout/LinearArrowProcessNumbered"/>
+  </dgm:cxnLst>
+  <dgm:bg/>
+  <dgm:whole/>
+  <dgm:extLst>
+    <a:ext uri="http://schemas.microsoft.com/office/drawing/2008/diagram">
+      <dsp:dataModelExt xmlns:dsp="http://schemas.microsoft.com/office/drawing/2008/diagram" relId="rId6" minVer="http://schemas.openxmlformats.org/drawingml/2006/diagram"/>
+    </a:ext>
+  </dgm:extLst>
+</dgm:dataModel>
+</file>
+
+<file path=ppt/diagrams/data3.xml><?xml version="1.0" encoding="utf-8"?>
+<dgm:dataModel xmlns:dgm="http://schemas.openxmlformats.org/drawingml/2006/diagram" xmlns:a="http://schemas.openxmlformats.org/drawingml/2006/main">
+  <dgm:ptLst>
+    <dgm:pt modelId="{5D5A624F-4AB7-482F-A417-A0DB9DF629DB}" type="doc">
+      <dgm:prSet loTypeId="urn:microsoft.com/office/officeart/2008/layout/LinedList" loCatId="list" qsTypeId="urn:microsoft.com/office/officeart/2005/8/quickstyle/simple1" qsCatId="simple" csTypeId="urn:microsoft.com/office/officeart/2005/8/colors/colorful2" csCatId="colorful"/>
+      <dgm:spPr/>
+      <dgm:t>
+        <a:bodyPr/>
+        <a:lstStyle/>
+        <a:p>
+          <a:endParaRPr lang="en-US"/>
+        </a:p>
+      </dgm:t>
+    </dgm:pt>
+    <dgm:pt modelId="{CBFB41CF-5660-4D9C-BE74-5967B5513417}">
+      <dgm:prSet/>
+      <dgm:spPr/>
+      <dgm:t>
+        <a:bodyPr/>
+        <a:lstStyle/>
+        <a:p>
+          <a:r>
+            <a:rPr lang="en-US"/>
+            <a:t>There are columns with redundant values which has to be eliminated</a:t>
+          </a:r>
+        </a:p>
+      </dgm:t>
+    </dgm:pt>
+    <dgm:pt modelId="{06A37D88-E27A-4603-B882-0A6A0BBE6491}" type="parTrans" cxnId="{69BCB0C3-F947-49A1-B108-2AD881595329}">
+      <dgm:prSet/>
+      <dgm:spPr/>
+      <dgm:t>
+        <a:bodyPr/>
+        <a:lstStyle/>
+        <a:p>
+          <a:endParaRPr lang="en-US"/>
+        </a:p>
+      </dgm:t>
+    </dgm:pt>
+    <dgm:pt modelId="{AB8EC8F3-C012-4C2E-99C6-E2C230733AC4}" type="sibTrans" cxnId="{69BCB0C3-F947-49A1-B108-2AD881595329}">
+      <dgm:prSet/>
+      <dgm:spPr/>
+      <dgm:t>
+        <a:bodyPr/>
+        <a:lstStyle/>
+        <a:p>
+          <a:endParaRPr lang="en-US"/>
+        </a:p>
+      </dgm:t>
+    </dgm:pt>
+    <dgm:pt modelId="{F89B416F-988A-41C7-9CB4-2C2896E65CAB}">
+      <dgm:prSet/>
+      <dgm:spPr/>
+      <dgm:t>
+        <a:bodyPr/>
+        <a:lstStyle/>
+        <a:p>
+          <a:r>
+            <a:rPr lang="en-US"/>
+            <a:t>There are numerical columns with special characters which will be cleaned and converted to numeric type</a:t>
+          </a:r>
+        </a:p>
+      </dgm:t>
+    </dgm:pt>
+    <dgm:pt modelId="{489CAAD6-E838-4072-8BF6-6AEB9F8F2D88}" type="parTrans" cxnId="{5977753B-04B1-4321-A877-4CFE99C52680}">
+      <dgm:prSet/>
+      <dgm:spPr/>
+      <dgm:t>
+        <a:bodyPr/>
+        <a:lstStyle/>
+        <a:p>
+          <a:endParaRPr lang="en-US"/>
+        </a:p>
+      </dgm:t>
+    </dgm:pt>
+    <dgm:pt modelId="{BEF43A07-4EED-409C-9F28-EC1248EE806B}" type="sibTrans" cxnId="{5977753B-04B1-4321-A877-4CFE99C52680}">
+      <dgm:prSet/>
+      <dgm:spPr/>
+      <dgm:t>
+        <a:bodyPr/>
+        <a:lstStyle/>
+        <a:p>
+          <a:endParaRPr lang="en-US"/>
+        </a:p>
+      </dgm:t>
+    </dgm:pt>
+    <dgm:pt modelId="{908E4279-D44B-4B9C-83DD-3590C801AD89}">
+      <dgm:prSet/>
+      <dgm:spPr/>
+      <dgm:t>
+        <a:bodyPr/>
+        <a:lstStyle/>
+        <a:p>
+          <a:r>
+            <a:rPr lang="en-US"/>
+            <a:t>Remove the Current ongoing loan application as it is not relevant to our problem statement</a:t>
+          </a:r>
+        </a:p>
+      </dgm:t>
+    </dgm:pt>
+    <dgm:pt modelId="{427F24DC-ECBD-4F39-8EA1-B106A5150988}" type="parTrans" cxnId="{6318D06C-04CF-4187-8067-D8BC538CA197}">
+      <dgm:prSet/>
+      <dgm:spPr/>
+      <dgm:t>
+        <a:bodyPr/>
+        <a:lstStyle/>
+        <a:p>
+          <a:endParaRPr lang="en-US"/>
+        </a:p>
+      </dgm:t>
+    </dgm:pt>
+    <dgm:pt modelId="{F51427EB-75E6-44AC-B243-8F1039AE2314}" type="sibTrans" cxnId="{6318D06C-04CF-4187-8067-D8BC538CA197}">
+      <dgm:prSet/>
+      <dgm:spPr/>
+      <dgm:t>
+        <a:bodyPr/>
+        <a:lstStyle/>
+        <a:p>
+          <a:endParaRPr lang="en-US"/>
+        </a:p>
+      </dgm:t>
+    </dgm:pt>
+    <dgm:pt modelId="{B3AE2412-FA2B-4E27-8DD6-AD758014D655}">
+      <dgm:prSet/>
+      <dgm:spPr/>
+      <dgm:t>
+        <a:bodyPr/>
+        <a:lstStyle/>
+        <a:p>
+          <a:r>
+            <a:rPr lang="en-US"/>
+            <a:t>Drop columns where we observe 50% NA values</a:t>
+          </a:r>
+        </a:p>
+      </dgm:t>
+    </dgm:pt>
+    <dgm:pt modelId="{732C3BBE-0CA4-46F8-B693-B7D3FC522CCD}" type="parTrans" cxnId="{413D6D4E-FC00-41D5-AA3F-B5B6B627C21F}">
+      <dgm:prSet/>
+      <dgm:spPr/>
+      <dgm:t>
+        <a:bodyPr/>
+        <a:lstStyle/>
+        <a:p>
+          <a:endParaRPr lang="en-US"/>
+        </a:p>
+      </dgm:t>
+    </dgm:pt>
+    <dgm:pt modelId="{174ACE82-6F85-4EF5-8F6F-CFA3E6F77D7D}" type="sibTrans" cxnId="{413D6D4E-FC00-41D5-AA3F-B5B6B627C21F}">
+      <dgm:prSet/>
+      <dgm:spPr/>
+      <dgm:t>
+        <a:bodyPr/>
+        <a:lstStyle/>
+        <a:p>
+          <a:endParaRPr lang="en-US"/>
+        </a:p>
+      </dgm:t>
+    </dgm:pt>
+    <dgm:pt modelId="{EB73E1CC-A4F0-4E94-8A3C-4A625C685C47}">
+      <dgm:prSet/>
+      <dgm:spPr/>
+      <dgm:t>
+        <a:bodyPr/>
+        <a:lstStyle/>
+        <a:p>
+          <a:r>
+            <a:rPr lang="en-US"/>
+            <a:t>Drop post loan approval columns </a:t>
+          </a:r>
+        </a:p>
+      </dgm:t>
+    </dgm:pt>
+    <dgm:pt modelId="{0023A8FD-7C32-4C35-8105-FC820FFEC8B8}" type="parTrans" cxnId="{E6D9CA0B-806F-4F0E-A9C6-220298932C83}">
+      <dgm:prSet/>
+      <dgm:spPr/>
+      <dgm:t>
+        <a:bodyPr/>
+        <a:lstStyle/>
+        <a:p>
+          <a:endParaRPr lang="en-US"/>
+        </a:p>
+      </dgm:t>
+    </dgm:pt>
+    <dgm:pt modelId="{B8DF1993-3672-4F77-B4CA-0D51B285DA18}" type="sibTrans" cxnId="{E6D9CA0B-806F-4F0E-A9C6-220298932C83}">
+      <dgm:prSet/>
+      <dgm:spPr/>
+      <dgm:t>
+        <a:bodyPr/>
+        <a:lstStyle/>
+        <a:p>
+          <a:endParaRPr lang="en-US"/>
+        </a:p>
+      </dgm:t>
+    </dgm:pt>
+    <dgm:pt modelId="{DBCED63E-460B-F14C-A907-D9BE9973AB9A}" type="pres">
+      <dgm:prSet presAssocID="{5D5A624F-4AB7-482F-A417-A0DB9DF629DB}" presName="vert0" presStyleCnt="0">
+        <dgm:presLayoutVars>
+          <dgm:dir/>
+          <dgm:animOne val="branch"/>
+          <dgm:animLvl val="lvl"/>
+        </dgm:presLayoutVars>
+      </dgm:prSet>
+      <dgm:spPr/>
+    </dgm:pt>
+    <dgm:pt modelId="{CDDEED19-7980-1F46-8C14-D6B1DB32E0B3}" type="pres">
+      <dgm:prSet presAssocID="{CBFB41CF-5660-4D9C-BE74-5967B5513417}" presName="thickLine" presStyleLbl="alignNode1" presStyleIdx="0" presStyleCnt="5"/>
+      <dgm:spPr/>
+    </dgm:pt>
+    <dgm:pt modelId="{0C008C07-0836-5D44-9757-81D282EE8815}" type="pres">
+      <dgm:prSet presAssocID="{CBFB41CF-5660-4D9C-BE74-5967B5513417}" presName="horz1" presStyleCnt="0"/>
+      <dgm:spPr/>
+    </dgm:pt>
+    <dgm:pt modelId="{2799CF82-CE7D-1E41-A139-7F371830CE11}" type="pres">
+      <dgm:prSet presAssocID="{CBFB41CF-5660-4D9C-BE74-5967B5513417}" presName="tx1" presStyleLbl="revTx" presStyleIdx="0" presStyleCnt="5"/>
+      <dgm:spPr/>
+    </dgm:pt>
+    <dgm:pt modelId="{A0709462-5096-DB4F-890A-679C43CBFB66}" type="pres">
+      <dgm:prSet presAssocID="{CBFB41CF-5660-4D9C-BE74-5967B5513417}" presName="vert1" presStyleCnt="0"/>
+      <dgm:spPr/>
+    </dgm:pt>
+    <dgm:pt modelId="{1B27A4D4-7203-0E42-9308-4CD21D9B4B16}" type="pres">
+      <dgm:prSet presAssocID="{F89B416F-988A-41C7-9CB4-2C2896E65CAB}" presName="thickLine" presStyleLbl="alignNode1" presStyleIdx="1" presStyleCnt="5"/>
+      <dgm:spPr/>
+    </dgm:pt>
+    <dgm:pt modelId="{EC38BF12-17AF-1349-952D-CF8DEFB8D1B4}" type="pres">
+      <dgm:prSet presAssocID="{F89B416F-988A-41C7-9CB4-2C2896E65CAB}" presName="horz1" presStyleCnt="0"/>
+      <dgm:spPr/>
+    </dgm:pt>
+    <dgm:pt modelId="{44482083-5718-2946-B909-01ECB38C6089}" type="pres">
+      <dgm:prSet presAssocID="{F89B416F-988A-41C7-9CB4-2C2896E65CAB}" presName="tx1" presStyleLbl="revTx" presStyleIdx="1" presStyleCnt="5"/>
+      <dgm:spPr/>
+    </dgm:pt>
+    <dgm:pt modelId="{B792C729-DD4E-6646-A76B-D2E70A69DEAD}" type="pres">
+      <dgm:prSet presAssocID="{F89B416F-988A-41C7-9CB4-2C2896E65CAB}" presName="vert1" presStyleCnt="0"/>
+      <dgm:spPr/>
+    </dgm:pt>
+    <dgm:pt modelId="{F7989759-05A2-C244-B6A1-1C8DF0A4BB40}" type="pres">
+      <dgm:prSet presAssocID="{908E4279-D44B-4B9C-83DD-3590C801AD89}" presName="thickLine" presStyleLbl="alignNode1" presStyleIdx="2" presStyleCnt="5"/>
+      <dgm:spPr/>
+    </dgm:pt>
+    <dgm:pt modelId="{A248EED3-CF6E-6D41-B10E-7DEA93AB3E2C}" type="pres">
+      <dgm:prSet presAssocID="{908E4279-D44B-4B9C-83DD-3590C801AD89}" presName="horz1" presStyleCnt="0"/>
+      <dgm:spPr/>
+    </dgm:pt>
+    <dgm:pt modelId="{6F076A19-35A2-3A4D-A632-953C1076CA09}" type="pres">
+      <dgm:prSet presAssocID="{908E4279-D44B-4B9C-83DD-3590C801AD89}" presName="tx1" presStyleLbl="revTx" presStyleIdx="2" presStyleCnt="5"/>
+      <dgm:spPr/>
+    </dgm:pt>
+    <dgm:pt modelId="{5D164BD7-8450-B64F-A7BE-8C465AA3CC48}" type="pres">
+      <dgm:prSet presAssocID="{908E4279-D44B-4B9C-83DD-3590C801AD89}" presName="vert1" presStyleCnt="0"/>
+      <dgm:spPr/>
+    </dgm:pt>
+    <dgm:pt modelId="{BC80C7D8-677D-FA40-ADC1-2AB67428C525}" type="pres">
+      <dgm:prSet presAssocID="{B3AE2412-FA2B-4E27-8DD6-AD758014D655}" presName="thickLine" presStyleLbl="alignNode1" presStyleIdx="3" presStyleCnt="5"/>
+      <dgm:spPr/>
+    </dgm:pt>
+    <dgm:pt modelId="{498F97EF-AB1F-D446-9331-C1909F68FCD2}" type="pres">
+      <dgm:prSet presAssocID="{B3AE2412-FA2B-4E27-8DD6-AD758014D655}" presName="horz1" presStyleCnt="0"/>
+      <dgm:spPr/>
+    </dgm:pt>
+    <dgm:pt modelId="{F5FD6719-938E-A648-9C83-BE42030C94FC}" type="pres">
+      <dgm:prSet presAssocID="{B3AE2412-FA2B-4E27-8DD6-AD758014D655}" presName="tx1" presStyleLbl="revTx" presStyleIdx="3" presStyleCnt="5"/>
+      <dgm:spPr/>
+    </dgm:pt>
+    <dgm:pt modelId="{1E1B1306-92BA-724D-BF0B-BB2A8471AC8F}" type="pres">
+      <dgm:prSet presAssocID="{B3AE2412-FA2B-4E27-8DD6-AD758014D655}" presName="vert1" presStyleCnt="0"/>
+      <dgm:spPr/>
+    </dgm:pt>
+    <dgm:pt modelId="{C33CA8A2-E780-6F40-857C-36D5D66154D2}" type="pres">
+      <dgm:prSet presAssocID="{EB73E1CC-A4F0-4E94-8A3C-4A625C685C47}" presName="thickLine" presStyleLbl="alignNode1" presStyleIdx="4" presStyleCnt="5"/>
+      <dgm:spPr/>
+    </dgm:pt>
+    <dgm:pt modelId="{FCB19257-1F2A-1742-98CF-59291A8C8C15}" type="pres">
+      <dgm:prSet presAssocID="{EB73E1CC-A4F0-4E94-8A3C-4A625C685C47}" presName="horz1" presStyleCnt="0"/>
+      <dgm:spPr/>
+    </dgm:pt>
+    <dgm:pt modelId="{EBBB125E-859C-3443-984F-3AD738B39300}" type="pres">
+      <dgm:prSet presAssocID="{EB73E1CC-A4F0-4E94-8A3C-4A625C685C47}" presName="tx1" presStyleLbl="revTx" presStyleIdx="4" presStyleCnt="5"/>
+      <dgm:spPr/>
+    </dgm:pt>
+    <dgm:pt modelId="{9FED1FB1-1145-CF4C-A2AF-CC0CCFD226C2}" type="pres">
+      <dgm:prSet presAssocID="{EB73E1CC-A4F0-4E94-8A3C-4A625C685C47}" presName="vert1" presStyleCnt="0"/>
+      <dgm:spPr/>
+    </dgm:pt>
+  </dgm:ptLst>
+  <dgm:cxnLst>
+    <dgm:cxn modelId="{06F56006-BC52-F04F-A72A-51C741F23693}" type="presOf" srcId="{B3AE2412-FA2B-4E27-8DD6-AD758014D655}" destId="{F5FD6719-938E-A648-9C83-BE42030C94FC}" srcOrd="0" destOrd="0" presId="urn:microsoft.com/office/officeart/2008/layout/LinedList"/>
+    <dgm:cxn modelId="{E6D9CA0B-806F-4F0E-A9C6-220298932C83}" srcId="{5D5A624F-4AB7-482F-A417-A0DB9DF629DB}" destId="{EB73E1CC-A4F0-4E94-8A3C-4A625C685C47}" srcOrd="4" destOrd="0" parTransId="{0023A8FD-7C32-4C35-8105-FC820FFEC8B8}" sibTransId="{B8DF1993-3672-4F77-B4CA-0D51B285DA18}"/>
+    <dgm:cxn modelId="{9017662D-5617-7C4B-BB1A-610A5606780F}" type="presOf" srcId="{5D5A624F-4AB7-482F-A417-A0DB9DF629DB}" destId="{DBCED63E-460B-F14C-A907-D9BE9973AB9A}" srcOrd="0" destOrd="0" presId="urn:microsoft.com/office/officeart/2008/layout/LinedList"/>
+    <dgm:cxn modelId="{8EE2FB34-3050-5547-BF7E-7DF51FA0E797}" type="presOf" srcId="{908E4279-D44B-4B9C-83DD-3590C801AD89}" destId="{6F076A19-35A2-3A4D-A632-953C1076CA09}" srcOrd="0" destOrd="0" presId="urn:microsoft.com/office/officeart/2008/layout/LinedList"/>
+    <dgm:cxn modelId="{5977753B-04B1-4321-A877-4CFE99C52680}" srcId="{5D5A624F-4AB7-482F-A417-A0DB9DF629DB}" destId="{F89B416F-988A-41C7-9CB4-2C2896E65CAB}" srcOrd="1" destOrd="0" parTransId="{489CAAD6-E838-4072-8BF6-6AEB9F8F2D88}" sibTransId="{BEF43A07-4EED-409C-9F28-EC1248EE806B}"/>
+    <dgm:cxn modelId="{413D6D4E-FC00-41D5-AA3F-B5B6B627C21F}" srcId="{5D5A624F-4AB7-482F-A417-A0DB9DF629DB}" destId="{B3AE2412-FA2B-4E27-8DD6-AD758014D655}" srcOrd="3" destOrd="0" parTransId="{732C3BBE-0CA4-46F8-B693-B7D3FC522CCD}" sibTransId="{174ACE82-6F85-4EF5-8F6F-CFA3E6F77D7D}"/>
+    <dgm:cxn modelId="{6318D06C-04CF-4187-8067-D8BC538CA197}" srcId="{5D5A624F-4AB7-482F-A417-A0DB9DF629DB}" destId="{908E4279-D44B-4B9C-83DD-3590C801AD89}" srcOrd="2" destOrd="0" parTransId="{427F24DC-ECBD-4F39-8EA1-B106A5150988}" sibTransId="{F51427EB-75E6-44AC-B243-8F1039AE2314}"/>
+    <dgm:cxn modelId="{8EA19172-0D0E-A94B-BDD8-C77FE7D08D42}" type="presOf" srcId="{EB73E1CC-A4F0-4E94-8A3C-4A625C685C47}" destId="{EBBB125E-859C-3443-984F-3AD738B39300}" srcOrd="0" destOrd="0" presId="urn:microsoft.com/office/officeart/2008/layout/LinedList"/>
+    <dgm:cxn modelId="{0EB61295-7DAC-D542-AD7E-2159304E80D0}" type="presOf" srcId="{CBFB41CF-5660-4D9C-BE74-5967B5513417}" destId="{2799CF82-CE7D-1E41-A139-7F371830CE11}" srcOrd="0" destOrd="0" presId="urn:microsoft.com/office/officeart/2008/layout/LinedList"/>
+    <dgm:cxn modelId="{397291A6-16F1-384E-9D9B-603B22EF3AE8}" type="presOf" srcId="{F89B416F-988A-41C7-9CB4-2C2896E65CAB}" destId="{44482083-5718-2946-B909-01ECB38C6089}" srcOrd="0" destOrd="0" presId="urn:microsoft.com/office/officeart/2008/layout/LinedList"/>
+    <dgm:cxn modelId="{69BCB0C3-F947-49A1-B108-2AD881595329}" srcId="{5D5A624F-4AB7-482F-A417-A0DB9DF629DB}" destId="{CBFB41CF-5660-4D9C-BE74-5967B5513417}" srcOrd="0" destOrd="0" parTransId="{06A37D88-E27A-4603-B882-0A6A0BBE6491}" sibTransId="{AB8EC8F3-C012-4C2E-99C6-E2C230733AC4}"/>
+    <dgm:cxn modelId="{6DB5B851-CA8A-624E-BAF5-5D62AEECD4BB}" type="presParOf" srcId="{DBCED63E-460B-F14C-A907-D9BE9973AB9A}" destId="{CDDEED19-7980-1F46-8C14-D6B1DB32E0B3}" srcOrd="0" destOrd="0" presId="urn:microsoft.com/office/officeart/2008/layout/LinedList"/>
+    <dgm:cxn modelId="{377F45F7-5118-8E48-A79B-762CC08F6DD0}" type="presParOf" srcId="{DBCED63E-460B-F14C-A907-D9BE9973AB9A}" destId="{0C008C07-0836-5D44-9757-81D282EE8815}" srcOrd="1" destOrd="0" presId="urn:microsoft.com/office/officeart/2008/layout/LinedList"/>
+    <dgm:cxn modelId="{62E8E4AA-B494-CE4F-B525-B562017AD433}" type="presParOf" srcId="{0C008C07-0836-5D44-9757-81D282EE8815}" destId="{2799CF82-CE7D-1E41-A139-7F371830CE11}" srcOrd="0" destOrd="0" presId="urn:microsoft.com/office/officeart/2008/layout/LinedList"/>
+    <dgm:cxn modelId="{536AEE4C-73E4-CB44-A345-7C43C92924AB}" type="presParOf" srcId="{0C008C07-0836-5D44-9757-81D282EE8815}" destId="{A0709462-5096-DB4F-890A-679C43CBFB66}" srcOrd="1" destOrd="0" presId="urn:microsoft.com/office/officeart/2008/layout/LinedList"/>
+    <dgm:cxn modelId="{70BD96A8-AC60-4940-82CE-FEEE5BFC3BE8}" type="presParOf" srcId="{DBCED63E-460B-F14C-A907-D9BE9973AB9A}" destId="{1B27A4D4-7203-0E42-9308-4CD21D9B4B16}" srcOrd="2" destOrd="0" presId="urn:microsoft.com/office/officeart/2008/layout/LinedList"/>
+    <dgm:cxn modelId="{EAF86E68-AC08-F446-AC71-BB2D15EB9F44}" type="presParOf" srcId="{DBCED63E-460B-F14C-A907-D9BE9973AB9A}" destId="{EC38BF12-17AF-1349-952D-CF8DEFB8D1B4}" srcOrd="3" destOrd="0" presId="urn:microsoft.com/office/officeart/2008/layout/LinedList"/>
+    <dgm:cxn modelId="{AE4165B4-600D-BA47-9834-69DD4D176BE9}" type="presParOf" srcId="{EC38BF12-17AF-1349-952D-CF8DEFB8D1B4}" destId="{44482083-5718-2946-B909-01ECB38C6089}" srcOrd="0" destOrd="0" presId="urn:microsoft.com/office/officeart/2008/layout/LinedList"/>
+    <dgm:cxn modelId="{A76C008B-FF76-E146-98F2-6EC541F7E63B}" type="presParOf" srcId="{EC38BF12-17AF-1349-952D-CF8DEFB8D1B4}" destId="{B792C729-DD4E-6646-A76B-D2E70A69DEAD}" srcOrd="1" destOrd="0" presId="urn:microsoft.com/office/officeart/2008/layout/LinedList"/>
+    <dgm:cxn modelId="{BCD2CAA6-CD57-B940-9865-082477D9C977}" type="presParOf" srcId="{DBCED63E-460B-F14C-A907-D9BE9973AB9A}" destId="{F7989759-05A2-C244-B6A1-1C8DF0A4BB40}" srcOrd="4" destOrd="0" presId="urn:microsoft.com/office/officeart/2008/layout/LinedList"/>
+    <dgm:cxn modelId="{C8E8573E-72F2-1B44-8FCB-CFF98C779695}" type="presParOf" srcId="{DBCED63E-460B-F14C-A907-D9BE9973AB9A}" destId="{A248EED3-CF6E-6D41-B10E-7DEA93AB3E2C}" srcOrd="5" destOrd="0" presId="urn:microsoft.com/office/officeart/2008/layout/LinedList"/>
+    <dgm:cxn modelId="{66C47DD0-13BA-4043-96F1-8ADB1206C0A3}" type="presParOf" srcId="{A248EED3-CF6E-6D41-B10E-7DEA93AB3E2C}" destId="{6F076A19-35A2-3A4D-A632-953C1076CA09}" srcOrd="0" destOrd="0" presId="urn:microsoft.com/office/officeart/2008/layout/LinedList"/>
+    <dgm:cxn modelId="{2B7D760C-FD32-2C4E-B0AA-A8395642B390}" type="presParOf" srcId="{A248EED3-CF6E-6D41-B10E-7DEA93AB3E2C}" destId="{5D164BD7-8450-B64F-A7BE-8C465AA3CC48}" srcOrd="1" destOrd="0" presId="urn:microsoft.com/office/officeart/2008/layout/LinedList"/>
+    <dgm:cxn modelId="{D76C4999-7B04-A547-9FE4-0CA402D9FED0}" type="presParOf" srcId="{DBCED63E-460B-F14C-A907-D9BE9973AB9A}" destId="{BC80C7D8-677D-FA40-ADC1-2AB67428C525}" srcOrd="6" destOrd="0" presId="urn:microsoft.com/office/officeart/2008/layout/LinedList"/>
+    <dgm:cxn modelId="{BE2C0441-6DAB-5C44-8442-B589A35E6273}" type="presParOf" srcId="{DBCED63E-460B-F14C-A907-D9BE9973AB9A}" destId="{498F97EF-AB1F-D446-9331-C1909F68FCD2}" srcOrd="7" destOrd="0" presId="urn:microsoft.com/office/officeart/2008/layout/LinedList"/>
+    <dgm:cxn modelId="{077B3A9C-94CF-3144-BEE0-6B3CDCB2DA86}" type="presParOf" srcId="{498F97EF-AB1F-D446-9331-C1909F68FCD2}" destId="{F5FD6719-938E-A648-9C83-BE42030C94FC}" srcOrd="0" destOrd="0" presId="urn:microsoft.com/office/officeart/2008/layout/LinedList"/>
+    <dgm:cxn modelId="{EB04A6E6-F3A9-784B-8AD2-E85869F45AB0}" type="presParOf" srcId="{498F97EF-AB1F-D446-9331-C1909F68FCD2}" destId="{1E1B1306-92BA-724D-BF0B-BB2A8471AC8F}" srcOrd="1" destOrd="0" presId="urn:microsoft.com/office/officeart/2008/layout/LinedList"/>
+    <dgm:cxn modelId="{86D895AD-3F04-174B-B215-7126B7BD7A22}" type="presParOf" srcId="{DBCED63E-460B-F14C-A907-D9BE9973AB9A}" destId="{C33CA8A2-E780-6F40-857C-36D5D66154D2}" srcOrd="8" destOrd="0" presId="urn:microsoft.com/office/officeart/2008/layout/LinedList"/>
+    <dgm:cxn modelId="{ACEE56DA-8903-5B4E-8D75-9D1E239B24A0}" type="presParOf" srcId="{DBCED63E-460B-F14C-A907-D9BE9973AB9A}" destId="{FCB19257-1F2A-1742-98CF-59291A8C8C15}" srcOrd="9" destOrd="0" presId="urn:microsoft.com/office/officeart/2008/layout/LinedList"/>
+    <dgm:cxn modelId="{9C27E79A-EC88-5246-AE22-491399A73947}" type="presParOf" srcId="{FCB19257-1F2A-1742-98CF-59291A8C8C15}" destId="{EBBB125E-859C-3443-984F-3AD738B39300}" srcOrd="0" destOrd="0" presId="urn:microsoft.com/office/officeart/2008/layout/LinedList"/>
+    <dgm:cxn modelId="{1D6B91C0-001A-9D49-981F-15999FF50694}" type="presParOf" srcId="{FCB19257-1F2A-1742-98CF-59291A8C8C15}" destId="{9FED1FB1-1145-CF4C-A2AF-CC0CCFD226C2}" srcOrd="1" destOrd="0" presId="urn:microsoft.com/office/officeart/2008/layout/LinedList"/>
   </dgm:cxnLst>
   <dgm:bg/>
   <dgm:whole/>
@@ -5120,6 +6230,568 @@
 </dsp:drawing>
 </file>
 
+<file path=ppt/diagrams/drawing3.xml><?xml version="1.0" encoding="utf-8"?>
+<dsp:drawing xmlns:dgm="http://schemas.openxmlformats.org/drawingml/2006/diagram" xmlns:dsp="http://schemas.microsoft.com/office/drawing/2008/diagram" xmlns:a="http://schemas.openxmlformats.org/drawingml/2006/main">
+  <dsp:spTree>
+    <dsp:nvGrpSpPr>
+      <dsp:cNvPr id="0" name=""/>
+      <dsp:cNvGrpSpPr/>
+    </dsp:nvGrpSpPr>
+    <dsp:grpSpPr/>
+    <dsp:sp modelId="{CDDEED19-7980-1F46-8C14-D6B1DB32E0B3}">
+      <dsp:nvSpPr>
+        <dsp:cNvPr id="0" name=""/>
+        <dsp:cNvSpPr/>
+      </dsp:nvSpPr>
+      <dsp:spPr>
+        <a:xfrm>
+          <a:off x="0" y="675"/>
+          <a:ext cx="6900512" cy="0"/>
+        </a:xfrm>
+        <a:prstGeom prst="line">
+          <a:avLst/>
+        </a:prstGeom>
+        <a:solidFill>
+          <a:schemeClr val="accent2">
+            <a:hueOff val="0"/>
+            <a:satOff val="0"/>
+            <a:lumOff val="0"/>
+            <a:alphaOff val="0"/>
+          </a:schemeClr>
+        </a:solidFill>
+        <a:ln w="12700" cap="flat" cmpd="sng" algn="ctr">
+          <a:solidFill>
+            <a:schemeClr val="accent2">
+              <a:hueOff val="0"/>
+              <a:satOff val="0"/>
+              <a:lumOff val="0"/>
+              <a:alphaOff val="0"/>
+            </a:schemeClr>
+          </a:solidFill>
+          <a:prstDash val="solid"/>
+          <a:miter lim="800000"/>
+        </a:ln>
+        <a:effectLst/>
+      </dsp:spPr>
+      <dsp:style>
+        <a:lnRef idx="2">
+          <a:scrgbClr r="0" g="0" b="0"/>
+        </a:lnRef>
+        <a:fillRef idx="1">
+          <a:scrgbClr r="0" g="0" b="0"/>
+        </a:fillRef>
+        <a:effectRef idx="0">
+          <a:scrgbClr r="0" g="0" b="0"/>
+        </a:effectRef>
+        <a:fontRef idx="minor">
+          <a:schemeClr val="lt1"/>
+        </a:fontRef>
+      </dsp:style>
+    </dsp:sp>
+    <dsp:sp modelId="{2799CF82-CE7D-1E41-A139-7F371830CE11}">
+      <dsp:nvSpPr>
+        <dsp:cNvPr id="0" name=""/>
+        <dsp:cNvSpPr/>
+      </dsp:nvSpPr>
+      <dsp:spPr>
+        <a:xfrm>
+          <a:off x="0" y="675"/>
+          <a:ext cx="6900512" cy="1106957"/>
+        </a:xfrm>
+        <a:prstGeom prst="rect">
+          <a:avLst/>
+        </a:prstGeom>
+        <a:noFill/>
+        <a:ln>
+          <a:noFill/>
+        </a:ln>
+        <a:effectLst/>
+      </dsp:spPr>
+      <dsp:style>
+        <a:lnRef idx="0">
+          <a:scrgbClr r="0" g="0" b="0"/>
+        </a:lnRef>
+        <a:fillRef idx="0">
+          <a:scrgbClr r="0" g="0" b="0"/>
+        </a:fillRef>
+        <a:effectRef idx="0">
+          <a:scrgbClr r="0" g="0" b="0"/>
+        </a:effectRef>
+        <a:fontRef idx="minor"/>
+      </dsp:style>
+      <dsp:txBody>
+        <a:bodyPr spcFirstLastPara="0" vert="horz" wrap="square" lIns="91440" tIns="91440" rIns="91440" bIns="91440" numCol="1" spcCol="1270" anchor="t" anchorCtr="0">
+          <a:noAutofit/>
+        </a:bodyPr>
+        <a:lstStyle/>
+        <a:p>
+          <a:pPr marL="0" lvl="0" indent="0" algn="l" defTabSz="1066800">
+            <a:lnSpc>
+              <a:spcPct val="90000"/>
+            </a:lnSpc>
+            <a:spcBef>
+              <a:spcPct val="0"/>
+            </a:spcBef>
+            <a:spcAft>
+              <a:spcPct val="35000"/>
+            </a:spcAft>
+            <a:buNone/>
+          </a:pPr>
+          <a:r>
+            <a:rPr lang="en-US" sz="2400" kern="1200"/>
+            <a:t>There are columns with redundant values which has to be eliminated</a:t>
+          </a:r>
+        </a:p>
+      </dsp:txBody>
+      <dsp:txXfrm>
+        <a:off x="0" y="675"/>
+        <a:ext cx="6900512" cy="1106957"/>
+      </dsp:txXfrm>
+    </dsp:sp>
+    <dsp:sp modelId="{1B27A4D4-7203-0E42-9308-4CD21D9B4B16}">
+      <dsp:nvSpPr>
+        <dsp:cNvPr id="0" name=""/>
+        <dsp:cNvSpPr/>
+      </dsp:nvSpPr>
+      <dsp:spPr>
+        <a:xfrm>
+          <a:off x="0" y="1107633"/>
+          <a:ext cx="6900512" cy="0"/>
+        </a:xfrm>
+        <a:prstGeom prst="line">
+          <a:avLst/>
+        </a:prstGeom>
+        <a:solidFill>
+          <a:schemeClr val="accent2">
+            <a:hueOff val="-363841"/>
+            <a:satOff val="-20982"/>
+            <a:lumOff val="2157"/>
+            <a:alphaOff val="0"/>
+          </a:schemeClr>
+        </a:solidFill>
+        <a:ln w="12700" cap="flat" cmpd="sng" algn="ctr">
+          <a:solidFill>
+            <a:schemeClr val="accent2">
+              <a:hueOff val="-363841"/>
+              <a:satOff val="-20982"/>
+              <a:lumOff val="2157"/>
+              <a:alphaOff val="0"/>
+            </a:schemeClr>
+          </a:solidFill>
+          <a:prstDash val="solid"/>
+          <a:miter lim="800000"/>
+        </a:ln>
+        <a:effectLst/>
+      </dsp:spPr>
+      <dsp:style>
+        <a:lnRef idx="2">
+          <a:scrgbClr r="0" g="0" b="0"/>
+        </a:lnRef>
+        <a:fillRef idx="1">
+          <a:scrgbClr r="0" g="0" b="0"/>
+        </a:fillRef>
+        <a:effectRef idx="0">
+          <a:scrgbClr r="0" g="0" b="0"/>
+        </a:effectRef>
+        <a:fontRef idx="minor">
+          <a:schemeClr val="lt1"/>
+        </a:fontRef>
+      </dsp:style>
+    </dsp:sp>
+    <dsp:sp modelId="{44482083-5718-2946-B909-01ECB38C6089}">
+      <dsp:nvSpPr>
+        <dsp:cNvPr id="0" name=""/>
+        <dsp:cNvSpPr/>
+      </dsp:nvSpPr>
+      <dsp:spPr>
+        <a:xfrm>
+          <a:off x="0" y="1107633"/>
+          <a:ext cx="6900512" cy="1106957"/>
+        </a:xfrm>
+        <a:prstGeom prst="rect">
+          <a:avLst/>
+        </a:prstGeom>
+        <a:noFill/>
+        <a:ln>
+          <a:noFill/>
+        </a:ln>
+        <a:effectLst/>
+      </dsp:spPr>
+      <dsp:style>
+        <a:lnRef idx="0">
+          <a:scrgbClr r="0" g="0" b="0"/>
+        </a:lnRef>
+        <a:fillRef idx="0">
+          <a:scrgbClr r="0" g="0" b="0"/>
+        </a:fillRef>
+        <a:effectRef idx="0">
+          <a:scrgbClr r="0" g="0" b="0"/>
+        </a:effectRef>
+        <a:fontRef idx="minor"/>
+      </dsp:style>
+      <dsp:txBody>
+        <a:bodyPr spcFirstLastPara="0" vert="horz" wrap="square" lIns="91440" tIns="91440" rIns="91440" bIns="91440" numCol="1" spcCol="1270" anchor="t" anchorCtr="0">
+          <a:noAutofit/>
+        </a:bodyPr>
+        <a:lstStyle/>
+        <a:p>
+          <a:pPr marL="0" lvl="0" indent="0" algn="l" defTabSz="1066800">
+            <a:lnSpc>
+              <a:spcPct val="90000"/>
+            </a:lnSpc>
+            <a:spcBef>
+              <a:spcPct val="0"/>
+            </a:spcBef>
+            <a:spcAft>
+              <a:spcPct val="35000"/>
+            </a:spcAft>
+            <a:buNone/>
+          </a:pPr>
+          <a:r>
+            <a:rPr lang="en-US" sz="2400" kern="1200"/>
+            <a:t>There are numerical columns with special characters which will be cleaned and converted to numeric type</a:t>
+          </a:r>
+        </a:p>
+      </dsp:txBody>
+      <dsp:txXfrm>
+        <a:off x="0" y="1107633"/>
+        <a:ext cx="6900512" cy="1106957"/>
+      </dsp:txXfrm>
+    </dsp:sp>
+    <dsp:sp modelId="{F7989759-05A2-C244-B6A1-1C8DF0A4BB40}">
+      <dsp:nvSpPr>
+        <dsp:cNvPr id="0" name=""/>
+        <dsp:cNvSpPr/>
+      </dsp:nvSpPr>
+      <dsp:spPr>
+        <a:xfrm>
+          <a:off x="0" y="2214591"/>
+          <a:ext cx="6900512" cy="0"/>
+        </a:xfrm>
+        <a:prstGeom prst="line">
+          <a:avLst/>
+        </a:prstGeom>
+        <a:solidFill>
+          <a:schemeClr val="accent2">
+            <a:hueOff val="-727682"/>
+            <a:satOff val="-41964"/>
+            <a:lumOff val="4314"/>
+            <a:alphaOff val="0"/>
+          </a:schemeClr>
+        </a:solidFill>
+        <a:ln w="12700" cap="flat" cmpd="sng" algn="ctr">
+          <a:solidFill>
+            <a:schemeClr val="accent2">
+              <a:hueOff val="-727682"/>
+              <a:satOff val="-41964"/>
+              <a:lumOff val="4314"/>
+              <a:alphaOff val="0"/>
+            </a:schemeClr>
+          </a:solidFill>
+          <a:prstDash val="solid"/>
+          <a:miter lim="800000"/>
+        </a:ln>
+        <a:effectLst/>
+      </dsp:spPr>
+      <dsp:style>
+        <a:lnRef idx="2">
+          <a:scrgbClr r="0" g="0" b="0"/>
+        </a:lnRef>
+        <a:fillRef idx="1">
+          <a:scrgbClr r="0" g="0" b="0"/>
+        </a:fillRef>
+        <a:effectRef idx="0">
+          <a:scrgbClr r="0" g="0" b="0"/>
+        </a:effectRef>
+        <a:fontRef idx="minor">
+          <a:schemeClr val="lt1"/>
+        </a:fontRef>
+      </dsp:style>
+    </dsp:sp>
+    <dsp:sp modelId="{6F076A19-35A2-3A4D-A632-953C1076CA09}">
+      <dsp:nvSpPr>
+        <dsp:cNvPr id="0" name=""/>
+        <dsp:cNvSpPr/>
+      </dsp:nvSpPr>
+      <dsp:spPr>
+        <a:xfrm>
+          <a:off x="0" y="2214591"/>
+          <a:ext cx="6900512" cy="1106957"/>
+        </a:xfrm>
+        <a:prstGeom prst="rect">
+          <a:avLst/>
+        </a:prstGeom>
+        <a:noFill/>
+        <a:ln>
+          <a:noFill/>
+        </a:ln>
+        <a:effectLst/>
+      </dsp:spPr>
+      <dsp:style>
+        <a:lnRef idx="0">
+          <a:scrgbClr r="0" g="0" b="0"/>
+        </a:lnRef>
+        <a:fillRef idx="0">
+          <a:scrgbClr r="0" g="0" b="0"/>
+        </a:fillRef>
+        <a:effectRef idx="0">
+          <a:scrgbClr r="0" g="0" b="0"/>
+        </a:effectRef>
+        <a:fontRef idx="minor"/>
+      </dsp:style>
+      <dsp:txBody>
+        <a:bodyPr spcFirstLastPara="0" vert="horz" wrap="square" lIns="91440" tIns="91440" rIns="91440" bIns="91440" numCol="1" spcCol="1270" anchor="t" anchorCtr="0">
+          <a:noAutofit/>
+        </a:bodyPr>
+        <a:lstStyle/>
+        <a:p>
+          <a:pPr marL="0" lvl="0" indent="0" algn="l" defTabSz="1066800">
+            <a:lnSpc>
+              <a:spcPct val="90000"/>
+            </a:lnSpc>
+            <a:spcBef>
+              <a:spcPct val="0"/>
+            </a:spcBef>
+            <a:spcAft>
+              <a:spcPct val="35000"/>
+            </a:spcAft>
+            <a:buNone/>
+          </a:pPr>
+          <a:r>
+            <a:rPr lang="en-US" sz="2400" kern="1200"/>
+            <a:t>Remove the Current ongoing loan application as it is not relevant to our problem statement</a:t>
+          </a:r>
+        </a:p>
+      </dsp:txBody>
+      <dsp:txXfrm>
+        <a:off x="0" y="2214591"/>
+        <a:ext cx="6900512" cy="1106957"/>
+      </dsp:txXfrm>
+    </dsp:sp>
+    <dsp:sp modelId="{BC80C7D8-677D-FA40-ADC1-2AB67428C525}">
+      <dsp:nvSpPr>
+        <dsp:cNvPr id="0" name=""/>
+        <dsp:cNvSpPr/>
+      </dsp:nvSpPr>
+      <dsp:spPr>
+        <a:xfrm>
+          <a:off x="0" y="3321549"/>
+          <a:ext cx="6900512" cy="0"/>
+        </a:xfrm>
+        <a:prstGeom prst="line">
+          <a:avLst/>
+        </a:prstGeom>
+        <a:solidFill>
+          <a:schemeClr val="accent2">
+            <a:hueOff val="-1091522"/>
+            <a:satOff val="-62946"/>
+            <a:lumOff val="6471"/>
+            <a:alphaOff val="0"/>
+          </a:schemeClr>
+        </a:solidFill>
+        <a:ln w="12700" cap="flat" cmpd="sng" algn="ctr">
+          <a:solidFill>
+            <a:schemeClr val="accent2">
+              <a:hueOff val="-1091522"/>
+              <a:satOff val="-62946"/>
+              <a:lumOff val="6471"/>
+              <a:alphaOff val="0"/>
+            </a:schemeClr>
+          </a:solidFill>
+          <a:prstDash val="solid"/>
+          <a:miter lim="800000"/>
+        </a:ln>
+        <a:effectLst/>
+      </dsp:spPr>
+      <dsp:style>
+        <a:lnRef idx="2">
+          <a:scrgbClr r="0" g="0" b="0"/>
+        </a:lnRef>
+        <a:fillRef idx="1">
+          <a:scrgbClr r="0" g="0" b="0"/>
+        </a:fillRef>
+        <a:effectRef idx="0">
+          <a:scrgbClr r="0" g="0" b="0"/>
+        </a:effectRef>
+        <a:fontRef idx="minor">
+          <a:schemeClr val="lt1"/>
+        </a:fontRef>
+      </dsp:style>
+    </dsp:sp>
+    <dsp:sp modelId="{F5FD6719-938E-A648-9C83-BE42030C94FC}">
+      <dsp:nvSpPr>
+        <dsp:cNvPr id="0" name=""/>
+        <dsp:cNvSpPr/>
+      </dsp:nvSpPr>
+      <dsp:spPr>
+        <a:xfrm>
+          <a:off x="0" y="3321549"/>
+          <a:ext cx="6900512" cy="1106957"/>
+        </a:xfrm>
+        <a:prstGeom prst="rect">
+          <a:avLst/>
+        </a:prstGeom>
+        <a:noFill/>
+        <a:ln>
+          <a:noFill/>
+        </a:ln>
+        <a:effectLst/>
+      </dsp:spPr>
+      <dsp:style>
+        <a:lnRef idx="0">
+          <a:scrgbClr r="0" g="0" b="0"/>
+        </a:lnRef>
+        <a:fillRef idx="0">
+          <a:scrgbClr r="0" g="0" b="0"/>
+        </a:fillRef>
+        <a:effectRef idx="0">
+          <a:scrgbClr r="0" g="0" b="0"/>
+        </a:effectRef>
+        <a:fontRef idx="minor"/>
+      </dsp:style>
+      <dsp:txBody>
+        <a:bodyPr spcFirstLastPara="0" vert="horz" wrap="square" lIns="91440" tIns="91440" rIns="91440" bIns="91440" numCol="1" spcCol="1270" anchor="t" anchorCtr="0">
+          <a:noAutofit/>
+        </a:bodyPr>
+        <a:lstStyle/>
+        <a:p>
+          <a:pPr marL="0" lvl="0" indent="0" algn="l" defTabSz="1066800">
+            <a:lnSpc>
+              <a:spcPct val="90000"/>
+            </a:lnSpc>
+            <a:spcBef>
+              <a:spcPct val="0"/>
+            </a:spcBef>
+            <a:spcAft>
+              <a:spcPct val="35000"/>
+            </a:spcAft>
+            <a:buNone/>
+          </a:pPr>
+          <a:r>
+            <a:rPr lang="en-US" sz="2400" kern="1200"/>
+            <a:t>Drop columns where we observe 50% NA values</a:t>
+          </a:r>
+        </a:p>
+      </dsp:txBody>
+      <dsp:txXfrm>
+        <a:off x="0" y="3321549"/>
+        <a:ext cx="6900512" cy="1106957"/>
+      </dsp:txXfrm>
+    </dsp:sp>
+    <dsp:sp modelId="{C33CA8A2-E780-6F40-857C-36D5D66154D2}">
+      <dsp:nvSpPr>
+        <dsp:cNvPr id="0" name=""/>
+        <dsp:cNvSpPr/>
+      </dsp:nvSpPr>
+      <dsp:spPr>
+        <a:xfrm>
+          <a:off x="0" y="4428507"/>
+          <a:ext cx="6900512" cy="0"/>
+        </a:xfrm>
+        <a:prstGeom prst="line">
+          <a:avLst/>
+        </a:prstGeom>
+        <a:solidFill>
+          <a:schemeClr val="accent2">
+            <a:hueOff val="-1455363"/>
+            <a:satOff val="-83928"/>
+            <a:lumOff val="8628"/>
+            <a:alphaOff val="0"/>
+          </a:schemeClr>
+        </a:solidFill>
+        <a:ln w="12700" cap="flat" cmpd="sng" algn="ctr">
+          <a:solidFill>
+            <a:schemeClr val="accent2">
+              <a:hueOff val="-1455363"/>
+              <a:satOff val="-83928"/>
+              <a:lumOff val="8628"/>
+              <a:alphaOff val="0"/>
+            </a:schemeClr>
+          </a:solidFill>
+          <a:prstDash val="solid"/>
+          <a:miter lim="800000"/>
+        </a:ln>
+        <a:effectLst/>
+      </dsp:spPr>
+      <dsp:style>
+        <a:lnRef idx="2">
+          <a:scrgbClr r="0" g="0" b="0"/>
+        </a:lnRef>
+        <a:fillRef idx="1">
+          <a:scrgbClr r="0" g="0" b="0"/>
+        </a:fillRef>
+        <a:effectRef idx="0">
+          <a:scrgbClr r="0" g="0" b="0"/>
+        </a:effectRef>
+        <a:fontRef idx="minor">
+          <a:schemeClr val="lt1"/>
+        </a:fontRef>
+      </dsp:style>
+    </dsp:sp>
+    <dsp:sp modelId="{EBBB125E-859C-3443-984F-3AD738B39300}">
+      <dsp:nvSpPr>
+        <dsp:cNvPr id="0" name=""/>
+        <dsp:cNvSpPr/>
+      </dsp:nvSpPr>
+      <dsp:spPr>
+        <a:xfrm>
+          <a:off x="0" y="4428507"/>
+          <a:ext cx="6900512" cy="1106957"/>
+        </a:xfrm>
+        <a:prstGeom prst="rect">
+          <a:avLst/>
+        </a:prstGeom>
+        <a:noFill/>
+        <a:ln>
+          <a:noFill/>
+        </a:ln>
+        <a:effectLst/>
+      </dsp:spPr>
+      <dsp:style>
+        <a:lnRef idx="0">
+          <a:scrgbClr r="0" g="0" b="0"/>
+        </a:lnRef>
+        <a:fillRef idx="0">
+          <a:scrgbClr r="0" g="0" b="0"/>
+        </a:fillRef>
+        <a:effectRef idx="0">
+          <a:scrgbClr r="0" g="0" b="0"/>
+        </a:effectRef>
+        <a:fontRef idx="minor"/>
+      </dsp:style>
+      <dsp:txBody>
+        <a:bodyPr spcFirstLastPara="0" vert="horz" wrap="square" lIns="91440" tIns="91440" rIns="91440" bIns="91440" numCol="1" spcCol="1270" anchor="t" anchorCtr="0">
+          <a:noAutofit/>
+        </a:bodyPr>
+        <a:lstStyle/>
+        <a:p>
+          <a:pPr marL="0" lvl="0" indent="0" algn="l" defTabSz="1066800">
+            <a:lnSpc>
+              <a:spcPct val="90000"/>
+            </a:lnSpc>
+            <a:spcBef>
+              <a:spcPct val="0"/>
+            </a:spcBef>
+            <a:spcAft>
+              <a:spcPct val="35000"/>
+            </a:spcAft>
+            <a:buNone/>
+          </a:pPr>
+          <a:r>
+            <a:rPr lang="en-US" sz="2400" kern="1200"/>
+            <a:t>Drop post loan approval columns </a:t>
+          </a:r>
+        </a:p>
+      </dsp:txBody>
+      <dsp:txXfrm>
+        <a:off x="0" y="4428507"/>
+        <a:ext cx="6900512" cy="1106957"/>
+      </dsp:txXfrm>
+    </dsp:sp>
+  </dsp:spTree>
+</dsp:drawing>
+</file>
+
 <file path=ppt/diagrams/layout1.xml><?xml version="1.0" encoding="utf-8"?>
 <dgm:layoutDef xmlns:dgm="http://schemas.openxmlformats.org/drawingml/2006/diagram" xmlns:a="http://schemas.openxmlformats.org/drawingml/2006/main" uniqueId="urn:microsoft.com/office/officeart/2018/5/layout/IconLeafLabelList">
   <dgm:title val="Icon Leaf Label List"/>
@@ -5788,6 +7460,472 @@
 </dgm:layoutDef>
 </file>
 
+<file path=ppt/diagrams/layout3.xml><?xml version="1.0" encoding="utf-8"?>
+<dgm:layoutDef xmlns:dgm="http://schemas.openxmlformats.org/drawingml/2006/diagram" xmlns:a="http://schemas.openxmlformats.org/drawingml/2006/main" uniqueId="urn:microsoft.com/office/officeart/2008/layout/LinedList">
+  <dgm:title val=""/>
+  <dgm:desc val=""/>
+  <dgm:catLst>
+    <dgm:cat type="hierarchy" pri="8000"/>
+    <dgm:cat type="list" pri="2500"/>
+  </dgm:catLst>
+  <dgm:sampData>
+    <dgm:dataModel>
+      <dgm:ptLst>
+        <dgm:pt modelId="0" type="doc"/>
+        <dgm:pt modelId="1">
+          <dgm:prSet phldr="1"/>
+        </dgm:pt>
+        <dgm:pt modelId="11">
+          <dgm:prSet phldr="1"/>
+        </dgm:pt>
+        <dgm:pt modelId="12">
+          <dgm:prSet phldr="1"/>
+        </dgm:pt>
+        <dgm:pt modelId="13">
+          <dgm:prSet phldr="1"/>
+        </dgm:pt>
+      </dgm:ptLst>
+      <dgm:cxnLst>
+        <dgm:cxn modelId="2" srcId="0" destId="1" srcOrd="0" destOrd="0"/>
+        <dgm:cxn modelId="3" srcId="1" destId="11" srcOrd="0" destOrd="0"/>
+        <dgm:cxn modelId="4" srcId="1" destId="12" srcOrd="1" destOrd="0"/>
+        <dgm:cxn modelId="5" srcId="1" destId="13" srcOrd="2" destOrd="0"/>
+      </dgm:cxnLst>
+      <dgm:bg/>
+      <dgm:whole/>
+    </dgm:dataModel>
+  </dgm:sampData>
+  <dgm:styleData>
+    <dgm:dataModel>
+      <dgm:ptLst>
+        <dgm:pt modelId="0" type="doc"/>
+        <dgm:pt modelId="1">
+          <dgm:prSet phldr="1"/>
+        </dgm:pt>
+        <dgm:pt modelId="11">
+          <dgm:prSet phldr="1"/>
+        </dgm:pt>
+        <dgm:pt modelId="12">
+          <dgm:prSet phldr="1"/>
+        </dgm:pt>
+      </dgm:ptLst>
+      <dgm:cxnLst>
+        <dgm:cxn modelId="2" srcId="0" destId="1" srcOrd="0" destOrd="0"/>
+        <dgm:cxn modelId="3" srcId="1" destId="11" srcOrd="0" destOrd="0"/>
+        <dgm:cxn modelId="4" srcId="1" destId="12" srcOrd="1" destOrd="0"/>
+      </dgm:cxnLst>
+      <dgm:bg/>
+      <dgm:whole/>
+    </dgm:dataModel>
+  </dgm:styleData>
+  <dgm:clrData>
+    <dgm:dataModel>
+      <dgm:ptLst>
+        <dgm:pt modelId="0" type="doc"/>
+        <dgm:pt modelId="1">
+          <dgm:prSet phldr="1"/>
+        </dgm:pt>
+        <dgm:pt modelId="11">
+          <dgm:prSet phldr="1"/>
+        </dgm:pt>
+        <dgm:pt modelId="12">
+          <dgm:prSet phldr="1"/>
+        </dgm:pt>
+      </dgm:ptLst>
+      <dgm:cxnLst>
+        <dgm:cxn modelId="2" srcId="0" destId="1" srcOrd="0" destOrd="0"/>
+        <dgm:cxn modelId="3" srcId="1" destId="11" srcOrd="0" destOrd="0"/>
+        <dgm:cxn modelId="4" srcId="1" destId="12" srcOrd="1" destOrd="0"/>
+      </dgm:cxnLst>
+      <dgm:bg/>
+      <dgm:whole/>
+    </dgm:dataModel>
+  </dgm:clrData>
+  <dgm:layoutNode name="vert0">
+    <dgm:varLst>
+      <dgm:dir/>
+      <dgm:animOne val="branch"/>
+      <dgm:animLvl val="lvl"/>
+    </dgm:varLst>
+    <dgm:choose name="Name0">
+      <dgm:if name="Name1" func="var" arg="dir" op="equ" val="norm">
+        <dgm:alg type="lin">
+          <dgm:param type="linDir" val="fromT"/>
+          <dgm:param type="nodeHorzAlign" val="l"/>
+        </dgm:alg>
+      </dgm:if>
+      <dgm:else name="Name2">
+        <dgm:alg type="lin">
+          <dgm:param type="linDir" val="fromT"/>
+          <dgm:param type="nodeHorzAlign" val="r"/>
+        </dgm:alg>
+      </dgm:else>
+    </dgm:choose>
+    <dgm:shape xmlns:r="http://schemas.openxmlformats.org/officeDocument/2006/relationships" r:blip="">
+      <dgm:adjLst/>
+    </dgm:shape>
+    <dgm:presOf/>
+    <dgm:constrLst>
+      <dgm:constr type="w" for="ch" forName="horz1" refType="w"/>
+      <dgm:constr type="h" for="ch" forName="horz1" refType="h"/>
+      <dgm:constr type="h" for="des" forName="vert1" refType="h"/>
+      <dgm:constr type="h" for="des" forName="tx1" refType="h"/>
+      <dgm:constr type="h" for="des" forName="horz2" refType="h"/>
+      <dgm:constr type="h" for="des" forName="vert2" refType="h"/>
+      <dgm:constr type="h" for="des" forName="horz3" refType="h"/>
+      <dgm:constr type="h" for="des" forName="vert3" refType="h"/>
+      <dgm:constr type="h" for="des" forName="horz4" refType="h"/>
+      <dgm:constr type="h" for="des" ptType="node" refType="h"/>
+      <dgm:constr type="primFontSz" for="des" forName="tx1" op="equ" val="65"/>
+      <dgm:constr type="primFontSz" for="des" forName="tx2" op="equ" val="65"/>
+      <dgm:constr type="primFontSz" for="des" forName="tx3" op="equ" val="65"/>
+      <dgm:constr type="primFontSz" for="des" forName="tx4" op="equ" val="65"/>
+      <dgm:constr type="w" for="des" forName="thickLine" refType="w"/>
+      <dgm:constr type="h" for="des" forName="thickLine"/>
+      <dgm:constr type="h" for="des" forName="thinLine1"/>
+      <dgm:constr type="h" for="des" forName="thinLine2b"/>
+      <dgm:constr type="h" for="des" forName="thinLine3"/>
+      <dgm:constr type="h" for="des" forName="vertSpace2a" refType="h" fact="0.05"/>
+      <dgm:constr type="h" for="des" forName="vertSpace2b" refType="h" refFor="des" refForName="vertSpace2a"/>
+    </dgm:constrLst>
+    <dgm:forEach name="Name3" axis="ch" ptType="node">
+      <dgm:layoutNode name="thickLine" styleLbl="alignNode1">
+        <dgm:alg type="sp"/>
+        <dgm:shape xmlns:r="http://schemas.openxmlformats.org/officeDocument/2006/relationships" type="line" r:blip="">
+          <dgm:adjLst/>
+        </dgm:shape>
+        <dgm:presOf/>
+      </dgm:layoutNode>
+      <dgm:layoutNode name="horz1">
+        <dgm:choose name="Name4">
+          <dgm:if name="Name5" func="var" arg="dir" op="equ" val="norm">
+            <dgm:alg type="lin">
+              <dgm:param type="linDir" val="fromL"/>
+              <dgm:param type="nodeVertAlign" val="t"/>
+            </dgm:alg>
+          </dgm:if>
+          <dgm:else name="Name6">
+            <dgm:alg type="lin">
+              <dgm:param type="linDir" val="fromR"/>
+              <dgm:param type="nodeVertAlign" val="t"/>
+            </dgm:alg>
+          </dgm:else>
+        </dgm:choose>
+        <dgm:shape xmlns:r="http://schemas.openxmlformats.org/officeDocument/2006/relationships" r:blip="">
+          <dgm:adjLst/>
+        </dgm:shape>
+        <dgm:presOf/>
+        <dgm:choose name="Name7">
+          <dgm:if name="Name8" axis="root des" func="maxDepth" op="equ" val="1">
+            <dgm:constrLst>
+              <dgm:constr type="w" for="ch" forName="tx1" refType="w"/>
+            </dgm:constrLst>
+          </dgm:if>
+          <dgm:if name="Name9" axis="root des" func="maxDepth" op="equ" val="2">
+            <dgm:constrLst>
+              <dgm:constr type="w" for="ch" forName="tx1" refType="w" fact="0.2"/>
+              <dgm:constr type="w" for="des" forName="tx2" refType="w" fact="0.785"/>
+              <dgm:constr type="w" for="des" forName="horzSpace2" refType="w" fact="0.015"/>
+              <dgm:constr type="w" for="des" forName="thinLine2b" refType="w" fact="0.8"/>
+            </dgm:constrLst>
+          </dgm:if>
+          <dgm:if name="Name10" axis="root des" func="maxDepth" op="equ" val="3">
+            <dgm:constrLst>
+              <dgm:constr type="w" for="ch" forName="tx1" refType="w" fact="0.2"/>
+              <dgm:constr type="w" for="des" forName="tx2" refType="w" fact="0.385"/>
+              <dgm:constr type="w" for="des" forName="tx3" refType="w" fact="0.385"/>
+              <dgm:constr type="w" for="des" forName="horzSpace2" refType="w" fact="0.015"/>
+              <dgm:constr type="w" for="des" forName="horzSpace3" refType="w" fact="0.015"/>
+              <dgm:constr type="w" for="des" forName="thinLine2b" refType="w" fact="0.8"/>
+              <dgm:constr type="w" for="des" forName="thinLine3" refType="w" fact="0.385"/>
+            </dgm:constrLst>
+          </dgm:if>
+          <dgm:if name="Name11" axis="root des" func="maxDepth" op="gte" val="4">
+            <dgm:constrLst>
+              <dgm:constr type="w" for="ch" forName="tx1" refType="w" fact="0.2"/>
+              <dgm:constr type="w" for="des" forName="tx2" refType="w" fact="0.2516"/>
+              <dgm:constr type="w" for="des" forName="tx3" refType="w" fact="0.2516"/>
+              <dgm:constr type="w" for="des" forName="tx4" refType="w" fact="0.2516"/>
+              <dgm:constr type="w" for="des" forName="horzSpace2" refType="w" fact="0.015"/>
+              <dgm:constr type="w" for="des" forName="horzSpace3" refType="w" fact="0.015"/>
+              <dgm:constr type="w" for="des" forName="horzSpace4" refType="w" fact="0.015"/>
+              <dgm:constr type="w" for="des" forName="thinLine2b" refType="w" fact="0.8"/>
+              <dgm:constr type="w" for="des" forName="thinLine3" refType="w" fact="0.5332"/>
+            </dgm:constrLst>
+          </dgm:if>
+          <dgm:else name="Name12"/>
+        </dgm:choose>
+        <dgm:layoutNode name="tx1" styleLbl="revTx">
+          <dgm:alg type="tx">
+            <dgm:param type="parTxLTRAlign" val="l"/>
+            <dgm:param type="parTxRTLAlign" val="r"/>
+            <dgm:param type="txAnchorVert" val="t"/>
+          </dgm:alg>
+          <dgm:shape xmlns:r="http://schemas.openxmlformats.org/officeDocument/2006/relationships" type="rect" r:blip="">
+            <dgm:adjLst/>
+          </dgm:shape>
+          <dgm:presOf axis="self"/>
+          <dgm:constrLst>
+            <dgm:constr type="tMarg" refType="primFontSz" fact="0.3"/>
+            <dgm:constr type="bMarg" refType="primFontSz" fact="0.3"/>
+            <dgm:constr type="lMarg" refType="primFontSz" fact="0.3"/>
+            <dgm:constr type="rMarg" refType="primFontSz" fact="0.3"/>
+          </dgm:constrLst>
+          <dgm:ruleLst>
+            <dgm:rule type="primFontSz" val="5" fact="NaN" max="NaN"/>
+          </dgm:ruleLst>
+        </dgm:layoutNode>
+        <dgm:layoutNode name="vert1">
+          <dgm:choose name="Name13">
+            <dgm:if name="Name14" func="var" arg="dir" op="equ" val="norm">
+              <dgm:alg type="lin">
+                <dgm:param type="linDir" val="fromT"/>
+                <dgm:param type="nodeHorzAlign" val="l"/>
+              </dgm:alg>
+            </dgm:if>
+            <dgm:else name="Name15">
+              <dgm:alg type="lin">
+                <dgm:param type="linDir" val="fromT"/>
+                <dgm:param type="nodeHorzAlign" val="r"/>
+              </dgm:alg>
+            </dgm:else>
+          </dgm:choose>
+          <dgm:shape xmlns:r="http://schemas.openxmlformats.org/officeDocument/2006/relationships" r:blip="">
+            <dgm:adjLst/>
+          </dgm:shape>
+          <dgm:presOf/>
+          <dgm:forEach name="Name16" axis="ch" ptType="node">
+            <dgm:choose name="Name17">
+              <dgm:if name="Name18" axis="self" ptType="node" func="pos" op="equ" val="1">
+                <dgm:layoutNode name="vertSpace2a">
+                  <dgm:alg type="sp"/>
+                  <dgm:shape xmlns:r="http://schemas.openxmlformats.org/officeDocument/2006/relationships" r:blip="">
+                    <dgm:adjLst/>
+                  </dgm:shape>
+                  <dgm:presOf/>
+                </dgm:layoutNode>
+              </dgm:if>
+              <dgm:else name="Name19"/>
+            </dgm:choose>
+            <dgm:layoutNode name="horz2">
+              <dgm:choose name="Name20">
+                <dgm:if name="Name21" func="var" arg="dir" op="equ" val="norm">
+                  <dgm:alg type="lin">
+                    <dgm:param type="linDir" val="fromL"/>
+                    <dgm:param type="nodeVertAlign" val="t"/>
+                  </dgm:alg>
+                </dgm:if>
+                <dgm:else name="Name22">
+                  <dgm:alg type="lin">
+                    <dgm:param type="linDir" val="fromR"/>
+                    <dgm:param type="nodeVertAlign" val="t"/>
+                  </dgm:alg>
+                </dgm:else>
+              </dgm:choose>
+              <dgm:shape xmlns:r="http://schemas.openxmlformats.org/officeDocument/2006/relationships" r:blip="">
+                <dgm:adjLst/>
+              </dgm:shape>
+              <dgm:presOf/>
+              <dgm:layoutNode name="horzSpace2">
+                <dgm:alg type="sp"/>
+                <dgm:shape xmlns:r="http://schemas.openxmlformats.org/officeDocument/2006/relationships" r:blip="">
+                  <dgm:adjLst/>
+                </dgm:shape>
+                <dgm:presOf/>
+              </dgm:layoutNode>
+              <dgm:layoutNode name="tx2" styleLbl="revTx">
+                <dgm:alg type="tx">
+                  <dgm:param type="parTxLTRAlign" val="l"/>
+                  <dgm:param type="parTxRTLAlign" val="r"/>
+                  <dgm:param type="txAnchorVert" val="t"/>
+                </dgm:alg>
+                <dgm:shape xmlns:r="http://schemas.openxmlformats.org/officeDocument/2006/relationships" type="rect" r:blip="">
+                  <dgm:adjLst/>
+                </dgm:shape>
+                <dgm:presOf axis="self"/>
+                <dgm:constrLst>
+                  <dgm:constr type="tMarg" refType="primFontSz" fact="0.3"/>
+                  <dgm:constr type="bMarg" refType="primFontSz" fact="0.3"/>
+                  <dgm:constr type="lMarg" refType="primFontSz" fact="0.3"/>
+                  <dgm:constr type="rMarg" refType="primFontSz" fact="0.3"/>
+                </dgm:constrLst>
+                <dgm:ruleLst>
+                  <dgm:rule type="primFontSz" val="5" fact="NaN" max="NaN"/>
+                </dgm:ruleLst>
+              </dgm:layoutNode>
+              <dgm:layoutNode name="vert2">
+                <dgm:choose name="Name23">
+                  <dgm:if name="Name24" func="var" arg="dir" op="equ" val="norm">
+                    <dgm:alg type="lin">
+                      <dgm:param type="linDir" val="fromT"/>
+                      <dgm:param type="nodeHorzAlign" val="l"/>
+                    </dgm:alg>
+                  </dgm:if>
+                  <dgm:else name="Name25">
+                    <dgm:alg type="lin">
+                      <dgm:param type="linDir" val="fromT"/>
+                      <dgm:param type="nodeHorzAlign" val="r"/>
+                    </dgm:alg>
+                  </dgm:else>
+                </dgm:choose>
+                <dgm:shape xmlns:r="http://schemas.openxmlformats.org/officeDocument/2006/relationships" r:blip="">
+                  <dgm:adjLst/>
+                </dgm:shape>
+                <dgm:presOf/>
+                <dgm:forEach name="Name26" axis="ch" ptType="node">
+                  <dgm:layoutNode name="horz3">
+                    <dgm:choose name="Name27">
+                      <dgm:if name="Name28" func="var" arg="dir" op="equ" val="norm">
+                        <dgm:alg type="lin">
+                          <dgm:param type="linDir" val="fromL"/>
+                          <dgm:param type="nodeVertAlign" val="t"/>
+                        </dgm:alg>
+                      </dgm:if>
+                      <dgm:else name="Name29">
+                        <dgm:alg type="lin">
+                          <dgm:param type="linDir" val="fromR"/>
+                          <dgm:param type="nodeVertAlign" val="t"/>
+                        </dgm:alg>
+                      </dgm:else>
+                    </dgm:choose>
+                    <dgm:shape xmlns:r="http://schemas.openxmlformats.org/officeDocument/2006/relationships" r:blip="">
+                      <dgm:adjLst/>
+                    </dgm:shape>
+                    <dgm:presOf/>
+                    <dgm:layoutNode name="horzSpace3">
+                      <dgm:alg type="sp"/>
+                      <dgm:shape xmlns:r="http://schemas.openxmlformats.org/officeDocument/2006/relationships" r:blip="">
+                        <dgm:adjLst/>
+                      </dgm:shape>
+                      <dgm:presOf/>
+                    </dgm:layoutNode>
+                    <dgm:layoutNode name="tx3" styleLbl="revTx">
+                      <dgm:alg type="tx">
+                        <dgm:param type="parTxLTRAlign" val="l"/>
+                        <dgm:param type="parTxRTLAlign" val="r"/>
+                        <dgm:param type="txAnchorVert" val="t"/>
+                      </dgm:alg>
+                      <dgm:shape xmlns:r="http://schemas.openxmlformats.org/officeDocument/2006/relationships" type="rect" r:blip="">
+                        <dgm:adjLst/>
+                      </dgm:shape>
+                      <dgm:presOf axis="self"/>
+                      <dgm:constrLst>
+                        <dgm:constr type="tMarg" refType="primFontSz" fact="0.3"/>
+                        <dgm:constr type="bMarg" refType="primFontSz" fact="0.3"/>
+                        <dgm:constr type="lMarg" refType="primFontSz" fact="0.3"/>
+                        <dgm:constr type="rMarg" refType="primFontSz" fact="0.3"/>
+                      </dgm:constrLst>
+                      <dgm:ruleLst>
+                        <dgm:rule type="primFontSz" val="5" fact="NaN" max="NaN"/>
+                      </dgm:ruleLst>
+                    </dgm:layoutNode>
+                    <dgm:layoutNode name="vert3">
+                      <dgm:choose name="Name30">
+                        <dgm:if name="Name31" func="var" arg="dir" op="equ" val="norm">
+                          <dgm:alg type="lin">
+                            <dgm:param type="linDir" val="fromT"/>
+                            <dgm:param type="nodeHorzAlign" val="l"/>
+                          </dgm:alg>
+                        </dgm:if>
+                        <dgm:else name="Name32">
+                          <dgm:alg type="lin">
+                            <dgm:param type="linDir" val="fromT"/>
+                            <dgm:param type="nodeHorzAlign" val="r"/>
+                          </dgm:alg>
+                        </dgm:else>
+                      </dgm:choose>
+                      <dgm:shape xmlns:r="http://schemas.openxmlformats.org/officeDocument/2006/relationships" r:blip="">
+                        <dgm:adjLst/>
+                      </dgm:shape>
+                      <dgm:presOf/>
+                      <dgm:forEach name="Name33" axis="ch" ptType="node">
+                        <dgm:layoutNode name="horz4">
+                          <dgm:choose name="Name34">
+                            <dgm:if name="Name35" func="var" arg="dir" op="equ" val="norm">
+                              <dgm:alg type="lin">
+                                <dgm:param type="linDir" val="fromL"/>
+                                <dgm:param type="nodeVertAlign" val="t"/>
+                              </dgm:alg>
+                            </dgm:if>
+                            <dgm:else name="Name36">
+                              <dgm:alg type="lin">
+                                <dgm:param type="linDir" val="fromR"/>
+                                <dgm:param type="nodeVertAlign" val="t"/>
+                              </dgm:alg>
+                            </dgm:else>
+                          </dgm:choose>
+                          <dgm:shape xmlns:r="http://schemas.openxmlformats.org/officeDocument/2006/relationships" r:blip="">
+                            <dgm:adjLst/>
+                          </dgm:shape>
+                          <dgm:presOf/>
+                          <dgm:layoutNode name="horzSpace4">
+                            <dgm:alg type="sp"/>
+                            <dgm:shape xmlns:r="http://schemas.openxmlformats.org/officeDocument/2006/relationships" r:blip="">
+                              <dgm:adjLst/>
+                            </dgm:shape>
+                            <dgm:presOf/>
+                          </dgm:layoutNode>
+                          <dgm:layoutNode name="tx4" styleLbl="revTx">
+                            <dgm:varLst>
+                              <dgm:bulletEnabled val="1"/>
+                            </dgm:varLst>
+                            <dgm:alg type="tx">
+                              <dgm:param type="parTxLTRAlign" val="l"/>
+                              <dgm:param type="parTxRTLAlign" val="r"/>
+                              <dgm:param type="txAnchorVert" val="t"/>
+                            </dgm:alg>
+                            <dgm:shape xmlns:r="http://schemas.openxmlformats.org/officeDocument/2006/relationships" type="rect" r:blip="">
+                              <dgm:adjLst/>
+                            </dgm:shape>
+                            <dgm:presOf axis="desOrSelf" ptType="node"/>
+                            <dgm:constrLst>
+                              <dgm:constr type="tMarg" refType="primFontSz" fact="0.3"/>
+                              <dgm:constr type="bMarg" refType="primFontSz" fact="0.3"/>
+                              <dgm:constr type="lMarg" refType="primFontSz" fact="0.3"/>
+                              <dgm:constr type="rMarg" refType="primFontSz" fact="0.3"/>
+                            </dgm:constrLst>
+                            <dgm:ruleLst>
+                              <dgm:rule type="primFontSz" val="5" fact="NaN" max="NaN"/>
+                            </dgm:ruleLst>
+                          </dgm:layoutNode>
+                        </dgm:layoutNode>
+                      </dgm:forEach>
+                    </dgm:layoutNode>
+                  </dgm:layoutNode>
+                  <dgm:forEach name="Name37" axis="followSib" ptType="sibTrans" cnt="1">
+                    <dgm:layoutNode name="thinLine3" styleLbl="callout">
+                      <dgm:alg type="sp"/>
+                      <dgm:shape xmlns:r="http://schemas.openxmlformats.org/officeDocument/2006/relationships" type="line" r:blip="">
+                        <dgm:adjLst/>
+                      </dgm:shape>
+                      <dgm:presOf/>
+                    </dgm:layoutNode>
+                  </dgm:forEach>
+                </dgm:forEach>
+              </dgm:layoutNode>
+            </dgm:layoutNode>
+            <dgm:layoutNode name="thinLine2b" styleLbl="callout">
+              <dgm:alg type="sp"/>
+              <dgm:shape xmlns:r="http://schemas.openxmlformats.org/officeDocument/2006/relationships" type="line" r:blip="">
+                <dgm:adjLst/>
+              </dgm:shape>
+              <dgm:presOf/>
+            </dgm:layoutNode>
+            <dgm:layoutNode name="vertSpace2b">
+              <dgm:alg type="sp"/>
+              <dgm:shape xmlns:r="http://schemas.openxmlformats.org/officeDocument/2006/relationships" r:blip="">
+                <dgm:adjLst/>
+              </dgm:shape>
+              <dgm:presOf/>
+            </dgm:layoutNode>
+          </dgm:forEach>
+        </dgm:layoutNode>
+      </dgm:layoutNode>
+    </dgm:forEach>
+  </dgm:layoutNode>
+</dgm:layoutDef>
+</file>
+
 <file path=ppt/diagrams/quickStyle1.xml><?xml version="1.0" encoding="utf-8"?>
 <dgm:styleDef xmlns:dgm="http://schemas.openxmlformats.org/drawingml/2006/diagram" xmlns:a="http://schemas.openxmlformats.org/drawingml/2006/main" uniqueId="urn:microsoft.com/office/officeart/2005/8/quickstyle/simple1">
   <dgm:title val=""/>
@@ -6823,6 +8961,1040 @@
 </file>
 
 <file path=ppt/diagrams/quickStyle2.xml><?xml version="1.0" encoding="utf-8"?>
+<dgm:styleDef xmlns:dgm="http://schemas.openxmlformats.org/drawingml/2006/diagram" xmlns:a="http://schemas.openxmlformats.org/drawingml/2006/main" uniqueId="urn:microsoft.com/office/officeart/2005/8/quickstyle/simple1">
+  <dgm:title val=""/>
+  <dgm:desc val=""/>
+  <dgm:catLst>
+    <dgm:cat type="simple" pri="10100"/>
+  </dgm:catLst>
+  <dgm:scene3d>
+    <a:camera prst="orthographicFront"/>
+    <a:lightRig rig="threePt" dir="t"/>
+  </dgm:scene3d>
+  <dgm:styleLbl name="node0">
+    <dgm:scene3d>
+      <a:camera prst="orthographicFront"/>
+      <a:lightRig rig="threePt" dir="t"/>
+    </dgm:scene3d>
+    <dgm:sp3d/>
+    <dgm:txPr/>
+    <dgm:style>
+      <a:lnRef idx="2">
+        <a:scrgbClr r="0" g="0" b="0"/>
+      </a:lnRef>
+      <a:fillRef idx="1">
+        <a:scrgbClr r="0" g="0" b="0"/>
+      </a:fillRef>
+      <a:effectRef idx="0">
+        <a:scrgbClr r="0" g="0" b="0"/>
+      </a:effectRef>
+      <a:fontRef idx="minor">
+        <a:schemeClr val="lt1"/>
+      </a:fontRef>
+    </dgm:style>
+  </dgm:styleLbl>
+  <dgm:styleLbl name="lnNode1">
+    <dgm:scene3d>
+      <a:camera prst="orthographicFront"/>
+      <a:lightRig rig="threePt" dir="t"/>
+    </dgm:scene3d>
+    <dgm:sp3d/>
+    <dgm:txPr/>
+    <dgm:style>
+      <a:lnRef idx="2">
+        <a:scrgbClr r="0" g="0" b="0"/>
+      </a:lnRef>
+      <a:fillRef idx="1">
+        <a:scrgbClr r="0" g="0" b="0"/>
+      </a:fillRef>
+      <a:effectRef idx="0">
+        <a:scrgbClr r="0" g="0" b="0"/>
+      </a:effectRef>
+      <a:fontRef idx="minor">
+        <a:schemeClr val="lt1"/>
+      </a:fontRef>
+    </dgm:style>
+  </dgm:styleLbl>
+  <dgm:styleLbl name="vennNode1">
+    <dgm:scene3d>
+      <a:camera prst="orthographicFront"/>
+      <a:lightRig rig="threePt" dir="t"/>
+    </dgm:scene3d>
+    <dgm:sp3d/>
+    <dgm:txPr/>
+    <dgm:style>
+      <a:lnRef idx="2">
+        <a:scrgbClr r="0" g="0" b="0"/>
+      </a:lnRef>
+      <a:fillRef idx="1">
+        <a:scrgbClr r="0" g="0" b="0"/>
+      </a:fillRef>
+      <a:effectRef idx="0">
+        <a:scrgbClr r="0" g="0" b="0"/>
+      </a:effectRef>
+      <a:fontRef idx="minor">
+        <a:schemeClr val="tx1"/>
+      </a:fontRef>
+    </dgm:style>
+  </dgm:styleLbl>
+  <dgm:styleLbl name="alignNode1">
+    <dgm:scene3d>
+      <a:camera prst="orthographicFront"/>
+      <a:lightRig rig="threePt" dir="t"/>
+    </dgm:scene3d>
+    <dgm:sp3d/>
+    <dgm:txPr/>
+    <dgm:style>
+      <a:lnRef idx="2">
+        <a:scrgbClr r="0" g="0" b="0"/>
+      </a:lnRef>
+      <a:fillRef idx="1">
+        <a:scrgbClr r="0" g="0" b="0"/>
+      </a:fillRef>
+      <a:effectRef idx="0">
+        <a:scrgbClr r="0" g="0" b="0"/>
+      </a:effectRef>
+      <a:fontRef idx="minor">
+        <a:schemeClr val="lt1"/>
+      </a:fontRef>
+    </dgm:style>
+  </dgm:styleLbl>
+  <dgm:styleLbl name="node1">
+    <dgm:scene3d>
+      <a:camera prst="orthographicFront"/>
+      <a:lightRig rig="threePt" dir="t"/>
+    </dgm:scene3d>
+    <dgm:sp3d/>
+    <dgm:txPr/>
+    <dgm:style>
+      <a:lnRef idx="2">
+        <a:scrgbClr r="0" g="0" b="0"/>
+      </a:lnRef>
+      <a:fillRef idx="1">
+        <a:scrgbClr r="0" g="0" b="0"/>
+      </a:fillRef>
+      <a:effectRef idx="0">
+        <a:scrgbClr r="0" g="0" b="0"/>
+      </a:effectRef>
+      <a:fontRef idx="minor">
+        <a:schemeClr val="lt1"/>
+      </a:fontRef>
+    </dgm:style>
+  </dgm:styleLbl>
+  <dgm:styleLbl name="node2">
+    <dgm:scene3d>
+      <a:camera prst="orthographicFront"/>
+      <a:lightRig rig="threePt" dir="t"/>
+    </dgm:scene3d>
+    <dgm:sp3d/>
+    <dgm:txPr/>
+    <dgm:style>
+      <a:lnRef idx="2">
+        <a:scrgbClr r="0" g="0" b="0"/>
+      </a:lnRef>
+      <a:fillRef idx="1">
+        <a:scrgbClr r="0" g="0" b="0"/>
+      </a:fillRef>
+      <a:effectRef idx="0">
+        <a:scrgbClr r="0" g="0" b="0"/>
+      </a:effectRef>
+      <a:fontRef idx="minor">
+        <a:schemeClr val="lt1"/>
+      </a:fontRef>
+    </dgm:style>
+  </dgm:styleLbl>
+  <dgm:styleLbl name="node3">
+    <dgm:scene3d>
+      <a:camera prst="orthographicFront"/>
+      <a:lightRig rig="threePt" dir="t"/>
+    </dgm:scene3d>
+    <dgm:sp3d/>
+    <dgm:txPr/>
+    <dgm:style>
+      <a:lnRef idx="2">
+        <a:scrgbClr r="0" g="0" b="0"/>
+      </a:lnRef>
+      <a:fillRef idx="1">
+        <a:scrgbClr r="0" g="0" b="0"/>
+      </a:fillRef>
+      <a:effectRef idx="0">
+        <a:scrgbClr r="0" g="0" b="0"/>
+      </a:effectRef>
+      <a:fontRef idx="minor">
+        <a:schemeClr val="lt1"/>
+      </a:fontRef>
+    </dgm:style>
+  </dgm:styleLbl>
+  <dgm:styleLbl name="node4">
+    <dgm:scene3d>
+      <a:camera prst="orthographicFront"/>
+      <a:lightRig rig="threePt" dir="t"/>
+    </dgm:scene3d>
+    <dgm:sp3d/>
+    <dgm:txPr/>
+    <dgm:style>
+      <a:lnRef idx="2">
+        <a:scrgbClr r="0" g="0" b="0"/>
+      </a:lnRef>
+      <a:fillRef idx="1">
+        <a:scrgbClr r="0" g="0" b="0"/>
+      </a:fillRef>
+      <a:effectRef idx="0">
+        <a:scrgbClr r="0" g="0" b="0"/>
+      </a:effectRef>
+      <a:fontRef idx="minor">
+        <a:schemeClr val="lt1"/>
+      </a:fontRef>
+    </dgm:style>
+  </dgm:styleLbl>
+  <dgm:styleLbl name="fgImgPlace1">
+    <dgm:scene3d>
+      <a:camera prst="orthographicFront"/>
+      <a:lightRig rig="threePt" dir="t"/>
+    </dgm:scene3d>
+    <dgm:sp3d/>
+    <dgm:txPr/>
+    <dgm:style>
+      <a:lnRef idx="2">
+        <a:scrgbClr r="0" g="0" b="0"/>
+      </a:lnRef>
+      <a:fillRef idx="1">
+        <a:scrgbClr r="0" g="0" b="0"/>
+      </a:fillRef>
+      <a:effectRef idx="0">
+        <a:scrgbClr r="0" g="0" b="0"/>
+      </a:effectRef>
+      <a:fontRef idx="minor"/>
+    </dgm:style>
+  </dgm:styleLbl>
+  <dgm:styleLbl name="alignImgPlace1">
+    <dgm:scene3d>
+      <a:camera prst="orthographicFront"/>
+      <a:lightRig rig="threePt" dir="t"/>
+    </dgm:scene3d>
+    <dgm:sp3d/>
+    <dgm:txPr/>
+    <dgm:style>
+      <a:lnRef idx="2">
+        <a:scrgbClr r="0" g="0" b="0"/>
+      </a:lnRef>
+      <a:fillRef idx="1">
+        <a:scrgbClr r="0" g="0" b="0"/>
+      </a:fillRef>
+      <a:effectRef idx="0">
+        <a:scrgbClr r="0" g="0" b="0"/>
+      </a:effectRef>
+      <a:fontRef idx="minor"/>
+    </dgm:style>
+  </dgm:styleLbl>
+  <dgm:styleLbl name="bgImgPlace1">
+    <dgm:scene3d>
+      <a:camera prst="orthographicFront"/>
+      <a:lightRig rig="threePt" dir="t"/>
+    </dgm:scene3d>
+    <dgm:sp3d/>
+    <dgm:txPr/>
+    <dgm:style>
+      <a:lnRef idx="2">
+        <a:scrgbClr r="0" g="0" b="0"/>
+      </a:lnRef>
+      <a:fillRef idx="1">
+        <a:scrgbClr r="0" g="0" b="0"/>
+      </a:fillRef>
+      <a:effectRef idx="0">
+        <a:scrgbClr r="0" g="0" b="0"/>
+      </a:effectRef>
+      <a:fontRef idx="minor"/>
+    </dgm:style>
+  </dgm:styleLbl>
+  <dgm:styleLbl name="sibTrans2D1">
+    <dgm:scene3d>
+      <a:camera prst="orthographicFront"/>
+      <a:lightRig rig="threePt" dir="t"/>
+    </dgm:scene3d>
+    <dgm:sp3d/>
+    <dgm:txPr/>
+    <dgm:style>
+      <a:lnRef idx="0">
+        <a:scrgbClr r="0" g="0" b="0"/>
+      </a:lnRef>
+      <a:fillRef idx="1">
+        <a:scrgbClr r="0" g="0" b="0"/>
+      </a:fillRef>
+      <a:effectRef idx="0">
+        <a:scrgbClr r="0" g="0" b="0"/>
+      </a:effectRef>
+      <a:fontRef idx="minor">
+        <a:schemeClr val="lt1"/>
+      </a:fontRef>
+    </dgm:style>
+  </dgm:styleLbl>
+  <dgm:styleLbl name="fgSibTrans2D1">
+    <dgm:scene3d>
+      <a:camera prst="orthographicFront"/>
+      <a:lightRig rig="threePt" dir="t"/>
+    </dgm:scene3d>
+    <dgm:sp3d/>
+    <dgm:txPr/>
+    <dgm:style>
+      <a:lnRef idx="0">
+        <a:scrgbClr r="0" g="0" b="0"/>
+      </a:lnRef>
+      <a:fillRef idx="1">
+        <a:scrgbClr r="0" g="0" b="0"/>
+      </a:fillRef>
+      <a:effectRef idx="0">
+        <a:scrgbClr r="0" g="0" b="0"/>
+      </a:effectRef>
+      <a:fontRef idx="minor">
+        <a:schemeClr val="lt1"/>
+      </a:fontRef>
+    </dgm:style>
+  </dgm:styleLbl>
+  <dgm:styleLbl name="bgSibTrans2D1">
+    <dgm:scene3d>
+      <a:camera prst="orthographicFront"/>
+      <a:lightRig rig="threePt" dir="t"/>
+    </dgm:scene3d>
+    <dgm:sp3d/>
+    <dgm:txPr/>
+    <dgm:style>
+      <a:lnRef idx="0">
+        <a:scrgbClr r="0" g="0" b="0"/>
+      </a:lnRef>
+      <a:fillRef idx="1">
+        <a:scrgbClr r="0" g="0" b="0"/>
+      </a:fillRef>
+      <a:effectRef idx="0">
+        <a:scrgbClr r="0" g="0" b="0"/>
+      </a:effectRef>
+      <a:fontRef idx="minor">
+        <a:schemeClr val="lt1"/>
+      </a:fontRef>
+    </dgm:style>
+  </dgm:styleLbl>
+  <dgm:styleLbl name="sibTrans1D1">
+    <dgm:scene3d>
+      <a:camera prst="orthographicFront"/>
+      <a:lightRig rig="threePt" dir="t"/>
+    </dgm:scene3d>
+    <dgm:sp3d/>
+    <dgm:txPr/>
+    <dgm:style>
+      <a:lnRef idx="1">
+        <a:scrgbClr r="0" g="0" b="0"/>
+      </a:lnRef>
+      <a:fillRef idx="0">
+        <a:scrgbClr r="0" g="0" b="0"/>
+      </a:fillRef>
+      <a:effectRef idx="0">
+        <a:scrgbClr r="0" g="0" b="0"/>
+      </a:effectRef>
+      <a:fontRef idx="minor"/>
+    </dgm:style>
+  </dgm:styleLbl>
+  <dgm:styleLbl name="callout">
+    <dgm:scene3d>
+      <a:camera prst="orthographicFront"/>
+      <a:lightRig rig="threePt" dir="t"/>
+    </dgm:scene3d>
+    <dgm:sp3d/>
+    <dgm:txPr/>
+    <dgm:style>
+      <a:lnRef idx="2">
+        <a:scrgbClr r="0" g="0" b="0"/>
+      </a:lnRef>
+      <a:fillRef idx="1">
+        <a:scrgbClr r="0" g="0" b="0"/>
+      </a:fillRef>
+      <a:effectRef idx="0">
+        <a:scrgbClr r="0" g="0" b="0"/>
+      </a:effectRef>
+      <a:fontRef idx="minor"/>
+    </dgm:style>
+  </dgm:styleLbl>
+  <dgm:styleLbl name="asst0">
+    <dgm:scene3d>
+      <a:camera prst="orthographicFront"/>
+      <a:lightRig rig="threePt" dir="t"/>
+    </dgm:scene3d>
+    <dgm:sp3d/>
+    <dgm:txPr/>
+    <dgm:style>
+      <a:lnRef idx="2">
+        <a:scrgbClr r="0" g="0" b="0"/>
+      </a:lnRef>
+      <a:fillRef idx="1">
+        <a:scrgbClr r="0" g="0" b="0"/>
+      </a:fillRef>
+      <a:effectRef idx="0">
+        <a:scrgbClr r="0" g="0" b="0"/>
+      </a:effectRef>
+      <a:fontRef idx="minor">
+        <a:schemeClr val="lt1"/>
+      </a:fontRef>
+    </dgm:style>
+  </dgm:styleLbl>
+  <dgm:styleLbl name="asst1">
+    <dgm:scene3d>
+      <a:camera prst="orthographicFront"/>
+      <a:lightRig rig="threePt" dir="t"/>
+    </dgm:scene3d>
+    <dgm:sp3d/>
+    <dgm:txPr/>
+    <dgm:style>
+      <a:lnRef idx="2">
+        <a:scrgbClr r="0" g="0" b="0"/>
+      </a:lnRef>
+      <a:fillRef idx="1">
+        <a:scrgbClr r="0" g="0" b="0"/>
+      </a:fillRef>
+      <a:effectRef idx="0">
+        <a:scrgbClr r="0" g="0" b="0"/>
+      </a:effectRef>
+      <a:fontRef idx="minor">
+        <a:schemeClr val="lt1"/>
+      </a:fontRef>
+    </dgm:style>
+  </dgm:styleLbl>
+  <dgm:styleLbl name="asst2">
+    <dgm:scene3d>
+      <a:camera prst="orthographicFront"/>
+      <a:lightRig rig="threePt" dir="t"/>
+    </dgm:scene3d>
+    <dgm:sp3d/>
+    <dgm:txPr/>
+    <dgm:style>
+      <a:lnRef idx="2">
+        <a:scrgbClr r="0" g="0" b="0"/>
+      </a:lnRef>
+      <a:fillRef idx="1">
+        <a:scrgbClr r="0" g="0" b="0"/>
+      </a:fillRef>
+      <a:effectRef idx="0">
+        <a:scrgbClr r="0" g="0" b="0"/>
+      </a:effectRef>
+      <a:fontRef idx="minor">
+        <a:schemeClr val="lt1"/>
+      </a:fontRef>
+    </dgm:style>
+  </dgm:styleLbl>
+  <dgm:styleLbl name="asst3">
+    <dgm:scene3d>
+      <a:camera prst="orthographicFront"/>
+      <a:lightRig rig="threePt" dir="t"/>
+    </dgm:scene3d>
+    <dgm:sp3d/>
+    <dgm:txPr/>
+    <dgm:style>
+      <a:lnRef idx="2">
+        <a:scrgbClr r="0" g="0" b="0"/>
+      </a:lnRef>
+      <a:fillRef idx="1">
+        <a:scrgbClr r="0" g="0" b="0"/>
+      </a:fillRef>
+      <a:effectRef idx="0">
+        <a:scrgbClr r="0" g="0" b="0"/>
+      </a:effectRef>
+      <a:fontRef idx="minor">
+        <a:schemeClr val="lt1"/>
+      </a:fontRef>
+    </dgm:style>
+  </dgm:styleLbl>
+  <dgm:styleLbl name="asst4">
+    <dgm:scene3d>
+      <a:camera prst="orthographicFront"/>
+      <a:lightRig rig="threePt" dir="t"/>
+    </dgm:scene3d>
+    <dgm:sp3d/>
+    <dgm:txPr/>
+    <dgm:style>
+      <a:lnRef idx="2">
+        <a:scrgbClr r="0" g="0" b="0"/>
+      </a:lnRef>
+      <a:fillRef idx="1">
+        <a:scrgbClr r="0" g="0" b="0"/>
+      </a:fillRef>
+      <a:effectRef idx="0">
+        <a:scrgbClr r="0" g="0" b="0"/>
+      </a:effectRef>
+      <a:fontRef idx="minor">
+        <a:schemeClr val="lt1"/>
+      </a:fontRef>
+    </dgm:style>
+  </dgm:styleLbl>
+  <dgm:styleLbl name="parChTrans2D1">
+    <dgm:scene3d>
+      <a:camera prst="orthographicFront"/>
+      <a:lightRig rig="threePt" dir="t"/>
+    </dgm:scene3d>
+    <dgm:sp3d/>
+    <dgm:txPr/>
+    <dgm:style>
+      <a:lnRef idx="2">
+        <a:scrgbClr r="0" g="0" b="0"/>
+      </a:lnRef>
+      <a:fillRef idx="1">
+        <a:scrgbClr r="0" g="0" b="0"/>
+      </a:fillRef>
+      <a:effectRef idx="0">
+        <a:scrgbClr r="0" g="0" b="0"/>
+      </a:effectRef>
+      <a:fontRef idx="minor">
+        <a:schemeClr val="lt1"/>
+      </a:fontRef>
+    </dgm:style>
+  </dgm:styleLbl>
+  <dgm:styleLbl name="parChTrans2D2">
+    <dgm:scene3d>
+      <a:camera prst="orthographicFront"/>
+      <a:lightRig rig="threePt" dir="t"/>
+    </dgm:scene3d>
+    <dgm:sp3d/>
+    <dgm:txPr/>
+    <dgm:style>
+      <a:lnRef idx="2">
+        <a:scrgbClr r="0" g="0" b="0"/>
+      </a:lnRef>
+      <a:fillRef idx="1">
+        <a:scrgbClr r="0" g="0" b="0"/>
+      </a:fillRef>
+      <a:effectRef idx="0">
+        <a:scrgbClr r="0" g="0" b="0"/>
+      </a:effectRef>
+      <a:fontRef idx="minor">
+        <a:schemeClr val="lt1"/>
+      </a:fontRef>
+    </dgm:style>
+  </dgm:styleLbl>
+  <dgm:styleLbl name="parChTrans2D3">
+    <dgm:scene3d>
+      <a:camera prst="orthographicFront"/>
+      <a:lightRig rig="threePt" dir="t"/>
+    </dgm:scene3d>
+    <dgm:sp3d/>
+    <dgm:txPr/>
+    <dgm:style>
+      <a:lnRef idx="2">
+        <a:scrgbClr r="0" g="0" b="0"/>
+      </a:lnRef>
+      <a:fillRef idx="1">
+        <a:scrgbClr r="0" g="0" b="0"/>
+      </a:fillRef>
+      <a:effectRef idx="0">
+        <a:scrgbClr r="0" g="0" b="0"/>
+      </a:effectRef>
+      <a:fontRef idx="minor">
+        <a:schemeClr val="lt1"/>
+      </a:fontRef>
+    </dgm:style>
+  </dgm:styleLbl>
+  <dgm:styleLbl name="parChTrans2D4">
+    <dgm:scene3d>
+      <a:camera prst="orthographicFront"/>
+      <a:lightRig rig="threePt" dir="t"/>
+    </dgm:scene3d>
+    <dgm:sp3d/>
+    <dgm:txPr/>
+    <dgm:style>
+      <a:lnRef idx="2">
+        <a:scrgbClr r="0" g="0" b="0"/>
+      </a:lnRef>
+      <a:fillRef idx="1">
+        <a:scrgbClr r="0" g="0" b="0"/>
+      </a:fillRef>
+      <a:effectRef idx="0">
+        <a:scrgbClr r="0" g="0" b="0"/>
+      </a:effectRef>
+      <a:fontRef idx="minor">
+        <a:schemeClr val="lt1"/>
+      </a:fontRef>
+    </dgm:style>
+  </dgm:styleLbl>
+  <dgm:styleLbl name="parChTrans1D1">
+    <dgm:scene3d>
+      <a:camera prst="orthographicFront"/>
+      <a:lightRig rig="threePt" dir="t"/>
+    </dgm:scene3d>
+    <dgm:sp3d/>
+    <dgm:txPr/>
+    <dgm:style>
+      <a:lnRef idx="2">
+        <a:scrgbClr r="0" g="0" b="0"/>
+      </a:lnRef>
+      <a:fillRef idx="0">
+        <a:scrgbClr r="0" g="0" b="0"/>
+      </a:fillRef>
+      <a:effectRef idx="0">
+        <a:scrgbClr r="0" g="0" b="0"/>
+      </a:effectRef>
+      <a:fontRef idx="minor"/>
+    </dgm:style>
+  </dgm:styleLbl>
+  <dgm:styleLbl name="parChTrans1D2">
+    <dgm:scene3d>
+      <a:camera prst="orthographicFront"/>
+      <a:lightRig rig="threePt" dir="t"/>
+    </dgm:scene3d>
+    <dgm:sp3d/>
+    <dgm:txPr/>
+    <dgm:style>
+      <a:lnRef idx="2">
+        <a:scrgbClr r="0" g="0" b="0"/>
+      </a:lnRef>
+      <a:fillRef idx="0">
+        <a:scrgbClr r="0" g="0" b="0"/>
+      </a:fillRef>
+      <a:effectRef idx="0">
+        <a:scrgbClr r="0" g="0" b="0"/>
+      </a:effectRef>
+      <a:fontRef idx="minor"/>
+    </dgm:style>
+  </dgm:styleLbl>
+  <dgm:styleLbl name="parChTrans1D3">
+    <dgm:scene3d>
+      <a:camera prst="orthographicFront"/>
+      <a:lightRig rig="threePt" dir="t"/>
+    </dgm:scene3d>
+    <dgm:sp3d/>
+    <dgm:txPr/>
+    <dgm:style>
+      <a:lnRef idx="2">
+        <a:scrgbClr r="0" g="0" b="0"/>
+      </a:lnRef>
+      <a:fillRef idx="0">
+        <a:scrgbClr r="0" g="0" b="0"/>
+      </a:fillRef>
+      <a:effectRef idx="0">
+        <a:scrgbClr r="0" g="0" b="0"/>
+      </a:effectRef>
+      <a:fontRef idx="minor"/>
+    </dgm:style>
+  </dgm:styleLbl>
+  <dgm:styleLbl name="parChTrans1D4">
+    <dgm:scene3d>
+      <a:camera prst="orthographicFront"/>
+      <a:lightRig rig="threePt" dir="t"/>
+    </dgm:scene3d>
+    <dgm:sp3d/>
+    <dgm:txPr/>
+    <dgm:style>
+      <a:lnRef idx="2">
+        <a:scrgbClr r="0" g="0" b="0"/>
+      </a:lnRef>
+      <a:fillRef idx="0">
+        <a:scrgbClr r="0" g="0" b="0"/>
+      </a:fillRef>
+      <a:effectRef idx="0">
+        <a:scrgbClr r="0" g="0" b="0"/>
+      </a:effectRef>
+      <a:fontRef idx="minor"/>
+    </dgm:style>
+  </dgm:styleLbl>
+  <dgm:styleLbl name="fgAcc1">
+    <dgm:scene3d>
+      <a:camera prst="orthographicFront"/>
+      <a:lightRig rig="threePt" dir="t"/>
+    </dgm:scene3d>
+    <dgm:sp3d/>
+    <dgm:txPr/>
+    <dgm:style>
+      <a:lnRef idx="2">
+        <a:scrgbClr r="0" g="0" b="0"/>
+      </a:lnRef>
+      <a:fillRef idx="1">
+        <a:scrgbClr r="0" g="0" b="0"/>
+      </a:fillRef>
+      <a:effectRef idx="0">
+        <a:scrgbClr r="0" g="0" b="0"/>
+      </a:effectRef>
+      <a:fontRef idx="minor"/>
+    </dgm:style>
+  </dgm:styleLbl>
+  <dgm:styleLbl name="conFgAcc1">
+    <dgm:scene3d>
+      <a:camera prst="orthographicFront"/>
+      <a:lightRig rig="threePt" dir="t"/>
+    </dgm:scene3d>
+    <dgm:sp3d/>
+    <dgm:txPr/>
+    <dgm:style>
+      <a:lnRef idx="2">
+        <a:scrgbClr r="0" g="0" b="0"/>
+      </a:lnRef>
+      <a:fillRef idx="1">
+        <a:scrgbClr r="0" g="0" b="0"/>
+      </a:fillRef>
+      <a:effectRef idx="0">
+        <a:scrgbClr r="0" g="0" b="0"/>
+      </a:effectRef>
+      <a:fontRef idx="minor"/>
+    </dgm:style>
+  </dgm:styleLbl>
+  <dgm:styleLbl name="alignAcc1">
+    <dgm:scene3d>
+      <a:camera prst="orthographicFront"/>
+      <a:lightRig rig="threePt" dir="t"/>
+    </dgm:scene3d>
+    <dgm:sp3d/>
+    <dgm:txPr/>
+    <dgm:style>
+      <a:lnRef idx="2">
+        <a:scrgbClr r="0" g="0" b="0"/>
+      </a:lnRef>
+      <a:fillRef idx="1">
+        <a:scrgbClr r="0" g="0" b="0"/>
+      </a:fillRef>
+      <a:effectRef idx="0">
+        <a:scrgbClr r="0" g="0" b="0"/>
+      </a:effectRef>
+      <a:fontRef idx="minor"/>
+    </dgm:style>
+  </dgm:styleLbl>
+  <dgm:styleLbl name="trAlignAcc1">
+    <dgm:scene3d>
+      <a:camera prst="orthographicFront"/>
+      <a:lightRig rig="threePt" dir="t"/>
+    </dgm:scene3d>
+    <dgm:sp3d/>
+    <dgm:txPr/>
+    <dgm:style>
+      <a:lnRef idx="1">
+        <a:scrgbClr r="0" g="0" b="0"/>
+      </a:lnRef>
+      <a:fillRef idx="1">
+        <a:scrgbClr r="0" g="0" b="0"/>
+      </a:fillRef>
+      <a:effectRef idx="0">
+        <a:scrgbClr r="0" g="0" b="0"/>
+      </a:effectRef>
+      <a:fontRef idx="minor"/>
+    </dgm:style>
+  </dgm:styleLbl>
+  <dgm:styleLbl name="bgAcc1">
+    <dgm:scene3d>
+      <a:camera prst="orthographicFront"/>
+      <a:lightRig rig="threePt" dir="t"/>
+    </dgm:scene3d>
+    <dgm:sp3d/>
+    <dgm:txPr/>
+    <dgm:style>
+      <a:lnRef idx="2">
+        <a:scrgbClr r="0" g="0" b="0"/>
+      </a:lnRef>
+      <a:fillRef idx="1">
+        <a:scrgbClr r="0" g="0" b="0"/>
+      </a:fillRef>
+      <a:effectRef idx="0">
+        <a:scrgbClr r="0" g="0" b="0"/>
+      </a:effectRef>
+      <a:fontRef idx="minor"/>
+    </dgm:style>
+  </dgm:styleLbl>
+  <dgm:styleLbl name="solidFgAcc1">
+    <dgm:scene3d>
+      <a:camera prst="orthographicFront"/>
+      <a:lightRig rig="threePt" dir="t"/>
+    </dgm:scene3d>
+    <dgm:sp3d/>
+    <dgm:txPr/>
+    <dgm:style>
+      <a:lnRef idx="2">
+        <a:scrgbClr r="0" g="0" b="0"/>
+      </a:lnRef>
+      <a:fillRef idx="1">
+        <a:scrgbClr r="0" g="0" b="0"/>
+      </a:fillRef>
+      <a:effectRef idx="0">
+        <a:scrgbClr r="0" g="0" b="0"/>
+      </a:effectRef>
+      <a:fontRef idx="minor"/>
+    </dgm:style>
+  </dgm:styleLbl>
+  <dgm:styleLbl name="solidAlignAcc1">
+    <dgm:scene3d>
+      <a:camera prst="orthographicFront"/>
+      <a:lightRig rig="threePt" dir="t"/>
+    </dgm:scene3d>
+    <dgm:sp3d/>
+    <dgm:txPr/>
+    <dgm:style>
+      <a:lnRef idx="2">
+        <a:scrgbClr r="0" g="0" b="0"/>
+      </a:lnRef>
+      <a:fillRef idx="1">
+        <a:scrgbClr r="0" g="0" b="0"/>
+      </a:fillRef>
+      <a:effectRef idx="0">
+        <a:scrgbClr r="0" g="0" b="0"/>
+      </a:effectRef>
+      <a:fontRef idx="minor"/>
+    </dgm:style>
+  </dgm:styleLbl>
+  <dgm:styleLbl name="solidBgAcc1">
+    <dgm:scene3d>
+      <a:camera prst="orthographicFront"/>
+      <a:lightRig rig="threePt" dir="t"/>
+    </dgm:scene3d>
+    <dgm:sp3d/>
+    <dgm:txPr/>
+    <dgm:style>
+      <a:lnRef idx="2">
+        <a:scrgbClr r="0" g="0" b="0"/>
+      </a:lnRef>
+      <a:fillRef idx="1">
+        <a:scrgbClr r="0" g="0" b="0"/>
+      </a:fillRef>
+      <a:effectRef idx="0">
+        <a:scrgbClr r="0" g="0" b="0"/>
+      </a:effectRef>
+      <a:fontRef idx="minor"/>
+    </dgm:style>
+  </dgm:styleLbl>
+  <dgm:styleLbl name="fgAccFollowNode1">
+    <dgm:scene3d>
+      <a:camera prst="orthographicFront"/>
+      <a:lightRig rig="threePt" dir="t"/>
+    </dgm:scene3d>
+    <dgm:sp3d/>
+    <dgm:txPr/>
+    <dgm:style>
+      <a:lnRef idx="2">
+        <a:scrgbClr r="0" g="0" b="0"/>
+      </a:lnRef>
+      <a:fillRef idx="1">
+        <a:scrgbClr r="0" g="0" b="0"/>
+      </a:fillRef>
+      <a:effectRef idx="0">
+        <a:scrgbClr r="0" g="0" b="0"/>
+      </a:effectRef>
+      <a:fontRef idx="minor"/>
+    </dgm:style>
+  </dgm:styleLbl>
+  <dgm:styleLbl name="alignAccFollowNode1">
+    <dgm:scene3d>
+      <a:camera prst="orthographicFront"/>
+      <a:lightRig rig="threePt" dir="t"/>
+    </dgm:scene3d>
+    <dgm:sp3d/>
+    <dgm:txPr/>
+    <dgm:style>
+      <a:lnRef idx="2">
+        <a:scrgbClr r="0" g="0" b="0"/>
+      </a:lnRef>
+      <a:fillRef idx="1">
+        <a:scrgbClr r="0" g="0" b="0"/>
+      </a:fillRef>
+      <a:effectRef idx="0">
+        <a:scrgbClr r="0" g="0" b="0"/>
+      </a:effectRef>
+      <a:fontRef idx="minor"/>
+    </dgm:style>
+  </dgm:styleLbl>
+  <dgm:styleLbl name="bgAccFollowNode1">
+    <dgm:scene3d>
+      <a:camera prst="orthographicFront"/>
+      <a:lightRig rig="threePt" dir="t"/>
+    </dgm:scene3d>
+    <dgm:sp3d/>
+    <dgm:txPr/>
+    <dgm:style>
+      <a:lnRef idx="2">
+        <a:scrgbClr r="0" g="0" b="0"/>
+      </a:lnRef>
+      <a:fillRef idx="1">
+        <a:scrgbClr r="0" g="0" b="0"/>
+      </a:fillRef>
+      <a:effectRef idx="0">
+        <a:scrgbClr r="0" g="0" b="0"/>
+      </a:effectRef>
+      <a:fontRef idx="minor"/>
+    </dgm:style>
+  </dgm:styleLbl>
+  <dgm:styleLbl name="fgAcc0">
+    <dgm:scene3d>
+      <a:camera prst="orthographicFront"/>
+      <a:lightRig rig="threePt" dir="t"/>
+    </dgm:scene3d>
+    <dgm:sp3d/>
+    <dgm:txPr/>
+    <dgm:style>
+      <a:lnRef idx="2">
+        <a:scrgbClr r="0" g="0" b="0"/>
+      </a:lnRef>
+      <a:fillRef idx="1">
+        <a:scrgbClr r="0" g="0" b="0"/>
+      </a:fillRef>
+      <a:effectRef idx="0">
+        <a:scrgbClr r="0" g="0" b="0"/>
+      </a:effectRef>
+      <a:fontRef idx="minor"/>
+    </dgm:style>
+  </dgm:styleLbl>
+  <dgm:styleLbl name="fgAcc2">
+    <dgm:scene3d>
+      <a:camera prst="orthographicFront"/>
+      <a:lightRig rig="threePt" dir="t"/>
+    </dgm:scene3d>
+    <dgm:sp3d/>
+    <dgm:txPr/>
+    <dgm:style>
+      <a:lnRef idx="2">
+        <a:scrgbClr r="0" g="0" b="0"/>
+      </a:lnRef>
+      <a:fillRef idx="1">
+        <a:scrgbClr r="0" g="0" b="0"/>
+      </a:fillRef>
+      <a:effectRef idx="0">
+        <a:scrgbClr r="0" g="0" b="0"/>
+      </a:effectRef>
+      <a:fontRef idx="minor"/>
+    </dgm:style>
+  </dgm:styleLbl>
+  <dgm:styleLbl name="fgAcc3">
+    <dgm:scene3d>
+      <a:camera prst="orthographicFront"/>
+      <a:lightRig rig="threePt" dir="t"/>
+    </dgm:scene3d>
+    <dgm:sp3d/>
+    <dgm:txPr/>
+    <dgm:style>
+      <a:lnRef idx="2">
+        <a:scrgbClr r="0" g="0" b="0"/>
+      </a:lnRef>
+      <a:fillRef idx="1">
+        <a:scrgbClr r="0" g="0" b="0"/>
+      </a:fillRef>
+      <a:effectRef idx="0">
+        <a:scrgbClr r="0" g="0" b="0"/>
+      </a:effectRef>
+      <a:fontRef idx="minor"/>
+    </dgm:style>
+  </dgm:styleLbl>
+  <dgm:styleLbl name="fgAcc4">
+    <dgm:scene3d>
+      <a:camera prst="orthographicFront"/>
+      <a:lightRig rig="threePt" dir="t"/>
+    </dgm:scene3d>
+    <dgm:sp3d/>
+    <dgm:txPr/>
+    <dgm:style>
+      <a:lnRef idx="2">
+        <a:scrgbClr r="0" g="0" b="0"/>
+      </a:lnRef>
+      <a:fillRef idx="1">
+        <a:scrgbClr r="0" g="0" b="0"/>
+      </a:fillRef>
+      <a:effectRef idx="0">
+        <a:scrgbClr r="0" g="0" b="0"/>
+      </a:effectRef>
+      <a:fontRef idx="minor"/>
+    </dgm:style>
+  </dgm:styleLbl>
+  <dgm:styleLbl name="bgShp">
+    <dgm:scene3d>
+      <a:camera prst="orthographicFront"/>
+      <a:lightRig rig="threePt" dir="t"/>
+    </dgm:scene3d>
+    <dgm:sp3d/>
+    <dgm:txPr/>
+    <dgm:style>
+      <a:lnRef idx="0">
+        <a:scrgbClr r="0" g="0" b="0"/>
+      </a:lnRef>
+      <a:fillRef idx="1">
+        <a:scrgbClr r="0" g="0" b="0"/>
+      </a:fillRef>
+      <a:effectRef idx="0">
+        <a:scrgbClr r="0" g="0" b="0"/>
+      </a:effectRef>
+      <a:fontRef idx="minor"/>
+    </dgm:style>
+  </dgm:styleLbl>
+  <dgm:styleLbl name="dkBgShp">
+    <dgm:scene3d>
+      <a:camera prst="orthographicFront"/>
+      <a:lightRig rig="threePt" dir="t"/>
+    </dgm:scene3d>
+    <dgm:sp3d/>
+    <dgm:txPr/>
+    <dgm:style>
+      <a:lnRef idx="0">
+        <a:scrgbClr r="0" g="0" b="0"/>
+      </a:lnRef>
+      <a:fillRef idx="1">
+        <a:scrgbClr r="0" g="0" b="0"/>
+      </a:fillRef>
+      <a:effectRef idx="0">
+        <a:scrgbClr r="0" g="0" b="0"/>
+      </a:effectRef>
+      <a:fontRef idx="minor"/>
+    </dgm:style>
+  </dgm:styleLbl>
+  <dgm:styleLbl name="trBgShp">
+    <dgm:scene3d>
+      <a:camera prst="orthographicFront"/>
+      <a:lightRig rig="threePt" dir="t"/>
+    </dgm:scene3d>
+    <dgm:sp3d/>
+    <dgm:txPr/>
+    <dgm:style>
+      <a:lnRef idx="0">
+        <a:scrgbClr r="0" g="0" b="0"/>
+      </a:lnRef>
+      <a:fillRef idx="1">
+        <a:scrgbClr r="0" g="0" b="0"/>
+      </a:fillRef>
+      <a:effectRef idx="0">
+        <a:scrgbClr r="0" g="0" b="0"/>
+      </a:effectRef>
+      <a:fontRef idx="minor"/>
+    </dgm:style>
+  </dgm:styleLbl>
+  <dgm:styleLbl name="fgShp">
+    <dgm:scene3d>
+      <a:camera prst="orthographicFront"/>
+      <a:lightRig rig="threePt" dir="t"/>
+    </dgm:scene3d>
+    <dgm:sp3d/>
+    <dgm:txPr/>
+    <dgm:style>
+      <a:lnRef idx="2">
+        <a:scrgbClr r="0" g="0" b="0"/>
+      </a:lnRef>
+      <a:fillRef idx="1">
+        <a:scrgbClr r="0" g="0" b="0"/>
+      </a:fillRef>
+      <a:effectRef idx="0">
+        <a:scrgbClr r="0" g="0" b="0"/>
+      </a:effectRef>
+      <a:fontRef idx="minor"/>
+    </dgm:style>
+  </dgm:styleLbl>
+  <dgm:styleLbl name="revTx">
+    <dgm:scene3d>
+      <a:camera prst="orthographicFront"/>
+      <a:lightRig rig="threePt" dir="t"/>
+    </dgm:scene3d>
+    <dgm:sp3d/>
+    <dgm:txPr/>
+    <dgm:style>
+      <a:lnRef idx="0">
+        <a:scrgbClr r="0" g="0" b="0"/>
+      </a:lnRef>
+      <a:fillRef idx="0">
+        <a:scrgbClr r="0" g="0" b="0"/>
+      </a:fillRef>
+      <a:effectRef idx="0">
+        <a:scrgbClr r="0" g="0" b="0"/>
+      </a:effectRef>
+      <a:fontRef idx="minor"/>
+    </dgm:style>
+  </dgm:styleLbl>
+</dgm:styleDef>
+</file>
+
+<file path=ppt/diagrams/quickStyle3.xml><?xml version="1.0" encoding="utf-8"?>
 <dgm:styleDef xmlns:dgm="http://schemas.openxmlformats.org/drawingml/2006/diagram" xmlns:a="http://schemas.openxmlformats.org/drawingml/2006/main" uniqueId="urn:microsoft.com/office/officeart/2005/8/quickstyle/simple1">
   <dgm:title val=""/>
   <dgm:desc val=""/>
@@ -8005,7 +11177,7 @@
           <a:p>
             <a:fld id="{C6CF00E5-B55B-3440-8E82-0470249BC9C7}" type="datetimeFigureOut">
               <a:rPr lang="en-US" smtClean="0"/>
-              <a:t>3/7/23</a:t>
+              <a:t>3/8/23</a:t>
             </a:fld>
             <a:endParaRPr lang="en-US"/>
           </a:p>
@@ -8205,7 +11377,7 @@
           <a:p>
             <a:fld id="{C6CF00E5-B55B-3440-8E82-0470249BC9C7}" type="datetimeFigureOut">
               <a:rPr lang="en-US" smtClean="0"/>
-              <a:t>3/7/23</a:t>
+              <a:t>3/8/23</a:t>
             </a:fld>
             <a:endParaRPr lang="en-US"/>
           </a:p>
@@ -8415,7 +11587,7 @@
           <a:p>
             <a:fld id="{C6CF00E5-B55B-3440-8E82-0470249BC9C7}" type="datetimeFigureOut">
               <a:rPr lang="en-US" smtClean="0"/>
-              <a:t>3/7/23</a:t>
+              <a:t>3/8/23</a:t>
             </a:fld>
             <a:endParaRPr lang="en-US"/>
           </a:p>
@@ -8615,7 +11787,7 @@
           <a:p>
             <a:fld id="{C6CF00E5-B55B-3440-8E82-0470249BC9C7}" type="datetimeFigureOut">
               <a:rPr lang="en-US" smtClean="0"/>
-              <a:t>3/7/23</a:t>
+              <a:t>3/8/23</a:t>
             </a:fld>
             <a:endParaRPr lang="en-US"/>
           </a:p>
@@ -8891,7 +12063,7 @@
           <a:p>
             <a:fld id="{C6CF00E5-B55B-3440-8E82-0470249BC9C7}" type="datetimeFigureOut">
               <a:rPr lang="en-US" smtClean="0"/>
-              <a:t>3/7/23</a:t>
+              <a:t>3/8/23</a:t>
             </a:fld>
             <a:endParaRPr lang="en-US"/>
           </a:p>
@@ -9159,7 +12331,7 @@
           <a:p>
             <a:fld id="{C6CF00E5-B55B-3440-8E82-0470249BC9C7}" type="datetimeFigureOut">
               <a:rPr lang="en-US" smtClean="0"/>
-              <a:t>3/7/23</a:t>
+              <a:t>3/8/23</a:t>
             </a:fld>
             <a:endParaRPr lang="en-US"/>
           </a:p>
@@ -9574,7 +12746,7 @@
           <a:p>
             <a:fld id="{C6CF00E5-B55B-3440-8E82-0470249BC9C7}" type="datetimeFigureOut">
               <a:rPr lang="en-US" smtClean="0"/>
-              <a:t>3/7/23</a:t>
+              <a:t>3/8/23</a:t>
             </a:fld>
             <a:endParaRPr lang="en-US"/>
           </a:p>
@@ -9716,7 +12888,7 @@
           <a:p>
             <a:fld id="{C6CF00E5-B55B-3440-8E82-0470249BC9C7}" type="datetimeFigureOut">
               <a:rPr lang="en-US" smtClean="0"/>
-              <a:t>3/7/23</a:t>
+              <a:t>3/8/23</a:t>
             </a:fld>
             <a:endParaRPr lang="en-US"/>
           </a:p>
@@ -9829,7 +13001,7 @@
           <a:p>
             <a:fld id="{C6CF00E5-B55B-3440-8E82-0470249BC9C7}" type="datetimeFigureOut">
               <a:rPr lang="en-US" smtClean="0"/>
-              <a:t>3/7/23</a:t>
+              <a:t>3/8/23</a:t>
             </a:fld>
             <a:endParaRPr lang="en-US"/>
           </a:p>
@@ -10142,7 +13314,7 @@
           <a:p>
             <a:fld id="{C6CF00E5-B55B-3440-8E82-0470249BC9C7}" type="datetimeFigureOut">
               <a:rPr lang="en-US" smtClean="0"/>
-              <a:t>3/7/23</a:t>
+              <a:t>3/8/23</a:t>
             </a:fld>
             <a:endParaRPr lang="en-US"/>
           </a:p>
@@ -10431,7 +13603,7 @@
           <a:p>
             <a:fld id="{C6CF00E5-B55B-3440-8E82-0470249BC9C7}" type="datetimeFigureOut">
               <a:rPr lang="en-US" smtClean="0"/>
-              <a:t>3/7/23</a:t>
+              <a:t>3/8/23</a:t>
             </a:fld>
             <a:endParaRPr lang="en-US"/>
           </a:p>
@@ -10674,7 +13846,7 @@
           <a:p>
             <a:fld id="{C6CF00E5-B55B-3440-8E82-0470249BC9C7}" type="datetimeFigureOut">
               <a:rPr lang="en-US" smtClean="0"/>
-              <a:t>3/7/23</a:t>
+              <a:t>3/8/23</a:t>
             </a:fld>
             <a:endParaRPr lang="en-US"/>
           </a:p>
@@ -14423,6 +17595,14 @@
 <file path=ppt/slides/slide2.xml><?xml version="1.0" encoding="utf-8"?>
 <p:sld xmlns:a="http://schemas.openxmlformats.org/drawingml/2006/main" xmlns:r="http://schemas.openxmlformats.org/officeDocument/2006/relationships" xmlns:p="http://schemas.openxmlformats.org/presentationml/2006/main">
   <p:cSld>
+    <p:bg>
+      <p:bgPr>
+        <a:solidFill>
+          <a:schemeClr val="bg1"/>
+        </a:solidFill>
+        <a:effectLst/>
+      </p:bgPr>
+    </p:bg>
     <p:spTree>
       <p:nvGrpSpPr>
         <p:cNvPr id="1" name=""/>
@@ -14437,6 +17617,1031 @@
           <a:chExt cx="0" cy="0"/>
         </a:xfrm>
       </p:grpSpPr>
+      <p:sp useBgFill="1">
+        <p:nvSpPr>
+          <p:cNvPr id="9" name="Rectangle 8">
+            <a:extLst>
+              <a:ext uri="{FF2B5EF4-FFF2-40B4-BE49-F238E27FC236}">
+                <a16:creationId xmlns:a16="http://schemas.microsoft.com/office/drawing/2014/main" id="{17718681-A12E-49D6-9925-DD7C68176D61}"/>
+              </a:ext>
+              <a:ext uri="{C183D7F6-B498-43B3-948B-1728B52AA6E4}">
+                <adec:decorative xmlns:adec="http://schemas.microsoft.com/office/drawing/2017/decorative" val="1"/>
+              </a:ext>
+            </a:extLst>
+          </p:cNvPr>
+          <p:cNvSpPr>
+            <a:spLocks noGrp="1" noRot="1" noChangeAspect="1" noMove="1" noResize="1" noEditPoints="1" noAdjustHandles="1" noChangeArrowheads="1" noChangeShapeType="1" noTextEdit="1"/>
+          </p:cNvSpPr>
+          <p:nvPr>
+            <p:extLst>
+              <p:ext uri="{386F3935-93C4-4BCD-93E2-E3B085C9AB24}">
+                <p16:designElem xmlns:p16="http://schemas.microsoft.com/office/powerpoint/2015/main" val="1"/>
+              </p:ext>
+            </p:extLst>
+          </p:nvPr>
+        </p:nvSpPr>
+        <p:spPr>
+          <a:xfrm>
+            <a:off x="0" y="0"/>
+            <a:ext cx="12188952" cy="6858000"/>
+          </a:xfrm>
+          <a:prstGeom prst="rect">
+            <a:avLst/>
+          </a:prstGeom>
+          <a:ln>
+            <a:noFill/>
+          </a:ln>
+        </p:spPr>
+        <p:style>
+          <a:lnRef idx="2">
+            <a:schemeClr val="accent1">
+              <a:shade val="50000"/>
+            </a:schemeClr>
+          </a:lnRef>
+          <a:fillRef idx="1">
+            <a:schemeClr val="accent1"/>
+          </a:fillRef>
+          <a:effectRef idx="0">
+            <a:schemeClr val="accent1"/>
+          </a:effectRef>
+          <a:fontRef idx="minor">
+            <a:schemeClr val="lt1"/>
+          </a:fontRef>
+        </p:style>
+        <p:txBody>
+          <a:bodyPr rtlCol="0" anchor="ctr"/>
+          <a:lstStyle/>
+          <a:p>
+            <a:pPr algn="ctr"/>
+            <a:endParaRPr lang="en-US"/>
+          </a:p>
+        </p:txBody>
+      </p:sp>
+      <p:sp>
+        <p:nvSpPr>
+          <p:cNvPr id="11" name="Freeform: Shape 10">
+            <a:extLst>
+              <a:ext uri="{FF2B5EF4-FFF2-40B4-BE49-F238E27FC236}">
+                <a16:creationId xmlns:a16="http://schemas.microsoft.com/office/drawing/2014/main" id="{FBD77573-9EF2-4C35-8285-A1CF6FBB0EA5}"/>
+              </a:ext>
+              <a:ext uri="{C183D7F6-B498-43B3-948B-1728B52AA6E4}">
+                <adec:decorative xmlns:adec="http://schemas.microsoft.com/office/drawing/2017/decorative" val="1"/>
+              </a:ext>
+            </a:extLst>
+          </p:cNvPr>
+          <p:cNvSpPr>
+            <a:spLocks noGrp="1" noRot="1" noChangeAspect="1" noMove="1" noResize="1" noEditPoints="1" noAdjustHandles="1" noChangeArrowheads="1" noChangeShapeType="1" noTextEdit="1"/>
+          </p:cNvSpPr>
+          <p:nvPr>
+            <p:extLst>
+              <p:ext uri="{386F3935-93C4-4BCD-93E2-E3B085C9AB24}">
+                <p16:designElem xmlns:p16="http://schemas.microsoft.com/office/powerpoint/2015/main" val="1"/>
+              </p:ext>
+            </p:extLst>
+          </p:nvPr>
+        </p:nvSpPr>
+        <p:spPr>
+          <a:xfrm flipH="1">
+            <a:off x="1" y="0"/>
+            <a:ext cx="5511704" cy="6858000"/>
+          </a:xfrm>
+          <a:custGeom>
+            <a:avLst/>
+            <a:gdLst>
+              <a:gd name="connsiteX0" fmla="*/ 5511704 w 5511704"/>
+              <a:gd name="connsiteY0" fmla="*/ 0 h 6886576"/>
+              <a:gd name="connsiteX1" fmla="*/ 1008599 w 5511704"/>
+              <a:gd name="connsiteY1" fmla="*/ 0 h 6886576"/>
+              <a:gd name="connsiteX2" fmla="*/ 1310975 w 5511704"/>
+              <a:gd name="connsiteY2" fmla="*/ 110728 h 6886576"/>
+              <a:gd name="connsiteX3" fmla="*/ 1267362 w 5511704"/>
+              <a:gd name="connsiteY3" fmla="*/ 135731 h 6886576"/>
+              <a:gd name="connsiteX4" fmla="*/ 1005692 w 5511704"/>
+              <a:gd name="connsiteY4" fmla="*/ 71437 h 6886576"/>
+              <a:gd name="connsiteX5" fmla="*/ 953358 w 5511704"/>
+              <a:gd name="connsiteY5" fmla="*/ 89297 h 6886576"/>
+              <a:gd name="connsiteX6" fmla="*/ 979525 w 5511704"/>
+              <a:gd name="connsiteY6" fmla="*/ 164307 h 6886576"/>
+              <a:gd name="connsiteX7" fmla="*/ 1092915 w 5511704"/>
+              <a:gd name="connsiteY7" fmla="*/ 192882 h 6886576"/>
+              <a:gd name="connsiteX8" fmla="*/ 1270270 w 5511704"/>
+              <a:gd name="connsiteY8" fmla="*/ 375047 h 6886576"/>
+              <a:gd name="connsiteX9" fmla="*/ 1002784 w 5511704"/>
+              <a:gd name="connsiteY9" fmla="*/ 353615 h 6886576"/>
+              <a:gd name="connsiteX10" fmla="*/ 956265 w 5511704"/>
+              <a:gd name="connsiteY10" fmla="*/ 396479 h 6886576"/>
+              <a:gd name="connsiteX11" fmla="*/ 938820 w 5511704"/>
+              <a:gd name="connsiteY11" fmla="*/ 453629 h 6886576"/>
+              <a:gd name="connsiteX12" fmla="*/ 860319 w 5511704"/>
+              <a:gd name="connsiteY12" fmla="*/ 360759 h 6886576"/>
+              <a:gd name="connsiteX13" fmla="*/ 793447 w 5511704"/>
+              <a:gd name="connsiteY13" fmla="*/ 335757 h 6886576"/>
+              <a:gd name="connsiteX14" fmla="*/ 773095 w 5511704"/>
+              <a:gd name="connsiteY14" fmla="*/ 417910 h 6886576"/>
+              <a:gd name="connsiteX15" fmla="*/ 834151 w 5511704"/>
+              <a:gd name="connsiteY15" fmla="*/ 507206 h 6886576"/>
+              <a:gd name="connsiteX16" fmla="*/ 996969 w 5511704"/>
+              <a:gd name="connsiteY16" fmla="*/ 560785 h 6886576"/>
+              <a:gd name="connsiteX17" fmla="*/ 822522 w 5511704"/>
+              <a:gd name="connsiteY17" fmla="*/ 560785 h 6886576"/>
+              <a:gd name="connsiteX18" fmla="*/ 621908 w 5511704"/>
+              <a:gd name="connsiteY18" fmla="*/ 525066 h 6886576"/>
+              <a:gd name="connsiteX19" fmla="*/ 409664 w 5511704"/>
+              <a:gd name="connsiteY19" fmla="*/ 535781 h 6886576"/>
+              <a:gd name="connsiteX20" fmla="*/ 209049 w 5511704"/>
+              <a:gd name="connsiteY20" fmla="*/ 464344 h 6886576"/>
+              <a:gd name="connsiteX21" fmla="*/ 5527 w 5511704"/>
+              <a:gd name="connsiteY21" fmla="*/ 467916 h 6886576"/>
+              <a:gd name="connsiteX22" fmla="*/ 906838 w 5511704"/>
+              <a:gd name="connsiteY22" fmla="*/ 914400 h 6886576"/>
+              <a:gd name="connsiteX23" fmla="*/ 863226 w 5511704"/>
+              <a:gd name="connsiteY23" fmla="*/ 925116 h 6886576"/>
+              <a:gd name="connsiteX24" fmla="*/ 805077 w 5511704"/>
+              <a:gd name="connsiteY24" fmla="*/ 953691 h 6886576"/>
+              <a:gd name="connsiteX25" fmla="*/ 848689 w 5511704"/>
+              <a:gd name="connsiteY25" fmla="*/ 1010841 h 6886576"/>
+              <a:gd name="connsiteX26" fmla="*/ 1084193 w 5511704"/>
+              <a:gd name="connsiteY26" fmla="*/ 1117997 h 6886576"/>
+              <a:gd name="connsiteX27" fmla="*/ 1142342 w 5511704"/>
+              <a:gd name="connsiteY27" fmla="*/ 1225153 h 6886576"/>
+              <a:gd name="connsiteX28" fmla="*/ 1069655 w 5511704"/>
+              <a:gd name="connsiteY28" fmla="*/ 1214438 h 6886576"/>
+              <a:gd name="connsiteX29" fmla="*/ 1005692 w 5511704"/>
+              <a:gd name="connsiteY29" fmla="*/ 1235869 h 6886576"/>
+              <a:gd name="connsiteX30" fmla="*/ 1031858 w 5511704"/>
+              <a:gd name="connsiteY30" fmla="*/ 1371600 h 6886576"/>
+              <a:gd name="connsiteX31" fmla="*/ 1366216 w 5511704"/>
+              <a:gd name="connsiteY31" fmla="*/ 1546622 h 6886576"/>
+              <a:gd name="connsiteX32" fmla="*/ 1395290 w 5511704"/>
+              <a:gd name="connsiteY32" fmla="*/ 1603772 h 6886576"/>
+              <a:gd name="connsiteX33" fmla="*/ 1354586 w 5511704"/>
+              <a:gd name="connsiteY33" fmla="*/ 1643063 h 6886576"/>
+              <a:gd name="connsiteX34" fmla="*/ 1247011 w 5511704"/>
+              <a:gd name="connsiteY34" fmla="*/ 1664494 h 6886576"/>
+              <a:gd name="connsiteX35" fmla="*/ 1398198 w 5511704"/>
+              <a:gd name="connsiteY35" fmla="*/ 1857375 h 6886576"/>
+              <a:gd name="connsiteX36" fmla="*/ 1453440 w 5511704"/>
+              <a:gd name="connsiteY36" fmla="*/ 1910954 h 6886576"/>
+              <a:gd name="connsiteX37" fmla="*/ 1549386 w 5511704"/>
+              <a:gd name="connsiteY37" fmla="*/ 1993106 h 6886576"/>
+              <a:gd name="connsiteX38" fmla="*/ 1549386 w 5511704"/>
+              <a:gd name="connsiteY38" fmla="*/ 2021681 h 6886576"/>
+              <a:gd name="connsiteX39" fmla="*/ 1421458 w 5511704"/>
+              <a:gd name="connsiteY39" fmla="*/ 2110978 h 6886576"/>
+              <a:gd name="connsiteX40" fmla="*/ 1188861 w 5511704"/>
+              <a:gd name="connsiteY40" fmla="*/ 2085976 h 6886576"/>
+              <a:gd name="connsiteX41" fmla="*/ 1531941 w 5511704"/>
+              <a:gd name="connsiteY41" fmla="*/ 2218135 h 6886576"/>
+              <a:gd name="connsiteX42" fmla="*/ 421293 w 5511704"/>
+              <a:gd name="connsiteY42" fmla="*/ 1900238 h 6886576"/>
+              <a:gd name="connsiteX43" fmla="*/ 491072 w 5511704"/>
+              <a:gd name="connsiteY43" fmla="*/ 1982391 h 6886576"/>
+              <a:gd name="connsiteX44" fmla="*/ 880671 w 5511704"/>
+              <a:gd name="connsiteY44" fmla="*/ 2200276 h 6886576"/>
+              <a:gd name="connsiteX45" fmla="*/ 991154 w 5511704"/>
+              <a:gd name="connsiteY45" fmla="*/ 2336007 h 6886576"/>
+              <a:gd name="connsiteX46" fmla="*/ 1107453 w 5511704"/>
+              <a:gd name="connsiteY46" fmla="*/ 2411016 h 6886576"/>
+              <a:gd name="connsiteX47" fmla="*/ 1270270 w 5511704"/>
+              <a:gd name="connsiteY47" fmla="*/ 2411016 h 6886576"/>
+              <a:gd name="connsiteX48" fmla="*/ 1386568 w 5511704"/>
+              <a:gd name="connsiteY48" fmla="*/ 2528889 h 6886576"/>
+              <a:gd name="connsiteX49" fmla="*/ 1267362 w 5511704"/>
+              <a:gd name="connsiteY49" fmla="*/ 2553891 h 6886576"/>
+              <a:gd name="connsiteX50" fmla="*/ 1127805 w 5511704"/>
+              <a:gd name="connsiteY50" fmla="*/ 2536032 h 6886576"/>
+              <a:gd name="connsiteX51" fmla="*/ 970802 w 5511704"/>
+              <a:gd name="connsiteY51" fmla="*/ 2575322 h 6886576"/>
+              <a:gd name="connsiteX52" fmla="*/ 825429 w 5511704"/>
+              <a:gd name="connsiteY52" fmla="*/ 2543176 h 6886576"/>
+              <a:gd name="connsiteX53" fmla="*/ 650982 w 5511704"/>
+              <a:gd name="connsiteY53" fmla="*/ 2564607 h 6886576"/>
+              <a:gd name="connsiteX54" fmla="*/ 595740 w 5511704"/>
+              <a:gd name="connsiteY54" fmla="*/ 2703909 h 6886576"/>
+              <a:gd name="connsiteX55" fmla="*/ 578296 w 5511704"/>
+              <a:gd name="connsiteY55" fmla="*/ 2714626 h 6886576"/>
+              <a:gd name="connsiteX56" fmla="*/ 255568 w 5511704"/>
+              <a:gd name="connsiteY56" fmla="*/ 2936081 h 6886576"/>
+              <a:gd name="connsiteX57" fmla="*/ 165437 w 5511704"/>
+              <a:gd name="connsiteY57" fmla="*/ 2953941 h 6886576"/>
+              <a:gd name="connsiteX58" fmla="*/ 697501 w 5511704"/>
+              <a:gd name="connsiteY58" fmla="*/ 3343275 h 6886576"/>
+              <a:gd name="connsiteX59" fmla="*/ 339884 w 5511704"/>
+              <a:gd name="connsiteY59" fmla="*/ 3243263 h 6886576"/>
+              <a:gd name="connsiteX60" fmla="*/ 290458 w 5511704"/>
+              <a:gd name="connsiteY60" fmla="*/ 3407569 h 6886576"/>
+              <a:gd name="connsiteX61" fmla="*/ 459090 w 5511704"/>
+              <a:gd name="connsiteY61" fmla="*/ 3554016 h 6886576"/>
+              <a:gd name="connsiteX62" fmla="*/ 520147 w 5511704"/>
+              <a:gd name="connsiteY62" fmla="*/ 3843338 h 6886576"/>
+              <a:gd name="connsiteX63" fmla="*/ 491072 w 5511704"/>
+              <a:gd name="connsiteY63" fmla="*/ 4107657 h 6886576"/>
+              <a:gd name="connsiteX64" fmla="*/ 418386 w 5511704"/>
+              <a:gd name="connsiteY64" fmla="*/ 4189810 h 6886576"/>
+              <a:gd name="connsiteX65" fmla="*/ 313718 w 5511704"/>
+              <a:gd name="connsiteY65" fmla="*/ 4339829 h 6886576"/>
+              <a:gd name="connsiteX66" fmla="*/ 249753 w 5511704"/>
+              <a:gd name="connsiteY66" fmla="*/ 4432698 h 6886576"/>
+              <a:gd name="connsiteX67" fmla="*/ 25879 w 5511704"/>
+              <a:gd name="connsiteY67" fmla="*/ 4396979 h 6886576"/>
+              <a:gd name="connsiteX68" fmla="*/ 325347 w 5511704"/>
+              <a:gd name="connsiteY68" fmla="*/ 4632722 h 6886576"/>
+              <a:gd name="connsiteX69" fmla="*/ 84029 w 5511704"/>
+              <a:gd name="connsiteY69" fmla="*/ 4604147 h 6886576"/>
+              <a:gd name="connsiteX70" fmla="*/ 5527 w 5511704"/>
+              <a:gd name="connsiteY70" fmla="*/ 4622007 h 6886576"/>
+              <a:gd name="connsiteX71" fmla="*/ 49139 w 5511704"/>
+              <a:gd name="connsiteY71" fmla="*/ 4697016 h 6886576"/>
+              <a:gd name="connsiteX72" fmla="*/ 226494 w 5511704"/>
+              <a:gd name="connsiteY72" fmla="*/ 4825604 h 6886576"/>
+              <a:gd name="connsiteX73" fmla="*/ 592833 w 5511704"/>
+              <a:gd name="connsiteY73" fmla="*/ 5175647 h 6886576"/>
+              <a:gd name="connsiteX74" fmla="*/ 238123 w 5511704"/>
+              <a:gd name="connsiteY74" fmla="*/ 5014913 h 6886576"/>
+              <a:gd name="connsiteX75" fmla="*/ 610278 w 5511704"/>
+              <a:gd name="connsiteY75" fmla="*/ 5375673 h 6886576"/>
+              <a:gd name="connsiteX76" fmla="*/ 691686 w 5511704"/>
+              <a:gd name="connsiteY76" fmla="*/ 5497116 h 6886576"/>
+              <a:gd name="connsiteX77" fmla="*/ 860319 w 5511704"/>
+              <a:gd name="connsiteY77" fmla="*/ 5793582 h 6886576"/>
+              <a:gd name="connsiteX78" fmla="*/ 851597 w 5511704"/>
+              <a:gd name="connsiteY78" fmla="*/ 5825729 h 6886576"/>
+              <a:gd name="connsiteX79" fmla="*/ 659704 w 5511704"/>
+              <a:gd name="connsiteY79" fmla="*/ 5779295 h 6886576"/>
+              <a:gd name="connsiteX80" fmla="*/ 909746 w 5511704"/>
+              <a:gd name="connsiteY80" fmla="*/ 6029326 h 6886576"/>
+              <a:gd name="connsiteX81" fmla="*/ 1168509 w 5511704"/>
+              <a:gd name="connsiteY81" fmla="*/ 6222207 h 6886576"/>
+              <a:gd name="connsiteX82" fmla="*/ 985339 w 5511704"/>
+              <a:gd name="connsiteY82" fmla="*/ 6193632 h 6886576"/>
+              <a:gd name="connsiteX83" fmla="*/ 732391 w 5511704"/>
+              <a:gd name="connsiteY83" fmla="*/ 6082904 h 6886576"/>
+              <a:gd name="connsiteX84" fmla="*/ 645167 w 5511704"/>
+              <a:gd name="connsiteY84" fmla="*/ 6125766 h 6886576"/>
+              <a:gd name="connsiteX85" fmla="*/ 883579 w 5511704"/>
+              <a:gd name="connsiteY85" fmla="*/ 6307932 h 6886576"/>
+              <a:gd name="connsiteX86" fmla="*/ 1020229 w 5511704"/>
+              <a:gd name="connsiteY86" fmla="*/ 6393657 h 6886576"/>
+              <a:gd name="connsiteX87" fmla="*/ 1075471 w 5511704"/>
+              <a:gd name="connsiteY87" fmla="*/ 6457950 h 6886576"/>
+              <a:gd name="connsiteX88" fmla="*/ 1232473 w 5511704"/>
+              <a:gd name="connsiteY88" fmla="*/ 6686551 h 6886576"/>
+              <a:gd name="connsiteX89" fmla="*/ 1592997 w 5511704"/>
+              <a:gd name="connsiteY89" fmla="*/ 6886576 h 6886576"/>
+              <a:gd name="connsiteX90" fmla="*/ 5511704 w 5511704"/>
+              <a:gd name="connsiteY90" fmla="*/ 6886576 h 6886576"/>
+            </a:gdLst>
+            <a:ahLst/>
+            <a:cxnLst>
+              <a:cxn ang="0">
+                <a:pos x="connsiteX0" y="connsiteY0"/>
+              </a:cxn>
+              <a:cxn ang="0">
+                <a:pos x="connsiteX1" y="connsiteY1"/>
+              </a:cxn>
+              <a:cxn ang="0">
+                <a:pos x="connsiteX2" y="connsiteY2"/>
+              </a:cxn>
+              <a:cxn ang="0">
+                <a:pos x="connsiteX3" y="connsiteY3"/>
+              </a:cxn>
+              <a:cxn ang="0">
+                <a:pos x="connsiteX4" y="connsiteY4"/>
+              </a:cxn>
+              <a:cxn ang="0">
+                <a:pos x="connsiteX5" y="connsiteY5"/>
+              </a:cxn>
+              <a:cxn ang="0">
+                <a:pos x="connsiteX6" y="connsiteY6"/>
+              </a:cxn>
+              <a:cxn ang="0">
+                <a:pos x="connsiteX7" y="connsiteY7"/>
+              </a:cxn>
+              <a:cxn ang="0">
+                <a:pos x="connsiteX8" y="connsiteY8"/>
+              </a:cxn>
+              <a:cxn ang="0">
+                <a:pos x="connsiteX9" y="connsiteY9"/>
+              </a:cxn>
+              <a:cxn ang="0">
+                <a:pos x="connsiteX10" y="connsiteY10"/>
+              </a:cxn>
+              <a:cxn ang="0">
+                <a:pos x="connsiteX11" y="connsiteY11"/>
+              </a:cxn>
+              <a:cxn ang="0">
+                <a:pos x="connsiteX12" y="connsiteY12"/>
+              </a:cxn>
+              <a:cxn ang="0">
+                <a:pos x="connsiteX13" y="connsiteY13"/>
+              </a:cxn>
+              <a:cxn ang="0">
+                <a:pos x="connsiteX14" y="connsiteY14"/>
+              </a:cxn>
+              <a:cxn ang="0">
+                <a:pos x="connsiteX15" y="connsiteY15"/>
+              </a:cxn>
+              <a:cxn ang="0">
+                <a:pos x="connsiteX16" y="connsiteY16"/>
+              </a:cxn>
+              <a:cxn ang="0">
+                <a:pos x="connsiteX17" y="connsiteY17"/>
+              </a:cxn>
+              <a:cxn ang="0">
+                <a:pos x="connsiteX18" y="connsiteY18"/>
+              </a:cxn>
+              <a:cxn ang="0">
+                <a:pos x="connsiteX19" y="connsiteY19"/>
+              </a:cxn>
+              <a:cxn ang="0">
+                <a:pos x="connsiteX20" y="connsiteY20"/>
+              </a:cxn>
+              <a:cxn ang="0">
+                <a:pos x="connsiteX21" y="connsiteY21"/>
+              </a:cxn>
+              <a:cxn ang="0">
+                <a:pos x="connsiteX22" y="connsiteY22"/>
+              </a:cxn>
+              <a:cxn ang="0">
+                <a:pos x="connsiteX23" y="connsiteY23"/>
+              </a:cxn>
+              <a:cxn ang="0">
+                <a:pos x="connsiteX24" y="connsiteY24"/>
+              </a:cxn>
+              <a:cxn ang="0">
+                <a:pos x="connsiteX25" y="connsiteY25"/>
+              </a:cxn>
+              <a:cxn ang="0">
+                <a:pos x="connsiteX26" y="connsiteY26"/>
+              </a:cxn>
+              <a:cxn ang="0">
+                <a:pos x="connsiteX27" y="connsiteY27"/>
+              </a:cxn>
+              <a:cxn ang="0">
+                <a:pos x="connsiteX28" y="connsiteY28"/>
+              </a:cxn>
+              <a:cxn ang="0">
+                <a:pos x="connsiteX29" y="connsiteY29"/>
+              </a:cxn>
+              <a:cxn ang="0">
+                <a:pos x="connsiteX30" y="connsiteY30"/>
+              </a:cxn>
+              <a:cxn ang="0">
+                <a:pos x="connsiteX31" y="connsiteY31"/>
+              </a:cxn>
+              <a:cxn ang="0">
+                <a:pos x="connsiteX32" y="connsiteY32"/>
+              </a:cxn>
+              <a:cxn ang="0">
+                <a:pos x="connsiteX33" y="connsiteY33"/>
+              </a:cxn>
+              <a:cxn ang="0">
+                <a:pos x="connsiteX34" y="connsiteY34"/>
+              </a:cxn>
+              <a:cxn ang="0">
+                <a:pos x="connsiteX35" y="connsiteY35"/>
+              </a:cxn>
+              <a:cxn ang="0">
+                <a:pos x="connsiteX36" y="connsiteY36"/>
+              </a:cxn>
+              <a:cxn ang="0">
+                <a:pos x="connsiteX37" y="connsiteY37"/>
+              </a:cxn>
+              <a:cxn ang="0">
+                <a:pos x="connsiteX38" y="connsiteY38"/>
+              </a:cxn>
+              <a:cxn ang="0">
+                <a:pos x="connsiteX39" y="connsiteY39"/>
+              </a:cxn>
+              <a:cxn ang="0">
+                <a:pos x="connsiteX40" y="connsiteY40"/>
+              </a:cxn>
+              <a:cxn ang="0">
+                <a:pos x="connsiteX41" y="connsiteY41"/>
+              </a:cxn>
+              <a:cxn ang="0">
+                <a:pos x="connsiteX42" y="connsiteY42"/>
+              </a:cxn>
+              <a:cxn ang="0">
+                <a:pos x="connsiteX43" y="connsiteY43"/>
+              </a:cxn>
+              <a:cxn ang="0">
+                <a:pos x="connsiteX44" y="connsiteY44"/>
+              </a:cxn>
+              <a:cxn ang="0">
+                <a:pos x="connsiteX45" y="connsiteY45"/>
+              </a:cxn>
+              <a:cxn ang="0">
+                <a:pos x="connsiteX46" y="connsiteY46"/>
+              </a:cxn>
+              <a:cxn ang="0">
+                <a:pos x="connsiteX47" y="connsiteY47"/>
+              </a:cxn>
+              <a:cxn ang="0">
+                <a:pos x="connsiteX48" y="connsiteY48"/>
+              </a:cxn>
+              <a:cxn ang="0">
+                <a:pos x="connsiteX49" y="connsiteY49"/>
+              </a:cxn>
+              <a:cxn ang="0">
+                <a:pos x="connsiteX50" y="connsiteY50"/>
+              </a:cxn>
+              <a:cxn ang="0">
+                <a:pos x="connsiteX51" y="connsiteY51"/>
+              </a:cxn>
+              <a:cxn ang="0">
+                <a:pos x="connsiteX52" y="connsiteY52"/>
+              </a:cxn>
+              <a:cxn ang="0">
+                <a:pos x="connsiteX53" y="connsiteY53"/>
+              </a:cxn>
+              <a:cxn ang="0">
+                <a:pos x="connsiteX54" y="connsiteY54"/>
+              </a:cxn>
+              <a:cxn ang="0">
+                <a:pos x="connsiteX55" y="connsiteY55"/>
+              </a:cxn>
+              <a:cxn ang="0">
+                <a:pos x="connsiteX56" y="connsiteY56"/>
+              </a:cxn>
+              <a:cxn ang="0">
+                <a:pos x="connsiteX57" y="connsiteY57"/>
+              </a:cxn>
+              <a:cxn ang="0">
+                <a:pos x="connsiteX58" y="connsiteY58"/>
+              </a:cxn>
+              <a:cxn ang="0">
+                <a:pos x="connsiteX59" y="connsiteY59"/>
+              </a:cxn>
+              <a:cxn ang="0">
+                <a:pos x="connsiteX60" y="connsiteY60"/>
+              </a:cxn>
+              <a:cxn ang="0">
+                <a:pos x="connsiteX61" y="connsiteY61"/>
+              </a:cxn>
+              <a:cxn ang="0">
+                <a:pos x="connsiteX62" y="connsiteY62"/>
+              </a:cxn>
+              <a:cxn ang="0">
+                <a:pos x="connsiteX63" y="connsiteY63"/>
+              </a:cxn>
+              <a:cxn ang="0">
+                <a:pos x="connsiteX64" y="connsiteY64"/>
+              </a:cxn>
+              <a:cxn ang="0">
+                <a:pos x="connsiteX65" y="connsiteY65"/>
+              </a:cxn>
+              <a:cxn ang="0">
+                <a:pos x="connsiteX66" y="connsiteY66"/>
+              </a:cxn>
+              <a:cxn ang="0">
+                <a:pos x="connsiteX67" y="connsiteY67"/>
+              </a:cxn>
+              <a:cxn ang="0">
+                <a:pos x="connsiteX68" y="connsiteY68"/>
+              </a:cxn>
+              <a:cxn ang="0">
+                <a:pos x="connsiteX69" y="connsiteY69"/>
+              </a:cxn>
+              <a:cxn ang="0">
+                <a:pos x="connsiteX70" y="connsiteY70"/>
+              </a:cxn>
+              <a:cxn ang="0">
+                <a:pos x="connsiteX71" y="connsiteY71"/>
+              </a:cxn>
+              <a:cxn ang="0">
+                <a:pos x="connsiteX72" y="connsiteY72"/>
+              </a:cxn>
+              <a:cxn ang="0">
+                <a:pos x="connsiteX73" y="connsiteY73"/>
+              </a:cxn>
+              <a:cxn ang="0">
+                <a:pos x="connsiteX74" y="connsiteY74"/>
+              </a:cxn>
+              <a:cxn ang="0">
+                <a:pos x="connsiteX75" y="connsiteY75"/>
+              </a:cxn>
+              <a:cxn ang="0">
+                <a:pos x="connsiteX76" y="connsiteY76"/>
+              </a:cxn>
+              <a:cxn ang="0">
+                <a:pos x="connsiteX77" y="connsiteY77"/>
+              </a:cxn>
+              <a:cxn ang="0">
+                <a:pos x="connsiteX78" y="connsiteY78"/>
+              </a:cxn>
+              <a:cxn ang="0">
+                <a:pos x="connsiteX79" y="connsiteY79"/>
+              </a:cxn>
+              <a:cxn ang="0">
+                <a:pos x="connsiteX80" y="connsiteY80"/>
+              </a:cxn>
+              <a:cxn ang="0">
+                <a:pos x="connsiteX81" y="connsiteY81"/>
+              </a:cxn>
+              <a:cxn ang="0">
+                <a:pos x="connsiteX82" y="connsiteY82"/>
+              </a:cxn>
+              <a:cxn ang="0">
+                <a:pos x="connsiteX83" y="connsiteY83"/>
+              </a:cxn>
+              <a:cxn ang="0">
+                <a:pos x="connsiteX84" y="connsiteY84"/>
+              </a:cxn>
+              <a:cxn ang="0">
+                <a:pos x="connsiteX85" y="connsiteY85"/>
+              </a:cxn>
+              <a:cxn ang="0">
+                <a:pos x="connsiteX86" y="connsiteY86"/>
+              </a:cxn>
+              <a:cxn ang="0">
+                <a:pos x="connsiteX87" y="connsiteY87"/>
+              </a:cxn>
+              <a:cxn ang="0">
+                <a:pos x="connsiteX88" y="connsiteY88"/>
+              </a:cxn>
+              <a:cxn ang="0">
+                <a:pos x="connsiteX89" y="connsiteY89"/>
+              </a:cxn>
+              <a:cxn ang="0">
+                <a:pos x="connsiteX90" y="connsiteY90"/>
+              </a:cxn>
+            </a:cxnLst>
+            <a:rect l="l" t="t" r="r" b="b"/>
+            <a:pathLst>
+              <a:path w="5511704" h="6886576">
+                <a:moveTo>
+                  <a:pt x="5511704" y="0"/>
+                </a:moveTo>
+                <a:lnTo>
+                  <a:pt x="1008599" y="0"/>
+                </a:lnTo>
+                <a:cubicBezTo>
+                  <a:pt x="1110360" y="35719"/>
+                  <a:pt x="1209214" y="78581"/>
+                  <a:pt x="1310975" y="110728"/>
+                </a:cubicBezTo>
+                <a:cubicBezTo>
+                  <a:pt x="1296437" y="146447"/>
+                  <a:pt x="1281900" y="139303"/>
+                  <a:pt x="1267362" y="135731"/>
+                </a:cubicBezTo>
+                <a:cubicBezTo>
+                  <a:pt x="1180139" y="121445"/>
+                  <a:pt x="1090008" y="110728"/>
+                  <a:pt x="1005692" y="71437"/>
+                </a:cubicBezTo>
+                <a:cubicBezTo>
+                  <a:pt x="985339" y="64294"/>
+                  <a:pt x="962080" y="64294"/>
+                  <a:pt x="953358" y="89297"/>
+                </a:cubicBezTo>
+                <a:cubicBezTo>
+                  <a:pt x="938820" y="125016"/>
+                  <a:pt x="959172" y="146447"/>
+                  <a:pt x="979525" y="164307"/>
+                </a:cubicBezTo>
+                <a:cubicBezTo>
+                  <a:pt x="1014414" y="196453"/>
+                  <a:pt x="1055118" y="189310"/>
+                  <a:pt x="1092915" y="192882"/>
+                </a:cubicBezTo>
+                <a:cubicBezTo>
+                  <a:pt x="1197583" y="210741"/>
+                  <a:pt x="1247011" y="260747"/>
+                  <a:pt x="1270270" y="375047"/>
+                </a:cubicBezTo>
+                <a:cubicBezTo>
+                  <a:pt x="1180139" y="328613"/>
+                  <a:pt x="1090008" y="385763"/>
+                  <a:pt x="1002784" y="353615"/>
+                </a:cubicBezTo>
+                <a:cubicBezTo>
+                  <a:pt x="979525" y="346472"/>
+                  <a:pt x="944635" y="357188"/>
+                  <a:pt x="956265" y="396479"/>
+                </a:cubicBezTo>
+                <a:cubicBezTo>
+                  <a:pt x="967894" y="432198"/>
+                  <a:pt x="1005692" y="460772"/>
+                  <a:pt x="938820" y="453629"/>
+                </a:cubicBezTo>
+                <a:cubicBezTo>
+                  <a:pt x="889393" y="450056"/>
+                  <a:pt x="874856" y="407194"/>
+                  <a:pt x="860319" y="360759"/>
+                </a:cubicBezTo>
+                <a:cubicBezTo>
+                  <a:pt x="848689" y="335757"/>
+                  <a:pt x="816707" y="321469"/>
+                  <a:pt x="793447" y="335757"/>
+                </a:cubicBezTo>
+                <a:cubicBezTo>
+                  <a:pt x="764373" y="350044"/>
+                  <a:pt x="773095" y="389335"/>
+                  <a:pt x="773095" y="417910"/>
+                </a:cubicBezTo>
+                <a:cubicBezTo>
+                  <a:pt x="770187" y="471488"/>
+                  <a:pt x="793447" y="496491"/>
+                  <a:pt x="834151" y="507206"/>
+                </a:cubicBezTo>
+                <a:cubicBezTo>
+                  <a:pt x="883579" y="521494"/>
+                  <a:pt x="933005" y="539354"/>
+                  <a:pt x="996969" y="560785"/>
+                </a:cubicBezTo>
+                <a:cubicBezTo>
+                  <a:pt x="927190" y="596503"/>
+                  <a:pt x="874856" y="589360"/>
+                  <a:pt x="822522" y="560785"/>
+                </a:cubicBezTo>
+                <a:cubicBezTo>
+                  <a:pt x="758558" y="528637"/>
+                  <a:pt x="674242" y="485775"/>
+                  <a:pt x="621908" y="525066"/>
+                </a:cubicBezTo>
+                <a:cubicBezTo>
+                  <a:pt x="543407" y="582216"/>
+                  <a:pt x="479443" y="546497"/>
+                  <a:pt x="409664" y="535781"/>
+                </a:cubicBezTo>
+                <a:cubicBezTo>
+                  <a:pt x="264290" y="514350"/>
+                  <a:pt x="354422" y="482204"/>
+                  <a:pt x="209049" y="464344"/>
+                </a:cubicBezTo>
+                <a:cubicBezTo>
+                  <a:pt x="150900" y="457200"/>
+                  <a:pt x="89843" y="428625"/>
+                  <a:pt x="5527" y="467916"/>
+                </a:cubicBezTo>
+                <a:cubicBezTo>
+                  <a:pt x="386404" y="675085"/>
+                  <a:pt x="566666" y="660797"/>
+                  <a:pt x="906838" y="914400"/>
+                </a:cubicBezTo>
+                <a:cubicBezTo>
+                  <a:pt x="892301" y="939404"/>
+                  <a:pt x="877764" y="928688"/>
+                  <a:pt x="863226" y="925116"/>
+                </a:cubicBezTo>
+                <a:cubicBezTo>
+                  <a:pt x="839967" y="921544"/>
+                  <a:pt x="810892" y="907256"/>
+                  <a:pt x="805077" y="953691"/>
+                </a:cubicBezTo>
+                <a:cubicBezTo>
+                  <a:pt x="802169" y="989410"/>
+                  <a:pt x="819615" y="1007269"/>
+                  <a:pt x="848689" y="1010841"/>
+                </a:cubicBezTo>
+                <a:cubicBezTo>
+                  <a:pt x="933005" y="1025129"/>
+                  <a:pt x="1008599" y="1075135"/>
+                  <a:pt x="1084193" y="1117997"/>
+                </a:cubicBezTo>
+                <a:cubicBezTo>
+                  <a:pt x="1119082" y="1135857"/>
+                  <a:pt x="1156879" y="1160860"/>
+                  <a:pt x="1142342" y="1225153"/>
+                </a:cubicBezTo>
+                <a:cubicBezTo>
+                  <a:pt x="1113268" y="1243013"/>
+                  <a:pt x="1092915" y="1218009"/>
+                  <a:pt x="1069655" y="1214438"/>
+                </a:cubicBezTo>
+                <a:cubicBezTo>
+                  <a:pt x="1046396" y="1210866"/>
+                  <a:pt x="991154" y="1225153"/>
+                  <a:pt x="1005692" y="1235869"/>
+                </a:cubicBezTo>
+                <a:cubicBezTo>
+                  <a:pt x="1072563" y="1275159"/>
+                  <a:pt x="950450" y="1371600"/>
+                  <a:pt x="1031858" y="1371600"/>
+                </a:cubicBezTo>
+                <a:cubicBezTo>
+                  <a:pt x="1165601" y="1371600"/>
+                  <a:pt x="1238288" y="1543050"/>
+                  <a:pt x="1366216" y="1546622"/>
+                </a:cubicBezTo>
+                <a:cubicBezTo>
+                  <a:pt x="1386568" y="1546622"/>
+                  <a:pt x="1395290" y="1578770"/>
+                  <a:pt x="1395290" y="1603772"/>
+                </a:cubicBezTo>
+                <a:cubicBezTo>
+                  <a:pt x="1395290" y="1635920"/>
+                  <a:pt x="1374939" y="1639491"/>
+                  <a:pt x="1354586" y="1643063"/>
+                </a:cubicBezTo>
+                <a:cubicBezTo>
+                  <a:pt x="1322604" y="1646635"/>
+                  <a:pt x="1287715" y="1603772"/>
+                  <a:pt x="1247011" y="1664494"/>
+                </a:cubicBezTo>
+                <a:cubicBezTo>
+                  <a:pt x="1322604" y="1700213"/>
+                  <a:pt x="1401105" y="1735932"/>
+                  <a:pt x="1398198" y="1857375"/>
+                </a:cubicBezTo>
+                <a:cubicBezTo>
+                  <a:pt x="1398198" y="1889523"/>
+                  <a:pt x="1430180" y="1903810"/>
+                  <a:pt x="1453440" y="1910954"/>
+                </a:cubicBezTo>
+                <a:cubicBezTo>
+                  <a:pt x="1494144" y="1925241"/>
+                  <a:pt x="1526126" y="1946673"/>
+                  <a:pt x="1549386" y="1993106"/>
+                </a:cubicBezTo>
+                <a:cubicBezTo>
+                  <a:pt x="1549386" y="2003822"/>
+                  <a:pt x="1549386" y="2010966"/>
+                  <a:pt x="1549386" y="2021681"/>
+                </a:cubicBezTo>
+                <a:cubicBezTo>
+                  <a:pt x="1543571" y="2132410"/>
+                  <a:pt x="1485422" y="2128838"/>
+                  <a:pt x="1421458" y="2110978"/>
+                </a:cubicBezTo>
+                <a:cubicBezTo>
+                  <a:pt x="1345864" y="2089547"/>
+                  <a:pt x="1270270" y="2046685"/>
+                  <a:pt x="1188861" y="2085976"/>
+                </a:cubicBezTo>
+                <a:cubicBezTo>
+                  <a:pt x="1302252" y="2139554"/>
+                  <a:pt x="1427272" y="2143126"/>
+                  <a:pt x="1531941" y="2218135"/>
+                </a:cubicBezTo>
+                <a:cubicBezTo>
+                  <a:pt x="1142342" y="2232422"/>
+                  <a:pt x="799262" y="1993106"/>
+                  <a:pt x="421293" y="1900238"/>
+                </a:cubicBezTo>
+                <a:cubicBezTo>
+                  <a:pt x="432923" y="1960960"/>
+                  <a:pt x="464905" y="1975247"/>
+                  <a:pt x="491072" y="1982391"/>
+                </a:cubicBezTo>
+                <a:cubicBezTo>
+                  <a:pt x="630630" y="2028825"/>
+                  <a:pt x="752743" y="2121695"/>
+                  <a:pt x="880671" y="2200276"/>
+                </a:cubicBezTo>
+                <a:cubicBezTo>
+                  <a:pt x="933005" y="2232422"/>
+                  <a:pt x="970802" y="2268142"/>
+                  <a:pt x="991154" y="2336007"/>
+                </a:cubicBezTo>
+                <a:cubicBezTo>
+                  <a:pt x="1008599" y="2400300"/>
+                  <a:pt x="1043489" y="2428875"/>
+                  <a:pt x="1107453" y="2411016"/>
+                </a:cubicBezTo>
+                <a:cubicBezTo>
+                  <a:pt x="1159787" y="2396729"/>
+                  <a:pt x="1215029" y="2403873"/>
+                  <a:pt x="1270270" y="2411016"/>
+                </a:cubicBezTo>
+                <a:cubicBezTo>
+                  <a:pt x="1331326" y="2418160"/>
+                  <a:pt x="1401105" y="2489597"/>
+                  <a:pt x="1386568" y="2528889"/>
+                </a:cubicBezTo>
+                <a:cubicBezTo>
+                  <a:pt x="1357494" y="2593182"/>
+                  <a:pt x="1308067" y="2561035"/>
+                  <a:pt x="1267362" y="2553891"/>
+                </a:cubicBezTo>
+                <a:cubicBezTo>
+                  <a:pt x="1217936" y="2546748"/>
+                  <a:pt x="1127805" y="2528889"/>
+                  <a:pt x="1127805" y="2536032"/>
+                </a:cubicBezTo>
+                <a:cubicBezTo>
+                  <a:pt x="1095822" y="2696766"/>
+                  <a:pt x="1023136" y="2575322"/>
+                  <a:pt x="970802" y="2575322"/>
+                </a:cubicBezTo>
+                <a:cubicBezTo>
+                  <a:pt x="921375" y="2575322"/>
+                  <a:pt x="871949" y="2557463"/>
+                  <a:pt x="825429" y="2543176"/>
+                </a:cubicBezTo>
+                <a:cubicBezTo>
+                  <a:pt x="764373" y="2525316"/>
+                  <a:pt x="709132" y="2557463"/>
+                  <a:pt x="650982" y="2564607"/>
+                </a:cubicBezTo>
+                <a:cubicBezTo>
+                  <a:pt x="598648" y="2571751"/>
+                  <a:pt x="627722" y="2664620"/>
+                  <a:pt x="595740" y="2703909"/>
+                </a:cubicBezTo>
+                <a:cubicBezTo>
+                  <a:pt x="589926" y="2714626"/>
+                  <a:pt x="584111" y="2714626"/>
+                  <a:pt x="578296" y="2714626"/>
+                </a:cubicBezTo>
+                <a:cubicBezTo>
+                  <a:pt x="560851" y="2993232"/>
+                  <a:pt x="255568" y="2925366"/>
+                  <a:pt x="255568" y="2936081"/>
+                </a:cubicBezTo>
+                <a:cubicBezTo>
+                  <a:pt x="229401" y="2953941"/>
+                  <a:pt x="197419" y="2911079"/>
+                  <a:pt x="165437" y="2953941"/>
+                </a:cubicBezTo>
+                <a:cubicBezTo>
+                  <a:pt x="302087" y="3150394"/>
+                  <a:pt x="511425" y="3196828"/>
+                  <a:pt x="697501" y="3343275"/>
+                </a:cubicBezTo>
+                <a:cubicBezTo>
+                  <a:pt x="543407" y="3393282"/>
+                  <a:pt x="453275" y="3221832"/>
+                  <a:pt x="339884" y="3243263"/>
+                </a:cubicBezTo>
+                <a:cubicBezTo>
+                  <a:pt x="284643" y="3296842"/>
+                  <a:pt x="450368" y="3382566"/>
+                  <a:pt x="290458" y="3407569"/>
+                </a:cubicBezTo>
+                <a:cubicBezTo>
+                  <a:pt x="360236" y="3454004"/>
+                  <a:pt x="409664" y="3500439"/>
+                  <a:pt x="459090" y="3554016"/>
+                </a:cubicBezTo>
+                <a:cubicBezTo>
+                  <a:pt x="543407" y="3650457"/>
+                  <a:pt x="560851" y="3714751"/>
+                  <a:pt x="520147" y="3843338"/>
+                </a:cubicBezTo>
+                <a:cubicBezTo>
+                  <a:pt x="493979" y="3929063"/>
+                  <a:pt x="456183" y="4007645"/>
+                  <a:pt x="491072" y="4107657"/>
+                </a:cubicBezTo>
+                <a:cubicBezTo>
+                  <a:pt x="514332" y="4175522"/>
+                  <a:pt x="505609" y="4221957"/>
+                  <a:pt x="418386" y="4189810"/>
+                </a:cubicBezTo>
+                <a:cubicBezTo>
+                  <a:pt x="325347" y="4157663"/>
+                  <a:pt x="290458" y="4218386"/>
+                  <a:pt x="313718" y="4339829"/>
+                </a:cubicBezTo>
+                <a:cubicBezTo>
+                  <a:pt x="328254" y="4418410"/>
+                  <a:pt x="313718" y="4443413"/>
+                  <a:pt x="249753" y="4432698"/>
+                </a:cubicBezTo>
+                <a:cubicBezTo>
+                  <a:pt x="179975" y="4421982"/>
+                  <a:pt x="113103" y="4371976"/>
+                  <a:pt x="25879" y="4396979"/>
+                </a:cubicBezTo>
+                <a:cubicBezTo>
+                  <a:pt x="95658" y="4539854"/>
+                  <a:pt x="243939" y="4496991"/>
+                  <a:pt x="325347" y="4632722"/>
+                </a:cubicBezTo>
+                <a:cubicBezTo>
+                  <a:pt x="229401" y="4632722"/>
+                  <a:pt x="153807" y="4632722"/>
+                  <a:pt x="84029" y="4604147"/>
+                </a:cubicBezTo>
+                <a:cubicBezTo>
+                  <a:pt x="54954" y="4593433"/>
+                  <a:pt x="22972" y="4579145"/>
+                  <a:pt x="5527" y="4622007"/>
+                </a:cubicBezTo>
+                <a:cubicBezTo>
+                  <a:pt x="-14826" y="4672014"/>
+                  <a:pt x="25879" y="4689872"/>
+                  <a:pt x="49139" y="4697016"/>
+                </a:cubicBezTo>
+                <a:cubicBezTo>
+                  <a:pt x="116011" y="4722019"/>
+                  <a:pt x="168344" y="4779170"/>
+                  <a:pt x="226494" y="4825604"/>
+                </a:cubicBezTo>
+                <a:cubicBezTo>
+                  <a:pt x="351514" y="4925616"/>
+                  <a:pt x="488165" y="5011341"/>
+                  <a:pt x="592833" y="5175647"/>
+                </a:cubicBezTo>
+                <a:cubicBezTo>
+                  <a:pt x="461997" y="5132785"/>
+                  <a:pt x="363144" y="5032772"/>
+                  <a:pt x="238123" y="5014913"/>
+                </a:cubicBezTo>
+                <a:cubicBezTo>
+                  <a:pt x="345700" y="5164932"/>
+                  <a:pt x="482350" y="5264944"/>
+                  <a:pt x="610278" y="5375673"/>
+                </a:cubicBezTo>
+                <a:cubicBezTo>
+                  <a:pt x="648075" y="5407819"/>
+                  <a:pt x="685872" y="5429250"/>
+                  <a:pt x="691686" y="5497116"/>
+                </a:cubicBezTo>
+                <a:cubicBezTo>
+                  <a:pt x="709132" y="5629276"/>
+                  <a:pt x="755650" y="5736432"/>
+                  <a:pt x="860319" y="5793582"/>
+                </a:cubicBezTo>
+                <a:cubicBezTo>
+                  <a:pt x="860319" y="5793582"/>
+                  <a:pt x="854504" y="5815013"/>
+                  <a:pt x="851597" y="5825729"/>
+                </a:cubicBezTo>
+                <a:cubicBezTo>
+                  <a:pt x="787632" y="5829301"/>
+                  <a:pt x="738206" y="5750720"/>
+                  <a:pt x="659704" y="5779295"/>
+                </a:cubicBezTo>
+                <a:cubicBezTo>
+                  <a:pt x="738206" y="5886451"/>
+                  <a:pt x="802169" y="5979319"/>
+                  <a:pt x="909746" y="6029326"/>
+                </a:cubicBezTo>
+                <a:cubicBezTo>
+                  <a:pt x="996969" y="6068616"/>
+                  <a:pt x="1104545" y="6093620"/>
+                  <a:pt x="1168509" y="6222207"/>
+                </a:cubicBezTo>
+                <a:cubicBezTo>
+                  <a:pt x="1095822" y="6247210"/>
+                  <a:pt x="1040581" y="6215063"/>
+                  <a:pt x="985339" y="6193632"/>
+                </a:cubicBezTo>
+                <a:cubicBezTo>
+                  <a:pt x="901023" y="6157913"/>
+                  <a:pt x="816707" y="6118623"/>
+                  <a:pt x="732391" y="6082904"/>
+                </a:cubicBezTo>
+                <a:cubicBezTo>
+                  <a:pt x="700408" y="6068616"/>
+                  <a:pt x="665519" y="6061472"/>
+                  <a:pt x="645167" y="6125766"/>
+                </a:cubicBezTo>
+                <a:cubicBezTo>
+                  <a:pt x="752743" y="6140053"/>
+                  <a:pt x="816707" y="6225779"/>
+                  <a:pt x="883579" y="6307932"/>
+                </a:cubicBezTo>
+                <a:cubicBezTo>
+                  <a:pt x="921375" y="6354366"/>
+                  <a:pt x="953358" y="6415088"/>
+                  <a:pt x="1020229" y="6393657"/>
+                </a:cubicBezTo>
+                <a:cubicBezTo>
+                  <a:pt x="1055118" y="6382942"/>
+                  <a:pt x="1078378" y="6415088"/>
+                  <a:pt x="1075471" y="6457950"/>
+                </a:cubicBezTo>
+                <a:cubicBezTo>
+                  <a:pt x="1060933" y="6607970"/>
+                  <a:pt x="1145250" y="6657976"/>
+                  <a:pt x="1232473" y="6686551"/>
+                </a:cubicBezTo>
+                <a:cubicBezTo>
+                  <a:pt x="1360401" y="6729413"/>
+                  <a:pt x="1473792" y="6815138"/>
+                  <a:pt x="1592997" y="6886576"/>
+                </a:cubicBezTo>
+                <a:lnTo>
+                  <a:pt x="5511704" y="6886576"/>
+                </a:lnTo>
+                <a:close/>
+              </a:path>
+            </a:pathLst>
+          </a:custGeom>
+          <a:solidFill>
+            <a:schemeClr val="bg2">
+              <a:alpha val="50000"/>
+            </a:schemeClr>
+          </a:solidFill>
+          <a:ln w="32707" cap="flat">
+            <a:noFill/>
+            <a:prstDash val="solid"/>
+            <a:miter/>
+          </a:ln>
+        </p:spPr>
+        <p:txBody>
+          <a:bodyPr rtlCol="0" anchor="ctr"/>
+          <a:lstStyle/>
+          <a:p>
+            <a:endParaRPr lang="en-US" dirty="0"/>
+          </a:p>
+        </p:txBody>
+      </p:sp>
       <p:sp>
         <p:nvSpPr>
           <p:cNvPr id="2" name="Title 1">
@@ -14453,14 +18658,106 @@
             <p:ph type="title"/>
           </p:nvPr>
         </p:nvSpPr>
-        <p:spPr/>
+        <p:spPr>
+          <a:xfrm>
+            <a:off x="838200" y="713312"/>
+            <a:ext cx="4038600" cy="5431376"/>
+          </a:xfrm>
+        </p:spPr>
         <p:txBody>
-          <a:bodyPr/>
+          <a:bodyPr vert="horz" lIns="91440" tIns="45720" rIns="91440" bIns="45720" rtlCol="0" anchor="ctr">
+            <a:normAutofit/>
+          </a:bodyPr>
           <a:lstStyle/>
           <a:p>
             <a:r>
-              <a:rPr lang="en-US" dirty="0"/>
-              <a:t>Business problem</a:t>
+              <a:rPr lang="en-US" kern="1200">
+                <a:solidFill>
+                  <a:schemeClr val="tx1"/>
+                </a:solidFill>
+                <a:latin typeface="+mj-lt"/>
+                <a:ea typeface="+mj-ea"/>
+                <a:cs typeface="+mj-cs"/>
+              </a:rPr>
+              <a:t>Problem statement</a:t>
+            </a:r>
+          </a:p>
+        </p:txBody>
+      </p:sp>
+      <p:sp>
+        <p:nvSpPr>
+          <p:cNvPr id="4" name="TextBox 3">
+            <a:extLst>
+              <a:ext uri="{FF2B5EF4-FFF2-40B4-BE49-F238E27FC236}">
+                <a16:creationId xmlns:a16="http://schemas.microsoft.com/office/drawing/2014/main" id="{D1BA729E-1ED1-830B-C22F-6CB99A2AD599}"/>
+              </a:ext>
+            </a:extLst>
+          </p:cNvPr>
+          <p:cNvSpPr txBox="1"/>
+          <p:nvPr/>
+        </p:nvSpPr>
+        <p:spPr>
+          <a:xfrm>
+            <a:off x="6095999" y="713313"/>
+            <a:ext cx="5257801" cy="5431376"/>
+          </a:xfrm>
+          <a:prstGeom prst="rect">
+            <a:avLst/>
+          </a:prstGeom>
+        </p:spPr>
+        <p:txBody>
+          <a:bodyPr vert="horz" lIns="91440" tIns="45720" rIns="91440" bIns="45720" rtlCol="0" anchor="ctr">
+            <a:normAutofit/>
+          </a:bodyPr>
+          <a:lstStyle/>
+          <a:p>
+            <a:pPr marL="285750" indent="-228600">
+              <a:lnSpc>
+                <a:spcPct val="90000"/>
+              </a:lnSpc>
+              <a:spcBef>
+                <a:spcPts val="1400"/>
+              </a:spcBef>
+              <a:buFont typeface="Arial" panose="020B0604020202020204" pitchFamily="34" charset="0"/>
+              <a:buChar char="•"/>
+            </a:pPr>
+            <a:r>
+              <a:rPr lang="en-US" sz="2000"/>
+              <a:t>Analysing the given loan dataset to identify the patterns to determine if</a:t>
+            </a:r>
+          </a:p>
+          <a:p>
+            <a:pPr marL="742950" lvl="1" indent="-228600">
+              <a:lnSpc>
+                <a:spcPct val="90000"/>
+              </a:lnSpc>
+              <a:spcBef>
+                <a:spcPts val="1400"/>
+              </a:spcBef>
+              <a:buSzPct val="114999"/>
+              <a:buFont typeface="Arial" panose="020B0604020202020204" pitchFamily="34" charset="0"/>
+              <a:buChar char="•"/>
+            </a:pPr>
+            <a:r>
+              <a:rPr lang="en-US" sz="2000"/>
+              <a:t>The loan applicant will be most likely to pay the loan</a:t>
+            </a:r>
+          </a:p>
+          <a:p>
+            <a:pPr marL="742950" lvl="1" indent="-228600">
+              <a:lnSpc>
+                <a:spcPct val="90000"/>
+              </a:lnSpc>
+              <a:spcBef>
+                <a:spcPts val="1400"/>
+              </a:spcBef>
+              <a:buSzPct val="114999"/>
+              <a:buFont typeface="Arial" panose="020B0604020202020204" pitchFamily="34" charset="0"/>
+              <a:buChar char="•"/>
+            </a:pPr>
+            <a:r>
+              <a:rPr lang="en-US" sz="2000"/>
+              <a:t>The loan applicant most likely to default the loan</a:t>
             </a:r>
           </a:p>
         </p:txBody>
@@ -15180,10 +19477,508 @@
       </p:grpSpPr>
       <p:sp useBgFill="1">
         <p:nvSpPr>
-          <p:cNvPr id="15" name="Rectangle 14">
+          <p:cNvPr id="22" name="Rectangle 21">
             <a:extLst>
               <a:ext uri="{FF2B5EF4-FFF2-40B4-BE49-F238E27FC236}">
-                <a16:creationId xmlns:a16="http://schemas.microsoft.com/office/drawing/2014/main" id="{F13C74B1-5B17-4795-BED0-7140497B445A}"/>
+                <a16:creationId xmlns:a16="http://schemas.microsoft.com/office/drawing/2014/main" id="{2550BE34-C2B8-49B8-8519-67A8CAD51AE9}"/>
+              </a:ext>
+              <a:ext uri="{C183D7F6-B498-43B3-948B-1728B52AA6E4}">
+                <adec:decorative xmlns:adec="http://schemas.microsoft.com/office/drawing/2017/decorative" val="1"/>
+              </a:ext>
+            </a:extLst>
+          </p:cNvPr>
+          <p:cNvSpPr>
+            <a:spLocks noGrp="1" noRot="1" noChangeAspect="1" noMove="1" noResize="1" noEditPoints="1" noAdjustHandles="1" noChangeArrowheads="1" noChangeShapeType="1" noTextEdit="1"/>
+          </p:cNvSpPr>
+          <p:nvPr>
+            <p:extLst>
+              <p:ext uri="{386F3935-93C4-4BCD-93E2-E3B085C9AB24}">
+                <p16:designElem xmlns:p16="http://schemas.microsoft.com/office/powerpoint/2015/main" val="1"/>
+              </p:ext>
+            </p:extLst>
+          </p:nvPr>
+        </p:nvSpPr>
+        <p:spPr>
+          <a:xfrm>
+            <a:off x="0" y="0"/>
+            <a:ext cx="12192000" cy="6858000"/>
+          </a:xfrm>
+          <a:prstGeom prst="rect">
+            <a:avLst/>
+          </a:prstGeom>
+          <a:ln>
+            <a:noFill/>
+          </a:ln>
+        </p:spPr>
+        <p:style>
+          <a:lnRef idx="2">
+            <a:schemeClr val="accent1">
+              <a:shade val="50000"/>
+            </a:schemeClr>
+          </a:lnRef>
+          <a:fillRef idx="1">
+            <a:schemeClr val="accent1"/>
+          </a:fillRef>
+          <a:effectRef idx="0">
+            <a:schemeClr val="accent1"/>
+          </a:effectRef>
+          <a:fontRef idx="minor">
+            <a:schemeClr val="lt1"/>
+          </a:fontRef>
+        </p:style>
+        <p:txBody>
+          <a:bodyPr rtlCol="0" anchor="ctr"/>
+          <a:lstStyle/>
+          <a:p>
+            <a:pPr algn="ctr"/>
+            <a:endParaRPr lang="en-US"/>
+          </a:p>
+        </p:txBody>
+      </p:sp>
+      <p:sp useBgFill="1">
+        <p:nvSpPr>
+          <p:cNvPr id="24" name="Rectangle 23">
+            <a:extLst>
+              <a:ext uri="{FF2B5EF4-FFF2-40B4-BE49-F238E27FC236}">
+                <a16:creationId xmlns:a16="http://schemas.microsoft.com/office/drawing/2014/main" id="{A7457DD9-5A45-400A-AB4B-4B4EDECA25F1}"/>
+              </a:ext>
+              <a:ext uri="{C183D7F6-B498-43B3-948B-1728B52AA6E4}">
+                <adec:decorative xmlns:adec="http://schemas.microsoft.com/office/drawing/2017/decorative" val="1"/>
+              </a:ext>
+            </a:extLst>
+          </p:cNvPr>
+          <p:cNvSpPr>
+            <a:spLocks noGrp="1" noRot="1" noChangeAspect="1" noMove="1" noResize="1" noEditPoints="1" noAdjustHandles="1" noChangeArrowheads="1" noChangeShapeType="1" noTextEdit="1"/>
+          </p:cNvSpPr>
+          <p:nvPr>
+            <p:extLst>
+              <p:ext uri="{386F3935-93C4-4BCD-93E2-E3B085C9AB24}">
+                <p16:designElem xmlns:p16="http://schemas.microsoft.com/office/powerpoint/2015/main" val="1"/>
+              </p:ext>
+            </p:extLst>
+          </p:nvPr>
+        </p:nvSpPr>
+        <p:spPr>
+          <a:xfrm>
+            <a:off x="554416" y="365125"/>
+            <a:ext cx="11167447" cy="2089317"/>
+          </a:xfrm>
+          <a:prstGeom prst="rect">
+            <a:avLst/>
+          </a:prstGeom>
+          <a:ln w="12700">
+            <a:solidFill>
+              <a:srgbClr val="DEDEDE"/>
+            </a:solidFill>
+          </a:ln>
+          <a:effectLst>
+            <a:outerShdw blurRad="50800" dist="38100" dir="2700000" algn="tl" rotWithShape="0">
+              <a:schemeClr val="bg2">
+                <a:lumMod val="85000"/>
+                <a:alpha val="50000"/>
+              </a:schemeClr>
+            </a:outerShdw>
+          </a:effectLst>
+        </p:spPr>
+        <p:style>
+          <a:lnRef idx="2">
+            <a:schemeClr val="accent1">
+              <a:shade val="50000"/>
+            </a:schemeClr>
+          </a:lnRef>
+          <a:fillRef idx="1">
+            <a:schemeClr val="accent1"/>
+          </a:fillRef>
+          <a:effectRef idx="0">
+            <a:schemeClr val="accent1"/>
+          </a:effectRef>
+          <a:fontRef idx="minor">
+            <a:schemeClr val="lt1"/>
+          </a:fontRef>
+        </p:style>
+        <p:txBody>
+          <a:bodyPr rtlCol="0" anchor="ctr"/>
+          <a:lstStyle/>
+          <a:p>
+            <a:pPr marL="0" marR="0" lvl="0" indent="0" algn="ctr" defTabSz="914400" rtl="0" eaLnBrk="1" fontAlgn="auto" latinLnBrk="0" hangingPunct="1">
+              <a:lnSpc>
+                <a:spcPct val="100000"/>
+              </a:lnSpc>
+              <a:spcBef>
+                <a:spcPts val="0"/>
+              </a:spcBef>
+              <a:spcAft>
+                <a:spcPts val="0"/>
+              </a:spcAft>
+              <a:buClrTx/>
+              <a:buSzTx/>
+              <a:buFontTx/>
+              <a:buNone/>
+              <a:tabLst/>
+              <a:defRPr/>
+            </a:pPr>
+            <a:endParaRPr kumimoji="0" lang="en-US" sz="1800" b="0" i="0" u="none" strike="noStrike" kern="1200" cap="none" spc="0" normalizeH="0" baseline="0" noProof="0">
+              <a:ln>
+                <a:noFill/>
+              </a:ln>
+              <a:solidFill>
+                <a:prstClr val="white"/>
+              </a:solidFill>
+              <a:effectLst/>
+              <a:uLnTx/>
+              <a:uFillTx/>
+              <a:latin typeface="Calibri" panose="020F0502020204030204"/>
+              <a:ea typeface="+mn-ea"/>
+              <a:cs typeface="+mn-cs"/>
+            </a:endParaRPr>
+          </a:p>
+        </p:txBody>
+      </p:sp>
+      <p:sp>
+        <p:nvSpPr>
+          <p:cNvPr id="2" name="Title 1">
+            <a:extLst>
+              <a:ext uri="{FF2B5EF4-FFF2-40B4-BE49-F238E27FC236}">
+                <a16:creationId xmlns:a16="http://schemas.microsoft.com/office/drawing/2014/main" id="{E6323942-6FA8-2B7C-E03E-E6CA2E84F0BE}"/>
+              </a:ext>
+            </a:extLst>
+          </p:cNvPr>
+          <p:cNvSpPr>
+            <a:spLocks noGrp="1"/>
+          </p:cNvSpPr>
+          <p:nvPr>
+            <p:ph type="title"/>
+          </p:nvPr>
+        </p:nvSpPr>
+        <p:spPr>
+          <a:xfrm>
+            <a:off x="1046746" y="586822"/>
+            <a:ext cx="3560252" cy="1645920"/>
+          </a:xfrm>
+        </p:spPr>
+        <p:txBody>
+          <a:bodyPr vert="horz" lIns="91440" tIns="45720" rIns="91440" bIns="45720" rtlCol="0" anchor="ctr">
+            <a:normAutofit/>
+          </a:bodyPr>
+          <a:lstStyle/>
+          <a:p>
+            <a:r>
+              <a:rPr lang="en-US" sz="3200" kern="1200">
+                <a:solidFill>
+                  <a:schemeClr val="tx1"/>
+                </a:solidFill>
+                <a:latin typeface="+mj-lt"/>
+                <a:ea typeface="+mj-ea"/>
+                <a:cs typeface="+mj-cs"/>
+              </a:rPr>
+              <a:t>Data clean up </a:t>
+            </a:r>
+          </a:p>
+        </p:txBody>
+      </p:sp>
+      <p:sp>
+        <p:nvSpPr>
+          <p:cNvPr id="26" name="Rectangle 25">
+            <a:extLst>
+              <a:ext uri="{FF2B5EF4-FFF2-40B4-BE49-F238E27FC236}">
+                <a16:creationId xmlns:a16="http://schemas.microsoft.com/office/drawing/2014/main" id="{441CF7D6-A660-431A-B0BB-140A0D5556B6}"/>
+              </a:ext>
+              <a:ext uri="{C183D7F6-B498-43B3-948B-1728B52AA6E4}">
+                <adec:decorative xmlns:adec="http://schemas.microsoft.com/office/drawing/2017/decorative" val="1"/>
+              </a:ext>
+            </a:extLst>
+          </p:cNvPr>
+          <p:cNvSpPr>
+            <a:spLocks noGrp="1" noRot="1" noChangeAspect="1" noMove="1" noResize="1" noEditPoints="1" noAdjustHandles="1" noChangeArrowheads="1" noChangeShapeType="1" noTextEdit="1"/>
+          </p:cNvSpPr>
+          <p:nvPr>
+            <p:extLst>
+              <p:ext uri="{386F3935-93C4-4BCD-93E2-E3B085C9AB24}">
+                <p16:designElem xmlns:p16="http://schemas.microsoft.com/office/powerpoint/2015/main" val="1"/>
+              </p:ext>
+            </p:extLst>
+          </p:nvPr>
+        </p:nvSpPr>
+        <p:spPr>
+          <a:xfrm>
+            <a:off x="490408" y="1057739"/>
+            <a:ext cx="128016" cy="704088"/>
+          </a:xfrm>
+          <a:prstGeom prst="rect">
+            <a:avLst/>
+          </a:prstGeom>
+          <a:solidFill>
+            <a:schemeClr val="accent2"/>
+          </a:solidFill>
+          <a:ln>
+            <a:noFill/>
+          </a:ln>
+        </p:spPr>
+        <p:style>
+          <a:lnRef idx="2">
+            <a:schemeClr val="accent1">
+              <a:shade val="50000"/>
+            </a:schemeClr>
+          </a:lnRef>
+          <a:fillRef idx="1">
+            <a:schemeClr val="accent1"/>
+          </a:fillRef>
+          <a:effectRef idx="0">
+            <a:schemeClr val="accent1"/>
+          </a:effectRef>
+          <a:fontRef idx="minor">
+            <a:schemeClr val="lt1"/>
+          </a:fontRef>
+        </p:style>
+        <p:txBody>
+          <a:bodyPr rtlCol="0" anchor="ctr"/>
+          <a:lstStyle/>
+          <a:p>
+            <a:pPr algn="ctr"/>
+            <a:endParaRPr lang="en-US" dirty="0">
+              <a:solidFill>
+                <a:prstClr val="white"/>
+              </a:solidFill>
+              <a:latin typeface="Calibri" panose="020F0502020204030204"/>
+            </a:endParaRPr>
+          </a:p>
+        </p:txBody>
+      </p:sp>
+      <p:sp>
+        <p:nvSpPr>
+          <p:cNvPr id="28" name="Rectangle 27">
+            <a:extLst>
+              <a:ext uri="{FF2B5EF4-FFF2-40B4-BE49-F238E27FC236}">
+                <a16:creationId xmlns:a16="http://schemas.microsoft.com/office/drawing/2014/main" id="{0570A85B-3810-4F95-97B0-CBF4CCDB381C}"/>
+              </a:ext>
+              <a:ext uri="{C183D7F6-B498-43B3-948B-1728B52AA6E4}">
+                <adec:decorative xmlns:adec="http://schemas.microsoft.com/office/drawing/2017/decorative" val="1"/>
+              </a:ext>
+            </a:extLst>
+          </p:cNvPr>
+          <p:cNvSpPr>
+            <a:spLocks noGrp="1" noRot="1" noChangeAspect="1" noMove="1" noResize="1" noEditPoints="1" noAdjustHandles="1" noChangeArrowheads="1" noChangeShapeType="1" noTextEdit="1"/>
+          </p:cNvSpPr>
+          <p:nvPr>
+            <p:extLst>
+              <p:ext uri="{386F3935-93C4-4BCD-93E2-E3B085C9AB24}">
+                <p16:designElem xmlns:p16="http://schemas.microsoft.com/office/powerpoint/2015/main" val="1"/>
+              </p:ext>
+            </p:extLst>
+          </p:nvPr>
+        </p:nvSpPr>
+        <p:spPr>
+          <a:xfrm rot="5400000">
+            <a:off x="4243541" y="1400638"/>
+            <a:ext cx="1463040" cy="18288"/>
+          </a:xfrm>
+          <a:prstGeom prst="rect">
+            <a:avLst/>
+          </a:prstGeom>
+          <a:solidFill>
+            <a:srgbClr val="D5D5D5"/>
+          </a:solidFill>
+          <a:ln w="3175">
+            <a:noFill/>
+          </a:ln>
+          <a:effectLst/>
+        </p:spPr>
+        <p:style>
+          <a:lnRef idx="2">
+            <a:schemeClr val="accent1">
+              <a:shade val="50000"/>
+            </a:schemeClr>
+          </a:lnRef>
+          <a:fillRef idx="1">
+            <a:schemeClr val="accent1"/>
+          </a:fillRef>
+          <a:effectRef idx="0">
+            <a:schemeClr val="accent1"/>
+          </a:effectRef>
+          <a:fontRef idx="minor">
+            <a:schemeClr val="lt1"/>
+          </a:fontRef>
+        </p:style>
+        <p:txBody>
+          <a:bodyPr rtlCol="0" anchor="ctr"/>
+          <a:lstStyle/>
+          <a:p>
+            <a:pPr algn="ctr"/>
+            <a:endParaRPr lang="en-US">
+              <a:solidFill>
+                <a:prstClr val="white"/>
+              </a:solidFill>
+              <a:latin typeface="Calibri" panose="020F0502020204030204"/>
+            </a:endParaRPr>
+          </a:p>
+        </p:txBody>
+      </p:sp>
+      <p:sp>
+        <p:nvSpPr>
+          <p:cNvPr id="6" name="TextBox 5">
+            <a:extLst>
+              <a:ext uri="{FF2B5EF4-FFF2-40B4-BE49-F238E27FC236}">
+                <a16:creationId xmlns:a16="http://schemas.microsoft.com/office/drawing/2014/main" id="{8F323067-D087-703B-7D24-F18A136D6312}"/>
+              </a:ext>
+            </a:extLst>
+          </p:cNvPr>
+          <p:cNvSpPr txBox="1"/>
+          <p:nvPr/>
+        </p:nvSpPr>
+        <p:spPr>
+          <a:xfrm>
+            <a:off x="5351164" y="586822"/>
+            <a:ext cx="6002636" cy="1645920"/>
+          </a:xfrm>
+          <a:prstGeom prst="rect">
+            <a:avLst/>
+          </a:prstGeom>
+        </p:spPr>
+        <p:txBody>
+          <a:bodyPr vert="horz" lIns="91440" tIns="45720" rIns="91440" bIns="45720" rtlCol="0" anchor="ctr">
+            <a:normAutofit/>
+          </a:bodyPr>
+          <a:lstStyle/>
+          <a:p>
+            <a:pPr marL="285750" indent="-228600">
+              <a:lnSpc>
+                <a:spcPct val="90000"/>
+              </a:lnSpc>
+              <a:spcAft>
+                <a:spcPts val="600"/>
+              </a:spcAft>
+              <a:buFont typeface="Arial" panose="020B0604020202020204" pitchFamily="34" charset="0"/>
+              <a:buChar char="•"/>
+            </a:pPr>
+            <a:r>
+              <a:rPr lang="en-US" sz="1500"/>
+              <a:t>We removed all columns that has only null values</a:t>
+            </a:r>
+          </a:p>
+          <a:p>
+            <a:pPr marL="285750" indent="-228600">
+              <a:lnSpc>
+                <a:spcPct val="90000"/>
+              </a:lnSpc>
+              <a:spcAft>
+                <a:spcPts val="600"/>
+              </a:spcAft>
+              <a:buFont typeface="Arial" panose="020B0604020202020204" pitchFamily="34" charset="0"/>
+              <a:buChar char="•"/>
+            </a:pPr>
+            <a:r>
+              <a:rPr lang="en-US" sz="1500"/>
+              <a:t>Analyze columns with redundant values and eliminate </a:t>
+            </a:r>
+          </a:p>
+          <a:p>
+            <a:pPr marL="285750" indent="-228600">
+              <a:lnSpc>
+                <a:spcPct val="90000"/>
+              </a:lnSpc>
+              <a:spcAft>
+                <a:spcPts val="600"/>
+              </a:spcAft>
+              <a:buFont typeface="Arial" panose="020B0604020202020204" pitchFamily="34" charset="0"/>
+              <a:buChar char="•"/>
+            </a:pPr>
+            <a:r>
+              <a:rPr lang="en-US" sz="1500"/>
+              <a:t>We standardized number columns by removing unwanted characters and convert them to numeric </a:t>
+            </a:r>
+          </a:p>
+          <a:p>
+            <a:pPr marL="285750" indent="-228600">
+              <a:lnSpc>
+                <a:spcPct val="90000"/>
+              </a:lnSpc>
+              <a:spcAft>
+                <a:spcPts val="600"/>
+              </a:spcAft>
+              <a:buFont typeface="Arial" panose="020B0604020202020204" pitchFamily="34" charset="0"/>
+              <a:buChar char="•"/>
+            </a:pPr>
+            <a:r>
+              <a:rPr lang="en-US" sz="1500"/>
+              <a:t>Derive new columns from existing columns to plot various graphs</a:t>
+            </a:r>
+          </a:p>
+        </p:txBody>
+      </p:sp>
+      <p:pic>
+        <p:nvPicPr>
+          <p:cNvPr id="3" name="Picture 2" descr="Chart&#10;&#10;Description automatically generated">
+            <a:extLst>
+              <a:ext uri="{FF2B5EF4-FFF2-40B4-BE49-F238E27FC236}">
+                <a16:creationId xmlns:a16="http://schemas.microsoft.com/office/drawing/2014/main" id="{01D5D93A-8223-C9F0-89B6-F51960486C39}"/>
+              </a:ext>
+            </a:extLst>
+          </p:cNvPr>
+          <p:cNvPicPr>
+            <a:picLocks noChangeAspect="1"/>
+          </p:cNvPicPr>
+          <p:nvPr/>
+        </p:nvPicPr>
+        <p:blipFill>
+          <a:blip r:embed="rId2"/>
+          <a:stretch>
+            <a:fillRect/>
+          </a:stretch>
+        </p:blipFill>
+        <p:spPr>
+          <a:xfrm>
+            <a:off x="1163248" y="2734056"/>
+            <a:ext cx="9953895" cy="3483864"/>
+          </a:xfrm>
+          <a:prstGeom prst="rect">
+            <a:avLst/>
+          </a:prstGeom>
+        </p:spPr>
+      </p:pic>
+    </p:spTree>
+    <p:extLst>
+      <p:ext uri="{BB962C8B-B14F-4D97-AF65-F5344CB8AC3E}">
+        <p14:creationId xmlns:p14="http://schemas.microsoft.com/office/powerpoint/2010/main" val="1345376931"/>
+      </p:ext>
+    </p:extLst>
+  </p:cSld>
+  <p:clrMapOvr>
+    <a:masterClrMapping/>
+  </p:clrMapOvr>
+</p:sld>
+</file>
+
+<file path=ppt/slides/slide6.xml><?xml version="1.0" encoding="utf-8"?>
+<p:sld xmlns:a="http://schemas.openxmlformats.org/drawingml/2006/main" xmlns:r="http://schemas.openxmlformats.org/officeDocument/2006/relationships" xmlns:p="http://schemas.openxmlformats.org/presentationml/2006/main">
+  <p:cSld>
+    <p:bg>
+      <p:bgPr>
+        <a:solidFill>
+          <a:schemeClr val="bg1"/>
+        </a:solidFill>
+        <a:effectLst/>
+      </p:bgPr>
+    </p:bg>
+    <p:spTree>
+      <p:nvGrpSpPr>
+        <p:cNvPr id="1" name=""/>
+        <p:cNvGrpSpPr/>
+        <p:nvPr/>
+      </p:nvGrpSpPr>
+      <p:grpSpPr>
+        <a:xfrm>
+          <a:off x="0" y="0"/>
+          <a:ext cx="0" cy="0"/>
+          <a:chOff x="0" y="0"/>
+          <a:chExt cx="0" cy="0"/>
+        </a:xfrm>
+      </p:grpSpPr>
+      <p:sp useBgFill="1">
+        <p:nvSpPr>
+          <p:cNvPr id="9" name="Rectangle 8">
+            <a:extLst>
+              <a:ext uri="{FF2B5EF4-FFF2-40B4-BE49-F238E27FC236}">
+                <a16:creationId xmlns:a16="http://schemas.microsoft.com/office/drawing/2014/main" id="{2E442304-DDBD-4F7B-8017-36BCC863FB40}"/>
               </a:ext>
               <a:ext uri="{C183D7F6-B498-43B3-948B-1728B52AA6E4}">
                 <adec:decorative xmlns:adec="http://schemas.microsoft.com/office/drawing/2017/decorative" val="1"/>
@@ -15243,7 +20038,7 @@
           <p:cNvPr id="2" name="Title 1">
             <a:extLst>
               <a:ext uri="{FF2B5EF4-FFF2-40B4-BE49-F238E27FC236}">
-                <a16:creationId xmlns:a16="http://schemas.microsoft.com/office/drawing/2014/main" id="{E6323942-6FA8-2B7C-E03E-E6CA2E84F0BE}"/>
+                <a16:creationId xmlns:a16="http://schemas.microsoft.com/office/drawing/2014/main" id="{19FE940E-E20C-0C4F-21F1-4904171C371F}"/>
               </a:ext>
             </a:extLst>
           </p:cNvPr>
@@ -15256,29 +20051,29 @@
         </p:nvSpPr>
         <p:spPr>
           <a:xfrm>
-            <a:off x="640080" y="325369"/>
-            <a:ext cx="4368602" cy="1956841"/>
+            <a:off x="635000" y="640823"/>
+            <a:ext cx="3418659" cy="5583148"/>
           </a:xfrm>
         </p:spPr>
         <p:txBody>
-          <a:bodyPr vert="horz" lIns="91440" tIns="45720" rIns="91440" bIns="45720" rtlCol="0" anchor="b">
+          <a:bodyPr anchor="ctr">
             <a:normAutofit/>
           </a:bodyPr>
           <a:lstStyle/>
           <a:p>
             <a:r>
-              <a:rPr lang="en-US" sz="5400"/>
-              <a:t>Data clean up </a:t>
+              <a:rPr lang="en-US" sz="3000"/>
+              <a:t>Insights on data cleanup/correction</a:t>
             </a:r>
           </a:p>
         </p:txBody>
       </p:sp>
       <p:sp>
         <p:nvSpPr>
-          <p:cNvPr id="17" name="sketchy line">
+          <p:cNvPr id="11" name="sketch line">
             <a:extLst>
               <a:ext uri="{FF2B5EF4-FFF2-40B4-BE49-F238E27FC236}">
-                <a16:creationId xmlns:a16="http://schemas.microsoft.com/office/drawing/2014/main" id="{D4974D33-8DC5-464E-8C6D-BE58F0669C17}"/>
+                <a16:creationId xmlns:a16="http://schemas.microsoft.com/office/drawing/2014/main" id="{5E107275-3853-46FD-A241-DE4355A42675}"/>
               </a:ext>
               <a:ext uri="{C183D7F6-B498-43B3-948B-1728B52AA6E4}">
                 <adec:decorative xmlns:adec="http://schemas.microsoft.com/office/drawing/2017/decorative" val="1"/>
@@ -15297,39 +20092,51 @@
           </p:nvPr>
         </p:nvSpPr>
         <p:spPr>
-          <a:xfrm>
-            <a:off x="640080" y="2586994"/>
-            <a:ext cx="3474720" cy="18288"/>
+          <a:xfrm rot="5400000">
+            <a:off x="1627450" y="3462719"/>
+            <a:ext cx="5410200" cy="18288"/>
           </a:xfrm>
           <a:custGeom>
             <a:avLst/>
             <a:gdLst>
-              <a:gd name="connsiteX0" fmla="*/ 0 w 3474720"/>
+              <a:gd name="connsiteX0" fmla="*/ 0 w 5410200"/>
               <a:gd name="connsiteY0" fmla="*/ 0 h 18288"/>
-              <a:gd name="connsiteX1" fmla="*/ 694944 w 3474720"/>
+              <a:gd name="connsiteX1" fmla="*/ 568071 w 5410200"/>
               <a:gd name="connsiteY1" fmla="*/ 0 h 18288"/>
-              <a:gd name="connsiteX2" fmla="*/ 1355141 w 3474720"/>
+              <a:gd name="connsiteX2" fmla="*/ 1298448 w 5410200"/>
               <a:gd name="connsiteY2" fmla="*/ 0 h 18288"/>
-              <a:gd name="connsiteX3" fmla="*/ 2015338 w 3474720"/>
+              <a:gd name="connsiteX3" fmla="*/ 1920621 w 5410200"/>
               <a:gd name="connsiteY3" fmla="*/ 0 h 18288"/>
-              <a:gd name="connsiteX4" fmla="*/ 2779776 w 3474720"/>
+              <a:gd name="connsiteX4" fmla="*/ 2488692 w 5410200"/>
               <a:gd name="connsiteY4" fmla="*/ 0 h 18288"/>
-              <a:gd name="connsiteX5" fmla="*/ 3474720 w 3474720"/>
+              <a:gd name="connsiteX5" fmla="*/ 3219069 w 5410200"/>
               <a:gd name="connsiteY5" fmla="*/ 0 h 18288"/>
-              <a:gd name="connsiteX6" fmla="*/ 3474720 w 3474720"/>
-              <a:gd name="connsiteY6" fmla="*/ 18288 h 18288"/>
-              <a:gd name="connsiteX7" fmla="*/ 2779776 w 3474720"/>
-              <a:gd name="connsiteY7" fmla="*/ 18288 h 18288"/>
-              <a:gd name="connsiteX8" fmla="*/ 2189074 w 3474720"/>
-              <a:gd name="connsiteY8" fmla="*/ 18288 h 18288"/>
-              <a:gd name="connsiteX9" fmla="*/ 1528877 w 3474720"/>
+              <a:gd name="connsiteX6" fmla="*/ 3895344 w 5410200"/>
+              <a:gd name="connsiteY6" fmla="*/ 0 h 18288"/>
+              <a:gd name="connsiteX7" fmla="*/ 4571619 w 5410200"/>
+              <a:gd name="connsiteY7" fmla="*/ 0 h 18288"/>
+              <a:gd name="connsiteX8" fmla="*/ 5410200 w 5410200"/>
+              <a:gd name="connsiteY8" fmla="*/ 0 h 18288"/>
+              <a:gd name="connsiteX9" fmla="*/ 5410200 w 5410200"/>
               <a:gd name="connsiteY9" fmla="*/ 18288 h 18288"/>
-              <a:gd name="connsiteX10" fmla="*/ 868680 w 3474720"/>
+              <a:gd name="connsiteX10" fmla="*/ 4842129 w 5410200"/>
               <a:gd name="connsiteY10" fmla="*/ 18288 h 18288"/>
-              <a:gd name="connsiteX11" fmla="*/ 0 w 3474720"/>
+              <a:gd name="connsiteX11" fmla="*/ 4328160 w 5410200"/>
               <a:gd name="connsiteY11" fmla="*/ 18288 h 18288"/>
-              <a:gd name="connsiteX12" fmla="*/ 0 w 3474720"/>
-              <a:gd name="connsiteY12" fmla="*/ 0 h 18288"/>
+              <a:gd name="connsiteX12" fmla="*/ 3597783 w 5410200"/>
+              <a:gd name="connsiteY12" fmla="*/ 18288 h 18288"/>
+              <a:gd name="connsiteX13" fmla="*/ 3029712 w 5410200"/>
+              <a:gd name="connsiteY13" fmla="*/ 18288 h 18288"/>
+              <a:gd name="connsiteX14" fmla="*/ 2299335 w 5410200"/>
+              <a:gd name="connsiteY14" fmla="*/ 18288 h 18288"/>
+              <a:gd name="connsiteX15" fmla="*/ 1514856 w 5410200"/>
+              <a:gd name="connsiteY15" fmla="*/ 18288 h 18288"/>
+              <a:gd name="connsiteX16" fmla="*/ 892683 w 5410200"/>
+              <a:gd name="connsiteY16" fmla="*/ 18288 h 18288"/>
+              <a:gd name="connsiteX17" fmla="*/ 0 w 5410200"/>
+              <a:gd name="connsiteY17" fmla="*/ 18288 h 18288"/>
+              <a:gd name="connsiteX18" fmla="*/ 0 w 5410200"/>
+              <a:gd name="connsiteY18" fmla="*/ 0 h 18288"/>
             </a:gdLst>
             <a:ahLst/>
             <a:cxnLst>
@@ -15372,137 +20179,215 @@
               <a:cxn ang="0">
                 <a:pos x="connsiteX12" y="connsiteY12"/>
               </a:cxn>
+              <a:cxn ang="0">
+                <a:pos x="connsiteX13" y="connsiteY13"/>
+              </a:cxn>
+              <a:cxn ang="0">
+                <a:pos x="connsiteX14" y="connsiteY14"/>
+              </a:cxn>
+              <a:cxn ang="0">
+                <a:pos x="connsiteX15" y="connsiteY15"/>
+              </a:cxn>
+              <a:cxn ang="0">
+                <a:pos x="connsiteX16" y="connsiteY16"/>
+              </a:cxn>
+              <a:cxn ang="0">
+                <a:pos x="connsiteX17" y="connsiteY17"/>
+              </a:cxn>
+              <a:cxn ang="0">
+                <a:pos x="connsiteX18" y="connsiteY18"/>
+              </a:cxn>
             </a:cxnLst>
             <a:rect l="l" t="t" r="r" b="b"/>
             <a:pathLst>
-              <a:path w="3474720" h="18288" fill="none" extrusionOk="0">
+              <a:path w="5410200" h="18288" fill="none" extrusionOk="0">
                 <a:moveTo>
                   <a:pt x="0" y="0"/>
                 </a:moveTo>
                 <a:cubicBezTo>
-                  <a:pt x="224454" y="-14544"/>
-                  <a:pt x="495407" y="26540"/>
-                  <a:pt x="694944" y="0"/>
-                </a:cubicBezTo>
-                <a:cubicBezTo>
-                  <a:pt x="894481" y="-26540"/>
-                  <a:pt x="1130063" y="24713"/>
-                  <a:pt x="1355141" y="0"/>
-                </a:cubicBezTo>
-                <a:cubicBezTo>
-                  <a:pt x="1580219" y="-24713"/>
-                  <a:pt x="1820099" y="26695"/>
-                  <a:pt x="2015338" y="0"/>
-                </a:cubicBezTo>
-                <a:cubicBezTo>
-                  <a:pt x="2210577" y="-26695"/>
-                  <a:pt x="2402045" y="165"/>
-                  <a:pt x="2779776" y="0"/>
-                </a:cubicBezTo>
-                <a:cubicBezTo>
-                  <a:pt x="3157507" y="-165"/>
-                  <a:pt x="3286859" y="-15571"/>
-                  <a:pt x="3474720" y="0"/>
-                </a:cubicBezTo>
-                <a:cubicBezTo>
-                  <a:pt x="3474286" y="7551"/>
-                  <a:pt x="3474253" y="9822"/>
-                  <a:pt x="3474720" y="18288"/>
-                </a:cubicBezTo>
-                <a:cubicBezTo>
-                  <a:pt x="3233904" y="29845"/>
-                  <a:pt x="2945134" y="-5256"/>
-                  <a:pt x="2779776" y="18288"/>
-                </a:cubicBezTo>
-                <a:cubicBezTo>
-                  <a:pt x="2614418" y="41832"/>
-                  <a:pt x="2339768" y="22709"/>
-                  <a:pt x="2189074" y="18288"/>
-                </a:cubicBezTo>
-                <a:cubicBezTo>
-                  <a:pt x="2038380" y="13867"/>
-                  <a:pt x="1817434" y="-4947"/>
-                  <a:pt x="1528877" y="18288"/>
-                </a:cubicBezTo>
-                <a:cubicBezTo>
-                  <a:pt x="1240320" y="41523"/>
-                  <a:pt x="1042447" y="37198"/>
-                  <a:pt x="868680" y="18288"/>
-                </a:cubicBezTo>
-                <a:cubicBezTo>
-                  <a:pt x="694913" y="-622"/>
-                  <a:pt x="233232" y="44909"/>
+                  <a:pt x="163050" y="-18707"/>
+                  <a:pt x="319321" y="-16364"/>
+                  <a:pt x="568071" y="0"/>
+                </a:cubicBezTo>
+                <a:cubicBezTo>
+                  <a:pt x="816821" y="16364"/>
+                  <a:pt x="1013224" y="-7268"/>
+                  <a:pt x="1298448" y="0"/>
+                </a:cubicBezTo>
+                <a:cubicBezTo>
+                  <a:pt x="1583672" y="7268"/>
+                  <a:pt x="1631711" y="-3367"/>
+                  <a:pt x="1920621" y="0"/>
+                </a:cubicBezTo>
+                <a:cubicBezTo>
+                  <a:pt x="2209531" y="3367"/>
+                  <a:pt x="2364420" y="-19184"/>
+                  <a:pt x="2488692" y="0"/>
+                </a:cubicBezTo>
+                <a:cubicBezTo>
+                  <a:pt x="2612964" y="19184"/>
+                  <a:pt x="3023298" y="-34627"/>
+                  <a:pt x="3219069" y="0"/>
+                </a:cubicBezTo>
+                <a:cubicBezTo>
+                  <a:pt x="3414840" y="34627"/>
+                  <a:pt x="3656810" y="24043"/>
+                  <a:pt x="3895344" y="0"/>
+                </a:cubicBezTo>
+                <a:cubicBezTo>
+                  <a:pt x="4133879" y="-24043"/>
+                  <a:pt x="4393984" y="-19577"/>
+                  <a:pt x="4571619" y="0"/>
+                </a:cubicBezTo>
+                <a:cubicBezTo>
+                  <a:pt x="4749255" y="19577"/>
+                  <a:pt x="5179928" y="-6281"/>
+                  <a:pt x="5410200" y="0"/>
+                </a:cubicBezTo>
+                <a:cubicBezTo>
+                  <a:pt x="5410730" y="6954"/>
+                  <a:pt x="5410934" y="12839"/>
+                  <a:pt x="5410200" y="18288"/>
+                </a:cubicBezTo>
+                <a:cubicBezTo>
+                  <a:pt x="5139060" y="6751"/>
+                  <a:pt x="5121593" y="31035"/>
+                  <a:pt x="4842129" y="18288"/>
+                </a:cubicBezTo>
+                <a:cubicBezTo>
+                  <a:pt x="4562665" y="5541"/>
+                  <a:pt x="4448273" y="9487"/>
+                  <a:pt x="4328160" y="18288"/>
+                </a:cubicBezTo>
+                <a:cubicBezTo>
+                  <a:pt x="4208047" y="27089"/>
+                  <a:pt x="3760936" y="22567"/>
+                  <a:pt x="3597783" y="18288"/>
+                </a:cubicBezTo>
+                <a:cubicBezTo>
+                  <a:pt x="3434630" y="14009"/>
+                  <a:pt x="3299718" y="33213"/>
+                  <a:pt x="3029712" y="18288"/>
+                </a:cubicBezTo>
+                <a:cubicBezTo>
+                  <a:pt x="2759706" y="3363"/>
+                  <a:pt x="2640159" y="27394"/>
+                  <a:pt x="2299335" y="18288"/>
+                </a:cubicBezTo>
+                <a:cubicBezTo>
+                  <a:pt x="1958511" y="9182"/>
+                  <a:pt x="1801186" y="28985"/>
+                  <a:pt x="1514856" y="18288"/>
+                </a:cubicBezTo>
+                <a:cubicBezTo>
+                  <a:pt x="1228526" y="7591"/>
+                  <a:pt x="1063509" y="-5305"/>
+                  <a:pt x="892683" y="18288"/>
+                </a:cubicBezTo>
+                <a:cubicBezTo>
+                  <a:pt x="721857" y="41881"/>
+                  <a:pt x="186945" y="-20897"/>
                   <a:pt x="0" y="18288"/>
                 </a:cubicBezTo>
                 <a:cubicBezTo>
-                  <a:pt x="60" y="11696"/>
-                  <a:pt x="66" y="3758"/>
+                  <a:pt x="-570" y="9279"/>
+                  <a:pt x="132" y="5100"/>
                   <a:pt x="0" y="0"/>
                 </a:cubicBezTo>
                 <a:close/>
               </a:path>
-              <a:path w="3474720" h="18288" stroke="0" extrusionOk="0">
+              <a:path w="5410200" h="18288" stroke="0" extrusionOk="0">
                 <a:moveTo>
                   <a:pt x="0" y="0"/>
                 </a:moveTo>
                 <a:cubicBezTo>
-                  <a:pt x="202328" y="-14716"/>
-                  <a:pt x="332722" y="-11499"/>
-                  <a:pt x="625450" y="0"/>
-                </a:cubicBezTo>
-                <a:cubicBezTo>
-                  <a:pt x="918178" y="11499"/>
-                  <a:pt x="1096688" y="5123"/>
-                  <a:pt x="1389888" y="0"/>
-                </a:cubicBezTo>
-                <a:cubicBezTo>
-                  <a:pt x="1683088" y="-5123"/>
-                  <a:pt x="1835981" y="-14038"/>
-                  <a:pt x="1980590" y="0"/>
-                </a:cubicBezTo>
-                <a:cubicBezTo>
-                  <a:pt x="2125199" y="14038"/>
-                  <a:pt x="2396099" y="-7203"/>
-                  <a:pt x="2571293" y="0"/>
-                </a:cubicBezTo>
-                <a:cubicBezTo>
-                  <a:pt x="2746487" y="7203"/>
-                  <a:pt x="3041609" y="-12036"/>
-                  <a:pt x="3474720" y="0"/>
-                </a:cubicBezTo>
-                <a:cubicBezTo>
-                  <a:pt x="3474638" y="4406"/>
-                  <a:pt x="3474631" y="9982"/>
-                  <a:pt x="3474720" y="18288"/>
-                </a:cubicBezTo>
-                <a:cubicBezTo>
-                  <a:pt x="3324873" y="21876"/>
-                  <a:pt x="3136771" y="12587"/>
-                  <a:pt x="2814523" y="18288"/>
-                </a:cubicBezTo>
-                <a:cubicBezTo>
-                  <a:pt x="2492275" y="23989"/>
-                  <a:pt x="2294402" y="47111"/>
-                  <a:pt x="2154326" y="18288"/>
-                </a:cubicBezTo>
-                <a:cubicBezTo>
-                  <a:pt x="2014250" y="-10535"/>
-                  <a:pt x="1820317" y="33903"/>
-                  <a:pt x="1494130" y="18288"/>
-                </a:cubicBezTo>
-                <a:cubicBezTo>
-                  <a:pt x="1167943" y="2673"/>
-                  <a:pt x="948432" y="14868"/>
-                  <a:pt x="729691" y="18288"/>
-                </a:cubicBezTo>
-                <a:cubicBezTo>
-                  <a:pt x="510950" y="21708"/>
-                  <a:pt x="264032" y="24354"/>
+                  <a:pt x="285096" y="-4925"/>
+                  <a:pt x="376456" y="22268"/>
+                  <a:pt x="622173" y="0"/>
+                </a:cubicBezTo>
+                <a:cubicBezTo>
+                  <a:pt x="867890" y="-22268"/>
+                  <a:pt x="1031392" y="7228"/>
+                  <a:pt x="1136142" y="0"/>
+                </a:cubicBezTo>
+                <a:cubicBezTo>
+                  <a:pt x="1240892" y="-7228"/>
+                  <a:pt x="1561853" y="9877"/>
+                  <a:pt x="1920621" y="0"/>
+                </a:cubicBezTo>
+                <a:cubicBezTo>
+                  <a:pt x="2279389" y="-9877"/>
+                  <a:pt x="2367255" y="19546"/>
+                  <a:pt x="2542794" y="0"/>
+                </a:cubicBezTo>
+                <a:cubicBezTo>
+                  <a:pt x="2718333" y="-19546"/>
+                  <a:pt x="2866732" y="-22226"/>
+                  <a:pt x="3164967" y="0"/>
+                </a:cubicBezTo>
+                <a:cubicBezTo>
+                  <a:pt x="3463202" y="22226"/>
+                  <a:pt x="3568055" y="-2765"/>
+                  <a:pt x="3949446" y="0"/>
+                </a:cubicBezTo>
+                <a:cubicBezTo>
+                  <a:pt x="4330837" y="2765"/>
+                  <a:pt x="4287895" y="10557"/>
+                  <a:pt x="4517517" y="0"/>
+                </a:cubicBezTo>
+                <a:cubicBezTo>
+                  <a:pt x="4747139" y="-10557"/>
+                  <a:pt x="5149588" y="8716"/>
+                  <a:pt x="5410200" y="0"/>
+                </a:cubicBezTo>
+                <a:cubicBezTo>
+                  <a:pt x="5409517" y="5414"/>
+                  <a:pt x="5409480" y="12510"/>
+                  <a:pt x="5410200" y="18288"/>
+                </a:cubicBezTo>
+                <a:cubicBezTo>
+                  <a:pt x="5163327" y="41494"/>
+                  <a:pt x="5008749" y="10693"/>
+                  <a:pt x="4842129" y="18288"/>
+                </a:cubicBezTo>
+                <a:cubicBezTo>
+                  <a:pt x="4675509" y="25883"/>
+                  <a:pt x="4433401" y="-615"/>
+                  <a:pt x="4165854" y="18288"/>
+                </a:cubicBezTo>
+                <a:cubicBezTo>
+                  <a:pt x="3898308" y="37191"/>
+                  <a:pt x="3809032" y="-8710"/>
+                  <a:pt x="3543681" y="18288"/>
+                </a:cubicBezTo>
+                <a:cubicBezTo>
+                  <a:pt x="3278330" y="45286"/>
+                  <a:pt x="3073876" y="-15917"/>
+                  <a:pt x="2759202" y="18288"/>
+                </a:cubicBezTo>
+                <a:cubicBezTo>
+                  <a:pt x="2444528" y="52493"/>
+                  <a:pt x="2204144" y="3372"/>
+                  <a:pt x="1974723" y="18288"/>
+                </a:cubicBezTo>
+                <a:cubicBezTo>
+                  <a:pt x="1745302" y="33204"/>
+                  <a:pt x="1602335" y="31490"/>
+                  <a:pt x="1406652" y="18288"/>
+                </a:cubicBezTo>
+                <a:cubicBezTo>
+                  <a:pt x="1210969" y="5086"/>
+                  <a:pt x="923948" y="3161"/>
+                  <a:pt x="730377" y="18288"/>
+                </a:cubicBezTo>
+                <a:cubicBezTo>
+                  <a:pt x="536806" y="33415"/>
+                  <a:pt x="336496" y="-141"/>
                   <a:pt x="0" y="18288"/>
                 </a:cubicBezTo>
                 <a:cubicBezTo>
-                  <a:pt x="189" y="14288"/>
-                  <a:pt x="-703" y="3747"/>
+                  <a:pt x="-306" y="11061"/>
+                  <a:pt x="-655" y="7751"/>
                   <a:pt x="0" y="0"/>
                 </a:cubicBezTo>
                 <a:close/>
@@ -15512,14 +20397,14 @@
           <a:solidFill>
             <a:schemeClr val="accent2"/>
           </a:solidFill>
-          <a:ln w="44450" cap="rnd">
+          <a:ln w="41275" cap="rnd">
             <a:solidFill>
               <a:schemeClr val="accent2"/>
             </a:solidFill>
             <a:round/>
             <a:extLst>
               <a:ext uri="{C807C97D-BFC1-408E-A445-0C87EB9F89A2}">
-                <ask:lineSketchStyleProps xmlns:ask="http://schemas.microsoft.com/office/drawing/2018/sketchyshapes" sd="2863741219">
+                <ask:lineSketchStyleProps xmlns:ask="http://schemas.microsoft.com/office/drawing/2018/sketchyshapes" sd="1219033472">
                   <a:prstGeom prst="rect">
                     <a:avLst/>
                   </a:prstGeom>
@@ -15556,322 +20441,37 @@
           </a:p>
         </p:txBody>
       </p:sp>
-      <p:sp>
-        <p:nvSpPr>
-          <p:cNvPr id="6" name="TextBox 5">
+      <p:graphicFrame>
+        <p:nvGraphicFramePr>
+          <p:cNvPr id="5" name="Content Placeholder 2">
             <a:extLst>
               <a:ext uri="{FF2B5EF4-FFF2-40B4-BE49-F238E27FC236}">
-                <a16:creationId xmlns:a16="http://schemas.microsoft.com/office/drawing/2014/main" id="{8F323067-D087-703B-7D24-F18A136D6312}"/>
+                <a16:creationId xmlns:a16="http://schemas.microsoft.com/office/drawing/2014/main" id="{27F6B9B0-7076-9044-FF41-E52F38549979}"/>
               </a:ext>
             </a:extLst>
           </p:cNvPr>
-          <p:cNvSpPr txBox="1"/>
-          <p:nvPr/>
-        </p:nvSpPr>
-        <p:spPr>
-          <a:xfrm>
-            <a:off x="640080" y="2872899"/>
-            <a:ext cx="4243589" cy="3320668"/>
-          </a:xfrm>
-          <a:prstGeom prst="rect">
-            <a:avLst/>
-          </a:prstGeom>
-        </p:spPr>
-        <p:txBody>
-          <a:bodyPr vert="horz" lIns="91440" tIns="45720" rIns="91440" bIns="45720" rtlCol="0">
-            <a:normAutofit/>
-          </a:bodyPr>
-          <a:lstStyle/>
-          <a:p>
-            <a:pPr marL="285750" indent="-228600">
-              <a:lnSpc>
-                <a:spcPct val="90000"/>
-              </a:lnSpc>
-              <a:spcAft>
-                <a:spcPts val="600"/>
-              </a:spcAft>
-              <a:buFont typeface="Arial" panose="020B0604020202020204" pitchFamily="34" charset="0"/>
-              <a:buChar char="•"/>
-            </a:pPr>
-            <a:r>
-              <a:rPr lang="en-US" sz="2000" dirty="0"/>
-              <a:t>We removed all columns that has only null values</a:t>
-            </a:r>
-          </a:p>
-          <a:p>
-            <a:pPr marL="285750" indent="-228600">
-              <a:lnSpc>
-                <a:spcPct val="90000"/>
-              </a:lnSpc>
-              <a:spcAft>
-                <a:spcPts val="600"/>
-              </a:spcAft>
-              <a:buFont typeface="Arial" panose="020B0604020202020204" pitchFamily="34" charset="0"/>
-              <a:buChar char="•"/>
-            </a:pPr>
-            <a:r>
-              <a:rPr lang="en-US" sz="2000" dirty="0"/>
-              <a:t>Analyze columns with redundant values and eliminate </a:t>
-            </a:r>
-          </a:p>
-          <a:p>
-            <a:pPr marL="285750" indent="-228600">
-              <a:lnSpc>
-                <a:spcPct val="90000"/>
-              </a:lnSpc>
-              <a:spcAft>
-                <a:spcPts val="600"/>
-              </a:spcAft>
-              <a:buFont typeface="Arial" panose="020B0604020202020204" pitchFamily="34" charset="0"/>
-              <a:buChar char="•"/>
-            </a:pPr>
-            <a:r>
-              <a:rPr lang="en-US" sz="2000" dirty="0"/>
-              <a:t>We standardized number columns by removing unwanted characters and convert them to numeric </a:t>
-            </a:r>
-          </a:p>
-          <a:p>
-            <a:pPr marL="285750" indent="-228600">
-              <a:lnSpc>
-                <a:spcPct val="90000"/>
-              </a:lnSpc>
-              <a:spcAft>
-                <a:spcPts val="600"/>
-              </a:spcAft>
-              <a:buFont typeface="Arial" panose="020B0604020202020204" pitchFamily="34" charset="0"/>
-              <a:buChar char="•"/>
-            </a:pPr>
-            <a:r>
-              <a:rPr lang="en-US" sz="2000" dirty="0"/>
-              <a:t>Derive new columns from existing columns to plot various graphs</a:t>
-            </a:r>
-          </a:p>
-        </p:txBody>
-      </p:sp>
-      <p:pic>
-        <p:nvPicPr>
-          <p:cNvPr id="10" name="Picture 9" descr="A picture containing schematic&#10;&#10;Description automatically generated">
-            <a:extLst>
-              <a:ext uri="{FF2B5EF4-FFF2-40B4-BE49-F238E27FC236}">
-                <a16:creationId xmlns:a16="http://schemas.microsoft.com/office/drawing/2014/main" id="{298631C2-A460-3CF5-9C53-FBB02295B035}"/>
-              </a:ext>
-            </a:extLst>
-          </p:cNvPr>
-          <p:cNvPicPr>
-            <a:picLocks noChangeAspect="1"/>
-          </p:cNvPicPr>
-          <p:nvPr/>
-        </p:nvPicPr>
-        <p:blipFill rotWithShape="1">
-          <a:blip r:embed="rId2"/>
-          <a:srcRect r="22013" b="-2"/>
-          <a:stretch/>
-        </p:blipFill>
-        <p:spPr>
-          <a:xfrm>
-            <a:off x="5311702" y="10"/>
-            <a:ext cx="6878775" cy="6857990"/>
-          </a:xfrm>
-          <a:custGeom>
-            <a:avLst/>
-            <a:gdLst/>
-            <a:ahLst/>
-            <a:cxnLst/>
-            <a:rect l="l" t="t" r="r" b="b"/>
-            <a:pathLst>
-              <a:path w="6878775" h="6858000">
-                <a:moveTo>
-                  <a:pt x="1102973" y="0"/>
-                </a:moveTo>
-                <a:lnTo>
-                  <a:pt x="1160688" y="0"/>
-                </a:lnTo>
-                <a:lnTo>
-                  <a:pt x="983189" y="331786"/>
-                </a:lnTo>
-                <a:cubicBezTo>
-                  <a:pt x="914866" y="469145"/>
-                  <a:pt x="850355" y="608712"/>
-                  <a:pt x="789261" y="750263"/>
-                </a:cubicBezTo>
-                <a:cubicBezTo>
-                  <a:pt x="774307" y="784928"/>
-                  <a:pt x="759992" y="819849"/>
-                  <a:pt x="745295" y="854514"/>
-                </a:cubicBezTo>
-                <a:cubicBezTo>
-                  <a:pt x="756682" y="845393"/>
-                  <a:pt x="765489" y="833492"/>
-                  <a:pt x="770857" y="819975"/>
-                </a:cubicBezTo>
-                <a:cubicBezTo>
-                  <a:pt x="879943" y="589569"/>
-                  <a:pt x="999605" y="365513"/>
-                  <a:pt x="1131329" y="148742"/>
-                </a:cubicBezTo>
-                <a:lnTo>
-                  <a:pt x="1227589" y="0"/>
-                </a:lnTo>
-                <a:lnTo>
-                  <a:pt x="6878775" y="0"/>
-                </a:lnTo>
-                <a:lnTo>
-                  <a:pt x="6878775" y="6858000"/>
-                </a:lnTo>
-                <a:lnTo>
-                  <a:pt x="713521" y="6858000"/>
-                </a:lnTo>
-                <a:lnTo>
-                  <a:pt x="625642" y="6670527"/>
-                </a:lnTo>
-                <a:cubicBezTo>
-                  <a:pt x="507232" y="6398531"/>
-                  <a:pt x="403083" y="6118381"/>
-                  <a:pt x="312785" y="5830359"/>
-                </a:cubicBezTo>
-                <a:cubicBezTo>
-                  <a:pt x="278149" y="5719759"/>
-                  <a:pt x="248879" y="5607635"/>
-                  <a:pt x="212198" y="5480401"/>
-                </a:cubicBezTo>
-                <a:cubicBezTo>
-                  <a:pt x="212208" y="5491601"/>
-                  <a:pt x="212803" y="5502788"/>
-                  <a:pt x="213988" y="5513923"/>
-                </a:cubicBezTo>
-                <a:cubicBezTo>
-                  <a:pt x="264089" y="5723695"/>
-                  <a:pt x="307290" y="5935370"/>
-                  <a:pt x="365826" y="6142729"/>
-                </a:cubicBezTo>
-                <a:cubicBezTo>
-                  <a:pt x="433152" y="6380817"/>
-                  <a:pt x="510068" y="6614016"/>
-                  <a:pt x="597975" y="6841549"/>
-                </a:cubicBezTo>
-                <a:lnTo>
-                  <a:pt x="604824" y="6858000"/>
-                </a:lnTo>
-                <a:lnTo>
-                  <a:pt x="552056" y="6858000"/>
-                </a:lnTo>
-                <a:lnTo>
-                  <a:pt x="539576" y="6828295"/>
-                </a:lnTo>
-                <a:cubicBezTo>
-                  <a:pt x="380597" y="6414594"/>
-                  <a:pt x="260223" y="5988893"/>
-                  <a:pt x="171555" y="5552906"/>
-                </a:cubicBezTo>
-                <a:cubicBezTo>
-                  <a:pt x="91163" y="5157998"/>
-                  <a:pt x="43746" y="4758899"/>
-                  <a:pt x="12305" y="4357388"/>
-                </a:cubicBezTo>
-                <a:cubicBezTo>
-                  <a:pt x="-14281" y="4013908"/>
-                  <a:pt x="4507" y="3672965"/>
-                  <a:pt x="46684" y="3331516"/>
-                </a:cubicBezTo>
-                <a:cubicBezTo>
-                  <a:pt x="127203" y="2664286"/>
-                  <a:pt x="277819" y="2007265"/>
-                  <a:pt x="496065" y="1371196"/>
-                </a:cubicBezTo>
-                <a:cubicBezTo>
-                  <a:pt x="636273" y="966066"/>
-                  <a:pt x="800445" y="573253"/>
-                  <a:pt x="995723" y="196614"/>
-                </a:cubicBezTo>
-                <a:close/>
-              </a:path>
-            </a:pathLst>
-          </a:custGeom>
-        </p:spPr>
-      </p:pic>
-    </p:spTree>
-    <p:extLst>
-      <p:ext uri="{BB962C8B-B14F-4D97-AF65-F5344CB8AC3E}">
-        <p14:creationId xmlns:p14="http://schemas.microsoft.com/office/powerpoint/2010/main" val="1345376931"/>
-      </p:ext>
-    </p:extLst>
-  </p:cSld>
-  <p:clrMapOvr>
-    <a:masterClrMapping/>
-  </p:clrMapOvr>
-</p:sld>
-</file>
-
-<file path=ppt/slides/slide6.xml><?xml version="1.0" encoding="utf-8"?>
-<p:sld xmlns:a="http://schemas.openxmlformats.org/drawingml/2006/main" xmlns:r="http://schemas.openxmlformats.org/officeDocument/2006/relationships" xmlns:p="http://schemas.openxmlformats.org/presentationml/2006/main">
-  <p:cSld>
-    <p:spTree>
-      <p:nvGrpSpPr>
-        <p:cNvPr id="1" name=""/>
-        <p:cNvGrpSpPr/>
-        <p:nvPr/>
-      </p:nvGrpSpPr>
-      <p:grpSpPr>
-        <a:xfrm>
-          <a:off x="0" y="0"/>
-          <a:ext cx="0" cy="0"/>
-          <a:chOff x="0" y="0"/>
-          <a:chExt cx="0" cy="0"/>
-        </a:xfrm>
-      </p:grpSpPr>
-      <p:sp>
-        <p:nvSpPr>
-          <p:cNvPr id="2" name="Title 1">
-            <a:extLst>
-              <a:ext uri="{FF2B5EF4-FFF2-40B4-BE49-F238E27FC236}">
-                <a16:creationId xmlns:a16="http://schemas.microsoft.com/office/drawing/2014/main" id="{19FE940E-E20C-0C4F-21F1-4904171C371F}"/>
-              </a:ext>
-            </a:extLst>
-          </p:cNvPr>
-          <p:cNvSpPr>
-            <a:spLocks noGrp="1"/>
-          </p:cNvSpPr>
-          <p:nvPr>
-            <p:ph type="title"/>
-          </p:nvPr>
-        </p:nvSpPr>
-        <p:spPr/>
-        <p:txBody>
-          <a:bodyPr/>
-          <a:lstStyle/>
-          <a:p>
-            <a:r>
-              <a:rPr lang="en-US" dirty="0"/>
-              <a:t>Insights on data cleanup/correction</a:t>
-            </a:r>
-          </a:p>
-        </p:txBody>
-      </p:sp>
-      <p:sp>
-        <p:nvSpPr>
-          <p:cNvPr id="3" name="Content Placeholder 2">
-            <a:extLst>
-              <a:ext uri="{FF2B5EF4-FFF2-40B4-BE49-F238E27FC236}">
-                <a16:creationId xmlns:a16="http://schemas.microsoft.com/office/drawing/2014/main" id="{E38DAA81-EA88-FFF1-C698-E011397FFBC9}"/>
-              </a:ext>
-            </a:extLst>
-          </p:cNvPr>
-          <p:cNvSpPr>
-            <a:spLocks noGrp="1"/>
-          </p:cNvSpPr>
+          <p:cNvGraphicFramePr>
+            <a:graphicFrameLocks noGrp="1"/>
+          </p:cNvGraphicFramePr>
           <p:nvPr>
             <p:ph idx="1"/>
+            <p:extLst>
+              <p:ext uri="{D42A27DB-BD31-4B8C-83A1-F6EECF244321}">
+                <p14:modId xmlns:p14="http://schemas.microsoft.com/office/powerpoint/2010/main" val="1719691610"/>
+              </p:ext>
+            </p:extLst>
           </p:nvPr>
-        </p:nvSpPr>
-        <p:spPr/>
-        <p:txBody>
-          <a:bodyPr/>
-          <a:lstStyle/>
-          <a:p>
-            <a:endParaRPr lang="en-US" dirty="0"/>
-          </a:p>
-        </p:txBody>
-      </p:sp>
+        </p:nvGraphicFramePr>
+        <p:xfrm>
+          <a:off x="4648018" y="640822"/>
+          <a:ext cx="6900512" cy="5536141"/>
+        </p:xfrm>
+        <a:graphic>
+          <a:graphicData uri="http://schemas.openxmlformats.org/drawingml/2006/diagram">
+            <dgm:relIds xmlns:dgm="http://schemas.openxmlformats.org/drawingml/2006/diagram" xmlns:r="http://schemas.openxmlformats.org/officeDocument/2006/relationships" r:dm="rId2" r:lo="rId3" r:qs="rId4" r:cs="rId5"/>
+          </a:graphicData>
+        </a:graphic>
+      </p:graphicFrame>
     </p:spTree>
     <p:extLst>
       <p:ext uri="{BB962C8B-B14F-4D97-AF65-F5344CB8AC3E}">
